--- a/documentation/Phase 2 experiments/Presentation second phase.pptx
+++ b/documentation/Phase 2 experiments/Presentation second phase.pptx
@@ -4,17 +4,19 @@
   <p:sldMasterIdLst>
     <p:sldMasterId id="2147483648" r:id="rId1"/>
   </p:sldMasterIdLst>
+  <p:notesMasterIdLst>
+    <p:notesMasterId r:id="rId11"/>
+  </p:notesMasterIdLst>
   <p:sldIdLst>
     <p:sldId id="256" r:id="rId2"/>
-    <p:sldId id="266" r:id="rId3"/>
-    <p:sldId id="257" r:id="rId4"/>
-    <p:sldId id="265" r:id="rId5"/>
-    <p:sldId id="268" r:id="rId6"/>
-    <p:sldId id="267" r:id="rId7"/>
-    <p:sldId id="262" r:id="rId8"/>
-    <p:sldId id="259" r:id="rId9"/>
-    <p:sldId id="260" r:id="rId10"/>
-    <p:sldId id="263" r:id="rId11"/>
+    <p:sldId id="257" r:id="rId3"/>
+    <p:sldId id="267" r:id="rId4"/>
+    <p:sldId id="268" r:id="rId5"/>
+    <p:sldId id="270" r:id="rId6"/>
+    <p:sldId id="262" r:id="rId7"/>
+    <p:sldId id="260" r:id="rId8"/>
+    <p:sldId id="269" r:id="rId9"/>
+    <p:sldId id="263" r:id="rId10"/>
   </p:sldIdLst>
   <p:sldSz cx="12192000" cy="6858000"/>
   <p:notesSz cx="6858000" cy="9144000"/>
@@ -121,6 +123,1465 @@
 </p:presentation>
 </file>
 
+<file path=ppt/notesMasters/notesMaster1.xml><?xml version="1.0" encoding="utf-8"?>
+<p:notesMaster xmlns:a="http://schemas.openxmlformats.org/drawingml/2006/main" xmlns:r="http://schemas.openxmlformats.org/officeDocument/2006/relationships" xmlns:p="http://schemas.openxmlformats.org/presentationml/2006/main">
+  <p:cSld>
+    <p:bg>
+      <p:bgRef idx="1001">
+        <a:schemeClr val="bg1"/>
+      </p:bgRef>
+    </p:bg>
+    <p:spTree>
+      <p:nvGrpSpPr>
+        <p:cNvPr id="1" name=""/>
+        <p:cNvGrpSpPr/>
+        <p:nvPr/>
+      </p:nvGrpSpPr>
+      <p:grpSpPr>
+        <a:xfrm>
+          <a:off x="0" y="0"/>
+          <a:ext cx="0" cy="0"/>
+          <a:chOff x="0" y="0"/>
+          <a:chExt cx="0" cy="0"/>
+        </a:xfrm>
+      </p:grpSpPr>
+      <p:sp>
+        <p:nvSpPr>
+          <p:cNvPr id="2" name="Header Placeholder 1"/>
+          <p:cNvSpPr>
+            <a:spLocks noGrp="1"/>
+          </p:cNvSpPr>
+          <p:nvPr>
+            <p:ph type="hdr" sz="quarter"/>
+          </p:nvPr>
+        </p:nvSpPr>
+        <p:spPr>
+          <a:xfrm>
+            <a:off x="0" y="0"/>
+            <a:ext cx="2971800" cy="458788"/>
+          </a:xfrm>
+          <a:prstGeom prst="rect">
+            <a:avLst/>
+          </a:prstGeom>
+        </p:spPr>
+        <p:txBody>
+          <a:bodyPr vert="horz" lIns="91440" tIns="45720" rIns="91440" bIns="45720" rtlCol="0"/>
+          <a:lstStyle>
+            <a:lvl1pPr algn="l">
+              <a:defRPr sz="1200"/>
+            </a:lvl1pPr>
+          </a:lstStyle>
+          <a:p>
+            <a:endParaRPr lang="en-GB"/>
+          </a:p>
+        </p:txBody>
+      </p:sp>
+      <p:sp>
+        <p:nvSpPr>
+          <p:cNvPr id="3" name="Date Placeholder 2"/>
+          <p:cNvSpPr>
+            <a:spLocks noGrp="1"/>
+          </p:cNvSpPr>
+          <p:nvPr>
+            <p:ph type="dt" idx="1"/>
+          </p:nvPr>
+        </p:nvSpPr>
+        <p:spPr>
+          <a:xfrm>
+            <a:off x="3884613" y="0"/>
+            <a:ext cx="2971800" cy="458788"/>
+          </a:xfrm>
+          <a:prstGeom prst="rect">
+            <a:avLst/>
+          </a:prstGeom>
+        </p:spPr>
+        <p:txBody>
+          <a:bodyPr vert="horz" lIns="91440" tIns="45720" rIns="91440" bIns="45720" rtlCol="0"/>
+          <a:lstStyle>
+            <a:lvl1pPr algn="r">
+              <a:defRPr sz="1200"/>
+            </a:lvl1pPr>
+          </a:lstStyle>
+          <a:p>
+            <a:fld id="{5A725F96-9635-4678-A485-FDC57A98AC9C}" type="datetimeFigureOut">
+              <a:rPr lang="en-GB" smtClean="0"/>
+              <a:t>26/05/2019</a:t>
+            </a:fld>
+            <a:endParaRPr lang="en-GB"/>
+          </a:p>
+        </p:txBody>
+      </p:sp>
+      <p:sp>
+        <p:nvSpPr>
+          <p:cNvPr id="4" name="Slide Image Placeholder 3"/>
+          <p:cNvSpPr>
+            <a:spLocks noGrp="1" noRot="1" noChangeAspect="1"/>
+          </p:cNvSpPr>
+          <p:nvPr>
+            <p:ph type="sldImg" idx="2"/>
+          </p:nvPr>
+        </p:nvSpPr>
+        <p:spPr>
+          <a:xfrm>
+            <a:off x="685800" y="1143000"/>
+            <a:ext cx="5486400" cy="3086100"/>
+          </a:xfrm>
+          <a:prstGeom prst="rect">
+            <a:avLst/>
+          </a:prstGeom>
+          <a:noFill/>
+          <a:ln w="12700">
+            <a:solidFill>
+              <a:prstClr val="black"/>
+            </a:solidFill>
+          </a:ln>
+        </p:spPr>
+        <p:txBody>
+          <a:bodyPr vert="horz" lIns="91440" tIns="45720" rIns="91440" bIns="45720" rtlCol="0" anchor="ctr"/>
+          <a:lstStyle/>
+          <a:p>
+            <a:endParaRPr lang="en-GB"/>
+          </a:p>
+        </p:txBody>
+      </p:sp>
+      <p:sp>
+        <p:nvSpPr>
+          <p:cNvPr id="5" name="Notes Placeholder 4"/>
+          <p:cNvSpPr>
+            <a:spLocks noGrp="1"/>
+          </p:cNvSpPr>
+          <p:nvPr>
+            <p:ph type="body" sz="quarter" idx="3"/>
+          </p:nvPr>
+        </p:nvSpPr>
+        <p:spPr>
+          <a:xfrm>
+            <a:off x="685800" y="4400550"/>
+            <a:ext cx="5486400" cy="3600450"/>
+          </a:xfrm>
+          <a:prstGeom prst="rect">
+            <a:avLst/>
+          </a:prstGeom>
+        </p:spPr>
+        <p:txBody>
+          <a:bodyPr vert="horz" lIns="91440" tIns="45720" rIns="91440" bIns="45720" rtlCol="0"/>
+          <a:lstStyle/>
+          <a:p>
+            <a:pPr lvl="0"/>
+            <a:r>
+              <a:rPr lang="en-US"/>
+              <a:t>Click to edit Master text styles</a:t>
+            </a:r>
+          </a:p>
+          <a:p>
+            <a:pPr lvl="1"/>
+            <a:r>
+              <a:rPr lang="en-US"/>
+              <a:t>Second level</a:t>
+            </a:r>
+          </a:p>
+          <a:p>
+            <a:pPr lvl="2"/>
+            <a:r>
+              <a:rPr lang="en-US"/>
+              <a:t>Third level</a:t>
+            </a:r>
+          </a:p>
+          <a:p>
+            <a:pPr lvl="3"/>
+            <a:r>
+              <a:rPr lang="en-US"/>
+              <a:t>Fourth level</a:t>
+            </a:r>
+          </a:p>
+          <a:p>
+            <a:pPr lvl="4"/>
+            <a:r>
+              <a:rPr lang="en-US"/>
+              <a:t>Fifth level</a:t>
+            </a:r>
+            <a:endParaRPr lang="en-GB"/>
+          </a:p>
+        </p:txBody>
+      </p:sp>
+      <p:sp>
+        <p:nvSpPr>
+          <p:cNvPr id="6" name="Footer Placeholder 5"/>
+          <p:cNvSpPr>
+            <a:spLocks noGrp="1"/>
+          </p:cNvSpPr>
+          <p:nvPr>
+            <p:ph type="ftr" sz="quarter" idx="4"/>
+          </p:nvPr>
+        </p:nvSpPr>
+        <p:spPr>
+          <a:xfrm>
+            <a:off x="0" y="8685213"/>
+            <a:ext cx="2971800" cy="458787"/>
+          </a:xfrm>
+          <a:prstGeom prst="rect">
+            <a:avLst/>
+          </a:prstGeom>
+        </p:spPr>
+        <p:txBody>
+          <a:bodyPr vert="horz" lIns="91440" tIns="45720" rIns="91440" bIns="45720" rtlCol="0" anchor="b"/>
+          <a:lstStyle>
+            <a:lvl1pPr algn="l">
+              <a:defRPr sz="1200"/>
+            </a:lvl1pPr>
+          </a:lstStyle>
+          <a:p>
+            <a:endParaRPr lang="en-GB"/>
+          </a:p>
+        </p:txBody>
+      </p:sp>
+      <p:sp>
+        <p:nvSpPr>
+          <p:cNvPr id="7" name="Slide Number Placeholder 6"/>
+          <p:cNvSpPr>
+            <a:spLocks noGrp="1"/>
+          </p:cNvSpPr>
+          <p:nvPr>
+            <p:ph type="sldNum" sz="quarter" idx="5"/>
+          </p:nvPr>
+        </p:nvSpPr>
+        <p:spPr>
+          <a:xfrm>
+            <a:off x="3884613" y="8685213"/>
+            <a:ext cx="2971800" cy="458787"/>
+          </a:xfrm>
+          <a:prstGeom prst="rect">
+            <a:avLst/>
+          </a:prstGeom>
+        </p:spPr>
+        <p:txBody>
+          <a:bodyPr vert="horz" lIns="91440" tIns="45720" rIns="91440" bIns="45720" rtlCol="0" anchor="b"/>
+          <a:lstStyle>
+            <a:lvl1pPr algn="r">
+              <a:defRPr sz="1200"/>
+            </a:lvl1pPr>
+          </a:lstStyle>
+          <a:p>
+            <a:fld id="{508C1811-C778-4C97-A863-AD4A19CD14B1}" type="slidenum">
+              <a:rPr lang="en-GB" smtClean="0"/>
+              <a:t>‹#›</a:t>
+            </a:fld>
+            <a:endParaRPr lang="en-GB"/>
+          </a:p>
+        </p:txBody>
+      </p:sp>
+    </p:spTree>
+    <p:extLst>
+      <p:ext uri="{BB962C8B-B14F-4D97-AF65-F5344CB8AC3E}">
+        <p14:creationId xmlns:p14="http://schemas.microsoft.com/office/powerpoint/2010/main" val="423078971"/>
+      </p:ext>
+    </p:extLst>
+  </p:cSld>
+  <p:clrMap bg1="lt1" tx1="dk1" bg2="lt2" tx2="dk2" accent1="accent1" accent2="accent2" accent3="accent3" accent4="accent4" accent5="accent5" accent6="accent6" hlink="hlink" folHlink="folHlink"/>
+  <p:notesStyle>
+    <a:lvl1pPr marL="0" algn="l" defTabSz="914400" rtl="0" eaLnBrk="1" latinLnBrk="0" hangingPunct="1">
+      <a:defRPr sz="1200" kern="1200">
+        <a:solidFill>
+          <a:schemeClr val="tx1"/>
+        </a:solidFill>
+        <a:latin typeface="+mn-lt"/>
+        <a:ea typeface="+mn-ea"/>
+        <a:cs typeface="+mn-cs"/>
+      </a:defRPr>
+    </a:lvl1pPr>
+    <a:lvl2pPr marL="457200" algn="l" defTabSz="914400" rtl="0" eaLnBrk="1" latinLnBrk="0" hangingPunct="1">
+      <a:defRPr sz="1200" kern="1200">
+        <a:solidFill>
+          <a:schemeClr val="tx1"/>
+        </a:solidFill>
+        <a:latin typeface="+mn-lt"/>
+        <a:ea typeface="+mn-ea"/>
+        <a:cs typeface="+mn-cs"/>
+      </a:defRPr>
+    </a:lvl2pPr>
+    <a:lvl3pPr marL="914400" algn="l" defTabSz="914400" rtl="0" eaLnBrk="1" latinLnBrk="0" hangingPunct="1">
+      <a:defRPr sz="1200" kern="1200">
+        <a:solidFill>
+          <a:schemeClr val="tx1"/>
+        </a:solidFill>
+        <a:latin typeface="+mn-lt"/>
+        <a:ea typeface="+mn-ea"/>
+        <a:cs typeface="+mn-cs"/>
+      </a:defRPr>
+    </a:lvl3pPr>
+    <a:lvl4pPr marL="1371600" algn="l" defTabSz="914400" rtl="0" eaLnBrk="1" latinLnBrk="0" hangingPunct="1">
+      <a:defRPr sz="1200" kern="1200">
+        <a:solidFill>
+          <a:schemeClr val="tx1"/>
+        </a:solidFill>
+        <a:latin typeface="+mn-lt"/>
+        <a:ea typeface="+mn-ea"/>
+        <a:cs typeface="+mn-cs"/>
+      </a:defRPr>
+    </a:lvl4pPr>
+    <a:lvl5pPr marL="1828800" algn="l" defTabSz="914400" rtl="0" eaLnBrk="1" latinLnBrk="0" hangingPunct="1">
+      <a:defRPr sz="1200" kern="1200">
+        <a:solidFill>
+          <a:schemeClr val="tx1"/>
+        </a:solidFill>
+        <a:latin typeface="+mn-lt"/>
+        <a:ea typeface="+mn-ea"/>
+        <a:cs typeface="+mn-cs"/>
+      </a:defRPr>
+    </a:lvl5pPr>
+    <a:lvl6pPr marL="2286000" algn="l" defTabSz="914400" rtl="0" eaLnBrk="1" latinLnBrk="0" hangingPunct="1">
+      <a:defRPr sz="1200" kern="1200">
+        <a:solidFill>
+          <a:schemeClr val="tx1"/>
+        </a:solidFill>
+        <a:latin typeface="+mn-lt"/>
+        <a:ea typeface="+mn-ea"/>
+        <a:cs typeface="+mn-cs"/>
+      </a:defRPr>
+    </a:lvl6pPr>
+    <a:lvl7pPr marL="2743200" algn="l" defTabSz="914400" rtl="0" eaLnBrk="1" latinLnBrk="0" hangingPunct="1">
+      <a:defRPr sz="1200" kern="1200">
+        <a:solidFill>
+          <a:schemeClr val="tx1"/>
+        </a:solidFill>
+        <a:latin typeface="+mn-lt"/>
+        <a:ea typeface="+mn-ea"/>
+        <a:cs typeface="+mn-cs"/>
+      </a:defRPr>
+    </a:lvl7pPr>
+    <a:lvl8pPr marL="3200400" algn="l" defTabSz="914400" rtl="0" eaLnBrk="1" latinLnBrk="0" hangingPunct="1">
+      <a:defRPr sz="1200" kern="1200">
+        <a:solidFill>
+          <a:schemeClr val="tx1"/>
+        </a:solidFill>
+        <a:latin typeface="+mn-lt"/>
+        <a:ea typeface="+mn-ea"/>
+        <a:cs typeface="+mn-cs"/>
+      </a:defRPr>
+    </a:lvl8pPr>
+    <a:lvl9pPr marL="3657600" algn="l" defTabSz="914400" rtl="0" eaLnBrk="1" latinLnBrk="0" hangingPunct="1">
+      <a:defRPr sz="1200" kern="1200">
+        <a:solidFill>
+          <a:schemeClr val="tx1"/>
+        </a:solidFill>
+        <a:latin typeface="+mn-lt"/>
+        <a:ea typeface="+mn-ea"/>
+        <a:cs typeface="+mn-cs"/>
+      </a:defRPr>
+    </a:lvl9pPr>
+  </p:notesStyle>
+</p:notesMaster>
+</file>
+
+<file path=ppt/notesSlides/notesSlide1.xml><?xml version="1.0" encoding="utf-8"?>
+<p:notes xmlns:a="http://schemas.openxmlformats.org/drawingml/2006/main" xmlns:r="http://schemas.openxmlformats.org/officeDocument/2006/relationships" xmlns:p="http://schemas.openxmlformats.org/presentationml/2006/main">
+  <p:cSld>
+    <p:spTree>
+      <p:nvGrpSpPr>
+        <p:cNvPr id="1" name=""/>
+        <p:cNvGrpSpPr/>
+        <p:nvPr/>
+      </p:nvGrpSpPr>
+      <p:grpSpPr>
+        <a:xfrm>
+          <a:off x="0" y="0"/>
+          <a:ext cx="0" cy="0"/>
+          <a:chOff x="0" y="0"/>
+          <a:chExt cx="0" cy="0"/>
+        </a:xfrm>
+      </p:grpSpPr>
+      <p:sp>
+        <p:nvSpPr>
+          <p:cNvPr id="2" name="Slide Image Placeholder 1"/>
+          <p:cNvSpPr>
+            <a:spLocks noGrp="1" noRot="1" noChangeAspect="1"/>
+          </p:cNvSpPr>
+          <p:nvPr>
+            <p:ph type="sldImg"/>
+          </p:nvPr>
+        </p:nvSpPr>
+        <p:spPr/>
+      </p:sp>
+      <p:sp>
+        <p:nvSpPr>
+          <p:cNvPr id="3" name="Notes Placeholder 2"/>
+          <p:cNvSpPr>
+            <a:spLocks noGrp="1"/>
+          </p:cNvSpPr>
+          <p:nvPr>
+            <p:ph type="body" idx="1"/>
+          </p:nvPr>
+        </p:nvSpPr>
+        <p:spPr/>
+        <p:txBody>
+          <a:bodyPr/>
+          <a:lstStyle/>
+          <a:p>
+            <a:r>
+              <a:rPr lang="en-GB" dirty="0"/>
+              <a:t>Valentin or Victor ?</a:t>
+            </a:r>
+          </a:p>
+        </p:txBody>
+      </p:sp>
+      <p:sp>
+        <p:nvSpPr>
+          <p:cNvPr id="4" name="Slide Number Placeholder 3"/>
+          <p:cNvSpPr>
+            <a:spLocks noGrp="1"/>
+          </p:cNvSpPr>
+          <p:nvPr>
+            <p:ph type="sldNum" sz="quarter" idx="5"/>
+          </p:nvPr>
+        </p:nvSpPr>
+        <p:spPr/>
+        <p:txBody>
+          <a:bodyPr/>
+          <a:lstStyle/>
+          <a:p>
+            <a:fld id="{508C1811-C778-4C97-A863-AD4A19CD14B1}" type="slidenum">
+              <a:rPr lang="en-GB" smtClean="0"/>
+              <a:t>2</a:t>
+            </a:fld>
+            <a:endParaRPr lang="en-GB"/>
+          </a:p>
+        </p:txBody>
+      </p:sp>
+    </p:spTree>
+    <p:extLst>
+      <p:ext uri="{BB962C8B-B14F-4D97-AF65-F5344CB8AC3E}">
+        <p14:creationId xmlns:p14="http://schemas.microsoft.com/office/powerpoint/2010/main" val="1685193991"/>
+      </p:ext>
+    </p:extLst>
+  </p:cSld>
+  <p:clrMapOvr>
+    <a:masterClrMapping/>
+  </p:clrMapOvr>
+</p:notes>
+</file>
+
+<file path=ppt/notesSlides/notesSlide2.xml><?xml version="1.0" encoding="utf-8"?>
+<p:notes xmlns:a="http://schemas.openxmlformats.org/drawingml/2006/main" xmlns:r="http://schemas.openxmlformats.org/officeDocument/2006/relationships" xmlns:p="http://schemas.openxmlformats.org/presentationml/2006/main">
+  <p:cSld>
+    <p:spTree>
+      <p:nvGrpSpPr>
+        <p:cNvPr id="1" name=""/>
+        <p:cNvGrpSpPr/>
+        <p:nvPr/>
+      </p:nvGrpSpPr>
+      <p:grpSpPr>
+        <a:xfrm>
+          <a:off x="0" y="0"/>
+          <a:ext cx="0" cy="0"/>
+          <a:chOff x="0" y="0"/>
+          <a:chExt cx="0" cy="0"/>
+        </a:xfrm>
+      </p:grpSpPr>
+      <p:sp>
+        <p:nvSpPr>
+          <p:cNvPr id="2" name="Slide Image Placeholder 1"/>
+          <p:cNvSpPr>
+            <a:spLocks noGrp="1" noRot="1" noChangeAspect="1"/>
+          </p:cNvSpPr>
+          <p:nvPr>
+            <p:ph type="sldImg"/>
+          </p:nvPr>
+        </p:nvSpPr>
+        <p:spPr/>
+      </p:sp>
+      <p:sp>
+        <p:nvSpPr>
+          <p:cNvPr id="3" name="Notes Placeholder 2"/>
+          <p:cNvSpPr>
+            <a:spLocks noGrp="1"/>
+          </p:cNvSpPr>
+          <p:nvPr>
+            <p:ph type="body" idx="1"/>
+          </p:nvPr>
+        </p:nvSpPr>
+        <p:spPr/>
+        <p:txBody>
+          <a:bodyPr/>
+          <a:lstStyle/>
+          <a:p>
+            <a:r>
+              <a:rPr lang="en-US" sz="2400" dirty="0">
+                <a:solidFill>
+                  <a:srgbClr val="000000"/>
+                </a:solidFill>
+              </a:rPr>
+              <a:t>Open-Loop Controller</a:t>
+            </a:r>
+          </a:p>
+          <a:p>
+            <a:pPr lvl="1"/>
+            <a:r>
+              <a:rPr lang="en-US" sz="1800" b="1" u="sng" dirty="0">
+                <a:solidFill>
+                  <a:srgbClr val="000000"/>
+                </a:solidFill>
+              </a:rPr>
+              <a:t>In an open-Loop Controller, </a:t>
+            </a:r>
+            <a:r>
+              <a:rPr lang="en-US" sz="1800" dirty="0">
+                <a:solidFill>
+                  <a:srgbClr val="000000"/>
+                </a:solidFill>
+              </a:rPr>
+              <a:t>the control action performed </a:t>
+            </a:r>
+            <a:r>
+              <a:rPr lang="en-US" sz="1800" b="1" u="sng" dirty="0">
+                <a:solidFill>
+                  <a:srgbClr val="000000"/>
+                </a:solidFill>
+              </a:rPr>
+              <a:t>is </a:t>
+            </a:r>
+            <a:r>
+              <a:rPr lang="en-US" sz="1800" dirty="0">
+                <a:solidFill>
+                  <a:srgbClr val="000000"/>
+                </a:solidFill>
+              </a:rPr>
+              <a:t>independent of the “process output</a:t>
+            </a:r>
+            <a:r>
+              <a:rPr lang="en-US" sz="1800" b="1" u="sng" dirty="0">
+                <a:solidFill>
+                  <a:srgbClr val="000000"/>
+                </a:solidFill>
+              </a:rPr>
+              <a:t>”, which is the variable being controlled</a:t>
+            </a:r>
+          </a:p>
+          <a:p>
+            <a:pPr lvl="1"/>
+            <a:r>
+              <a:rPr lang="en-US" sz="1800" dirty="0">
+                <a:solidFill>
+                  <a:srgbClr val="000000"/>
+                </a:solidFill>
+              </a:rPr>
+              <a:t>Example: heater which heats for a given time</a:t>
+            </a:r>
+            <a:r>
+              <a:rPr lang="en-US" sz="1800" b="1" u="sng" dirty="0">
+                <a:solidFill>
+                  <a:srgbClr val="000000"/>
+                </a:solidFill>
+              </a:rPr>
+              <a:t>, without measuring the temperature of the room</a:t>
+            </a:r>
+          </a:p>
+          <a:p>
+            <a:pPr lvl="1"/>
+            <a:endParaRPr lang="en-US" sz="1800" dirty="0">
+              <a:solidFill>
+                <a:srgbClr val="000000"/>
+              </a:solidFill>
+            </a:endParaRPr>
+          </a:p>
+          <a:p>
+            <a:r>
+              <a:rPr lang="en-US" sz="2200" b="1" u="sng" dirty="0">
+                <a:solidFill>
+                  <a:srgbClr val="000000"/>
+                </a:solidFill>
+              </a:rPr>
+              <a:t>How it works </a:t>
+            </a:r>
+            <a:r>
+              <a:rPr lang="en-US" sz="2200" dirty="0">
+                <a:solidFill>
+                  <a:srgbClr val="000000"/>
+                </a:solidFill>
+              </a:rPr>
+              <a:t>for the landing:</a:t>
+            </a:r>
+          </a:p>
+          <a:p>
+            <a:pPr lvl="1"/>
+            <a:r>
+              <a:rPr lang="en-US" sz="1800" b="1" u="sng" dirty="0">
+                <a:solidFill>
+                  <a:srgbClr val="000000"/>
+                </a:solidFill>
+              </a:rPr>
+              <a:t>The landing module uses a </a:t>
+            </a:r>
+            <a:r>
+              <a:rPr lang="en-US" sz="1800" dirty="0">
+                <a:solidFill>
+                  <a:srgbClr val="000000"/>
+                </a:solidFill>
+              </a:rPr>
+              <a:t>constant thrust </a:t>
+            </a:r>
+            <a:r>
+              <a:rPr lang="en-US" sz="1800" b="1" u="sng" dirty="0">
+                <a:solidFill>
+                  <a:srgbClr val="000000"/>
+                </a:solidFill>
+                <a:effectLst/>
+              </a:rPr>
+              <a:t>at every moment, which would have to be nearly equal in norm to the gravity</a:t>
+            </a:r>
+          </a:p>
+          <a:p>
+            <a:pPr lvl="1"/>
+            <a:endParaRPr lang="en-US" sz="1800" b="1" u="sng" dirty="0">
+              <a:solidFill>
+                <a:srgbClr val="000000"/>
+              </a:solidFill>
+              <a:effectLst/>
+            </a:endParaRPr>
+          </a:p>
+          <a:p>
+            <a:pPr lvl="0"/>
+            <a:r>
+              <a:rPr lang="en-US" sz="1800" b="1" u="sng" dirty="0">
+                <a:solidFill>
+                  <a:srgbClr val="000000"/>
+                </a:solidFill>
+                <a:effectLst/>
+              </a:rPr>
+              <a:t>Does not take into account anything, so can not counter the wind</a:t>
+            </a:r>
+          </a:p>
+        </p:txBody>
+      </p:sp>
+      <p:sp>
+        <p:nvSpPr>
+          <p:cNvPr id="4" name="Slide Number Placeholder 3"/>
+          <p:cNvSpPr>
+            <a:spLocks noGrp="1"/>
+          </p:cNvSpPr>
+          <p:nvPr>
+            <p:ph type="sldNum" sz="quarter" idx="5"/>
+          </p:nvPr>
+        </p:nvSpPr>
+        <p:spPr/>
+        <p:txBody>
+          <a:bodyPr/>
+          <a:lstStyle/>
+          <a:p>
+            <a:fld id="{508C1811-C778-4C97-A863-AD4A19CD14B1}" type="slidenum">
+              <a:rPr lang="en-GB" smtClean="0"/>
+              <a:t>3</a:t>
+            </a:fld>
+            <a:endParaRPr lang="en-GB"/>
+          </a:p>
+        </p:txBody>
+      </p:sp>
+    </p:spTree>
+    <p:extLst>
+      <p:ext uri="{BB962C8B-B14F-4D97-AF65-F5344CB8AC3E}">
+        <p14:creationId xmlns:p14="http://schemas.microsoft.com/office/powerpoint/2010/main" val="1371945585"/>
+      </p:ext>
+    </p:extLst>
+  </p:cSld>
+  <p:clrMapOvr>
+    <a:masterClrMapping/>
+  </p:clrMapOvr>
+</p:notes>
+</file>
+
+<file path=ppt/notesSlides/notesSlide3.xml><?xml version="1.0" encoding="utf-8"?>
+<p:notes xmlns:a="http://schemas.openxmlformats.org/drawingml/2006/main" xmlns:r="http://schemas.openxmlformats.org/officeDocument/2006/relationships" xmlns:p="http://schemas.openxmlformats.org/presentationml/2006/main">
+  <p:cSld>
+    <p:spTree>
+      <p:nvGrpSpPr>
+        <p:cNvPr id="1" name=""/>
+        <p:cNvGrpSpPr/>
+        <p:nvPr/>
+      </p:nvGrpSpPr>
+      <p:grpSpPr>
+        <a:xfrm>
+          <a:off x="0" y="0"/>
+          <a:ext cx="0" cy="0"/>
+          <a:chOff x="0" y="0"/>
+          <a:chExt cx="0" cy="0"/>
+        </a:xfrm>
+      </p:grpSpPr>
+      <p:sp>
+        <p:nvSpPr>
+          <p:cNvPr id="2" name="Slide Image Placeholder 1"/>
+          <p:cNvSpPr>
+            <a:spLocks noGrp="1" noRot="1" noChangeAspect="1"/>
+          </p:cNvSpPr>
+          <p:nvPr>
+            <p:ph type="sldImg"/>
+          </p:nvPr>
+        </p:nvSpPr>
+        <p:spPr/>
+      </p:sp>
+      <p:sp>
+        <p:nvSpPr>
+          <p:cNvPr id="3" name="Notes Placeholder 2"/>
+          <p:cNvSpPr>
+            <a:spLocks noGrp="1"/>
+          </p:cNvSpPr>
+          <p:nvPr>
+            <p:ph type="body" idx="1"/>
+          </p:nvPr>
+        </p:nvSpPr>
+        <p:spPr/>
+        <p:txBody>
+          <a:bodyPr/>
+          <a:lstStyle/>
+          <a:p>
+            <a:r>
+              <a:rPr lang="en-US" sz="2400" dirty="0">
+                <a:solidFill>
+                  <a:srgbClr val="000000"/>
+                </a:solidFill>
+              </a:rPr>
+              <a:t>Feedback Controller</a:t>
+            </a:r>
+          </a:p>
+          <a:p>
+            <a:pPr lvl="1"/>
+            <a:r>
+              <a:rPr lang="en-US" sz="2000" dirty="0">
+                <a:solidFill>
+                  <a:srgbClr val="000000"/>
+                </a:solidFill>
+              </a:rPr>
+              <a:t>Opposite of the open-loop controller</a:t>
+            </a:r>
+            <a:r>
+              <a:rPr lang="en-US" sz="2000" b="1" u="sng" dirty="0">
+                <a:solidFill>
+                  <a:srgbClr val="000000"/>
+                </a:solidFill>
+              </a:rPr>
+              <a:t>, so can take into account all given variables, which are the x- and y-position, the x- and y-velocity, as well as the angle</a:t>
+            </a:r>
+            <a:br>
+              <a:rPr lang="en-US" sz="2000" b="1" u="sng" dirty="0">
+                <a:solidFill>
+                  <a:srgbClr val="000000"/>
+                </a:solidFill>
+              </a:rPr>
+            </a:br>
+            <a:endParaRPr lang="en-US" sz="2400" b="1" u="sng" dirty="0">
+              <a:solidFill>
+                <a:srgbClr val="000000"/>
+              </a:solidFill>
+            </a:endParaRPr>
+          </a:p>
+          <a:p>
+            <a:r>
+              <a:rPr lang="en-US" sz="2400" b="1" u="sng" dirty="0">
+                <a:solidFill>
+                  <a:srgbClr val="000000"/>
+                </a:solidFill>
+              </a:rPr>
+              <a:t>In this case, that means:</a:t>
+            </a:r>
+            <a:r>
+              <a:rPr lang="en-US" sz="2400" dirty="0">
+                <a:solidFill>
+                  <a:srgbClr val="000000"/>
+                </a:solidFill>
+              </a:rPr>
+              <a:t> </a:t>
+            </a:r>
+          </a:p>
+          <a:p>
+            <a:pPr lvl="1"/>
+            <a:r>
+              <a:rPr lang="en-US" sz="2000" dirty="0">
+                <a:solidFill>
+                  <a:srgbClr val="000000"/>
+                </a:solidFill>
+              </a:rPr>
+              <a:t>Correct the x-position </a:t>
+            </a:r>
+            <a:r>
+              <a:rPr lang="en-US" sz="2000" b="1" u="sng" dirty="0">
+                <a:solidFill>
+                  <a:srgbClr val="000000"/>
+                </a:solidFill>
+              </a:rPr>
+              <a:t>by modifying the angle of the landing module</a:t>
+            </a:r>
+            <a:r>
+              <a:rPr lang="en-GB" sz="2000" b="1" u="sng" dirty="0">
+                <a:solidFill>
+                  <a:srgbClr val="000000"/>
+                </a:solidFill>
+              </a:rPr>
+              <a:t> in order to make the main thruster exert a partially horizontal force</a:t>
+            </a:r>
+          </a:p>
+          <a:p>
+            <a:pPr lvl="1"/>
+            <a:r>
+              <a:rPr lang="en-GB" sz="2000" b="0" i="0" u="none" dirty="0">
+                <a:solidFill>
+                  <a:srgbClr val="000000"/>
+                </a:solidFill>
+              </a:rPr>
+              <a:t>Determine whether we need to use the thruster </a:t>
+            </a:r>
+            <a:r>
+              <a:rPr lang="en-GB" sz="2000" b="1" i="0" u="sng" dirty="0">
+                <a:solidFill>
+                  <a:srgbClr val="000000"/>
+                </a:solidFill>
+              </a:rPr>
+              <a:t>or not in order to land safely</a:t>
+            </a:r>
+            <a:endParaRPr lang="en-US" sz="2000" b="1" i="0" u="sng" dirty="0">
+              <a:solidFill>
+                <a:srgbClr val="000000"/>
+              </a:solidFill>
+            </a:endParaRPr>
+          </a:p>
+        </p:txBody>
+      </p:sp>
+      <p:sp>
+        <p:nvSpPr>
+          <p:cNvPr id="4" name="Slide Number Placeholder 3"/>
+          <p:cNvSpPr>
+            <a:spLocks noGrp="1"/>
+          </p:cNvSpPr>
+          <p:nvPr>
+            <p:ph type="sldNum" sz="quarter" idx="5"/>
+          </p:nvPr>
+        </p:nvSpPr>
+        <p:spPr/>
+        <p:txBody>
+          <a:bodyPr/>
+          <a:lstStyle/>
+          <a:p>
+            <a:fld id="{508C1811-C778-4C97-A863-AD4A19CD14B1}" type="slidenum">
+              <a:rPr lang="en-GB" smtClean="0"/>
+              <a:t>4</a:t>
+            </a:fld>
+            <a:endParaRPr lang="en-GB"/>
+          </a:p>
+        </p:txBody>
+      </p:sp>
+    </p:spTree>
+    <p:extLst>
+      <p:ext uri="{BB962C8B-B14F-4D97-AF65-F5344CB8AC3E}">
+        <p14:creationId xmlns:p14="http://schemas.microsoft.com/office/powerpoint/2010/main" val="2605890027"/>
+      </p:ext>
+    </p:extLst>
+  </p:cSld>
+  <p:clrMapOvr>
+    <a:masterClrMapping/>
+  </p:clrMapOvr>
+</p:notes>
+</file>
+
+<file path=ppt/notesSlides/notesSlide4.xml><?xml version="1.0" encoding="utf-8"?>
+<p:notes xmlns:a="http://schemas.openxmlformats.org/drawingml/2006/main" xmlns:r="http://schemas.openxmlformats.org/officeDocument/2006/relationships" xmlns:p="http://schemas.openxmlformats.org/presentationml/2006/main">
+  <p:cSld>
+    <p:spTree>
+      <p:nvGrpSpPr>
+        <p:cNvPr id="1" name=""/>
+        <p:cNvGrpSpPr/>
+        <p:nvPr/>
+      </p:nvGrpSpPr>
+      <p:grpSpPr>
+        <a:xfrm>
+          <a:off x="0" y="0"/>
+          <a:ext cx="0" cy="0"/>
+          <a:chOff x="0" y="0"/>
+          <a:chExt cx="0" cy="0"/>
+        </a:xfrm>
+      </p:grpSpPr>
+      <p:sp>
+        <p:nvSpPr>
+          <p:cNvPr id="2" name="Slide Image Placeholder 1"/>
+          <p:cNvSpPr>
+            <a:spLocks noGrp="1" noRot="1" noChangeAspect="1"/>
+          </p:cNvSpPr>
+          <p:nvPr>
+            <p:ph type="sldImg"/>
+          </p:nvPr>
+        </p:nvSpPr>
+        <p:spPr/>
+      </p:sp>
+      <p:sp>
+        <p:nvSpPr>
+          <p:cNvPr id="3" name="Notes Placeholder 2"/>
+          <p:cNvSpPr>
+            <a:spLocks noGrp="1"/>
+          </p:cNvSpPr>
+          <p:nvPr>
+            <p:ph type="body" idx="1"/>
+          </p:nvPr>
+        </p:nvSpPr>
+        <p:spPr/>
+        <p:txBody>
+          <a:bodyPr/>
+          <a:lstStyle/>
+          <a:p>
+            <a:r>
+              <a:rPr lang="en-US" sz="2000" b="1" i="0" u="sng" dirty="0">
+                <a:solidFill>
+                  <a:srgbClr val="000000"/>
+                </a:solidFill>
+              </a:rPr>
+              <a:t>In our model, we have a constant setting the maximum acceleration caused by the wind</a:t>
+            </a:r>
+          </a:p>
+          <a:p>
+            <a:endParaRPr lang="en-US" sz="2000" b="1" i="0" u="sng" dirty="0">
+              <a:solidFill>
+                <a:srgbClr val="000000"/>
+              </a:solidFill>
+            </a:endParaRPr>
+          </a:p>
+          <a:p>
+            <a:r>
+              <a:rPr lang="en-US" sz="2000" b="1" i="0" u="sng" dirty="0">
+                <a:solidFill>
+                  <a:srgbClr val="000000"/>
+                </a:solidFill>
+              </a:rPr>
+              <a:t>The generated wind is generated in a random direction and of a randomized intensity between 0 and 1.</a:t>
+            </a:r>
+          </a:p>
+          <a:p>
+            <a:endParaRPr lang="en-US" sz="2000" b="1" i="0" u="sng" dirty="0">
+              <a:solidFill>
+                <a:srgbClr val="000000"/>
+              </a:solidFill>
+            </a:endParaRPr>
+          </a:p>
+          <a:p>
+            <a:r>
+              <a:rPr lang="en-US" sz="2000" b="1" i="0" u="sng" dirty="0">
+                <a:solidFill>
+                  <a:srgbClr val="000000"/>
+                </a:solidFill>
+              </a:rPr>
+              <a:t>We read that the strongest wind measured during the landing of the probe from NASA was 120 m/s, but given that our thruster is set to have a maximum strength of 2500 N, we couldn’t make the maximum wind 120 m/s </a:t>
+            </a:r>
+            <a:r>
+              <a:rPr lang="en-US" sz="2000" b="1" i="1" u="none" dirty="0">
+                <a:solidFill>
+                  <a:srgbClr val="000000"/>
+                </a:solidFill>
+              </a:rPr>
+              <a:t>*</a:t>
+            </a:r>
+            <a:r>
+              <a:rPr lang="en-US" sz="2000" b="0" i="1" u="none" dirty="0">
+                <a:solidFill>
+                  <a:srgbClr val="000000"/>
+                </a:solidFill>
+              </a:rPr>
+              <a:t>(</a:t>
+            </a:r>
+            <a:r>
+              <a:rPr lang="en-US" sz="2000" b="1" i="1" u="none" dirty="0">
+                <a:solidFill>
+                  <a:srgbClr val="000000"/>
+                </a:solidFill>
+              </a:rPr>
+              <a:t>SAY THIS ONLY IF THEY ASK !!! </a:t>
+            </a:r>
+            <a:r>
+              <a:rPr lang="en-US" sz="2000" b="0" i="1" u="none" dirty="0">
+                <a:solidFill>
+                  <a:srgbClr val="000000"/>
+                </a:solidFill>
+              </a:rPr>
+              <a:t>thruster force in Newtons still needs to be divided by the weight of the landing module, which we set to 800 kgs)*</a:t>
+            </a:r>
+          </a:p>
+          <a:p>
+            <a:endParaRPr lang="en-US" sz="2000" b="0" i="1" u="none" dirty="0">
+              <a:solidFill>
+                <a:srgbClr val="000000"/>
+              </a:solidFill>
+            </a:endParaRPr>
+          </a:p>
+          <a:p>
+            <a:endParaRPr lang="en-US" sz="2000" b="0" i="1" u="none" dirty="0">
+              <a:solidFill>
+                <a:srgbClr val="000000"/>
+              </a:solidFill>
+            </a:endParaRPr>
+          </a:p>
+        </p:txBody>
+      </p:sp>
+      <p:sp>
+        <p:nvSpPr>
+          <p:cNvPr id="4" name="Slide Number Placeholder 3"/>
+          <p:cNvSpPr>
+            <a:spLocks noGrp="1"/>
+          </p:cNvSpPr>
+          <p:nvPr>
+            <p:ph type="sldNum" sz="quarter" idx="5"/>
+          </p:nvPr>
+        </p:nvSpPr>
+        <p:spPr/>
+        <p:txBody>
+          <a:bodyPr/>
+          <a:lstStyle/>
+          <a:p>
+            <a:fld id="{508C1811-C778-4C97-A863-AD4A19CD14B1}" type="slidenum">
+              <a:rPr lang="en-GB" smtClean="0"/>
+              <a:t>5</a:t>
+            </a:fld>
+            <a:endParaRPr lang="en-GB"/>
+          </a:p>
+        </p:txBody>
+      </p:sp>
+    </p:spTree>
+    <p:extLst>
+      <p:ext uri="{BB962C8B-B14F-4D97-AF65-F5344CB8AC3E}">
+        <p14:creationId xmlns:p14="http://schemas.microsoft.com/office/powerpoint/2010/main" val="3745284967"/>
+      </p:ext>
+    </p:extLst>
+  </p:cSld>
+  <p:clrMapOvr>
+    <a:masterClrMapping/>
+  </p:clrMapOvr>
+</p:notes>
+</file>
+
+<file path=ppt/notesSlides/notesSlide5.xml><?xml version="1.0" encoding="utf-8"?>
+<p:notes xmlns:a="http://schemas.openxmlformats.org/drawingml/2006/main" xmlns:r="http://schemas.openxmlformats.org/officeDocument/2006/relationships" xmlns:p="http://schemas.openxmlformats.org/presentationml/2006/main">
+  <p:cSld>
+    <p:spTree>
+      <p:nvGrpSpPr>
+        <p:cNvPr id="1" name=""/>
+        <p:cNvGrpSpPr/>
+        <p:nvPr/>
+      </p:nvGrpSpPr>
+      <p:grpSpPr>
+        <a:xfrm>
+          <a:off x="0" y="0"/>
+          <a:ext cx="0" cy="0"/>
+          <a:chOff x="0" y="0"/>
+          <a:chExt cx="0" cy="0"/>
+        </a:xfrm>
+      </p:grpSpPr>
+      <p:sp>
+        <p:nvSpPr>
+          <p:cNvPr id="2" name="Slide Image Placeholder 1"/>
+          <p:cNvSpPr>
+            <a:spLocks noGrp="1" noRot="1" noChangeAspect="1"/>
+          </p:cNvSpPr>
+          <p:nvPr>
+            <p:ph type="sldImg"/>
+          </p:nvPr>
+        </p:nvSpPr>
+        <p:spPr/>
+      </p:sp>
+      <p:sp>
+        <p:nvSpPr>
+          <p:cNvPr id="3" name="Notes Placeholder 2"/>
+          <p:cNvSpPr>
+            <a:spLocks noGrp="1"/>
+          </p:cNvSpPr>
+          <p:nvPr>
+            <p:ph type="body" idx="1"/>
+          </p:nvPr>
+        </p:nvSpPr>
+        <p:spPr/>
+        <p:txBody>
+          <a:bodyPr/>
+          <a:lstStyle/>
+          <a:p>
+            <a:r>
+              <a:rPr lang="nl-NL" dirty="0"/>
+              <a:t>Made experiments by modifying parameters </a:t>
+            </a:r>
+            <a:r>
+              <a:rPr lang="nl-NL" b="1" u="sng" dirty="0"/>
+              <a:t>one at a time</a:t>
+            </a:r>
+            <a:r>
+              <a:rPr lang="nl-NL" dirty="0"/>
+              <a:t>, then measured the </a:t>
+            </a:r>
+            <a:r>
+              <a:rPr lang="nl-NL" b="1" u="sng" dirty="0"/>
+              <a:t>x- and y- positions and velocities, as well as the angle and the time the landing module took to land</a:t>
+            </a:r>
+            <a:br>
+              <a:rPr lang="nl-NL" dirty="0"/>
+            </a:br>
+            <a:endParaRPr lang="nl-NL" dirty="0"/>
+          </a:p>
+          <a:p>
+            <a:r>
+              <a:rPr lang="nl-NL" dirty="0"/>
+              <a:t>See Excel sheet </a:t>
+            </a:r>
+            <a:r>
+              <a:rPr lang="nl-NL" i="1" dirty="0"/>
+              <a:t>*show the Excel sheet to them*</a:t>
+            </a:r>
+          </a:p>
+        </p:txBody>
+      </p:sp>
+      <p:sp>
+        <p:nvSpPr>
+          <p:cNvPr id="4" name="Slide Number Placeholder 3"/>
+          <p:cNvSpPr>
+            <a:spLocks noGrp="1"/>
+          </p:cNvSpPr>
+          <p:nvPr>
+            <p:ph type="sldNum" sz="quarter" idx="5"/>
+          </p:nvPr>
+        </p:nvSpPr>
+        <p:spPr/>
+        <p:txBody>
+          <a:bodyPr/>
+          <a:lstStyle/>
+          <a:p>
+            <a:fld id="{508C1811-C778-4C97-A863-AD4A19CD14B1}" type="slidenum">
+              <a:rPr lang="en-GB" smtClean="0"/>
+              <a:t>6</a:t>
+            </a:fld>
+            <a:endParaRPr lang="en-GB"/>
+          </a:p>
+        </p:txBody>
+      </p:sp>
+    </p:spTree>
+    <p:extLst>
+      <p:ext uri="{BB962C8B-B14F-4D97-AF65-F5344CB8AC3E}">
+        <p14:creationId xmlns:p14="http://schemas.microsoft.com/office/powerpoint/2010/main" val="2291648635"/>
+      </p:ext>
+    </p:extLst>
+  </p:cSld>
+  <p:clrMapOvr>
+    <a:masterClrMapping/>
+  </p:clrMapOvr>
+</p:notes>
+</file>
+
+<file path=ppt/notesSlides/notesSlide6.xml><?xml version="1.0" encoding="utf-8"?>
+<p:notes xmlns:a="http://schemas.openxmlformats.org/drawingml/2006/main" xmlns:r="http://schemas.openxmlformats.org/officeDocument/2006/relationships" xmlns:p="http://schemas.openxmlformats.org/presentationml/2006/main">
+  <p:cSld>
+    <p:spTree>
+      <p:nvGrpSpPr>
+        <p:cNvPr id="1" name=""/>
+        <p:cNvGrpSpPr/>
+        <p:nvPr/>
+      </p:nvGrpSpPr>
+      <p:grpSpPr>
+        <a:xfrm>
+          <a:off x="0" y="0"/>
+          <a:ext cx="0" cy="0"/>
+          <a:chOff x="0" y="0"/>
+          <a:chExt cx="0" cy="0"/>
+        </a:xfrm>
+      </p:grpSpPr>
+      <p:sp>
+        <p:nvSpPr>
+          <p:cNvPr id="2" name="Slide Image Placeholder 1"/>
+          <p:cNvSpPr>
+            <a:spLocks noGrp="1" noRot="1" noChangeAspect="1"/>
+          </p:cNvSpPr>
+          <p:nvPr>
+            <p:ph type="sldImg"/>
+          </p:nvPr>
+        </p:nvSpPr>
+        <p:spPr/>
+      </p:sp>
+      <p:sp>
+        <p:nvSpPr>
+          <p:cNvPr id="3" name="Notes Placeholder 2"/>
+          <p:cNvSpPr>
+            <a:spLocks noGrp="1"/>
+          </p:cNvSpPr>
+          <p:nvPr>
+            <p:ph type="body" idx="1"/>
+          </p:nvPr>
+        </p:nvSpPr>
+        <p:spPr/>
+        <p:txBody>
+          <a:bodyPr/>
+          <a:lstStyle/>
+          <a:p>
+            <a:r>
+              <a:rPr lang="en-GB" b="1" u="sng" dirty="0"/>
+              <a:t>Main tasks:</a:t>
+            </a:r>
+          </a:p>
+          <a:p>
+            <a:r>
+              <a:rPr lang="en-GB" b="1" u="sng" dirty="0"/>
+              <a:t>	Realizing a return mission from the orbit of the Titan </a:t>
+            </a:r>
+            <a:r>
+              <a:rPr lang="en-GB" i="1" dirty="0"/>
+              <a:t>*(ask if it is from the orbit or from the ground of Titan)*</a:t>
+            </a:r>
+          </a:p>
+          <a:p>
+            <a:r>
+              <a:rPr lang="en-GB" dirty="0"/>
+              <a:t>	</a:t>
+            </a:r>
+            <a:r>
+              <a:rPr lang="en-GB" b="1" i="0" u="sng" dirty="0"/>
+              <a:t>Reduce mission costs by reducing fuel consumption of the travel</a:t>
+            </a:r>
+          </a:p>
+          <a:p>
+            <a:r>
+              <a:rPr lang="en-GB" b="1" i="0" u="sng" dirty="0"/>
+              <a:t>		Idea: gravitation assist, problem: how to do that, we need to find formulas for it</a:t>
+            </a:r>
+          </a:p>
+          <a:p>
+            <a:r>
+              <a:rPr lang="en-GB" b="1" i="0" u="sng" dirty="0"/>
+              <a:t>	Search ways to improve the time taken for the travel </a:t>
+            </a:r>
+            <a:r>
+              <a:rPr lang="en-GB" i="1" dirty="0"/>
+              <a:t>*(ask if it concerns only the time of travel or also the time of landing)*</a:t>
+            </a:r>
+          </a:p>
+          <a:p>
+            <a:r>
+              <a:rPr lang="en-GB" i="0" dirty="0"/>
+              <a:t>	</a:t>
+            </a:r>
+            <a:r>
+              <a:rPr lang="en-GB" b="1" i="0" u="sng" dirty="0"/>
+              <a:t>Write report</a:t>
+            </a:r>
+          </a:p>
+          <a:p>
+            <a:endParaRPr lang="en-GB" b="1" i="0" u="sng" dirty="0"/>
+          </a:p>
+          <a:p>
+            <a:r>
+              <a:rPr lang="en-GB" b="1" i="0" u="sng" dirty="0"/>
+              <a:t>Other tasks:</a:t>
+            </a:r>
+          </a:p>
+          <a:p>
+            <a:r>
+              <a:rPr lang="en-GB" b="1" i="0" u="sng" dirty="0"/>
+              <a:t>	do experiments with the mission and find which parameters we could do experiments with</a:t>
+            </a:r>
+          </a:p>
+        </p:txBody>
+      </p:sp>
+      <p:sp>
+        <p:nvSpPr>
+          <p:cNvPr id="4" name="Slide Number Placeholder 3"/>
+          <p:cNvSpPr>
+            <a:spLocks noGrp="1"/>
+          </p:cNvSpPr>
+          <p:nvPr>
+            <p:ph type="sldNum" sz="quarter" idx="5"/>
+          </p:nvPr>
+        </p:nvSpPr>
+        <p:spPr/>
+        <p:txBody>
+          <a:bodyPr/>
+          <a:lstStyle/>
+          <a:p>
+            <a:fld id="{508C1811-C778-4C97-A863-AD4A19CD14B1}" type="slidenum">
+              <a:rPr lang="en-GB" smtClean="0"/>
+              <a:t>7</a:t>
+            </a:fld>
+            <a:endParaRPr lang="en-GB"/>
+          </a:p>
+        </p:txBody>
+      </p:sp>
+    </p:spTree>
+    <p:extLst>
+      <p:ext uri="{BB962C8B-B14F-4D97-AF65-F5344CB8AC3E}">
+        <p14:creationId xmlns:p14="http://schemas.microsoft.com/office/powerpoint/2010/main" val="344017163"/>
+      </p:ext>
+    </p:extLst>
+  </p:cSld>
+  <p:clrMapOvr>
+    <a:masterClrMapping/>
+  </p:clrMapOvr>
+</p:notes>
+</file>
+
+<file path=ppt/notesSlides/notesSlide7.xml><?xml version="1.0" encoding="utf-8"?>
+<p:notes xmlns:a="http://schemas.openxmlformats.org/drawingml/2006/main" xmlns:r="http://schemas.openxmlformats.org/officeDocument/2006/relationships" xmlns:p="http://schemas.openxmlformats.org/presentationml/2006/main">
+  <p:cSld>
+    <p:spTree>
+      <p:nvGrpSpPr>
+        <p:cNvPr id="1" name=""/>
+        <p:cNvGrpSpPr/>
+        <p:nvPr/>
+      </p:nvGrpSpPr>
+      <p:grpSpPr>
+        <a:xfrm>
+          <a:off x="0" y="0"/>
+          <a:ext cx="0" cy="0"/>
+          <a:chOff x="0" y="0"/>
+          <a:chExt cx="0" cy="0"/>
+        </a:xfrm>
+      </p:grpSpPr>
+      <p:sp>
+        <p:nvSpPr>
+          <p:cNvPr id="2" name="Slide Image Placeholder 1"/>
+          <p:cNvSpPr>
+            <a:spLocks noGrp="1" noRot="1" noChangeAspect="1"/>
+          </p:cNvSpPr>
+          <p:nvPr>
+            <p:ph type="sldImg"/>
+          </p:nvPr>
+        </p:nvSpPr>
+        <p:spPr/>
+      </p:sp>
+      <p:sp>
+        <p:nvSpPr>
+          <p:cNvPr id="3" name="Notes Placeholder 2"/>
+          <p:cNvSpPr>
+            <a:spLocks noGrp="1"/>
+          </p:cNvSpPr>
+          <p:nvPr>
+            <p:ph type="body" idx="1"/>
+          </p:nvPr>
+        </p:nvSpPr>
+        <p:spPr/>
+        <p:txBody>
+          <a:bodyPr/>
+          <a:lstStyle/>
+          <a:p>
+            <a:r>
+              <a:rPr lang="en-GB" b="1" u="sng" dirty="0"/>
+              <a:t>*Show demo by running program on someone’s computer*</a:t>
+            </a:r>
+          </a:p>
+        </p:txBody>
+      </p:sp>
+      <p:sp>
+        <p:nvSpPr>
+          <p:cNvPr id="4" name="Slide Number Placeholder 3"/>
+          <p:cNvSpPr>
+            <a:spLocks noGrp="1"/>
+          </p:cNvSpPr>
+          <p:nvPr>
+            <p:ph type="sldNum" sz="quarter" idx="5"/>
+          </p:nvPr>
+        </p:nvSpPr>
+        <p:spPr/>
+        <p:txBody>
+          <a:bodyPr/>
+          <a:lstStyle/>
+          <a:p>
+            <a:fld id="{508C1811-C778-4C97-A863-AD4A19CD14B1}" type="slidenum">
+              <a:rPr lang="en-GB" smtClean="0"/>
+              <a:t>8</a:t>
+            </a:fld>
+            <a:endParaRPr lang="en-GB"/>
+          </a:p>
+        </p:txBody>
+      </p:sp>
+    </p:spTree>
+    <p:extLst>
+      <p:ext uri="{BB962C8B-B14F-4D97-AF65-F5344CB8AC3E}">
+        <p14:creationId xmlns:p14="http://schemas.microsoft.com/office/powerpoint/2010/main" val="1008206631"/>
+      </p:ext>
+    </p:extLst>
+  </p:cSld>
+  <p:clrMapOvr>
+    <a:masterClrMapping/>
+  </p:clrMapOvr>
+</p:notes>
+</file>
+
+<file path=ppt/notesSlides/notesSlide8.xml><?xml version="1.0" encoding="utf-8"?>
+<p:notes xmlns:a="http://schemas.openxmlformats.org/drawingml/2006/main" xmlns:r="http://schemas.openxmlformats.org/officeDocument/2006/relationships" xmlns:p="http://schemas.openxmlformats.org/presentationml/2006/main">
+  <p:cSld>
+    <p:spTree>
+      <p:nvGrpSpPr>
+        <p:cNvPr id="1" name=""/>
+        <p:cNvGrpSpPr/>
+        <p:nvPr/>
+      </p:nvGrpSpPr>
+      <p:grpSpPr>
+        <a:xfrm>
+          <a:off x="0" y="0"/>
+          <a:ext cx="0" cy="0"/>
+          <a:chOff x="0" y="0"/>
+          <a:chExt cx="0" cy="0"/>
+        </a:xfrm>
+      </p:grpSpPr>
+      <p:sp>
+        <p:nvSpPr>
+          <p:cNvPr id="2" name="Slide Image Placeholder 1"/>
+          <p:cNvSpPr>
+            <a:spLocks noGrp="1" noRot="1" noChangeAspect="1"/>
+          </p:cNvSpPr>
+          <p:nvPr>
+            <p:ph type="sldImg"/>
+          </p:nvPr>
+        </p:nvSpPr>
+        <p:spPr/>
+      </p:sp>
+      <p:sp>
+        <p:nvSpPr>
+          <p:cNvPr id="3" name="Notes Placeholder 2"/>
+          <p:cNvSpPr>
+            <a:spLocks noGrp="1"/>
+          </p:cNvSpPr>
+          <p:nvPr>
+            <p:ph type="body" idx="1"/>
+          </p:nvPr>
+        </p:nvSpPr>
+        <p:spPr/>
+        <p:txBody>
+          <a:bodyPr/>
+          <a:lstStyle/>
+          <a:p>
+            <a:endParaRPr lang="en-GB" dirty="0"/>
+          </a:p>
+        </p:txBody>
+      </p:sp>
+      <p:sp>
+        <p:nvSpPr>
+          <p:cNvPr id="4" name="Slide Number Placeholder 3"/>
+          <p:cNvSpPr>
+            <a:spLocks noGrp="1"/>
+          </p:cNvSpPr>
+          <p:nvPr>
+            <p:ph type="sldNum" sz="quarter" idx="5"/>
+          </p:nvPr>
+        </p:nvSpPr>
+        <p:spPr/>
+        <p:txBody>
+          <a:bodyPr/>
+          <a:lstStyle/>
+          <a:p>
+            <a:fld id="{508C1811-C778-4C97-A863-AD4A19CD14B1}" type="slidenum">
+              <a:rPr lang="en-GB" smtClean="0"/>
+              <a:t>9</a:t>
+            </a:fld>
+            <a:endParaRPr lang="en-GB"/>
+          </a:p>
+        </p:txBody>
+      </p:sp>
+    </p:spTree>
+    <p:extLst>
+      <p:ext uri="{BB962C8B-B14F-4D97-AF65-F5344CB8AC3E}">
+        <p14:creationId xmlns:p14="http://schemas.microsoft.com/office/powerpoint/2010/main" val="724590109"/>
+      </p:ext>
+    </p:extLst>
+  </p:cSld>
+  <p:clrMapOvr>
+    <a:masterClrMapping/>
+  </p:clrMapOvr>
+</p:notes>
+</file>
+
 <file path=ppt/slideLayouts/slideLayout1.xml><?xml version="1.0" encoding="utf-8"?>
 <p:sldLayout xmlns:a="http://schemas.openxmlformats.org/drawingml/2006/main" xmlns:r="http://schemas.openxmlformats.org/officeDocument/2006/relationships" xmlns:p="http://schemas.openxmlformats.org/presentationml/2006/main" type="title" preserve="1">
   <p:cSld name="Titeldia">
@@ -322,7 +1783,7 @@
           <a:p>
             <a:fld id="{E63826DD-0816-42A9-A639-46A9E2DACC82}" type="slidenum">
               <a:rPr lang="nl-NL" smtClean="0"/>
-              <a:t>‹nr.›</a:t>
+              <a:t>‹#›</a:t>
             </a:fld>
             <a:endParaRPr lang="nl-NL"/>
           </a:p>
@@ -520,7 +1981,7 @@
           <a:p>
             <a:fld id="{E63826DD-0816-42A9-A639-46A9E2DACC82}" type="slidenum">
               <a:rPr lang="nl-NL" smtClean="0"/>
-              <a:t>‹nr.›</a:t>
+              <a:t>‹#›</a:t>
             </a:fld>
             <a:endParaRPr lang="nl-NL"/>
           </a:p>
@@ -728,7 +2189,7 @@
           <a:p>
             <a:fld id="{E63826DD-0816-42A9-A639-46A9E2DACC82}" type="slidenum">
               <a:rPr lang="nl-NL" smtClean="0"/>
-              <a:t>‹nr.›</a:t>
+              <a:t>‹#›</a:t>
             </a:fld>
             <a:endParaRPr lang="nl-NL"/>
           </a:p>
@@ -926,7 +2387,7 @@
           <a:p>
             <a:fld id="{E63826DD-0816-42A9-A639-46A9E2DACC82}" type="slidenum">
               <a:rPr lang="nl-NL" smtClean="0"/>
-              <a:t>‹nr.›</a:t>
+              <a:t>‹#›</a:t>
             </a:fld>
             <a:endParaRPr lang="nl-NL"/>
           </a:p>
@@ -1201,7 +2662,7 @@
           <a:p>
             <a:fld id="{E63826DD-0816-42A9-A639-46A9E2DACC82}" type="slidenum">
               <a:rPr lang="nl-NL" smtClean="0"/>
-              <a:t>‹nr.›</a:t>
+              <a:t>‹#›</a:t>
             </a:fld>
             <a:endParaRPr lang="nl-NL"/>
           </a:p>
@@ -1466,7 +2927,7 @@
           <a:p>
             <a:fld id="{E63826DD-0816-42A9-A639-46A9E2DACC82}" type="slidenum">
               <a:rPr lang="nl-NL" smtClean="0"/>
-              <a:t>‹nr.›</a:t>
+              <a:t>‹#›</a:t>
             </a:fld>
             <a:endParaRPr lang="nl-NL"/>
           </a:p>
@@ -1878,7 +3339,7 @@
           <a:p>
             <a:fld id="{E63826DD-0816-42A9-A639-46A9E2DACC82}" type="slidenum">
               <a:rPr lang="nl-NL" smtClean="0"/>
-              <a:t>‹nr.›</a:t>
+              <a:t>‹#›</a:t>
             </a:fld>
             <a:endParaRPr lang="nl-NL"/>
           </a:p>
@@ -2019,7 +3480,7 @@
           <a:p>
             <a:fld id="{E63826DD-0816-42A9-A639-46A9E2DACC82}" type="slidenum">
               <a:rPr lang="nl-NL" smtClean="0"/>
-              <a:t>‹nr.›</a:t>
+              <a:t>‹#›</a:t>
             </a:fld>
             <a:endParaRPr lang="nl-NL"/>
           </a:p>
@@ -2132,7 +3593,7 @@
           <a:p>
             <a:fld id="{E63826DD-0816-42A9-A639-46A9E2DACC82}" type="slidenum">
               <a:rPr lang="nl-NL" smtClean="0"/>
-              <a:t>‹nr.›</a:t>
+              <a:t>‹#›</a:t>
             </a:fld>
             <a:endParaRPr lang="nl-NL"/>
           </a:p>
@@ -2443,7 +3904,7 @@
           <a:p>
             <a:fld id="{E63826DD-0816-42A9-A639-46A9E2DACC82}" type="slidenum">
               <a:rPr lang="nl-NL" smtClean="0"/>
-              <a:t>‹nr.›</a:t>
+              <a:t>‹#›</a:t>
             </a:fld>
             <a:endParaRPr lang="nl-NL"/>
           </a:p>
@@ -2731,7 +4192,7 @@
           <a:p>
             <a:fld id="{E63826DD-0816-42A9-A639-46A9E2DACC82}" type="slidenum">
               <a:rPr lang="nl-NL" smtClean="0"/>
-              <a:t>‹nr.›</a:t>
+              <a:t>‹#›</a:t>
             </a:fld>
             <a:endParaRPr lang="nl-NL"/>
           </a:p>
@@ -3008,7 +4469,7 @@
           <a:p>
             <a:fld id="{E63826DD-0816-42A9-A639-46A9E2DACC82}" type="slidenum">
               <a:rPr lang="nl-NL" smtClean="0"/>
-              <a:t>‹nr.›</a:t>
+              <a:t>‹#›</a:t>
             </a:fld>
             <a:endParaRPr lang="nl-NL"/>
           </a:p>
@@ -3959,7 +5420,2087 @@
 </p:sld>
 </file>
 
-<file path=ppt/slides/slide10.xml><?xml version="1.0" encoding="utf-8"?>
+<file path=ppt/slides/slide2.xml><?xml version="1.0" encoding="utf-8"?>
+<p:sld xmlns:a="http://schemas.openxmlformats.org/drawingml/2006/main" xmlns:r="http://schemas.openxmlformats.org/officeDocument/2006/relationships" xmlns:p="http://schemas.openxmlformats.org/presentationml/2006/main">
+  <p:cSld>
+    <p:bg>
+      <p:bgPr>
+        <a:solidFill>
+          <a:schemeClr val="bg1"/>
+        </a:solidFill>
+        <a:effectLst/>
+      </p:bgPr>
+    </p:bg>
+    <p:spTree>
+      <p:nvGrpSpPr>
+        <p:cNvPr id="1" name=""/>
+        <p:cNvGrpSpPr/>
+        <p:nvPr/>
+      </p:nvGrpSpPr>
+      <p:grpSpPr>
+        <a:xfrm>
+          <a:off x="0" y="0"/>
+          <a:ext cx="0" cy="0"/>
+          <a:chOff x="0" y="0"/>
+          <a:chExt cx="0" cy="0"/>
+        </a:xfrm>
+      </p:grpSpPr>
+      <p:sp>
+        <p:nvSpPr>
+          <p:cNvPr id="8" name="Rectangle 7">
+            <a:extLst>
+              <a:ext uri="{FF2B5EF4-FFF2-40B4-BE49-F238E27FC236}">
+                <a16:creationId xmlns:a16="http://schemas.microsoft.com/office/drawing/2014/main" id="{4351DFE5-F63D-4BE0-BDA9-E3EB88F01AA5}"/>
+              </a:ext>
+              <a:ext uri="{C183D7F6-B498-43B3-948B-1728B52AA6E4}">
+                <adec:decorative xmlns:adec="http://schemas.microsoft.com/office/drawing/2017/decorative" val="1"/>
+              </a:ext>
+            </a:extLst>
+          </p:cNvPr>
+          <p:cNvSpPr>
+            <a:spLocks noGrp="1" noRot="1" noChangeAspect="1" noMove="1" noResize="1" noEditPoints="1" noAdjustHandles="1" noChangeArrowheads="1" noChangeShapeType="1" noTextEdit="1"/>
+          </p:cNvSpPr>
+          <p:nvPr>
+            <p:extLst>
+              <p:ext uri="{386F3935-93C4-4BCD-93E2-E3B085C9AB24}">
+                <p16:designElem xmlns:p16="http://schemas.microsoft.com/office/powerpoint/2015/main" val="1"/>
+              </p:ext>
+            </p:extLst>
+          </p:nvPr>
+        </p:nvSpPr>
+        <p:spPr>
+          <a:xfrm>
+            <a:off x="355601" y="0"/>
+            <a:ext cx="11480494" cy="2753936"/>
+          </a:xfrm>
+          <a:prstGeom prst="rect">
+            <a:avLst/>
+          </a:prstGeom>
+          <a:gradFill>
+            <a:gsLst>
+              <a:gs pos="0">
+                <a:schemeClr val="accent1">
+                  <a:lumMod val="90000"/>
+                </a:schemeClr>
+              </a:gs>
+              <a:gs pos="25000">
+                <a:schemeClr val="accent1">
+                  <a:lumMod val="90000"/>
+                </a:schemeClr>
+              </a:gs>
+              <a:gs pos="94000">
+                <a:schemeClr val="bg2">
+                  <a:lumMod val="25000"/>
+                </a:schemeClr>
+              </a:gs>
+              <a:gs pos="100000">
+                <a:schemeClr val="bg2">
+                  <a:lumMod val="25000"/>
+                </a:schemeClr>
+              </a:gs>
+            </a:gsLst>
+            <a:lin ang="4200000" scaled="0"/>
+          </a:gradFill>
+          <a:ln>
+            <a:noFill/>
+          </a:ln>
+        </p:spPr>
+        <p:style>
+          <a:lnRef idx="2">
+            <a:schemeClr val="accent1">
+              <a:shade val="50000"/>
+            </a:schemeClr>
+          </a:lnRef>
+          <a:fillRef idx="1">
+            <a:schemeClr val="accent1"/>
+          </a:fillRef>
+          <a:effectRef idx="0">
+            <a:schemeClr val="accent1"/>
+          </a:effectRef>
+          <a:fontRef idx="minor">
+            <a:schemeClr val="lt1"/>
+          </a:fontRef>
+        </p:style>
+        <p:txBody>
+          <a:bodyPr rtlCol="0" anchor="ctr"/>
+          <a:lstStyle/>
+          <a:p>
+            <a:pPr algn="ctr"/>
+            <a:endParaRPr lang="en-US"/>
+          </a:p>
+        </p:txBody>
+      </p:sp>
+      <p:pic>
+        <p:nvPicPr>
+          <p:cNvPr id="10" name="Picture 9">
+            <a:extLst>
+              <a:ext uri="{FF2B5EF4-FFF2-40B4-BE49-F238E27FC236}">
+                <a16:creationId xmlns:a16="http://schemas.microsoft.com/office/drawing/2014/main" id="{3AA16612-ACD2-4A16-8F2B-4514FD6BF28F}"/>
+              </a:ext>
+              <a:ext uri="{C183D7F6-B498-43B3-948B-1728B52AA6E4}">
+                <adec:decorative xmlns:adec="http://schemas.microsoft.com/office/drawing/2017/decorative" val="1"/>
+              </a:ext>
+            </a:extLst>
+          </p:cNvPr>
+          <p:cNvPicPr>
+            <a:picLocks noGrp="1" noRot="1" noChangeAspect="1" noMove="1" noResize="1" noEditPoints="1" noAdjustHandles="1" noChangeArrowheads="1" noChangeShapeType="1" noCrop="1"/>
+          </p:cNvPicPr>
+          <p:nvPr>
+            <p:extLst>
+              <p:ext uri="{386F3935-93C4-4BCD-93E2-E3B085C9AB24}">
+                <p16:designElem xmlns:p16="http://schemas.microsoft.com/office/powerpoint/2015/main" val="1"/>
+              </p:ext>
+            </p:extLst>
+          </p:nvPr>
+        </p:nvPicPr>
+        <p:blipFill>
+          <a:blip r:embed="rId3">
+            <a:extLst>
+              <a:ext uri="{28A0092B-C50C-407E-A947-70E740481C1C}">
+                <a14:useLocalDpi xmlns:a14="http://schemas.microsoft.com/office/drawing/2010/main" val="0"/>
+              </a:ext>
+            </a:extLst>
+          </a:blip>
+          <a:stretch>
+            <a:fillRect/>
+          </a:stretch>
+        </p:blipFill>
+        <p:spPr>
+          <a:xfrm>
+            <a:off x="0" y="0"/>
+            <a:ext cx="12192000" cy="6858000"/>
+          </a:xfrm>
+          <a:prstGeom prst="rect">
+            <a:avLst/>
+          </a:prstGeom>
+        </p:spPr>
+      </p:pic>
+      <p:sp>
+        <p:nvSpPr>
+          <p:cNvPr id="2" name="Titel 1">
+            <a:extLst>
+              <a:ext uri="{FF2B5EF4-FFF2-40B4-BE49-F238E27FC236}">
+                <a16:creationId xmlns:a16="http://schemas.microsoft.com/office/drawing/2014/main" id="{29EBAEBE-1727-490A-93C2-7510187F1251}"/>
+              </a:ext>
+            </a:extLst>
+          </p:cNvPr>
+          <p:cNvSpPr>
+            <a:spLocks noGrp="1"/>
+          </p:cNvSpPr>
+          <p:nvPr>
+            <p:ph type="title"/>
+          </p:nvPr>
+        </p:nvSpPr>
+        <p:spPr>
+          <a:xfrm>
+            <a:off x="1179226" y="826680"/>
+            <a:ext cx="9833548" cy="1325563"/>
+          </a:xfrm>
+        </p:spPr>
+        <p:txBody>
+          <a:bodyPr>
+            <a:normAutofit/>
+          </a:bodyPr>
+          <a:lstStyle/>
+          <a:p>
+            <a:pPr algn="ctr"/>
+            <a:r>
+              <a:rPr lang="en-US" sz="4000" dirty="0">
+                <a:solidFill>
+                  <a:srgbClr val="FFFFFF"/>
+                </a:solidFill>
+              </a:rPr>
+              <a:t>Solar System Improvement</a:t>
+            </a:r>
+          </a:p>
+        </p:txBody>
+      </p:sp>
+      <p:sp>
+        <p:nvSpPr>
+          <p:cNvPr id="3" name="Tijdelijke aanduiding voor inhoud 2">
+            <a:extLst>
+              <a:ext uri="{FF2B5EF4-FFF2-40B4-BE49-F238E27FC236}">
+                <a16:creationId xmlns:a16="http://schemas.microsoft.com/office/drawing/2014/main" id="{7F7FFD6F-F72E-449C-ADAD-7530257FD70A}"/>
+              </a:ext>
+            </a:extLst>
+          </p:cNvPr>
+          <p:cNvSpPr>
+            <a:spLocks noGrp="1"/>
+          </p:cNvSpPr>
+          <p:nvPr>
+            <p:ph idx="1"/>
+          </p:nvPr>
+        </p:nvSpPr>
+        <p:spPr>
+          <a:xfrm>
+            <a:off x="1179226" y="2621318"/>
+            <a:ext cx="9713675" cy="3840490"/>
+          </a:xfrm>
+        </p:spPr>
+        <p:txBody>
+          <a:bodyPr>
+            <a:normAutofit/>
+          </a:bodyPr>
+          <a:lstStyle/>
+          <a:p>
+            <a:r>
+              <a:rPr lang="en-US" sz="2400" dirty="0">
+                <a:solidFill>
+                  <a:srgbClr val="000000"/>
+                </a:solidFill>
+              </a:rPr>
+              <a:t>Phase 1:</a:t>
+            </a:r>
+          </a:p>
+          <a:p>
+            <a:pPr lvl="1"/>
+            <a:r>
+              <a:rPr lang="en-US" sz="2000" dirty="0">
+                <a:solidFill>
+                  <a:srgbClr val="000000"/>
+                </a:solidFill>
+              </a:rPr>
+              <a:t>Euler’s method</a:t>
+            </a:r>
+          </a:p>
+          <a:p>
+            <a:pPr lvl="1"/>
+            <a:r>
+              <a:rPr lang="en-US" sz="2000" dirty="0">
+                <a:solidFill>
+                  <a:srgbClr val="000000"/>
+                </a:solidFill>
+              </a:rPr>
+              <a:t>Not reaching Titan</a:t>
+            </a:r>
+            <a:br>
+              <a:rPr lang="en-US" sz="2000" dirty="0">
+                <a:solidFill>
+                  <a:srgbClr val="000000"/>
+                </a:solidFill>
+              </a:rPr>
+            </a:br>
+            <a:br>
+              <a:rPr lang="en-US" sz="2000" dirty="0">
+                <a:solidFill>
+                  <a:srgbClr val="000000"/>
+                </a:solidFill>
+              </a:rPr>
+            </a:br>
+            <a:endParaRPr lang="en-US" sz="2400" dirty="0">
+              <a:solidFill>
+                <a:srgbClr val="000000"/>
+              </a:solidFill>
+            </a:endParaRPr>
+          </a:p>
+          <a:p>
+            <a:r>
+              <a:rPr lang="en-US" sz="2400" dirty="0">
+                <a:solidFill>
+                  <a:srgbClr val="000000"/>
+                </a:solidFill>
+              </a:rPr>
+              <a:t>Improvements:</a:t>
+            </a:r>
+          </a:p>
+          <a:p>
+            <a:pPr lvl="1"/>
+            <a:r>
+              <a:rPr lang="en-US" sz="2000" dirty="0">
+                <a:solidFill>
+                  <a:srgbClr val="000000"/>
+                </a:solidFill>
+              </a:rPr>
+              <a:t>Implemented Runge-</a:t>
+            </a:r>
+            <a:r>
+              <a:rPr lang="en-US" sz="2000" dirty="0" err="1">
+                <a:solidFill>
+                  <a:srgbClr val="000000"/>
+                </a:solidFill>
+              </a:rPr>
+              <a:t>Kutta</a:t>
+            </a:r>
+            <a:r>
+              <a:rPr lang="en-US" sz="2000" dirty="0">
+                <a:solidFill>
+                  <a:srgbClr val="000000"/>
+                </a:solidFill>
+              </a:rPr>
+              <a:t> </a:t>
+            </a:r>
+            <a:br>
+              <a:rPr lang="en-US" sz="2000" dirty="0">
+                <a:solidFill>
+                  <a:srgbClr val="000000"/>
+                </a:solidFill>
+              </a:rPr>
+            </a:br>
+            <a:r>
+              <a:rPr lang="en-US" sz="2000" dirty="0">
+                <a:solidFill>
+                  <a:srgbClr val="000000"/>
+                </a:solidFill>
+              </a:rPr>
+              <a:t>Fourth Order</a:t>
+            </a:r>
+          </a:p>
+          <a:p>
+            <a:pPr lvl="1"/>
+            <a:r>
+              <a:rPr lang="en-US" sz="2000" dirty="0">
+                <a:solidFill>
+                  <a:srgbClr val="000000"/>
+                </a:solidFill>
+              </a:rPr>
+              <a:t>Method for reaching Titan</a:t>
+            </a:r>
+          </a:p>
+        </p:txBody>
+      </p:sp>
+      <p:pic>
+        <p:nvPicPr>
+          <p:cNvPr id="5" name="Picture 4">
+            <a:extLst>
+              <a:ext uri="{FF2B5EF4-FFF2-40B4-BE49-F238E27FC236}">
+                <a16:creationId xmlns:a16="http://schemas.microsoft.com/office/drawing/2014/main" id="{2C89EE0F-FBDE-4EB2-BEEE-FA1E7F59D1A4}"/>
+              </a:ext>
+            </a:extLst>
+          </p:cNvPr>
+          <p:cNvPicPr>
+            <a:picLocks noChangeAspect="1"/>
+          </p:cNvPicPr>
+          <p:nvPr/>
+        </p:nvPicPr>
+        <p:blipFill>
+          <a:blip r:embed="rId4"/>
+          <a:stretch>
+            <a:fillRect/>
+          </a:stretch>
+        </p:blipFill>
+        <p:spPr>
+          <a:xfrm>
+            <a:off x="5552709" y="2809091"/>
+            <a:ext cx="4219575" cy="771525"/>
+          </a:xfrm>
+          <a:prstGeom prst="rect">
+            <a:avLst/>
+          </a:prstGeom>
+        </p:spPr>
+      </p:pic>
+      <p:pic>
+        <p:nvPicPr>
+          <p:cNvPr id="6" name="Picture 5">
+            <a:extLst>
+              <a:ext uri="{FF2B5EF4-FFF2-40B4-BE49-F238E27FC236}">
+                <a16:creationId xmlns:a16="http://schemas.microsoft.com/office/drawing/2014/main" id="{A36EFCCC-C0A6-4F6E-82B2-047743094A3B}"/>
+              </a:ext>
+            </a:extLst>
+          </p:cNvPr>
+          <p:cNvPicPr>
+            <a:picLocks noChangeAspect="1"/>
+          </p:cNvPicPr>
+          <p:nvPr/>
+        </p:nvPicPr>
+        <p:blipFill>
+          <a:blip r:embed="rId5"/>
+          <a:stretch>
+            <a:fillRect/>
+          </a:stretch>
+        </p:blipFill>
+        <p:spPr>
+          <a:xfrm>
+            <a:off x="5333034" y="3936610"/>
+            <a:ext cx="6124575" cy="2409825"/>
+          </a:xfrm>
+          <a:prstGeom prst="rect">
+            <a:avLst/>
+          </a:prstGeom>
+        </p:spPr>
+      </p:pic>
+    </p:spTree>
+    <p:extLst>
+      <p:ext uri="{BB962C8B-B14F-4D97-AF65-F5344CB8AC3E}">
+        <p14:creationId xmlns:p14="http://schemas.microsoft.com/office/powerpoint/2010/main" val="3299625196"/>
+      </p:ext>
+    </p:extLst>
+  </p:cSld>
+  <p:clrMapOvr>
+    <a:masterClrMapping/>
+  </p:clrMapOvr>
+</p:sld>
+</file>
+
+<file path=ppt/slides/slide3.xml><?xml version="1.0" encoding="utf-8"?>
+<p:sld xmlns:a="http://schemas.openxmlformats.org/drawingml/2006/main" xmlns:r="http://schemas.openxmlformats.org/officeDocument/2006/relationships" xmlns:p="http://schemas.openxmlformats.org/presentationml/2006/main">
+  <p:cSld>
+    <p:bg>
+      <p:bgPr>
+        <a:solidFill>
+          <a:schemeClr val="bg1"/>
+        </a:solidFill>
+        <a:effectLst/>
+      </p:bgPr>
+    </p:bg>
+    <p:spTree>
+      <p:nvGrpSpPr>
+        <p:cNvPr id="1" name=""/>
+        <p:cNvGrpSpPr/>
+        <p:nvPr/>
+      </p:nvGrpSpPr>
+      <p:grpSpPr>
+        <a:xfrm>
+          <a:off x="0" y="0"/>
+          <a:ext cx="0" cy="0"/>
+          <a:chOff x="0" y="0"/>
+          <a:chExt cx="0" cy="0"/>
+        </a:xfrm>
+      </p:grpSpPr>
+      <p:sp>
+        <p:nvSpPr>
+          <p:cNvPr id="8" name="Rectangle 7">
+            <a:extLst>
+              <a:ext uri="{FF2B5EF4-FFF2-40B4-BE49-F238E27FC236}">
+                <a16:creationId xmlns:a16="http://schemas.microsoft.com/office/drawing/2014/main" id="{4351DFE5-F63D-4BE0-BDA9-E3EB88F01AA5}"/>
+              </a:ext>
+              <a:ext uri="{C183D7F6-B498-43B3-948B-1728B52AA6E4}">
+                <adec:decorative xmlns:adec="http://schemas.microsoft.com/office/drawing/2017/decorative" val="1"/>
+              </a:ext>
+            </a:extLst>
+          </p:cNvPr>
+          <p:cNvSpPr>
+            <a:spLocks noGrp="1" noRot="1" noChangeAspect="1" noMove="1" noResize="1" noEditPoints="1" noAdjustHandles="1" noChangeArrowheads="1" noChangeShapeType="1" noTextEdit="1"/>
+          </p:cNvSpPr>
+          <p:nvPr>
+            <p:extLst>
+              <p:ext uri="{386F3935-93C4-4BCD-93E2-E3B085C9AB24}">
+                <p16:designElem xmlns:p16="http://schemas.microsoft.com/office/powerpoint/2015/main" val="1"/>
+              </p:ext>
+            </p:extLst>
+          </p:nvPr>
+        </p:nvSpPr>
+        <p:spPr>
+          <a:xfrm>
+            <a:off x="355601" y="0"/>
+            <a:ext cx="11480494" cy="2753936"/>
+          </a:xfrm>
+          <a:prstGeom prst="rect">
+            <a:avLst/>
+          </a:prstGeom>
+          <a:gradFill>
+            <a:gsLst>
+              <a:gs pos="0">
+                <a:schemeClr val="accent1">
+                  <a:lumMod val="90000"/>
+                </a:schemeClr>
+              </a:gs>
+              <a:gs pos="25000">
+                <a:schemeClr val="accent1">
+                  <a:lumMod val="90000"/>
+                </a:schemeClr>
+              </a:gs>
+              <a:gs pos="94000">
+                <a:schemeClr val="bg2">
+                  <a:lumMod val="25000"/>
+                </a:schemeClr>
+              </a:gs>
+              <a:gs pos="100000">
+                <a:schemeClr val="bg2">
+                  <a:lumMod val="25000"/>
+                </a:schemeClr>
+              </a:gs>
+            </a:gsLst>
+            <a:lin ang="4200000" scaled="0"/>
+          </a:gradFill>
+          <a:ln>
+            <a:noFill/>
+          </a:ln>
+        </p:spPr>
+        <p:style>
+          <a:lnRef idx="2">
+            <a:schemeClr val="accent1">
+              <a:shade val="50000"/>
+            </a:schemeClr>
+          </a:lnRef>
+          <a:fillRef idx="1">
+            <a:schemeClr val="accent1"/>
+          </a:fillRef>
+          <a:effectRef idx="0">
+            <a:schemeClr val="accent1"/>
+          </a:effectRef>
+          <a:fontRef idx="minor">
+            <a:schemeClr val="lt1"/>
+          </a:fontRef>
+        </p:style>
+        <p:txBody>
+          <a:bodyPr rtlCol="0" anchor="ctr"/>
+          <a:lstStyle/>
+          <a:p>
+            <a:pPr algn="ctr"/>
+            <a:endParaRPr lang="en-US"/>
+          </a:p>
+        </p:txBody>
+      </p:sp>
+      <p:pic>
+        <p:nvPicPr>
+          <p:cNvPr id="10" name="Picture 9">
+            <a:extLst>
+              <a:ext uri="{FF2B5EF4-FFF2-40B4-BE49-F238E27FC236}">
+                <a16:creationId xmlns:a16="http://schemas.microsoft.com/office/drawing/2014/main" id="{3AA16612-ACD2-4A16-8F2B-4514FD6BF28F}"/>
+              </a:ext>
+              <a:ext uri="{C183D7F6-B498-43B3-948B-1728B52AA6E4}">
+                <adec:decorative xmlns:adec="http://schemas.microsoft.com/office/drawing/2017/decorative" val="1"/>
+              </a:ext>
+            </a:extLst>
+          </p:cNvPr>
+          <p:cNvPicPr>
+            <a:picLocks noGrp="1" noRot="1" noChangeAspect="1" noMove="1" noResize="1" noEditPoints="1" noAdjustHandles="1" noChangeArrowheads="1" noChangeShapeType="1" noCrop="1"/>
+          </p:cNvPicPr>
+          <p:nvPr>
+            <p:extLst>
+              <p:ext uri="{386F3935-93C4-4BCD-93E2-E3B085C9AB24}">
+                <p16:designElem xmlns:p16="http://schemas.microsoft.com/office/powerpoint/2015/main" val="1"/>
+              </p:ext>
+            </p:extLst>
+          </p:nvPr>
+        </p:nvPicPr>
+        <p:blipFill>
+          <a:blip r:embed="rId3">
+            <a:extLst>
+              <a:ext uri="{28A0092B-C50C-407E-A947-70E740481C1C}">
+                <a14:useLocalDpi xmlns:a14="http://schemas.microsoft.com/office/drawing/2010/main" val="0"/>
+              </a:ext>
+            </a:extLst>
+          </a:blip>
+          <a:stretch>
+            <a:fillRect/>
+          </a:stretch>
+        </p:blipFill>
+        <p:spPr>
+          <a:xfrm>
+            <a:off x="0" y="0"/>
+            <a:ext cx="12192000" cy="6858000"/>
+          </a:xfrm>
+          <a:prstGeom prst="rect">
+            <a:avLst/>
+          </a:prstGeom>
+        </p:spPr>
+      </p:pic>
+      <p:sp>
+        <p:nvSpPr>
+          <p:cNvPr id="2" name="Titel 1">
+            <a:extLst>
+              <a:ext uri="{FF2B5EF4-FFF2-40B4-BE49-F238E27FC236}">
+                <a16:creationId xmlns:a16="http://schemas.microsoft.com/office/drawing/2014/main" id="{29EBAEBE-1727-490A-93C2-7510187F1251}"/>
+              </a:ext>
+            </a:extLst>
+          </p:cNvPr>
+          <p:cNvSpPr>
+            <a:spLocks noGrp="1"/>
+          </p:cNvSpPr>
+          <p:nvPr>
+            <p:ph type="title"/>
+          </p:nvPr>
+        </p:nvSpPr>
+        <p:spPr>
+          <a:xfrm>
+            <a:off x="1179226" y="826680"/>
+            <a:ext cx="9833548" cy="1325563"/>
+          </a:xfrm>
+        </p:spPr>
+        <p:txBody>
+          <a:bodyPr>
+            <a:normAutofit/>
+          </a:bodyPr>
+          <a:lstStyle/>
+          <a:p>
+            <a:pPr algn="ctr"/>
+            <a:r>
+              <a:rPr lang="en-US" sz="4000" dirty="0">
+                <a:solidFill>
+                  <a:schemeClr val="bg1"/>
+                </a:solidFill>
+              </a:rPr>
+              <a:t>Controllers for Landing</a:t>
+            </a:r>
+          </a:p>
+        </p:txBody>
+      </p:sp>
+      <p:sp>
+        <p:nvSpPr>
+          <p:cNvPr id="3" name="Tijdelijke aanduiding voor inhoud 2">
+            <a:extLst>
+              <a:ext uri="{FF2B5EF4-FFF2-40B4-BE49-F238E27FC236}">
+                <a16:creationId xmlns:a16="http://schemas.microsoft.com/office/drawing/2014/main" id="{7F7FFD6F-F72E-449C-ADAD-7530257FD70A}"/>
+              </a:ext>
+            </a:extLst>
+          </p:cNvPr>
+          <p:cNvSpPr>
+            <a:spLocks noGrp="1"/>
+          </p:cNvSpPr>
+          <p:nvPr>
+            <p:ph idx="1"/>
+          </p:nvPr>
+        </p:nvSpPr>
+        <p:spPr>
+          <a:xfrm>
+            <a:off x="1179226" y="2649909"/>
+            <a:ext cx="9833548" cy="3713183"/>
+          </a:xfrm>
+        </p:spPr>
+        <p:txBody>
+          <a:bodyPr>
+            <a:normAutofit/>
+          </a:bodyPr>
+          <a:lstStyle/>
+          <a:p>
+            <a:r>
+              <a:rPr lang="en-US" sz="2400" dirty="0">
+                <a:solidFill>
+                  <a:srgbClr val="000000"/>
+                </a:solidFill>
+              </a:rPr>
+              <a:t>Open-Loop Controller</a:t>
+            </a:r>
+          </a:p>
+          <a:p>
+            <a:pPr lvl="1"/>
+            <a:r>
+              <a:rPr lang="en-US" sz="2000" dirty="0">
+                <a:solidFill>
+                  <a:srgbClr val="000000"/>
+                </a:solidFill>
+              </a:rPr>
+              <a:t>the control action performed = independent of the “process output</a:t>
+            </a:r>
+          </a:p>
+          <a:p>
+            <a:pPr lvl="1"/>
+            <a:r>
+              <a:rPr lang="en-US" sz="2000" dirty="0">
+                <a:solidFill>
+                  <a:srgbClr val="000000"/>
+                </a:solidFill>
+              </a:rPr>
+              <a:t>Example: heater which heats for a given time</a:t>
+            </a:r>
+          </a:p>
+          <a:p>
+            <a:pPr marL="457200" lvl="1" indent="0">
+              <a:buNone/>
+            </a:pPr>
+            <a:endParaRPr lang="en-US" sz="1800" dirty="0">
+              <a:solidFill>
+                <a:srgbClr val="000000"/>
+              </a:solidFill>
+            </a:endParaRPr>
+          </a:p>
+          <a:p>
+            <a:pPr marL="0" indent="0">
+              <a:buNone/>
+            </a:pPr>
+            <a:endParaRPr lang="en-US" sz="2400" dirty="0">
+              <a:solidFill>
+                <a:srgbClr val="000000"/>
+              </a:solidFill>
+            </a:endParaRPr>
+          </a:p>
+          <a:p>
+            <a:r>
+              <a:rPr lang="en-US" sz="2400" dirty="0">
+                <a:solidFill>
+                  <a:srgbClr val="000000"/>
+                </a:solidFill>
+              </a:rPr>
+              <a:t>For the landing:</a:t>
+            </a:r>
+          </a:p>
+          <a:p>
+            <a:pPr lvl="1"/>
+            <a:r>
+              <a:rPr lang="en-US" sz="2000" dirty="0">
+                <a:solidFill>
+                  <a:srgbClr val="000000"/>
+                </a:solidFill>
+              </a:rPr>
+              <a:t>constant thrust</a:t>
+            </a:r>
+          </a:p>
+          <a:p>
+            <a:pPr lvl="1"/>
+            <a:r>
+              <a:rPr lang="en-US" sz="2000" dirty="0">
+                <a:solidFill>
+                  <a:srgbClr val="000000"/>
+                </a:solidFill>
+              </a:rPr>
+              <a:t>To nearly completely counter all other forces</a:t>
+            </a:r>
+          </a:p>
+        </p:txBody>
+      </p:sp>
+    </p:spTree>
+    <p:extLst>
+      <p:ext uri="{BB962C8B-B14F-4D97-AF65-F5344CB8AC3E}">
+        <p14:creationId xmlns:p14="http://schemas.microsoft.com/office/powerpoint/2010/main" val="729009784"/>
+      </p:ext>
+    </p:extLst>
+  </p:cSld>
+  <p:clrMapOvr>
+    <a:masterClrMapping/>
+  </p:clrMapOvr>
+</p:sld>
+</file>
+
+<file path=ppt/slides/slide4.xml><?xml version="1.0" encoding="utf-8"?>
+<p:sld xmlns:a="http://schemas.openxmlformats.org/drawingml/2006/main" xmlns:r="http://schemas.openxmlformats.org/officeDocument/2006/relationships" xmlns:p="http://schemas.openxmlformats.org/presentationml/2006/main">
+  <p:cSld>
+    <p:bg>
+      <p:bgPr>
+        <a:solidFill>
+          <a:schemeClr val="bg1"/>
+        </a:solidFill>
+        <a:effectLst/>
+      </p:bgPr>
+    </p:bg>
+    <p:spTree>
+      <p:nvGrpSpPr>
+        <p:cNvPr id="1" name=""/>
+        <p:cNvGrpSpPr/>
+        <p:nvPr/>
+      </p:nvGrpSpPr>
+      <p:grpSpPr>
+        <a:xfrm>
+          <a:off x="0" y="0"/>
+          <a:ext cx="0" cy="0"/>
+          <a:chOff x="0" y="0"/>
+          <a:chExt cx="0" cy="0"/>
+        </a:xfrm>
+      </p:grpSpPr>
+      <p:sp>
+        <p:nvSpPr>
+          <p:cNvPr id="8" name="Rectangle 7">
+            <a:extLst>
+              <a:ext uri="{FF2B5EF4-FFF2-40B4-BE49-F238E27FC236}">
+                <a16:creationId xmlns:a16="http://schemas.microsoft.com/office/drawing/2014/main" id="{4351DFE5-F63D-4BE0-BDA9-E3EB88F01AA5}"/>
+              </a:ext>
+              <a:ext uri="{C183D7F6-B498-43B3-948B-1728B52AA6E4}">
+                <adec:decorative xmlns:adec="http://schemas.microsoft.com/office/drawing/2017/decorative" val="1"/>
+              </a:ext>
+            </a:extLst>
+          </p:cNvPr>
+          <p:cNvSpPr>
+            <a:spLocks noGrp="1" noRot="1" noChangeAspect="1" noMove="1" noResize="1" noEditPoints="1" noAdjustHandles="1" noChangeArrowheads="1" noChangeShapeType="1" noTextEdit="1"/>
+          </p:cNvSpPr>
+          <p:nvPr>
+            <p:extLst>
+              <p:ext uri="{386F3935-93C4-4BCD-93E2-E3B085C9AB24}">
+                <p16:designElem xmlns:p16="http://schemas.microsoft.com/office/powerpoint/2015/main" val="1"/>
+              </p:ext>
+            </p:extLst>
+          </p:nvPr>
+        </p:nvSpPr>
+        <p:spPr>
+          <a:xfrm>
+            <a:off x="355601" y="0"/>
+            <a:ext cx="11480494" cy="2753936"/>
+          </a:xfrm>
+          <a:prstGeom prst="rect">
+            <a:avLst/>
+          </a:prstGeom>
+          <a:gradFill>
+            <a:gsLst>
+              <a:gs pos="0">
+                <a:schemeClr val="accent1">
+                  <a:lumMod val="90000"/>
+                </a:schemeClr>
+              </a:gs>
+              <a:gs pos="25000">
+                <a:schemeClr val="accent1">
+                  <a:lumMod val="90000"/>
+                </a:schemeClr>
+              </a:gs>
+              <a:gs pos="94000">
+                <a:schemeClr val="bg2">
+                  <a:lumMod val="25000"/>
+                </a:schemeClr>
+              </a:gs>
+              <a:gs pos="100000">
+                <a:schemeClr val="bg2">
+                  <a:lumMod val="25000"/>
+                </a:schemeClr>
+              </a:gs>
+            </a:gsLst>
+            <a:lin ang="4200000" scaled="0"/>
+          </a:gradFill>
+          <a:ln>
+            <a:noFill/>
+          </a:ln>
+        </p:spPr>
+        <p:style>
+          <a:lnRef idx="2">
+            <a:schemeClr val="accent1">
+              <a:shade val="50000"/>
+            </a:schemeClr>
+          </a:lnRef>
+          <a:fillRef idx="1">
+            <a:schemeClr val="accent1"/>
+          </a:fillRef>
+          <a:effectRef idx="0">
+            <a:schemeClr val="accent1"/>
+          </a:effectRef>
+          <a:fontRef idx="minor">
+            <a:schemeClr val="lt1"/>
+          </a:fontRef>
+        </p:style>
+        <p:txBody>
+          <a:bodyPr rtlCol="0" anchor="ctr"/>
+          <a:lstStyle/>
+          <a:p>
+            <a:pPr algn="ctr"/>
+            <a:endParaRPr lang="en-US"/>
+          </a:p>
+        </p:txBody>
+      </p:sp>
+      <p:pic>
+        <p:nvPicPr>
+          <p:cNvPr id="10" name="Picture 9">
+            <a:extLst>
+              <a:ext uri="{FF2B5EF4-FFF2-40B4-BE49-F238E27FC236}">
+                <a16:creationId xmlns:a16="http://schemas.microsoft.com/office/drawing/2014/main" id="{3AA16612-ACD2-4A16-8F2B-4514FD6BF28F}"/>
+              </a:ext>
+              <a:ext uri="{C183D7F6-B498-43B3-948B-1728B52AA6E4}">
+                <adec:decorative xmlns:adec="http://schemas.microsoft.com/office/drawing/2017/decorative" val="1"/>
+              </a:ext>
+            </a:extLst>
+          </p:cNvPr>
+          <p:cNvPicPr>
+            <a:picLocks noGrp="1" noRot="1" noChangeAspect="1" noMove="1" noResize="1" noEditPoints="1" noAdjustHandles="1" noChangeArrowheads="1" noChangeShapeType="1" noCrop="1"/>
+          </p:cNvPicPr>
+          <p:nvPr>
+            <p:extLst>
+              <p:ext uri="{386F3935-93C4-4BCD-93E2-E3B085C9AB24}">
+                <p16:designElem xmlns:p16="http://schemas.microsoft.com/office/powerpoint/2015/main" val="1"/>
+              </p:ext>
+            </p:extLst>
+          </p:nvPr>
+        </p:nvPicPr>
+        <p:blipFill>
+          <a:blip r:embed="rId3">
+            <a:extLst>
+              <a:ext uri="{28A0092B-C50C-407E-A947-70E740481C1C}">
+                <a14:useLocalDpi xmlns:a14="http://schemas.microsoft.com/office/drawing/2010/main" val="0"/>
+              </a:ext>
+            </a:extLst>
+          </a:blip>
+          <a:stretch>
+            <a:fillRect/>
+          </a:stretch>
+        </p:blipFill>
+        <p:spPr>
+          <a:xfrm>
+            <a:off x="0" y="0"/>
+            <a:ext cx="12192000" cy="6858000"/>
+          </a:xfrm>
+          <a:prstGeom prst="rect">
+            <a:avLst/>
+          </a:prstGeom>
+        </p:spPr>
+      </p:pic>
+      <p:sp>
+        <p:nvSpPr>
+          <p:cNvPr id="2" name="Titel 1">
+            <a:extLst>
+              <a:ext uri="{FF2B5EF4-FFF2-40B4-BE49-F238E27FC236}">
+                <a16:creationId xmlns:a16="http://schemas.microsoft.com/office/drawing/2014/main" id="{29EBAEBE-1727-490A-93C2-7510187F1251}"/>
+              </a:ext>
+            </a:extLst>
+          </p:cNvPr>
+          <p:cNvSpPr>
+            <a:spLocks noGrp="1"/>
+          </p:cNvSpPr>
+          <p:nvPr>
+            <p:ph type="title"/>
+          </p:nvPr>
+        </p:nvSpPr>
+        <p:spPr>
+          <a:xfrm>
+            <a:off x="1179226" y="826680"/>
+            <a:ext cx="9833548" cy="1325563"/>
+          </a:xfrm>
+        </p:spPr>
+        <p:txBody>
+          <a:bodyPr>
+            <a:normAutofit/>
+          </a:bodyPr>
+          <a:lstStyle/>
+          <a:p>
+            <a:pPr algn="ctr"/>
+            <a:r>
+              <a:rPr lang="en-US" sz="4000" dirty="0">
+                <a:solidFill>
+                  <a:schemeClr val="bg1"/>
+                </a:solidFill>
+              </a:rPr>
+              <a:t>Controllers for Landing</a:t>
+            </a:r>
+          </a:p>
+        </p:txBody>
+      </p:sp>
+      <p:sp>
+        <p:nvSpPr>
+          <p:cNvPr id="3" name="Tijdelijke aanduiding voor inhoud 2">
+            <a:extLst>
+              <a:ext uri="{FF2B5EF4-FFF2-40B4-BE49-F238E27FC236}">
+                <a16:creationId xmlns:a16="http://schemas.microsoft.com/office/drawing/2014/main" id="{7F7FFD6F-F72E-449C-ADAD-7530257FD70A}"/>
+              </a:ext>
+            </a:extLst>
+          </p:cNvPr>
+          <p:cNvSpPr>
+            <a:spLocks noGrp="1"/>
+          </p:cNvSpPr>
+          <p:nvPr>
+            <p:ph idx="1"/>
+          </p:nvPr>
+        </p:nvSpPr>
+        <p:spPr>
+          <a:xfrm>
+            <a:off x="1179074" y="2657113"/>
+            <a:ext cx="9833548" cy="3377923"/>
+          </a:xfrm>
+        </p:spPr>
+        <p:txBody>
+          <a:bodyPr>
+            <a:normAutofit/>
+          </a:bodyPr>
+          <a:lstStyle/>
+          <a:p>
+            <a:r>
+              <a:rPr lang="en-US" sz="2400" dirty="0">
+                <a:solidFill>
+                  <a:srgbClr val="000000"/>
+                </a:solidFill>
+              </a:rPr>
+              <a:t>Feedback Controller</a:t>
+            </a:r>
+          </a:p>
+          <a:p>
+            <a:pPr lvl="1"/>
+            <a:r>
+              <a:rPr lang="en-US" sz="2000" dirty="0">
+                <a:solidFill>
+                  <a:srgbClr val="000000"/>
+                </a:solidFill>
+              </a:rPr>
+              <a:t>Opposite of the open-loop controller</a:t>
+            </a:r>
+            <a:br>
+              <a:rPr lang="en-US" sz="2000" dirty="0">
+                <a:solidFill>
+                  <a:srgbClr val="000000"/>
+                </a:solidFill>
+              </a:rPr>
+            </a:br>
+            <a:endParaRPr lang="en-US" sz="2400" dirty="0">
+              <a:solidFill>
+                <a:srgbClr val="000000"/>
+              </a:solidFill>
+            </a:endParaRPr>
+          </a:p>
+          <a:p>
+            <a:r>
+              <a:rPr lang="en-US" sz="2400" dirty="0">
+                <a:solidFill>
+                  <a:srgbClr val="000000"/>
+                </a:solidFill>
+              </a:rPr>
+              <a:t>For the landing: </a:t>
+            </a:r>
+          </a:p>
+          <a:p>
+            <a:pPr lvl="1"/>
+            <a:r>
+              <a:rPr lang="en-US" sz="2000" dirty="0">
+                <a:solidFill>
+                  <a:srgbClr val="000000"/>
+                </a:solidFill>
+              </a:rPr>
+              <a:t>Correct the x-position</a:t>
+            </a:r>
+          </a:p>
+          <a:p>
+            <a:pPr lvl="2"/>
+            <a:r>
+              <a:rPr lang="en-US" sz="1600" dirty="0">
+                <a:solidFill>
+                  <a:srgbClr val="000000"/>
+                </a:solidFill>
+              </a:rPr>
+              <a:t>Done by tilting the landing module</a:t>
+            </a:r>
+          </a:p>
+          <a:p>
+            <a:pPr lvl="1"/>
+            <a:r>
+              <a:rPr lang="en-US" sz="2000" dirty="0">
+                <a:solidFill>
+                  <a:srgbClr val="000000"/>
+                </a:solidFill>
+              </a:rPr>
+              <a:t>Correct the y-position</a:t>
+            </a:r>
+          </a:p>
+          <a:p>
+            <a:pPr lvl="2"/>
+            <a:r>
+              <a:rPr lang="en-US" sz="1600" dirty="0">
+                <a:solidFill>
+                  <a:srgbClr val="000000"/>
+                </a:solidFill>
+              </a:rPr>
+              <a:t>Take into account gravity (and optionally also wind)</a:t>
+            </a:r>
+          </a:p>
+          <a:p>
+            <a:pPr lvl="2"/>
+            <a:r>
+              <a:rPr lang="en-US" sz="1600" dirty="0">
+                <a:solidFill>
+                  <a:srgbClr val="000000"/>
+                </a:solidFill>
+              </a:rPr>
+              <a:t>Determine if we use the thruster</a:t>
+            </a:r>
+          </a:p>
+        </p:txBody>
+      </p:sp>
+    </p:spTree>
+    <p:extLst>
+      <p:ext uri="{BB962C8B-B14F-4D97-AF65-F5344CB8AC3E}">
+        <p14:creationId xmlns:p14="http://schemas.microsoft.com/office/powerpoint/2010/main" val="1191438092"/>
+      </p:ext>
+    </p:extLst>
+  </p:cSld>
+  <p:clrMapOvr>
+    <a:masterClrMapping/>
+  </p:clrMapOvr>
+</p:sld>
+</file>
+
+<file path=ppt/slides/slide5.xml><?xml version="1.0" encoding="utf-8"?>
+<p:sld xmlns:a="http://schemas.openxmlformats.org/drawingml/2006/main" xmlns:r="http://schemas.openxmlformats.org/officeDocument/2006/relationships" xmlns:p="http://schemas.openxmlformats.org/presentationml/2006/main">
+  <p:cSld>
+    <p:bg>
+      <p:bgPr>
+        <a:solidFill>
+          <a:schemeClr val="bg1"/>
+        </a:solidFill>
+        <a:effectLst/>
+      </p:bgPr>
+    </p:bg>
+    <p:spTree>
+      <p:nvGrpSpPr>
+        <p:cNvPr id="1" name=""/>
+        <p:cNvGrpSpPr/>
+        <p:nvPr/>
+      </p:nvGrpSpPr>
+      <p:grpSpPr>
+        <a:xfrm>
+          <a:off x="0" y="0"/>
+          <a:ext cx="0" cy="0"/>
+          <a:chOff x="0" y="0"/>
+          <a:chExt cx="0" cy="0"/>
+        </a:xfrm>
+      </p:grpSpPr>
+      <p:sp>
+        <p:nvSpPr>
+          <p:cNvPr id="8" name="Rectangle 7">
+            <a:extLst>
+              <a:ext uri="{FF2B5EF4-FFF2-40B4-BE49-F238E27FC236}">
+                <a16:creationId xmlns:a16="http://schemas.microsoft.com/office/drawing/2014/main" id="{4351DFE5-F63D-4BE0-BDA9-E3EB88F01AA5}"/>
+              </a:ext>
+              <a:ext uri="{C183D7F6-B498-43B3-948B-1728B52AA6E4}">
+                <adec:decorative xmlns:adec="http://schemas.microsoft.com/office/drawing/2017/decorative" val="1"/>
+              </a:ext>
+            </a:extLst>
+          </p:cNvPr>
+          <p:cNvSpPr>
+            <a:spLocks noGrp="1" noRot="1" noChangeAspect="1" noMove="1" noResize="1" noEditPoints="1" noAdjustHandles="1" noChangeArrowheads="1" noChangeShapeType="1" noTextEdit="1"/>
+          </p:cNvSpPr>
+          <p:nvPr>
+            <p:extLst>
+              <p:ext uri="{386F3935-93C4-4BCD-93E2-E3B085C9AB24}">
+                <p16:designElem xmlns:p16="http://schemas.microsoft.com/office/powerpoint/2015/main" val="1"/>
+              </p:ext>
+            </p:extLst>
+          </p:nvPr>
+        </p:nvSpPr>
+        <p:spPr>
+          <a:xfrm>
+            <a:off x="355601" y="0"/>
+            <a:ext cx="11480494" cy="2753936"/>
+          </a:xfrm>
+          <a:prstGeom prst="rect">
+            <a:avLst/>
+          </a:prstGeom>
+          <a:gradFill>
+            <a:gsLst>
+              <a:gs pos="0">
+                <a:schemeClr val="accent1">
+                  <a:lumMod val="90000"/>
+                </a:schemeClr>
+              </a:gs>
+              <a:gs pos="25000">
+                <a:schemeClr val="accent1">
+                  <a:lumMod val="90000"/>
+                </a:schemeClr>
+              </a:gs>
+              <a:gs pos="94000">
+                <a:schemeClr val="bg2">
+                  <a:lumMod val="25000"/>
+                </a:schemeClr>
+              </a:gs>
+              <a:gs pos="100000">
+                <a:schemeClr val="bg2">
+                  <a:lumMod val="25000"/>
+                </a:schemeClr>
+              </a:gs>
+            </a:gsLst>
+            <a:lin ang="4200000" scaled="0"/>
+          </a:gradFill>
+          <a:ln>
+            <a:noFill/>
+          </a:ln>
+        </p:spPr>
+        <p:style>
+          <a:lnRef idx="2">
+            <a:schemeClr val="accent1">
+              <a:shade val="50000"/>
+            </a:schemeClr>
+          </a:lnRef>
+          <a:fillRef idx="1">
+            <a:schemeClr val="accent1"/>
+          </a:fillRef>
+          <a:effectRef idx="0">
+            <a:schemeClr val="accent1"/>
+          </a:effectRef>
+          <a:fontRef idx="minor">
+            <a:schemeClr val="lt1"/>
+          </a:fontRef>
+        </p:style>
+        <p:txBody>
+          <a:bodyPr rtlCol="0" anchor="ctr"/>
+          <a:lstStyle/>
+          <a:p>
+            <a:pPr algn="ctr"/>
+            <a:endParaRPr lang="en-US"/>
+          </a:p>
+        </p:txBody>
+      </p:sp>
+      <p:pic>
+        <p:nvPicPr>
+          <p:cNvPr id="10" name="Picture 9">
+            <a:extLst>
+              <a:ext uri="{FF2B5EF4-FFF2-40B4-BE49-F238E27FC236}">
+                <a16:creationId xmlns:a16="http://schemas.microsoft.com/office/drawing/2014/main" id="{3AA16612-ACD2-4A16-8F2B-4514FD6BF28F}"/>
+              </a:ext>
+              <a:ext uri="{C183D7F6-B498-43B3-948B-1728B52AA6E4}">
+                <adec:decorative xmlns:adec="http://schemas.microsoft.com/office/drawing/2017/decorative" val="1"/>
+              </a:ext>
+            </a:extLst>
+          </p:cNvPr>
+          <p:cNvPicPr>
+            <a:picLocks noGrp="1" noRot="1" noChangeAspect="1" noMove="1" noResize="1" noEditPoints="1" noAdjustHandles="1" noChangeArrowheads="1" noChangeShapeType="1" noCrop="1"/>
+          </p:cNvPicPr>
+          <p:nvPr>
+            <p:extLst>
+              <p:ext uri="{386F3935-93C4-4BCD-93E2-E3B085C9AB24}">
+                <p16:designElem xmlns:p16="http://schemas.microsoft.com/office/powerpoint/2015/main" val="1"/>
+              </p:ext>
+            </p:extLst>
+          </p:nvPr>
+        </p:nvPicPr>
+        <p:blipFill>
+          <a:blip r:embed="rId3">
+            <a:extLst>
+              <a:ext uri="{28A0092B-C50C-407E-A947-70E740481C1C}">
+                <a14:useLocalDpi xmlns:a14="http://schemas.microsoft.com/office/drawing/2010/main" val="0"/>
+              </a:ext>
+            </a:extLst>
+          </a:blip>
+          <a:stretch>
+            <a:fillRect/>
+          </a:stretch>
+        </p:blipFill>
+        <p:spPr>
+          <a:xfrm>
+            <a:off x="0" y="0"/>
+            <a:ext cx="12192000" cy="6858000"/>
+          </a:xfrm>
+          <a:prstGeom prst="rect">
+            <a:avLst/>
+          </a:prstGeom>
+        </p:spPr>
+      </p:pic>
+      <p:sp>
+        <p:nvSpPr>
+          <p:cNvPr id="2" name="Titel 1">
+            <a:extLst>
+              <a:ext uri="{FF2B5EF4-FFF2-40B4-BE49-F238E27FC236}">
+                <a16:creationId xmlns:a16="http://schemas.microsoft.com/office/drawing/2014/main" id="{29EBAEBE-1727-490A-93C2-7510187F1251}"/>
+              </a:ext>
+            </a:extLst>
+          </p:cNvPr>
+          <p:cNvSpPr>
+            <a:spLocks noGrp="1"/>
+          </p:cNvSpPr>
+          <p:nvPr>
+            <p:ph type="title"/>
+          </p:nvPr>
+        </p:nvSpPr>
+        <p:spPr>
+          <a:xfrm>
+            <a:off x="1179226" y="826680"/>
+            <a:ext cx="9833548" cy="1325563"/>
+          </a:xfrm>
+        </p:spPr>
+        <p:txBody>
+          <a:bodyPr>
+            <a:normAutofit/>
+          </a:bodyPr>
+          <a:lstStyle/>
+          <a:p>
+            <a:pPr algn="ctr"/>
+            <a:r>
+              <a:rPr lang="en-US" sz="4000" dirty="0">
+                <a:solidFill>
+                  <a:schemeClr val="bg1"/>
+                </a:solidFill>
+              </a:rPr>
+              <a:t>Wind model</a:t>
+            </a:r>
+          </a:p>
+        </p:txBody>
+      </p:sp>
+      <p:sp>
+        <p:nvSpPr>
+          <p:cNvPr id="3" name="Tijdelijke aanduiding voor inhoud 2">
+            <a:extLst>
+              <a:ext uri="{FF2B5EF4-FFF2-40B4-BE49-F238E27FC236}">
+                <a16:creationId xmlns:a16="http://schemas.microsoft.com/office/drawing/2014/main" id="{7F7FFD6F-F72E-449C-ADAD-7530257FD70A}"/>
+              </a:ext>
+            </a:extLst>
+          </p:cNvPr>
+          <p:cNvSpPr>
+            <a:spLocks noGrp="1"/>
+          </p:cNvSpPr>
+          <p:nvPr>
+            <p:ph idx="1"/>
+          </p:nvPr>
+        </p:nvSpPr>
+        <p:spPr>
+          <a:xfrm>
+            <a:off x="1179074" y="2978923"/>
+            <a:ext cx="9833548" cy="3377923"/>
+          </a:xfrm>
+        </p:spPr>
+        <p:txBody>
+          <a:bodyPr>
+            <a:normAutofit/>
+          </a:bodyPr>
+          <a:lstStyle/>
+          <a:p>
+            <a:r>
+              <a:rPr lang="en-US" sz="2400" dirty="0">
+                <a:solidFill>
+                  <a:srgbClr val="000000"/>
+                </a:solidFill>
+              </a:rPr>
+              <a:t>Constant max wind acceleration</a:t>
+            </a:r>
+          </a:p>
+          <a:p>
+            <a:r>
+              <a:rPr lang="en-US" sz="2400" dirty="0">
+                <a:solidFill>
+                  <a:srgbClr val="000000"/>
+                </a:solidFill>
+              </a:rPr>
+              <a:t>Wind </a:t>
+            </a:r>
+          </a:p>
+          <a:p>
+            <a:pPr lvl="1"/>
+            <a:r>
+              <a:rPr lang="en-US" sz="2000" dirty="0">
+                <a:solidFill>
+                  <a:srgbClr val="000000"/>
+                </a:solidFill>
+              </a:rPr>
+              <a:t>In random direction</a:t>
+            </a:r>
+          </a:p>
+          <a:p>
+            <a:pPr lvl="1"/>
+            <a:r>
+              <a:rPr lang="en-US" sz="2000" dirty="0">
+                <a:solidFill>
+                  <a:srgbClr val="000000"/>
+                </a:solidFill>
+              </a:rPr>
+              <a:t>Of random force, up to max</a:t>
+            </a:r>
+          </a:p>
+        </p:txBody>
+      </p:sp>
+    </p:spTree>
+    <p:extLst>
+      <p:ext uri="{BB962C8B-B14F-4D97-AF65-F5344CB8AC3E}">
+        <p14:creationId xmlns:p14="http://schemas.microsoft.com/office/powerpoint/2010/main" val="1658071239"/>
+      </p:ext>
+    </p:extLst>
+  </p:cSld>
+  <p:clrMapOvr>
+    <a:masterClrMapping/>
+  </p:clrMapOvr>
+</p:sld>
+</file>
+
+<file path=ppt/slides/slide6.xml><?xml version="1.0" encoding="utf-8"?>
+<p:sld xmlns:a="http://schemas.openxmlformats.org/drawingml/2006/main" xmlns:r="http://schemas.openxmlformats.org/officeDocument/2006/relationships" xmlns:p="http://schemas.openxmlformats.org/presentationml/2006/main">
+  <p:cSld>
+    <p:bg>
+      <p:bgPr>
+        <a:solidFill>
+          <a:schemeClr val="bg1"/>
+        </a:solidFill>
+        <a:effectLst/>
+      </p:bgPr>
+    </p:bg>
+    <p:spTree>
+      <p:nvGrpSpPr>
+        <p:cNvPr id="1" name=""/>
+        <p:cNvGrpSpPr/>
+        <p:nvPr/>
+      </p:nvGrpSpPr>
+      <p:grpSpPr>
+        <a:xfrm>
+          <a:off x="0" y="0"/>
+          <a:ext cx="0" cy="0"/>
+          <a:chOff x="0" y="0"/>
+          <a:chExt cx="0" cy="0"/>
+        </a:xfrm>
+      </p:grpSpPr>
+      <p:sp>
+        <p:nvSpPr>
+          <p:cNvPr id="8" name="Rectangle 7">
+            <a:extLst>
+              <a:ext uri="{FF2B5EF4-FFF2-40B4-BE49-F238E27FC236}">
+                <a16:creationId xmlns:a16="http://schemas.microsoft.com/office/drawing/2014/main" id="{4351DFE5-F63D-4BE0-BDA9-E3EB88F01AA5}"/>
+              </a:ext>
+              <a:ext uri="{C183D7F6-B498-43B3-948B-1728B52AA6E4}">
+                <adec:decorative xmlns:adec="http://schemas.microsoft.com/office/drawing/2017/decorative" val="1"/>
+              </a:ext>
+            </a:extLst>
+          </p:cNvPr>
+          <p:cNvSpPr>
+            <a:spLocks noGrp="1" noRot="1" noChangeAspect="1" noMove="1" noResize="1" noEditPoints="1" noAdjustHandles="1" noChangeArrowheads="1" noChangeShapeType="1" noTextEdit="1"/>
+          </p:cNvSpPr>
+          <p:nvPr>
+            <p:extLst>
+              <p:ext uri="{386F3935-93C4-4BCD-93E2-E3B085C9AB24}">
+                <p16:designElem xmlns:p16="http://schemas.microsoft.com/office/powerpoint/2015/main" val="1"/>
+              </p:ext>
+            </p:extLst>
+          </p:nvPr>
+        </p:nvSpPr>
+        <p:spPr>
+          <a:xfrm>
+            <a:off x="355601" y="0"/>
+            <a:ext cx="11480494" cy="2753936"/>
+          </a:xfrm>
+          <a:prstGeom prst="rect">
+            <a:avLst/>
+          </a:prstGeom>
+          <a:gradFill>
+            <a:gsLst>
+              <a:gs pos="0">
+                <a:schemeClr val="accent1">
+                  <a:lumMod val="90000"/>
+                </a:schemeClr>
+              </a:gs>
+              <a:gs pos="25000">
+                <a:schemeClr val="accent1">
+                  <a:lumMod val="90000"/>
+                </a:schemeClr>
+              </a:gs>
+              <a:gs pos="94000">
+                <a:schemeClr val="bg2">
+                  <a:lumMod val="25000"/>
+                </a:schemeClr>
+              </a:gs>
+              <a:gs pos="100000">
+                <a:schemeClr val="bg2">
+                  <a:lumMod val="25000"/>
+                </a:schemeClr>
+              </a:gs>
+            </a:gsLst>
+            <a:lin ang="4200000" scaled="0"/>
+          </a:gradFill>
+          <a:ln>
+            <a:noFill/>
+          </a:ln>
+        </p:spPr>
+        <p:style>
+          <a:lnRef idx="2">
+            <a:schemeClr val="accent1">
+              <a:shade val="50000"/>
+            </a:schemeClr>
+          </a:lnRef>
+          <a:fillRef idx="1">
+            <a:schemeClr val="accent1"/>
+          </a:fillRef>
+          <a:effectRef idx="0">
+            <a:schemeClr val="accent1"/>
+          </a:effectRef>
+          <a:fontRef idx="minor">
+            <a:schemeClr val="lt1"/>
+          </a:fontRef>
+        </p:style>
+        <p:txBody>
+          <a:bodyPr rtlCol="0" anchor="ctr"/>
+          <a:lstStyle/>
+          <a:p>
+            <a:pPr algn="ctr"/>
+            <a:endParaRPr lang="en-US"/>
+          </a:p>
+        </p:txBody>
+      </p:sp>
+      <p:pic>
+        <p:nvPicPr>
+          <p:cNvPr id="10" name="Picture 9">
+            <a:extLst>
+              <a:ext uri="{FF2B5EF4-FFF2-40B4-BE49-F238E27FC236}">
+                <a16:creationId xmlns:a16="http://schemas.microsoft.com/office/drawing/2014/main" id="{3AA16612-ACD2-4A16-8F2B-4514FD6BF28F}"/>
+              </a:ext>
+              <a:ext uri="{C183D7F6-B498-43B3-948B-1728B52AA6E4}">
+                <adec:decorative xmlns:adec="http://schemas.microsoft.com/office/drawing/2017/decorative" val="1"/>
+              </a:ext>
+            </a:extLst>
+          </p:cNvPr>
+          <p:cNvPicPr>
+            <a:picLocks noGrp="1" noRot="1" noChangeAspect="1" noMove="1" noResize="1" noEditPoints="1" noAdjustHandles="1" noChangeArrowheads="1" noChangeShapeType="1" noCrop="1"/>
+          </p:cNvPicPr>
+          <p:nvPr>
+            <p:extLst>
+              <p:ext uri="{386F3935-93C4-4BCD-93E2-E3B085C9AB24}">
+                <p16:designElem xmlns:p16="http://schemas.microsoft.com/office/powerpoint/2015/main" val="1"/>
+              </p:ext>
+            </p:extLst>
+          </p:nvPr>
+        </p:nvPicPr>
+        <p:blipFill>
+          <a:blip r:embed="rId3">
+            <a:extLst>
+              <a:ext uri="{28A0092B-C50C-407E-A947-70E740481C1C}">
+                <a14:useLocalDpi xmlns:a14="http://schemas.microsoft.com/office/drawing/2010/main" val="0"/>
+              </a:ext>
+            </a:extLst>
+          </a:blip>
+          <a:stretch>
+            <a:fillRect/>
+          </a:stretch>
+        </p:blipFill>
+        <p:spPr>
+          <a:xfrm>
+            <a:off x="0" y="0"/>
+            <a:ext cx="12192000" cy="6858000"/>
+          </a:xfrm>
+          <a:prstGeom prst="rect">
+            <a:avLst/>
+          </a:prstGeom>
+        </p:spPr>
+      </p:pic>
+      <p:sp>
+        <p:nvSpPr>
+          <p:cNvPr id="2" name="Titel 1">
+            <a:extLst>
+              <a:ext uri="{FF2B5EF4-FFF2-40B4-BE49-F238E27FC236}">
+                <a16:creationId xmlns:a16="http://schemas.microsoft.com/office/drawing/2014/main" id="{A01959A0-4AC6-4417-AF0B-2E14852A226A}"/>
+              </a:ext>
+            </a:extLst>
+          </p:cNvPr>
+          <p:cNvSpPr>
+            <a:spLocks noGrp="1"/>
+          </p:cNvSpPr>
+          <p:nvPr>
+            <p:ph type="title"/>
+          </p:nvPr>
+        </p:nvSpPr>
+        <p:spPr>
+          <a:xfrm>
+            <a:off x="1179226" y="826680"/>
+            <a:ext cx="9833548" cy="1325563"/>
+          </a:xfrm>
+        </p:spPr>
+        <p:txBody>
+          <a:bodyPr>
+            <a:normAutofit/>
+          </a:bodyPr>
+          <a:lstStyle/>
+          <a:p>
+            <a:pPr algn="ctr"/>
+            <a:r>
+              <a:rPr lang="en-US" sz="4000">
+                <a:solidFill>
+                  <a:srgbClr val="FFFFFF"/>
+                </a:solidFill>
+              </a:rPr>
+              <a:t>Experiments</a:t>
+            </a:r>
+          </a:p>
+        </p:txBody>
+      </p:sp>
+      <p:sp>
+        <p:nvSpPr>
+          <p:cNvPr id="4" name="Tijdelijke aanduiding voor inhoud 3">
+            <a:extLst>
+              <a:ext uri="{FF2B5EF4-FFF2-40B4-BE49-F238E27FC236}">
+                <a16:creationId xmlns:a16="http://schemas.microsoft.com/office/drawing/2014/main" id="{9A70C3DC-7683-4899-8F79-3F1DCE719FF8}"/>
+              </a:ext>
+            </a:extLst>
+          </p:cNvPr>
+          <p:cNvSpPr>
+            <a:spLocks noGrp="1"/>
+          </p:cNvSpPr>
+          <p:nvPr>
+            <p:ph idx="1"/>
+          </p:nvPr>
+        </p:nvSpPr>
+        <p:spPr>
+          <a:xfrm>
+            <a:off x="838048" y="3114747"/>
+            <a:ext cx="10515600" cy="4044099"/>
+          </a:xfrm>
+        </p:spPr>
+        <p:txBody>
+          <a:bodyPr>
+            <a:normAutofit/>
+          </a:bodyPr>
+          <a:lstStyle/>
+          <a:p>
+            <a:r>
+              <a:rPr lang="nl-NL" sz="2400" dirty="0"/>
+              <a:t>Made experiments by modifying parameters, then measured the result</a:t>
+            </a:r>
+            <a:br>
+              <a:rPr lang="nl-NL" sz="2400" dirty="0"/>
+            </a:br>
+            <a:endParaRPr lang="nl-NL" sz="2400" dirty="0"/>
+          </a:p>
+          <a:p>
+            <a:r>
+              <a:rPr lang="nl-NL" sz="2400" dirty="0"/>
+              <a:t>See Excel sheet</a:t>
+            </a:r>
+          </a:p>
+        </p:txBody>
+      </p:sp>
+    </p:spTree>
+    <p:extLst>
+      <p:ext uri="{BB962C8B-B14F-4D97-AF65-F5344CB8AC3E}">
+        <p14:creationId xmlns:p14="http://schemas.microsoft.com/office/powerpoint/2010/main" val="1740015535"/>
+      </p:ext>
+    </p:extLst>
+  </p:cSld>
+  <p:clrMapOvr>
+    <a:masterClrMapping/>
+  </p:clrMapOvr>
+</p:sld>
+</file>
+
+<file path=ppt/slides/slide7.xml><?xml version="1.0" encoding="utf-8"?>
+<p:sld xmlns:a="http://schemas.openxmlformats.org/drawingml/2006/main" xmlns:r="http://schemas.openxmlformats.org/officeDocument/2006/relationships" xmlns:p="http://schemas.openxmlformats.org/presentationml/2006/main">
+  <p:cSld>
+    <p:bg>
+      <p:bgPr>
+        <a:solidFill>
+          <a:schemeClr val="bg1"/>
+        </a:solidFill>
+        <a:effectLst/>
+      </p:bgPr>
+    </p:bg>
+    <p:spTree>
+      <p:nvGrpSpPr>
+        <p:cNvPr id="1" name=""/>
+        <p:cNvGrpSpPr/>
+        <p:nvPr/>
+      </p:nvGrpSpPr>
+      <p:grpSpPr>
+        <a:xfrm>
+          <a:off x="0" y="0"/>
+          <a:ext cx="0" cy="0"/>
+          <a:chOff x="0" y="0"/>
+          <a:chExt cx="0" cy="0"/>
+        </a:xfrm>
+      </p:grpSpPr>
+      <p:sp>
+        <p:nvSpPr>
+          <p:cNvPr id="9" name="Rectangle 8">
+            <a:extLst>
+              <a:ext uri="{FF2B5EF4-FFF2-40B4-BE49-F238E27FC236}">
+                <a16:creationId xmlns:a16="http://schemas.microsoft.com/office/drawing/2014/main" id="{4351DFE5-F63D-4BE0-BDA9-E3EB88F01AA5}"/>
+              </a:ext>
+              <a:ext uri="{C183D7F6-B498-43B3-948B-1728B52AA6E4}">
+                <adec:decorative xmlns:adec="http://schemas.microsoft.com/office/drawing/2017/decorative" val="1"/>
+              </a:ext>
+            </a:extLst>
+          </p:cNvPr>
+          <p:cNvSpPr>
+            <a:spLocks noGrp="1" noRot="1" noChangeAspect="1" noMove="1" noResize="1" noEditPoints="1" noAdjustHandles="1" noChangeArrowheads="1" noChangeShapeType="1" noTextEdit="1"/>
+          </p:cNvSpPr>
+          <p:nvPr>
+            <p:extLst>
+              <p:ext uri="{386F3935-93C4-4BCD-93E2-E3B085C9AB24}">
+                <p16:designElem xmlns:p16="http://schemas.microsoft.com/office/powerpoint/2015/main" val="1"/>
+              </p:ext>
+            </p:extLst>
+          </p:nvPr>
+        </p:nvSpPr>
+        <p:spPr>
+          <a:xfrm>
+            <a:off x="355601" y="0"/>
+            <a:ext cx="11480494" cy="2753936"/>
+          </a:xfrm>
+          <a:prstGeom prst="rect">
+            <a:avLst/>
+          </a:prstGeom>
+          <a:gradFill>
+            <a:gsLst>
+              <a:gs pos="0">
+                <a:schemeClr val="accent1">
+                  <a:lumMod val="90000"/>
+                </a:schemeClr>
+              </a:gs>
+              <a:gs pos="25000">
+                <a:schemeClr val="accent1">
+                  <a:lumMod val="90000"/>
+                </a:schemeClr>
+              </a:gs>
+              <a:gs pos="94000">
+                <a:schemeClr val="bg2">
+                  <a:lumMod val="25000"/>
+                </a:schemeClr>
+              </a:gs>
+              <a:gs pos="100000">
+                <a:schemeClr val="bg2">
+                  <a:lumMod val="25000"/>
+                </a:schemeClr>
+              </a:gs>
+            </a:gsLst>
+            <a:lin ang="4200000" scaled="0"/>
+          </a:gradFill>
+          <a:ln>
+            <a:noFill/>
+          </a:ln>
+        </p:spPr>
+        <p:style>
+          <a:lnRef idx="2">
+            <a:schemeClr val="accent1">
+              <a:shade val="50000"/>
+            </a:schemeClr>
+          </a:lnRef>
+          <a:fillRef idx="1">
+            <a:schemeClr val="accent1"/>
+          </a:fillRef>
+          <a:effectRef idx="0">
+            <a:schemeClr val="accent1"/>
+          </a:effectRef>
+          <a:fontRef idx="minor">
+            <a:schemeClr val="lt1"/>
+          </a:fontRef>
+        </p:style>
+        <p:txBody>
+          <a:bodyPr rtlCol="0" anchor="ctr"/>
+          <a:lstStyle/>
+          <a:p>
+            <a:pPr algn="ctr"/>
+            <a:endParaRPr lang="en-US"/>
+          </a:p>
+        </p:txBody>
+      </p:sp>
+      <p:pic>
+        <p:nvPicPr>
+          <p:cNvPr id="11" name="Picture 10">
+            <a:extLst>
+              <a:ext uri="{FF2B5EF4-FFF2-40B4-BE49-F238E27FC236}">
+                <a16:creationId xmlns:a16="http://schemas.microsoft.com/office/drawing/2014/main" id="{3AA16612-ACD2-4A16-8F2B-4514FD6BF28F}"/>
+              </a:ext>
+              <a:ext uri="{C183D7F6-B498-43B3-948B-1728B52AA6E4}">
+                <adec:decorative xmlns:adec="http://schemas.microsoft.com/office/drawing/2017/decorative" val="1"/>
+              </a:ext>
+            </a:extLst>
+          </p:cNvPr>
+          <p:cNvPicPr>
+            <a:picLocks noGrp="1" noRot="1" noChangeAspect="1" noMove="1" noResize="1" noEditPoints="1" noAdjustHandles="1" noChangeArrowheads="1" noChangeShapeType="1" noCrop="1"/>
+          </p:cNvPicPr>
+          <p:nvPr>
+            <p:extLst>
+              <p:ext uri="{386F3935-93C4-4BCD-93E2-E3B085C9AB24}">
+                <p16:designElem xmlns:p16="http://schemas.microsoft.com/office/powerpoint/2015/main" val="1"/>
+              </p:ext>
+            </p:extLst>
+          </p:nvPr>
+        </p:nvPicPr>
+        <p:blipFill>
+          <a:blip r:embed="rId3">
+            <a:extLst>
+              <a:ext uri="{28A0092B-C50C-407E-A947-70E740481C1C}">
+                <a14:useLocalDpi xmlns:a14="http://schemas.microsoft.com/office/drawing/2010/main" val="0"/>
+              </a:ext>
+            </a:extLst>
+          </a:blip>
+          <a:stretch>
+            <a:fillRect/>
+          </a:stretch>
+        </p:blipFill>
+        <p:spPr>
+          <a:xfrm>
+            <a:off x="0" y="0"/>
+            <a:ext cx="12192000" cy="6858000"/>
+          </a:xfrm>
+          <a:prstGeom prst="rect">
+            <a:avLst/>
+          </a:prstGeom>
+        </p:spPr>
+      </p:pic>
+      <p:sp>
+        <p:nvSpPr>
+          <p:cNvPr id="2" name="Titel 1">
+            <a:extLst>
+              <a:ext uri="{FF2B5EF4-FFF2-40B4-BE49-F238E27FC236}">
+                <a16:creationId xmlns:a16="http://schemas.microsoft.com/office/drawing/2014/main" id="{F09CB10F-A9B0-47E3-8D37-EE5738010EB8}"/>
+              </a:ext>
+            </a:extLst>
+          </p:cNvPr>
+          <p:cNvSpPr>
+            <a:spLocks noGrp="1"/>
+          </p:cNvSpPr>
+          <p:nvPr>
+            <p:ph type="title"/>
+          </p:nvPr>
+        </p:nvSpPr>
+        <p:spPr>
+          <a:xfrm>
+            <a:off x="1179226" y="826680"/>
+            <a:ext cx="9833548" cy="1325563"/>
+          </a:xfrm>
+        </p:spPr>
+        <p:txBody>
+          <a:bodyPr>
+            <a:normAutofit/>
+          </a:bodyPr>
+          <a:lstStyle/>
+          <a:p>
+            <a:pPr algn="ctr"/>
+            <a:r>
+              <a:rPr lang="en-US" sz="4000" dirty="0">
+                <a:solidFill>
+                  <a:srgbClr val="FFFFFF"/>
+                </a:solidFill>
+              </a:rPr>
+              <a:t>Phase 3 Schedule</a:t>
+            </a:r>
+          </a:p>
+        </p:txBody>
+      </p:sp>
+      <p:pic>
+        <p:nvPicPr>
+          <p:cNvPr id="7" name="Tijdelijke aanduiding voor inhoud 6">
+            <a:extLst>
+              <a:ext uri="{FF2B5EF4-FFF2-40B4-BE49-F238E27FC236}">
+                <a16:creationId xmlns:a16="http://schemas.microsoft.com/office/drawing/2014/main" id="{AD8E2633-1423-4190-A486-4C931558ECFB}"/>
+              </a:ext>
+            </a:extLst>
+          </p:cNvPr>
+          <p:cNvPicPr>
+            <a:picLocks noGrp="1" noChangeAspect="1"/>
+          </p:cNvPicPr>
+          <p:nvPr>
+            <p:ph idx="1"/>
+          </p:nvPr>
+        </p:nvPicPr>
+        <p:blipFill>
+          <a:blip r:embed="rId4"/>
+          <a:stretch>
+            <a:fillRect/>
+          </a:stretch>
+        </p:blipFill>
+        <p:spPr>
+          <a:xfrm>
+            <a:off x="1630755" y="2753936"/>
+            <a:ext cx="8930186" cy="3969769"/>
+          </a:xfrm>
+          <a:prstGeom prst="rect">
+            <a:avLst/>
+          </a:prstGeom>
+        </p:spPr>
+      </p:pic>
+    </p:spTree>
+    <p:extLst>
+      <p:ext uri="{BB962C8B-B14F-4D97-AF65-F5344CB8AC3E}">
+        <p14:creationId xmlns:p14="http://schemas.microsoft.com/office/powerpoint/2010/main" val="869961210"/>
+      </p:ext>
+    </p:extLst>
+  </p:cSld>
+  <p:clrMapOvr>
+    <a:masterClrMapping/>
+  </p:clrMapOvr>
+</p:sld>
+</file>
+
+<file path=ppt/slides/slide8.xml><?xml version="1.0" encoding="utf-8"?>
+<p:sld xmlns:a="http://schemas.openxmlformats.org/drawingml/2006/main" xmlns:r="http://schemas.openxmlformats.org/officeDocument/2006/relationships" xmlns:p="http://schemas.openxmlformats.org/presentationml/2006/main">
+  <p:cSld>
+    <p:bg>
+      <p:bgPr>
+        <a:solidFill>
+          <a:schemeClr val="bg1"/>
+        </a:solidFill>
+        <a:effectLst/>
+      </p:bgPr>
+    </p:bg>
+    <p:spTree>
+      <p:nvGrpSpPr>
+        <p:cNvPr id="1" name=""/>
+        <p:cNvGrpSpPr/>
+        <p:nvPr/>
+      </p:nvGrpSpPr>
+      <p:grpSpPr>
+        <a:xfrm>
+          <a:off x="0" y="0"/>
+          <a:ext cx="0" cy="0"/>
+          <a:chOff x="0" y="0"/>
+          <a:chExt cx="0" cy="0"/>
+        </a:xfrm>
+      </p:grpSpPr>
+      <p:sp>
+        <p:nvSpPr>
+          <p:cNvPr id="8" name="Rectangle 7">
+            <a:extLst>
+              <a:ext uri="{FF2B5EF4-FFF2-40B4-BE49-F238E27FC236}">
+                <a16:creationId xmlns:a16="http://schemas.microsoft.com/office/drawing/2014/main" id="{4351DFE5-F63D-4BE0-BDA9-E3EB88F01AA5}"/>
+              </a:ext>
+              <a:ext uri="{C183D7F6-B498-43B3-948B-1728B52AA6E4}">
+                <adec:decorative xmlns:adec="http://schemas.microsoft.com/office/drawing/2017/decorative" val="1"/>
+              </a:ext>
+            </a:extLst>
+          </p:cNvPr>
+          <p:cNvSpPr>
+            <a:spLocks noGrp="1" noRot="1" noChangeAspect="1" noMove="1" noResize="1" noEditPoints="1" noAdjustHandles="1" noChangeArrowheads="1" noChangeShapeType="1" noTextEdit="1"/>
+          </p:cNvSpPr>
+          <p:nvPr>
+            <p:extLst>
+              <p:ext uri="{386F3935-93C4-4BCD-93E2-E3B085C9AB24}">
+                <p16:designElem xmlns:p16="http://schemas.microsoft.com/office/powerpoint/2015/main" val="1"/>
+              </p:ext>
+            </p:extLst>
+          </p:nvPr>
+        </p:nvSpPr>
+        <p:spPr>
+          <a:xfrm>
+            <a:off x="355601" y="0"/>
+            <a:ext cx="11480494" cy="2753936"/>
+          </a:xfrm>
+          <a:prstGeom prst="rect">
+            <a:avLst/>
+          </a:prstGeom>
+          <a:gradFill>
+            <a:gsLst>
+              <a:gs pos="0">
+                <a:schemeClr val="accent1">
+                  <a:lumMod val="90000"/>
+                </a:schemeClr>
+              </a:gs>
+              <a:gs pos="25000">
+                <a:schemeClr val="accent1">
+                  <a:lumMod val="90000"/>
+                </a:schemeClr>
+              </a:gs>
+              <a:gs pos="94000">
+                <a:schemeClr val="bg2">
+                  <a:lumMod val="25000"/>
+                </a:schemeClr>
+              </a:gs>
+              <a:gs pos="100000">
+                <a:schemeClr val="bg2">
+                  <a:lumMod val="25000"/>
+                </a:schemeClr>
+              </a:gs>
+            </a:gsLst>
+            <a:lin ang="4200000" scaled="0"/>
+          </a:gradFill>
+          <a:ln>
+            <a:noFill/>
+          </a:ln>
+        </p:spPr>
+        <p:style>
+          <a:lnRef idx="2">
+            <a:schemeClr val="accent1">
+              <a:shade val="50000"/>
+            </a:schemeClr>
+          </a:lnRef>
+          <a:fillRef idx="1">
+            <a:schemeClr val="accent1"/>
+          </a:fillRef>
+          <a:effectRef idx="0">
+            <a:schemeClr val="accent1"/>
+          </a:effectRef>
+          <a:fontRef idx="minor">
+            <a:schemeClr val="lt1"/>
+          </a:fontRef>
+        </p:style>
+        <p:txBody>
+          <a:bodyPr rtlCol="0" anchor="ctr"/>
+          <a:lstStyle/>
+          <a:p>
+            <a:pPr algn="ctr"/>
+            <a:endParaRPr lang="en-US"/>
+          </a:p>
+        </p:txBody>
+      </p:sp>
+      <p:pic>
+        <p:nvPicPr>
+          <p:cNvPr id="10" name="Picture 9">
+            <a:extLst>
+              <a:ext uri="{FF2B5EF4-FFF2-40B4-BE49-F238E27FC236}">
+                <a16:creationId xmlns:a16="http://schemas.microsoft.com/office/drawing/2014/main" id="{3AA16612-ACD2-4A16-8F2B-4514FD6BF28F}"/>
+              </a:ext>
+              <a:ext uri="{C183D7F6-B498-43B3-948B-1728B52AA6E4}">
+                <adec:decorative xmlns:adec="http://schemas.microsoft.com/office/drawing/2017/decorative" val="1"/>
+              </a:ext>
+            </a:extLst>
+          </p:cNvPr>
+          <p:cNvPicPr>
+            <a:picLocks noGrp="1" noRot="1" noChangeAspect="1" noMove="1" noResize="1" noEditPoints="1" noAdjustHandles="1" noChangeArrowheads="1" noChangeShapeType="1" noCrop="1"/>
+          </p:cNvPicPr>
+          <p:nvPr>
+            <p:extLst>
+              <p:ext uri="{386F3935-93C4-4BCD-93E2-E3B085C9AB24}">
+                <p16:designElem xmlns:p16="http://schemas.microsoft.com/office/powerpoint/2015/main" val="1"/>
+              </p:ext>
+            </p:extLst>
+          </p:nvPr>
+        </p:nvPicPr>
+        <p:blipFill>
+          <a:blip r:embed="rId3">
+            <a:extLst>
+              <a:ext uri="{28A0092B-C50C-407E-A947-70E740481C1C}">
+                <a14:useLocalDpi xmlns:a14="http://schemas.microsoft.com/office/drawing/2010/main" val="0"/>
+              </a:ext>
+            </a:extLst>
+          </a:blip>
+          <a:stretch>
+            <a:fillRect/>
+          </a:stretch>
+        </p:blipFill>
+        <p:spPr>
+          <a:xfrm>
+            <a:off x="0" y="0"/>
+            <a:ext cx="12192000" cy="6858000"/>
+          </a:xfrm>
+          <a:prstGeom prst="rect">
+            <a:avLst/>
+          </a:prstGeom>
+        </p:spPr>
+      </p:pic>
+      <p:sp>
+        <p:nvSpPr>
+          <p:cNvPr id="2" name="Titel 1">
+            <a:extLst>
+              <a:ext uri="{FF2B5EF4-FFF2-40B4-BE49-F238E27FC236}">
+                <a16:creationId xmlns:a16="http://schemas.microsoft.com/office/drawing/2014/main" id="{A01959A0-4AC6-4417-AF0B-2E14852A226A}"/>
+              </a:ext>
+            </a:extLst>
+          </p:cNvPr>
+          <p:cNvSpPr>
+            <a:spLocks noGrp="1"/>
+          </p:cNvSpPr>
+          <p:nvPr>
+            <p:ph type="title"/>
+          </p:nvPr>
+        </p:nvSpPr>
+        <p:spPr>
+          <a:xfrm>
+            <a:off x="1179226" y="826680"/>
+            <a:ext cx="9833548" cy="1325563"/>
+          </a:xfrm>
+        </p:spPr>
+        <p:txBody>
+          <a:bodyPr>
+            <a:normAutofit/>
+          </a:bodyPr>
+          <a:lstStyle/>
+          <a:p>
+            <a:pPr algn="ctr"/>
+            <a:r>
+              <a:rPr lang="en-US" sz="4000" dirty="0">
+                <a:solidFill>
+                  <a:srgbClr val="FFFFFF"/>
+                </a:solidFill>
+              </a:rPr>
+              <a:t>Demo</a:t>
+            </a:r>
+          </a:p>
+        </p:txBody>
+      </p:sp>
+      <p:sp>
+        <p:nvSpPr>
+          <p:cNvPr id="4" name="Tijdelijke aanduiding voor inhoud 3">
+            <a:extLst>
+              <a:ext uri="{FF2B5EF4-FFF2-40B4-BE49-F238E27FC236}">
+                <a16:creationId xmlns:a16="http://schemas.microsoft.com/office/drawing/2014/main" id="{9A70C3DC-7683-4899-8F79-3F1DCE719FF8}"/>
+              </a:ext>
+            </a:extLst>
+          </p:cNvPr>
+          <p:cNvSpPr>
+            <a:spLocks noGrp="1"/>
+          </p:cNvSpPr>
+          <p:nvPr>
+            <p:ph idx="1"/>
+          </p:nvPr>
+        </p:nvSpPr>
+        <p:spPr>
+          <a:xfrm>
+            <a:off x="963778" y="3114747"/>
+            <a:ext cx="10515600" cy="4044099"/>
+          </a:xfrm>
+        </p:spPr>
+        <p:txBody>
+          <a:bodyPr/>
+          <a:lstStyle/>
+          <a:p>
+            <a:r>
+              <a:rPr lang="nl-NL" dirty="0"/>
+              <a:t>Show demo</a:t>
+            </a:r>
+          </a:p>
+        </p:txBody>
+      </p:sp>
+    </p:spTree>
+    <p:extLst>
+      <p:ext uri="{BB962C8B-B14F-4D97-AF65-F5344CB8AC3E}">
+        <p14:creationId xmlns:p14="http://schemas.microsoft.com/office/powerpoint/2010/main" val="2320719096"/>
+      </p:ext>
+    </p:extLst>
+  </p:cSld>
+  <p:clrMapOvr>
+    <a:masterClrMapping/>
+  </p:clrMapOvr>
+</p:sld>
+</file>
+
+<file path=ppt/slides/slide9.xml><?xml version="1.0" encoding="utf-8"?>
 <p:sld xmlns:a="http://schemas.openxmlformats.org/drawingml/2006/main" xmlns:r="http://schemas.openxmlformats.org/officeDocument/2006/relationships" xmlns:p="http://schemas.openxmlformats.org/presentationml/2006/main">
   <p:cSld>
     <p:bg>
@@ -4094,7 +7635,7 @@
           </p:nvPr>
         </p:nvPicPr>
         <p:blipFill>
-          <a:blip r:embed="rId2">
+          <a:blip r:embed="rId3">
             <a:extLst>
               <a:ext uri="{28A0092B-C50C-407E-A947-70E740481C1C}">
                 <a14:useLocalDpi xmlns:a14="http://schemas.microsoft.com/office/drawing/2010/main" val="0"/>
@@ -4144,11 +7685,14 @@
           <a:lstStyle/>
           <a:p>
             <a:pPr algn="r"/>
-            <a:endParaRPr lang="en-US" sz="4000" dirty="0">
-              <a:solidFill>
-                <a:srgbClr val="000000"/>
-              </a:solidFill>
-            </a:endParaRPr>
+            <a:r>
+              <a:rPr lang="en-US" sz="4000" dirty="0">
+                <a:solidFill>
+                  <a:srgbClr val="000000"/>
+                </a:solidFill>
+              </a:rPr>
+              <a:t>Thanks for your attention !</a:t>
+            </a:r>
           </a:p>
         </p:txBody>
       </p:sp>
@@ -4327,7 +7871,7 @@
       <p:pic>
         <p:nvPicPr>
           <p:cNvPr id="8" name="Afbeelding 7" descr="Gerelateerde afbeelding">
-            <a:hlinkClick r:id="rId3" tgtFrame="&quot;_blank&quot;"/>
+            <a:hlinkClick r:id="rId4" tgtFrame="&quot;_blank&quot;"/>
             <a:extLst>
               <a:ext uri="{FF2B5EF4-FFF2-40B4-BE49-F238E27FC236}">
                 <a16:creationId xmlns:a16="http://schemas.microsoft.com/office/drawing/2014/main" id="{2DA4E4C8-C7F3-48E0-8C03-4FD0107D7CAC}"/>
@@ -4338,7 +7882,7 @@
           <p:nvPr/>
         </p:nvPicPr>
         <p:blipFill>
-          <a:blip r:embed="rId4">
+          <a:blip r:embed="rId5">
             <a:extLst>
               <a:ext uri="{28A0092B-C50C-407E-A947-70E740481C1C}">
                 <a14:useLocalDpi xmlns:a14="http://schemas.microsoft.com/office/drawing/2010/main" val="0"/>
@@ -4541,13 +8085,13 @@
           <p:nvPr/>
         </p:nvPicPr>
         <p:blipFill>
-          <a:blip r:embed="rId5">
+          <a:blip r:embed="rId6">
             <a:extLst>
               <a:ext uri="{28A0092B-C50C-407E-A947-70E740481C1C}">
                 <a14:useLocalDpi xmlns:a14="http://schemas.microsoft.com/office/drawing/2010/main" val="0"/>
               </a:ext>
               <a:ext uri="{96DAC541-7B7A-43D3-8B79-37D633B846F1}">
-                <asvg:svgBlip xmlns:asvg="http://schemas.microsoft.com/office/drawing/2016/SVG/main" r:embed="rId6"/>
+                <asvg:svgBlip xmlns:asvg="http://schemas.microsoft.com/office/drawing/2016/SVG/main" r:embed="rId7"/>
               </a:ext>
             </a:extLst>
           </a:blip>
@@ -4569,2001 +8113,6 @@
     <p:extLst>
       <p:ext uri="{BB962C8B-B14F-4D97-AF65-F5344CB8AC3E}">
         <p14:creationId xmlns:p14="http://schemas.microsoft.com/office/powerpoint/2010/main" val="504662487"/>
-      </p:ext>
-    </p:extLst>
-  </p:cSld>
-  <p:clrMapOvr>
-    <a:masterClrMapping/>
-  </p:clrMapOvr>
-</p:sld>
-</file>
-
-<file path=ppt/slides/slide2.xml><?xml version="1.0" encoding="utf-8"?>
-<p:sld xmlns:a="http://schemas.openxmlformats.org/drawingml/2006/main" xmlns:r="http://schemas.openxmlformats.org/officeDocument/2006/relationships" xmlns:p="http://schemas.openxmlformats.org/presentationml/2006/main">
-  <p:cSld>
-    <p:bg>
-      <p:bgPr>
-        <a:solidFill>
-          <a:schemeClr val="bg1"/>
-        </a:solidFill>
-        <a:effectLst/>
-      </p:bgPr>
-    </p:bg>
-    <p:spTree>
-      <p:nvGrpSpPr>
-        <p:cNvPr id="1" name=""/>
-        <p:cNvGrpSpPr/>
-        <p:nvPr/>
-      </p:nvGrpSpPr>
-      <p:grpSpPr>
-        <a:xfrm>
-          <a:off x="0" y="0"/>
-          <a:ext cx="0" cy="0"/>
-          <a:chOff x="0" y="0"/>
-          <a:chExt cx="0" cy="0"/>
-        </a:xfrm>
-      </p:grpSpPr>
-      <p:pic>
-        <p:nvPicPr>
-          <p:cNvPr id="5" name="Tijdelijke aanduiding voor inhoud 4" descr="Afbeelding met teken, buiten, geel, lucht&#10;&#10;Automatisch gegenereerde beschrijving">
-            <a:extLst>
-              <a:ext uri="{FF2B5EF4-FFF2-40B4-BE49-F238E27FC236}">
-                <a16:creationId xmlns:a16="http://schemas.microsoft.com/office/drawing/2014/main" id="{BAFF7C39-F363-44DE-B592-FCC67BDF0903}"/>
-              </a:ext>
-            </a:extLst>
-          </p:cNvPr>
-          <p:cNvPicPr>
-            <a:picLocks noGrp="1" noChangeAspect="1"/>
-          </p:cNvPicPr>
-          <p:nvPr>
-            <p:ph idx="1"/>
-          </p:nvPr>
-        </p:nvPicPr>
-        <p:blipFill rotWithShape="1">
-          <a:blip r:embed="rId2">
-            <a:extLst>
-              <a:ext uri="{28A0092B-C50C-407E-A947-70E740481C1C}">
-                <a14:useLocalDpi xmlns:a14="http://schemas.microsoft.com/office/drawing/2010/main" val="0"/>
-              </a:ext>
-            </a:extLst>
-          </a:blip>
-          <a:srcRect r="9777" b="-1"/>
-          <a:stretch/>
-        </p:blipFill>
-        <p:spPr>
-          <a:xfrm>
-            <a:off x="20" y="10"/>
-            <a:ext cx="12191980" cy="6857990"/>
-          </a:xfrm>
-          <a:prstGeom prst="rect">
-            <a:avLst/>
-          </a:prstGeom>
-        </p:spPr>
-      </p:pic>
-    </p:spTree>
-    <p:extLst>
-      <p:ext uri="{BB962C8B-B14F-4D97-AF65-F5344CB8AC3E}">
-        <p14:creationId xmlns:p14="http://schemas.microsoft.com/office/powerpoint/2010/main" val="1868801522"/>
-      </p:ext>
-    </p:extLst>
-  </p:cSld>
-  <p:clrMapOvr>
-    <a:masterClrMapping/>
-  </p:clrMapOvr>
-</p:sld>
-</file>
-
-<file path=ppt/slides/slide3.xml><?xml version="1.0" encoding="utf-8"?>
-<p:sld xmlns:a="http://schemas.openxmlformats.org/drawingml/2006/main" xmlns:r="http://schemas.openxmlformats.org/officeDocument/2006/relationships" xmlns:p="http://schemas.openxmlformats.org/presentationml/2006/main">
-  <p:cSld>
-    <p:bg>
-      <p:bgPr>
-        <a:solidFill>
-          <a:schemeClr val="bg1"/>
-        </a:solidFill>
-        <a:effectLst/>
-      </p:bgPr>
-    </p:bg>
-    <p:spTree>
-      <p:nvGrpSpPr>
-        <p:cNvPr id="1" name=""/>
-        <p:cNvGrpSpPr/>
-        <p:nvPr/>
-      </p:nvGrpSpPr>
-      <p:grpSpPr>
-        <a:xfrm>
-          <a:off x="0" y="0"/>
-          <a:ext cx="0" cy="0"/>
-          <a:chOff x="0" y="0"/>
-          <a:chExt cx="0" cy="0"/>
-        </a:xfrm>
-      </p:grpSpPr>
-      <p:sp>
-        <p:nvSpPr>
-          <p:cNvPr id="8" name="Rectangle 7">
-            <a:extLst>
-              <a:ext uri="{FF2B5EF4-FFF2-40B4-BE49-F238E27FC236}">
-                <a16:creationId xmlns:a16="http://schemas.microsoft.com/office/drawing/2014/main" id="{4351DFE5-F63D-4BE0-BDA9-E3EB88F01AA5}"/>
-              </a:ext>
-              <a:ext uri="{C183D7F6-B498-43B3-948B-1728B52AA6E4}">
-                <adec:decorative xmlns:adec="http://schemas.microsoft.com/office/drawing/2017/decorative" val="1"/>
-              </a:ext>
-            </a:extLst>
-          </p:cNvPr>
-          <p:cNvSpPr>
-            <a:spLocks noGrp="1" noRot="1" noChangeAspect="1" noMove="1" noResize="1" noEditPoints="1" noAdjustHandles="1" noChangeArrowheads="1" noChangeShapeType="1" noTextEdit="1"/>
-          </p:cNvSpPr>
-          <p:nvPr>
-            <p:extLst>
-              <p:ext uri="{386F3935-93C4-4BCD-93E2-E3B085C9AB24}">
-                <p16:designElem xmlns:p16="http://schemas.microsoft.com/office/powerpoint/2015/main" val="1"/>
-              </p:ext>
-            </p:extLst>
-          </p:nvPr>
-        </p:nvSpPr>
-        <p:spPr>
-          <a:xfrm>
-            <a:off x="355601" y="0"/>
-            <a:ext cx="11480494" cy="2753936"/>
-          </a:xfrm>
-          <a:prstGeom prst="rect">
-            <a:avLst/>
-          </a:prstGeom>
-          <a:gradFill>
-            <a:gsLst>
-              <a:gs pos="0">
-                <a:schemeClr val="accent1">
-                  <a:lumMod val="90000"/>
-                </a:schemeClr>
-              </a:gs>
-              <a:gs pos="25000">
-                <a:schemeClr val="accent1">
-                  <a:lumMod val="90000"/>
-                </a:schemeClr>
-              </a:gs>
-              <a:gs pos="94000">
-                <a:schemeClr val="bg2">
-                  <a:lumMod val="25000"/>
-                </a:schemeClr>
-              </a:gs>
-              <a:gs pos="100000">
-                <a:schemeClr val="bg2">
-                  <a:lumMod val="25000"/>
-                </a:schemeClr>
-              </a:gs>
-            </a:gsLst>
-            <a:lin ang="4200000" scaled="0"/>
-          </a:gradFill>
-          <a:ln>
-            <a:noFill/>
-          </a:ln>
-        </p:spPr>
-        <p:style>
-          <a:lnRef idx="2">
-            <a:schemeClr val="accent1">
-              <a:shade val="50000"/>
-            </a:schemeClr>
-          </a:lnRef>
-          <a:fillRef idx="1">
-            <a:schemeClr val="accent1"/>
-          </a:fillRef>
-          <a:effectRef idx="0">
-            <a:schemeClr val="accent1"/>
-          </a:effectRef>
-          <a:fontRef idx="minor">
-            <a:schemeClr val="lt1"/>
-          </a:fontRef>
-        </p:style>
-        <p:txBody>
-          <a:bodyPr rtlCol="0" anchor="ctr"/>
-          <a:lstStyle/>
-          <a:p>
-            <a:pPr algn="ctr"/>
-            <a:endParaRPr lang="en-US"/>
-          </a:p>
-        </p:txBody>
-      </p:sp>
-      <p:pic>
-        <p:nvPicPr>
-          <p:cNvPr id="10" name="Picture 9">
-            <a:extLst>
-              <a:ext uri="{FF2B5EF4-FFF2-40B4-BE49-F238E27FC236}">
-                <a16:creationId xmlns:a16="http://schemas.microsoft.com/office/drawing/2014/main" id="{3AA16612-ACD2-4A16-8F2B-4514FD6BF28F}"/>
-              </a:ext>
-              <a:ext uri="{C183D7F6-B498-43B3-948B-1728B52AA6E4}">
-                <adec:decorative xmlns:adec="http://schemas.microsoft.com/office/drawing/2017/decorative" val="1"/>
-              </a:ext>
-            </a:extLst>
-          </p:cNvPr>
-          <p:cNvPicPr>
-            <a:picLocks noGrp="1" noRot="1" noChangeAspect="1" noMove="1" noResize="1" noEditPoints="1" noAdjustHandles="1" noChangeArrowheads="1" noChangeShapeType="1" noCrop="1"/>
-          </p:cNvPicPr>
-          <p:nvPr>
-            <p:extLst>
-              <p:ext uri="{386F3935-93C4-4BCD-93E2-E3B085C9AB24}">
-                <p16:designElem xmlns:p16="http://schemas.microsoft.com/office/powerpoint/2015/main" val="1"/>
-              </p:ext>
-            </p:extLst>
-          </p:nvPr>
-        </p:nvPicPr>
-        <p:blipFill>
-          <a:blip r:embed="rId2">
-            <a:extLst>
-              <a:ext uri="{28A0092B-C50C-407E-A947-70E740481C1C}">
-                <a14:useLocalDpi xmlns:a14="http://schemas.microsoft.com/office/drawing/2010/main" val="0"/>
-              </a:ext>
-            </a:extLst>
-          </a:blip>
-          <a:stretch>
-            <a:fillRect/>
-          </a:stretch>
-        </p:blipFill>
-        <p:spPr>
-          <a:xfrm>
-            <a:off x="0" y="0"/>
-            <a:ext cx="12192000" cy="6858000"/>
-          </a:xfrm>
-          <a:prstGeom prst="rect">
-            <a:avLst/>
-          </a:prstGeom>
-        </p:spPr>
-      </p:pic>
-      <p:sp>
-        <p:nvSpPr>
-          <p:cNvPr id="2" name="Titel 1">
-            <a:extLst>
-              <a:ext uri="{FF2B5EF4-FFF2-40B4-BE49-F238E27FC236}">
-                <a16:creationId xmlns:a16="http://schemas.microsoft.com/office/drawing/2014/main" id="{29EBAEBE-1727-490A-93C2-7510187F1251}"/>
-              </a:ext>
-            </a:extLst>
-          </p:cNvPr>
-          <p:cNvSpPr>
-            <a:spLocks noGrp="1"/>
-          </p:cNvSpPr>
-          <p:nvPr>
-            <p:ph type="title"/>
-          </p:nvPr>
-        </p:nvSpPr>
-        <p:spPr>
-          <a:xfrm>
-            <a:off x="1179226" y="826680"/>
-            <a:ext cx="9833548" cy="1325563"/>
-          </a:xfrm>
-        </p:spPr>
-        <p:txBody>
-          <a:bodyPr>
-            <a:normAutofit/>
-          </a:bodyPr>
-          <a:lstStyle/>
-          <a:p>
-            <a:pPr algn="ctr"/>
-            <a:r>
-              <a:rPr lang="en-US" sz="4000" dirty="0">
-                <a:solidFill>
-                  <a:srgbClr val="FFFFFF"/>
-                </a:solidFill>
-              </a:rPr>
-              <a:t>Solar System Improvement</a:t>
-            </a:r>
-          </a:p>
-        </p:txBody>
-      </p:sp>
-      <p:sp>
-        <p:nvSpPr>
-          <p:cNvPr id="3" name="Tijdelijke aanduiding voor inhoud 2">
-            <a:extLst>
-              <a:ext uri="{FF2B5EF4-FFF2-40B4-BE49-F238E27FC236}">
-                <a16:creationId xmlns:a16="http://schemas.microsoft.com/office/drawing/2014/main" id="{7F7FFD6F-F72E-449C-ADAD-7530257FD70A}"/>
-              </a:ext>
-            </a:extLst>
-          </p:cNvPr>
-          <p:cNvSpPr>
-            <a:spLocks noGrp="1"/>
-          </p:cNvSpPr>
-          <p:nvPr>
-            <p:ph idx="1"/>
-          </p:nvPr>
-        </p:nvSpPr>
-        <p:spPr>
-          <a:xfrm>
-            <a:off x="1179226" y="3092970"/>
-            <a:ext cx="9833548" cy="2693976"/>
-          </a:xfrm>
-        </p:spPr>
-        <p:txBody>
-          <a:bodyPr>
-            <a:normAutofit/>
-          </a:bodyPr>
-          <a:lstStyle/>
-          <a:p>
-            <a:pPr marL="0" indent="0">
-              <a:buNone/>
-            </a:pPr>
-            <a:endParaRPr lang="en-US" sz="2000" dirty="0">
-              <a:solidFill>
-                <a:srgbClr val="000000"/>
-              </a:solidFill>
-            </a:endParaRPr>
-          </a:p>
-          <a:p>
-            <a:r>
-              <a:rPr lang="en-US" sz="2000" dirty="0">
-                <a:solidFill>
-                  <a:srgbClr val="000000"/>
-                </a:solidFill>
-              </a:rPr>
-              <a:t>Fourth-order Runge-</a:t>
-            </a:r>
-            <a:r>
-              <a:rPr lang="en-US" sz="2000" dirty="0" err="1">
-                <a:solidFill>
-                  <a:srgbClr val="000000"/>
-                </a:solidFill>
-              </a:rPr>
-              <a:t>Kutta</a:t>
-            </a:r>
-            <a:r>
-              <a:rPr lang="en-US" sz="2000" dirty="0">
-                <a:solidFill>
-                  <a:srgbClr val="000000"/>
-                </a:solidFill>
-              </a:rPr>
-              <a:t> method</a:t>
-            </a:r>
-          </a:p>
-          <a:p>
-            <a:pPr marL="0" indent="0">
-              <a:buNone/>
-            </a:pPr>
-            <a:r>
-              <a:rPr lang="en-US" sz="2000" dirty="0">
-                <a:solidFill>
-                  <a:srgbClr val="000000"/>
-                </a:solidFill>
-              </a:rPr>
-              <a:t>	</a:t>
-            </a:r>
-            <a:r>
-              <a:rPr lang="en-US" sz="1800" dirty="0">
-                <a:solidFill>
-                  <a:srgbClr val="000000"/>
-                </a:solidFill>
-              </a:rPr>
-              <a:t>Replaced the phase 1 Euler’s method</a:t>
-            </a:r>
-          </a:p>
-          <a:p>
-            <a:pPr marL="0" indent="0">
-              <a:buNone/>
-            </a:pPr>
-            <a:r>
-              <a:rPr lang="en-US" sz="1800" dirty="0">
-                <a:solidFill>
-                  <a:srgbClr val="000000"/>
-                </a:solidFill>
-              </a:rPr>
-              <a:t>	More text</a:t>
-            </a:r>
-          </a:p>
-          <a:p>
-            <a:pPr marL="0" indent="0">
-              <a:buNone/>
-            </a:pPr>
-            <a:r>
-              <a:rPr lang="en-US" sz="1800" dirty="0">
-                <a:solidFill>
-                  <a:srgbClr val="000000"/>
-                </a:solidFill>
-              </a:rPr>
-              <a:t>	More text</a:t>
-            </a:r>
-            <a:endParaRPr lang="en-US" sz="2000" dirty="0">
-              <a:solidFill>
-                <a:srgbClr val="000000"/>
-              </a:solidFill>
-            </a:endParaRPr>
-          </a:p>
-        </p:txBody>
-      </p:sp>
-    </p:spTree>
-    <p:extLst>
-      <p:ext uri="{BB962C8B-B14F-4D97-AF65-F5344CB8AC3E}">
-        <p14:creationId xmlns:p14="http://schemas.microsoft.com/office/powerpoint/2010/main" val="3299625196"/>
-      </p:ext>
-    </p:extLst>
-  </p:cSld>
-  <p:clrMapOvr>
-    <a:masterClrMapping/>
-  </p:clrMapOvr>
-</p:sld>
-</file>
-
-<file path=ppt/slides/slide4.xml><?xml version="1.0" encoding="utf-8"?>
-<p:sld xmlns:a="http://schemas.openxmlformats.org/drawingml/2006/main" xmlns:r="http://schemas.openxmlformats.org/officeDocument/2006/relationships" xmlns:p="http://schemas.openxmlformats.org/presentationml/2006/main">
-  <p:cSld>
-    <p:bg>
-      <p:bgPr>
-        <a:solidFill>
-          <a:schemeClr val="bg1"/>
-        </a:solidFill>
-        <a:effectLst/>
-      </p:bgPr>
-    </p:bg>
-    <p:spTree>
-      <p:nvGrpSpPr>
-        <p:cNvPr id="1" name=""/>
-        <p:cNvGrpSpPr/>
-        <p:nvPr/>
-      </p:nvGrpSpPr>
-      <p:grpSpPr>
-        <a:xfrm>
-          <a:off x="0" y="0"/>
-          <a:ext cx="0" cy="0"/>
-          <a:chOff x="0" y="0"/>
-          <a:chExt cx="0" cy="0"/>
-        </a:xfrm>
-      </p:grpSpPr>
-      <p:sp>
-        <p:nvSpPr>
-          <p:cNvPr id="18" name="Rectangle 14">
-            <a:extLst>
-              <a:ext uri="{FF2B5EF4-FFF2-40B4-BE49-F238E27FC236}">
-                <a16:creationId xmlns:a16="http://schemas.microsoft.com/office/drawing/2014/main" id="{4351DFE5-F63D-4BE0-BDA9-E3EB88F01AA5}"/>
-              </a:ext>
-              <a:ext uri="{C183D7F6-B498-43B3-948B-1728B52AA6E4}">
-                <adec:decorative xmlns:adec="http://schemas.microsoft.com/office/drawing/2017/decorative" val="1"/>
-              </a:ext>
-            </a:extLst>
-          </p:cNvPr>
-          <p:cNvSpPr>
-            <a:spLocks noGrp="1" noRot="1" noChangeAspect="1" noMove="1" noResize="1" noEditPoints="1" noAdjustHandles="1" noChangeArrowheads="1" noChangeShapeType="1" noTextEdit="1"/>
-          </p:cNvSpPr>
-          <p:nvPr>
-            <p:extLst>
-              <p:ext uri="{386F3935-93C4-4BCD-93E2-E3B085C9AB24}">
-                <p16:designElem xmlns:p16="http://schemas.microsoft.com/office/powerpoint/2015/main" val="1"/>
-              </p:ext>
-            </p:extLst>
-          </p:nvPr>
-        </p:nvSpPr>
-        <p:spPr>
-          <a:xfrm>
-            <a:off x="355601" y="0"/>
-            <a:ext cx="11480494" cy="2753936"/>
-          </a:xfrm>
-          <a:prstGeom prst="rect">
-            <a:avLst/>
-          </a:prstGeom>
-          <a:gradFill>
-            <a:gsLst>
-              <a:gs pos="0">
-                <a:schemeClr val="accent1">
-                  <a:lumMod val="90000"/>
-                </a:schemeClr>
-              </a:gs>
-              <a:gs pos="25000">
-                <a:schemeClr val="accent1">
-                  <a:lumMod val="90000"/>
-                </a:schemeClr>
-              </a:gs>
-              <a:gs pos="94000">
-                <a:schemeClr val="bg2">
-                  <a:lumMod val="25000"/>
-                </a:schemeClr>
-              </a:gs>
-              <a:gs pos="100000">
-                <a:schemeClr val="bg2">
-                  <a:lumMod val="25000"/>
-                </a:schemeClr>
-              </a:gs>
-            </a:gsLst>
-            <a:lin ang="4200000" scaled="0"/>
-          </a:gradFill>
-          <a:ln>
-            <a:noFill/>
-          </a:ln>
-        </p:spPr>
-        <p:style>
-          <a:lnRef idx="2">
-            <a:schemeClr val="accent1">
-              <a:shade val="50000"/>
-            </a:schemeClr>
-          </a:lnRef>
-          <a:fillRef idx="1">
-            <a:schemeClr val="accent1"/>
-          </a:fillRef>
-          <a:effectRef idx="0">
-            <a:schemeClr val="accent1"/>
-          </a:effectRef>
-          <a:fontRef idx="minor">
-            <a:schemeClr val="lt1"/>
-          </a:fontRef>
-        </p:style>
-        <p:txBody>
-          <a:bodyPr rtlCol="0" anchor="ctr"/>
-          <a:lstStyle/>
-          <a:p>
-            <a:pPr algn="ctr"/>
-            <a:endParaRPr lang="en-US"/>
-          </a:p>
-        </p:txBody>
-      </p:sp>
-      <p:pic>
-        <p:nvPicPr>
-          <p:cNvPr id="17" name="Picture 16">
-            <a:extLst>
-              <a:ext uri="{FF2B5EF4-FFF2-40B4-BE49-F238E27FC236}">
-                <a16:creationId xmlns:a16="http://schemas.microsoft.com/office/drawing/2014/main" id="{3AA16612-ACD2-4A16-8F2B-4514FD6BF28F}"/>
-              </a:ext>
-              <a:ext uri="{C183D7F6-B498-43B3-948B-1728B52AA6E4}">
-                <adec:decorative xmlns:adec="http://schemas.microsoft.com/office/drawing/2017/decorative" val="1"/>
-              </a:ext>
-            </a:extLst>
-          </p:cNvPr>
-          <p:cNvPicPr>
-            <a:picLocks noGrp="1" noRot="1" noChangeAspect="1" noMove="1" noResize="1" noEditPoints="1" noAdjustHandles="1" noChangeArrowheads="1" noChangeShapeType="1" noCrop="1"/>
-          </p:cNvPicPr>
-          <p:nvPr>
-            <p:extLst>
-              <p:ext uri="{386F3935-93C4-4BCD-93E2-E3B085C9AB24}">
-                <p16:designElem xmlns:p16="http://schemas.microsoft.com/office/powerpoint/2015/main" val="1"/>
-              </p:ext>
-            </p:extLst>
-          </p:nvPr>
-        </p:nvPicPr>
-        <p:blipFill>
-          <a:blip r:embed="rId2">
-            <a:extLst>
-              <a:ext uri="{28A0092B-C50C-407E-A947-70E740481C1C}">
-                <a14:useLocalDpi xmlns:a14="http://schemas.microsoft.com/office/drawing/2010/main" val="0"/>
-              </a:ext>
-            </a:extLst>
-          </a:blip>
-          <a:stretch>
-            <a:fillRect/>
-          </a:stretch>
-        </p:blipFill>
-        <p:spPr>
-          <a:xfrm>
-            <a:off x="0" y="0"/>
-            <a:ext cx="12192000" cy="6858000"/>
-          </a:xfrm>
-          <a:prstGeom prst="rect">
-            <a:avLst/>
-          </a:prstGeom>
-        </p:spPr>
-      </p:pic>
-      <p:sp>
-        <p:nvSpPr>
-          <p:cNvPr id="2" name="Titel 1">
-            <a:extLst>
-              <a:ext uri="{FF2B5EF4-FFF2-40B4-BE49-F238E27FC236}">
-                <a16:creationId xmlns:a16="http://schemas.microsoft.com/office/drawing/2014/main" id="{29EBAEBE-1727-490A-93C2-7510187F1251}"/>
-              </a:ext>
-            </a:extLst>
-          </p:cNvPr>
-          <p:cNvSpPr>
-            <a:spLocks noGrp="1"/>
-          </p:cNvSpPr>
-          <p:nvPr>
-            <p:ph type="title"/>
-          </p:nvPr>
-        </p:nvSpPr>
-        <p:spPr>
-          <a:xfrm>
-            <a:off x="1179226" y="826680"/>
-            <a:ext cx="9833548" cy="1325563"/>
-          </a:xfrm>
-        </p:spPr>
-        <p:txBody>
-          <a:bodyPr>
-            <a:normAutofit/>
-          </a:bodyPr>
-          <a:lstStyle/>
-          <a:p>
-            <a:pPr algn="ctr"/>
-            <a:r>
-              <a:rPr lang="en-US" sz="4000">
-                <a:solidFill>
-                  <a:srgbClr val="FFFFFF"/>
-                </a:solidFill>
-              </a:rPr>
-              <a:t>Motion of Landing</a:t>
-            </a:r>
-            <a:endParaRPr lang="en-US" sz="4000" dirty="0">
-              <a:solidFill>
-                <a:srgbClr val="FFFFFF"/>
-              </a:solidFill>
-            </a:endParaRPr>
-          </a:p>
-        </p:txBody>
-      </p:sp>
-      <p:sp>
-        <p:nvSpPr>
-          <p:cNvPr id="19" name="Tijdelijke aanduiding voor inhoud 8">
-            <a:extLst>
-              <a:ext uri="{FF2B5EF4-FFF2-40B4-BE49-F238E27FC236}">
-                <a16:creationId xmlns:a16="http://schemas.microsoft.com/office/drawing/2014/main" id="{4D1A3A3F-2A81-4D28-B767-6E9FEFE56144}"/>
-              </a:ext>
-            </a:extLst>
-          </p:cNvPr>
-          <p:cNvSpPr>
-            <a:spLocks noGrp="1"/>
-          </p:cNvSpPr>
-          <p:nvPr>
-            <p:ph idx="1"/>
-          </p:nvPr>
-        </p:nvSpPr>
-        <p:spPr>
-          <a:xfrm>
-            <a:off x="1179226" y="3092970"/>
-            <a:ext cx="9833548" cy="2693976"/>
-          </a:xfrm>
-        </p:spPr>
-        <p:txBody>
-          <a:bodyPr>
-            <a:normAutofit/>
-          </a:bodyPr>
-          <a:lstStyle/>
-          <a:p>
-            <a:endParaRPr lang="en-US" sz="2000" dirty="0">
-              <a:solidFill>
-                <a:srgbClr val="000000"/>
-              </a:solidFill>
-            </a:endParaRPr>
-          </a:p>
-          <a:p>
-            <a:r>
-              <a:rPr lang="en-US" sz="2000" dirty="0">
-                <a:solidFill>
-                  <a:srgbClr val="000000"/>
-                </a:solidFill>
-              </a:rPr>
-              <a:t>Fucking rotating rectangle</a:t>
-            </a:r>
-          </a:p>
-        </p:txBody>
-      </p:sp>
-    </p:spTree>
-    <p:extLst>
-      <p:ext uri="{BB962C8B-B14F-4D97-AF65-F5344CB8AC3E}">
-        <p14:creationId xmlns:p14="http://schemas.microsoft.com/office/powerpoint/2010/main" val="3416706775"/>
-      </p:ext>
-    </p:extLst>
-  </p:cSld>
-  <p:clrMapOvr>
-    <a:masterClrMapping/>
-  </p:clrMapOvr>
-</p:sld>
-</file>
-
-<file path=ppt/slides/slide5.xml><?xml version="1.0" encoding="utf-8"?>
-<p:sld xmlns:a="http://schemas.openxmlformats.org/drawingml/2006/main" xmlns:r="http://schemas.openxmlformats.org/officeDocument/2006/relationships" xmlns:p="http://schemas.openxmlformats.org/presentationml/2006/main">
-  <p:cSld>
-    <p:bg>
-      <p:bgPr>
-        <a:solidFill>
-          <a:schemeClr val="bg1"/>
-        </a:solidFill>
-        <a:effectLst/>
-      </p:bgPr>
-    </p:bg>
-    <p:spTree>
-      <p:nvGrpSpPr>
-        <p:cNvPr id="1" name=""/>
-        <p:cNvGrpSpPr/>
-        <p:nvPr/>
-      </p:nvGrpSpPr>
-      <p:grpSpPr>
-        <a:xfrm>
-          <a:off x="0" y="0"/>
-          <a:ext cx="0" cy="0"/>
-          <a:chOff x="0" y="0"/>
-          <a:chExt cx="0" cy="0"/>
-        </a:xfrm>
-      </p:grpSpPr>
-      <p:sp>
-        <p:nvSpPr>
-          <p:cNvPr id="8" name="Rectangle 7">
-            <a:extLst>
-              <a:ext uri="{FF2B5EF4-FFF2-40B4-BE49-F238E27FC236}">
-                <a16:creationId xmlns:a16="http://schemas.microsoft.com/office/drawing/2014/main" id="{4351DFE5-F63D-4BE0-BDA9-E3EB88F01AA5}"/>
-              </a:ext>
-              <a:ext uri="{C183D7F6-B498-43B3-948B-1728B52AA6E4}">
-                <adec:decorative xmlns:adec="http://schemas.microsoft.com/office/drawing/2017/decorative" val="1"/>
-              </a:ext>
-            </a:extLst>
-          </p:cNvPr>
-          <p:cNvSpPr>
-            <a:spLocks noGrp="1" noRot="1" noChangeAspect="1" noMove="1" noResize="1" noEditPoints="1" noAdjustHandles="1" noChangeArrowheads="1" noChangeShapeType="1" noTextEdit="1"/>
-          </p:cNvSpPr>
-          <p:nvPr>
-            <p:extLst>
-              <p:ext uri="{386F3935-93C4-4BCD-93E2-E3B085C9AB24}">
-                <p16:designElem xmlns:p16="http://schemas.microsoft.com/office/powerpoint/2015/main" val="1"/>
-              </p:ext>
-            </p:extLst>
-          </p:nvPr>
-        </p:nvSpPr>
-        <p:spPr>
-          <a:xfrm>
-            <a:off x="355601" y="0"/>
-            <a:ext cx="11480494" cy="2753936"/>
-          </a:xfrm>
-          <a:prstGeom prst="rect">
-            <a:avLst/>
-          </a:prstGeom>
-          <a:gradFill>
-            <a:gsLst>
-              <a:gs pos="0">
-                <a:schemeClr val="accent1">
-                  <a:lumMod val="90000"/>
-                </a:schemeClr>
-              </a:gs>
-              <a:gs pos="25000">
-                <a:schemeClr val="accent1">
-                  <a:lumMod val="90000"/>
-                </a:schemeClr>
-              </a:gs>
-              <a:gs pos="94000">
-                <a:schemeClr val="bg2">
-                  <a:lumMod val="25000"/>
-                </a:schemeClr>
-              </a:gs>
-              <a:gs pos="100000">
-                <a:schemeClr val="bg2">
-                  <a:lumMod val="25000"/>
-                </a:schemeClr>
-              </a:gs>
-            </a:gsLst>
-            <a:lin ang="4200000" scaled="0"/>
-          </a:gradFill>
-          <a:ln>
-            <a:noFill/>
-          </a:ln>
-        </p:spPr>
-        <p:style>
-          <a:lnRef idx="2">
-            <a:schemeClr val="accent1">
-              <a:shade val="50000"/>
-            </a:schemeClr>
-          </a:lnRef>
-          <a:fillRef idx="1">
-            <a:schemeClr val="accent1"/>
-          </a:fillRef>
-          <a:effectRef idx="0">
-            <a:schemeClr val="accent1"/>
-          </a:effectRef>
-          <a:fontRef idx="minor">
-            <a:schemeClr val="lt1"/>
-          </a:fontRef>
-        </p:style>
-        <p:txBody>
-          <a:bodyPr rtlCol="0" anchor="ctr"/>
-          <a:lstStyle/>
-          <a:p>
-            <a:pPr algn="ctr"/>
-            <a:endParaRPr lang="en-US"/>
-          </a:p>
-        </p:txBody>
-      </p:sp>
-      <p:pic>
-        <p:nvPicPr>
-          <p:cNvPr id="10" name="Picture 9">
-            <a:extLst>
-              <a:ext uri="{FF2B5EF4-FFF2-40B4-BE49-F238E27FC236}">
-                <a16:creationId xmlns:a16="http://schemas.microsoft.com/office/drawing/2014/main" id="{3AA16612-ACD2-4A16-8F2B-4514FD6BF28F}"/>
-              </a:ext>
-              <a:ext uri="{C183D7F6-B498-43B3-948B-1728B52AA6E4}">
-                <adec:decorative xmlns:adec="http://schemas.microsoft.com/office/drawing/2017/decorative" val="1"/>
-              </a:ext>
-            </a:extLst>
-          </p:cNvPr>
-          <p:cNvPicPr>
-            <a:picLocks noGrp="1" noRot="1" noChangeAspect="1" noMove="1" noResize="1" noEditPoints="1" noAdjustHandles="1" noChangeArrowheads="1" noChangeShapeType="1" noCrop="1"/>
-          </p:cNvPicPr>
-          <p:nvPr>
-            <p:extLst>
-              <p:ext uri="{386F3935-93C4-4BCD-93E2-E3B085C9AB24}">
-                <p16:designElem xmlns:p16="http://schemas.microsoft.com/office/powerpoint/2015/main" val="1"/>
-              </p:ext>
-            </p:extLst>
-          </p:nvPr>
-        </p:nvPicPr>
-        <p:blipFill>
-          <a:blip r:embed="rId2">
-            <a:extLst>
-              <a:ext uri="{28A0092B-C50C-407E-A947-70E740481C1C}">
-                <a14:useLocalDpi xmlns:a14="http://schemas.microsoft.com/office/drawing/2010/main" val="0"/>
-              </a:ext>
-            </a:extLst>
-          </a:blip>
-          <a:stretch>
-            <a:fillRect/>
-          </a:stretch>
-        </p:blipFill>
-        <p:spPr>
-          <a:xfrm>
-            <a:off x="0" y="0"/>
-            <a:ext cx="12192000" cy="6858000"/>
-          </a:xfrm>
-          <a:prstGeom prst="rect">
-            <a:avLst/>
-          </a:prstGeom>
-        </p:spPr>
-      </p:pic>
-      <p:sp>
-        <p:nvSpPr>
-          <p:cNvPr id="2" name="Titel 1">
-            <a:extLst>
-              <a:ext uri="{FF2B5EF4-FFF2-40B4-BE49-F238E27FC236}">
-                <a16:creationId xmlns:a16="http://schemas.microsoft.com/office/drawing/2014/main" id="{29EBAEBE-1727-490A-93C2-7510187F1251}"/>
-              </a:ext>
-            </a:extLst>
-          </p:cNvPr>
-          <p:cNvSpPr>
-            <a:spLocks noGrp="1"/>
-          </p:cNvSpPr>
-          <p:nvPr>
-            <p:ph type="title"/>
-          </p:nvPr>
-        </p:nvSpPr>
-        <p:spPr>
-          <a:xfrm>
-            <a:off x="1179226" y="826680"/>
-            <a:ext cx="9833548" cy="1325563"/>
-          </a:xfrm>
-        </p:spPr>
-        <p:txBody>
-          <a:bodyPr>
-            <a:normAutofit/>
-          </a:bodyPr>
-          <a:lstStyle/>
-          <a:p>
-            <a:pPr algn="ctr"/>
-            <a:r>
-              <a:rPr lang="en-US" sz="4000" dirty="0">
-                <a:solidFill>
-                  <a:schemeClr val="bg1"/>
-                </a:solidFill>
-              </a:rPr>
-              <a:t>Controllers for Landing</a:t>
-            </a:r>
-          </a:p>
-        </p:txBody>
-      </p:sp>
-      <p:sp>
-        <p:nvSpPr>
-          <p:cNvPr id="3" name="Tijdelijke aanduiding voor inhoud 2">
-            <a:extLst>
-              <a:ext uri="{FF2B5EF4-FFF2-40B4-BE49-F238E27FC236}">
-                <a16:creationId xmlns:a16="http://schemas.microsoft.com/office/drawing/2014/main" id="{7F7FFD6F-F72E-449C-ADAD-7530257FD70A}"/>
-              </a:ext>
-            </a:extLst>
-          </p:cNvPr>
-          <p:cNvSpPr>
-            <a:spLocks noGrp="1"/>
-          </p:cNvSpPr>
-          <p:nvPr>
-            <p:ph idx="1"/>
-          </p:nvPr>
-        </p:nvSpPr>
-        <p:spPr>
-          <a:xfrm>
-            <a:off x="1179226" y="3092970"/>
-            <a:ext cx="9833548" cy="2693976"/>
-          </a:xfrm>
-        </p:spPr>
-        <p:txBody>
-          <a:bodyPr>
-            <a:normAutofit/>
-          </a:bodyPr>
-          <a:lstStyle/>
-          <a:p>
-            <a:endParaRPr lang="en-US" sz="2000" dirty="0">
-              <a:solidFill>
-                <a:srgbClr val="000000"/>
-              </a:solidFill>
-            </a:endParaRPr>
-          </a:p>
-          <a:p>
-            <a:r>
-              <a:rPr lang="en-US" sz="2000" dirty="0">
-                <a:solidFill>
-                  <a:srgbClr val="000000"/>
-                </a:solidFill>
-              </a:rPr>
-              <a:t>Feedback Controller</a:t>
-            </a:r>
-          </a:p>
-          <a:p>
-            <a:pPr marL="0" indent="0">
-              <a:buNone/>
-            </a:pPr>
-            <a:r>
-              <a:rPr lang="en-US" sz="2000" dirty="0">
-                <a:solidFill>
-                  <a:srgbClr val="000000"/>
-                </a:solidFill>
-              </a:rPr>
-              <a:t>	</a:t>
-            </a:r>
-            <a:r>
-              <a:rPr lang="en-US" sz="1800" dirty="0">
-                <a:solidFill>
-                  <a:srgbClr val="000000"/>
-                </a:solidFill>
-              </a:rPr>
-              <a:t>More text</a:t>
-            </a:r>
-          </a:p>
-          <a:p>
-            <a:pPr marL="0" indent="0">
-              <a:buNone/>
-            </a:pPr>
-            <a:r>
-              <a:rPr lang="en-US" sz="1800" dirty="0">
-                <a:solidFill>
-                  <a:srgbClr val="000000"/>
-                </a:solidFill>
-              </a:rPr>
-              <a:t>	More text</a:t>
-            </a:r>
-          </a:p>
-          <a:p>
-            <a:pPr marL="0" indent="0">
-              <a:buNone/>
-            </a:pPr>
-            <a:r>
-              <a:rPr lang="en-US" sz="1800" dirty="0">
-                <a:solidFill>
-                  <a:srgbClr val="000000"/>
-                </a:solidFill>
-              </a:rPr>
-              <a:t>	More text</a:t>
-            </a:r>
-            <a:endParaRPr lang="en-US" sz="2000" dirty="0">
-              <a:solidFill>
-                <a:srgbClr val="000000"/>
-              </a:solidFill>
-            </a:endParaRPr>
-          </a:p>
-        </p:txBody>
-      </p:sp>
-    </p:spTree>
-    <p:extLst>
-      <p:ext uri="{BB962C8B-B14F-4D97-AF65-F5344CB8AC3E}">
-        <p14:creationId xmlns:p14="http://schemas.microsoft.com/office/powerpoint/2010/main" val="1191438092"/>
-      </p:ext>
-    </p:extLst>
-  </p:cSld>
-  <p:clrMapOvr>
-    <a:masterClrMapping/>
-  </p:clrMapOvr>
-</p:sld>
-</file>
-
-<file path=ppt/slides/slide6.xml><?xml version="1.0" encoding="utf-8"?>
-<p:sld xmlns:a="http://schemas.openxmlformats.org/drawingml/2006/main" xmlns:r="http://schemas.openxmlformats.org/officeDocument/2006/relationships" xmlns:p="http://schemas.openxmlformats.org/presentationml/2006/main">
-  <p:cSld>
-    <p:bg>
-      <p:bgPr>
-        <a:solidFill>
-          <a:schemeClr val="bg1"/>
-        </a:solidFill>
-        <a:effectLst/>
-      </p:bgPr>
-    </p:bg>
-    <p:spTree>
-      <p:nvGrpSpPr>
-        <p:cNvPr id="1" name=""/>
-        <p:cNvGrpSpPr/>
-        <p:nvPr/>
-      </p:nvGrpSpPr>
-      <p:grpSpPr>
-        <a:xfrm>
-          <a:off x="0" y="0"/>
-          <a:ext cx="0" cy="0"/>
-          <a:chOff x="0" y="0"/>
-          <a:chExt cx="0" cy="0"/>
-        </a:xfrm>
-      </p:grpSpPr>
-      <p:sp>
-        <p:nvSpPr>
-          <p:cNvPr id="8" name="Rectangle 7">
-            <a:extLst>
-              <a:ext uri="{FF2B5EF4-FFF2-40B4-BE49-F238E27FC236}">
-                <a16:creationId xmlns:a16="http://schemas.microsoft.com/office/drawing/2014/main" id="{4351DFE5-F63D-4BE0-BDA9-E3EB88F01AA5}"/>
-              </a:ext>
-              <a:ext uri="{C183D7F6-B498-43B3-948B-1728B52AA6E4}">
-                <adec:decorative xmlns:adec="http://schemas.microsoft.com/office/drawing/2017/decorative" val="1"/>
-              </a:ext>
-            </a:extLst>
-          </p:cNvPr>
-          <p:cNvSpPr>
-            <a:spLocks noGrp="1" noRot="1" noChangeAspect="1" noMove="1" noResize="1" noEditPoints="1" noAdjustHandles="1" noChangeArrowheads="1" noChangeShapeType="1" noTextEdit="1"/>
-          </p:cNvSpPr>
-          <p:nvPr>
-            <p:extLst>
-              <p:ext uri="{386F3935-93C4-4BCD-93E2-E3B085C9AB24}">
-                <p16:designElem xmlns:p16="http://schemas.microsoft.com/office/powerpoint/2015/main" val="1"/>
-              </p:ext>
-            </p:extLst>
-          </p:nvPr>
-        </p:nvSpPr>
-        <p:spPr>
-          <a:xfrm>
-            <a:off x="355601" y="0"/>
-            <a:ext cx="11480494" cy="2753936"/>
-          </a:xfrm>
-          <a:prstGeom prst="rect">
-            <a:avLst/>
-          </a:prstGeom>
-          <a:gradFill>
-            <a:gsLst>
-              <a:gs pos="0">
-                <a:schemeClr val="accent1">
-                  <a:lumMod val="90000"/>
-                </a:schemeClr>
-              </a:gs>
-              <a:gs pos="25000">
-                <a:schemeClr val="accent1">
-                  <a:lumMod val="90000"/>
-                </a:schemeClr>
-              </a:gs>
-              <a:gs pos="94000">
-                <a:schemeClr val="bg2">
-                  <a:lumMod val="25000"/>
-                </a:schemeClr>
-              </a:gs>
-              <a:gs pos="100000">
-                <a:schemeClr val="bg2">
-                  <a:lumMod val="25000"/>
-                </a:schemeClr>
-              </a:gs>
-            </a:gsLst>
-            <a:lin ang="4200000" scaled="0"/>
-          </a:gradFill>
-          <a:ln>
-            <a:noFill/>
-          </a:ln>
-        </p:spPr>
-        <p:style>
-          <a:lnRef idx="2">
-            <a:schemeClr val="accent1">
-              <a:shade val="50000"/>
-            </a:schemeClr>
-          </a:lnRef>
-          <a:fillRef idx="1">
-            <a:schemeClr val="accent1"/>
-          </a:fillRef>
-          <a:effectRef idx="0">
-            <a:schemeClr val="accent1"/>
-          </a:effectRef>
-          <a:fontRef idx="minor">
-            <a:schemeClr val="lt1"/>
-          </a:fontRef>
-        </p:style>
-        <p:txBody>
-          <a:bodyPr rtlCol="0" anchor="ctr"/>
-          <a:lstStyle/>
-          <a:p>
-            <a:pPr algn="ctr"/>
-            <a:endParaRPr lang="en-US"/>
-          </a:p>
-        </p:txBody>
-      </p:sp>
-      <p:pic>
-        <p:nvPicPr>
-          <p:cNvPr id="10" name="Picture 9">
-            <a:extLst>
-              <a:ext uri="{FF2B5EF4-FFF2-40B4-BE49-F238E27FC236}">
-                <a16:creationId xmlns:a16="http://schemas.microsoft.com/office/drawing/2014/main" id="{3AA16612-ACD2-4A16-8F2B-4514FD6BF28F}"/>
-              </a:ext>
-              <a:ext uri="{C183D7F6-B498-43B3-948B-1728B52AA6E4}">
-                <adec:decorative xmlns:adec="http://schemas.microsoft.com/office/drawing/2017/decorative" val="1"/>
-              </a:ext>
-            </a:extLst>
-          </p:cNvPr>
-          <p:cNvPicPr>
-            <a:picLocks noGrp="1" noRot="1" noChangeAspect="1" noMove="1" noResize="1" noEditPoints="1" noAdjustHandles="1" noChangeArrowheads="1" noChangeShapeType="1" noCrop="1"/>
-          </p:cNvPicPr>
-          <p:nvPr>
-            <p:extLst>
-              <p:ext uri="{386F3935-93C4-4BCD-93E2-E3B085C9AB24}">
-                <p16:designElem xmlns:p16="http://schemas.microsoft.com/office/powerpoint/2015/main" val="1"/>
-              </p:ext>
-            </p:extLst>
-          </p:nvPr>
-        </p:nvPicPr>
-        <p:blipFill>
-          <a:blip r:embed="rId2">
-            <a:extLst>
-              <a:ext uri="{28A0092B-C50C-407E-A947-70E740481C1C}">
-                <a14:useLocalDpi xmlns:a14="http://schemas.microsoft.com/office/drawing/2010/main" val="0"/>
-              </a:ext>
-            </a:extLst>
-          </a:blip>
-          <a:stretch>
-            <a:fillRect/>
-          </a:stretch>
-        </p:blipFill>
-        <p:spPr>
-          <a:xfrm>
-            <a:off x="0" y="0"/>
-            <a:ext cx="12192000" cy="6858000"/>
-          </a:xfrm>
-          <a:prstGeom prst="rect">
-            <a:avLst/>
-          </a:prstGeom>
-        </p:spPr>
-      </p:pic>
-      <p:sp>
-        <p:nvSpPr>
-          <p:cNvPr id="2" name="Titel 1">
-            <a:extLst>
-              <a:ext uri="{FF2B5EF4-FFF2-40B4-BE49-F238E27FC236}">
-                <a16:creationId xmlns:a16="http://schemas.microsoft.com/office/drawing/2014/main" id="{29EBAEBE-1727-490A-93C2-7510187F1251}"/>
-              </a:ext>
-            </a:extLst>
-          </p:cNvPr>
-          <p:cNvSpPr>
-            <a:spLocks noGrp="1"/>
-          </p:cNvSpPr>
-          <p:nvPr>
-            <p:ph type="title"/>
-          </p:nvPr>
-        </p:nvSpPr>
-        <p:spPr>
-          <a:xfrm>
-            <a:off x="1179226" y="826680"/>
-            <a:ext cx="9833548" cy="1325563"/>
-          </a:xfrm>
-        </p:spPr>
-        <p:txBody>
-          <a:bodyPr>
-            <a:normAutofit/>
-          </a:bodyPr>
-          <a:lstStyle/>
-          <a:p>
-            <a:pPr algn="ctr"/>
-            <a:r>
-              <a:rPr lang="en-US" sz="4000" dirty="0">
-                <a:solidFill>
-                  <a:schemeClr val="bg1"/>
-                </a:solidFill>
-              </a:rPr>
-              <a:t>Controllers for Landing</a:t>
-            </a:r>
-          </a:p>
-        </p:txBody>
-      </p:sp>
-      <p:sp>
-        <p:nvSpPr>
-          <p:cNvPr id="3" name="Tijdelijke aanduiding voor inhoud 2">
-            <a:extLst>
-              <a:ext uri="{FF2B5EF4-FFF2-40B4-BE49-F238E27FC236}">
-                <a16:creationId xmlns:a16="http://schemas.microsoft.com/office/drawing/2014/main" id="{7F7FFD6F-F72E-449C-ADAD-7530257FD70A}"/>
-              </a:ext>
-            </a:extLst>
-          </p:cNvPr>
-          <p:cNvSpPr>
-            <a:spLocks noGrp="1"/>
-          </p:cNvSpPr>
-          <p:nvPr>
-            <p:ph idx="1"/>
-          </p:nvPr>
-        </p:nvSpPr>
-        <p:spPr>
-          <a:xfrm>
-            <a:off x="1179226" y="3092970"/>
-            <a:ext cx="9833548" cy="2693976"/>
-          </a:xfrm>
-        </p:spPr>
-        <p:txBody>
-          <a:bodyPr>
-            <a:normAutofit/>
-          </a:bodyPr>
-          <a:lstStyle/>
-          <a:p>
-            <a:endParaRPr lang="en-US" sz="2000" dirty="0">
-              <a:solidFill>
-                <a:srgbClr val="000000"/>
-              </a:solidFill>
-            </a:endParaRPr>
-          </a:p>
-          <a:p>
-            <a:r>
-              <a:rPr lang="en-US" sz="2000" dirty="0">
-                <a:solidFill>
-                  <a:srgbClr val="000000"/>
-                </a:solidFill>
-              </a:rPr>
-              <a:t>Open Loop Controller</a:t>
-            </a:r>
-          </a:p>
-          <a:p>
-            <a:pPr marL="0" indent="0">
-              <a:buNone/>
-            </a:pPr>
-            <a:r>
-              <a:rPr lang="en-US" sz="2000" dirty="0">
-                <a:solidFill>
-                  <a:srgbClr val="000000"/>
-                </a:solidFill>
-              </a:rPr>
-              <a:t>	</a:t>
-            </a:r>
-            <a:r>
-              <a:rPr lang="en-US" sz="1800" dirty="0">
-                <a:solidFill>
-                  <a:srgbClr val="000000"/>
-                </a:solidFill>
-              </a:rPr>
-              <a:t>More text</a:t>
-            </a:r>
-          </a:p>
-          <a:p>
-            <a:pPr marL="0" indent="0">
-              <a:buNone/>
-            </a:pPr>
-            <a:r>
-              <a:rPr lang="en-US" sz="1800" dirty="0">
-                <a:solidFill>
-                  <a:srgbClr val="000000"/>
-                </a:solidFill>
-              </a:rPr>
-              <a:t>	More text</a:t>
-            </a:r>
-          </a:p>
-          <a:p>
-            <a:pPr marL="0" indent="0">
-              <a:buNone/>
-            </a:pPr>
-            <a:r>
-              <a:rPr lang="en-US" sz="1800" dirty="0">
-                <a:solidFill>
-                  <a:srgbClr val="000000"/>
-                </a:solidFill>
-              </a:rPr>
-              <a:t>	More text</a:t>
-            </a:r>
-            <a:endParaRPr lang="en-US" sz="2000" dirty="0">
-              <a:solidFill>
-                <a:srgbClr val="000000"/>
-              </a:solidFill>
-            </a:endParaRPr>
-          </a:p>
-        </p:txBody>
-      </p:sp>
-    </p:spTree>
-    <p:extLst>
-      <p:ext uri="{BB962C8B-B14F-4D97-AF65-F5344CB8AC3E}">
-        <p14:creationId xmlns:p14="http://schemas.microsoft.com/office/powerpoint/2010/main" val="729009784"/>
-      </p:ext>
-    </p:extLst>
-  </p:cSld>
-  <p:clrMapOvr>
-    <a:masterClrMapping/>
-  </p:clrMapOvr>
-</p:sld>
-</file>
-
-<file path=ppt/slides/slide7.xml><?xml version="1.0" encoding="utf-8"?>
-<p:sld xmlns:a="http://schemas.openxmlformats.org/drawingml/2006/main" xmlns:r="http://schemas.openxmlformats.org/officeDocument/2006/relationships" xmlns:p="http://schemas.openxmlformats.org/presentationml/2006/main">
-  <p:cSld>
-    <p:bg>
-      <p:bgPr>
-        <a:solidFill>
-          <a:schemeClr val="bg1"/>
-        </a:solidFill>
-        <a:effectLst/>
-      </p:bgPr>
-    </p:bg>
-    <p:spTree>
-      <p:nvGrpSpPr>
-        <p:cNvPr id="1" name=""/>
-        <p:cNvGrpSpPr/>
-        <p:nvPr/>
-      </p:nvGrpSpPr>
-      <p:grpSpPr>
-        <a:xfrm>
-          <a:off x="0" y="0"/>
-          <a:ext cx="0" cy="0"/>
-          <a:chOff x="0" y="0"/>
-          <a:chExt cx="0" cy="0"/>
-        </a:xfrm>
-      </p:grpSpPr>
-      <p:sp>
-        <p:nvSpPr>
-          <p:cNvPr id="8" name="Rectangle 7">
-            <a:extLst>
-              <a:ext uri="{FF2B5EF4-FFF2-40B4-BE49-F238E27FC236}">
-                <a16:creationId xmlns:a16="http://schemas.microsoft.com/office/drawing/2014/main" id="{4351DFE5-F63D-4BE0-BDA9-E3EB88F01AA5}"/>
-              </a:ext>
-              <a:ext uri="{C183D7F6-B498-43B3-948B-1728B52AA6E4}">
-                <adec:decorative xmlns:adec="http://schemas.microsoft.com/office/drawing/2017/decorative" val="1"/>
-              </a:ext>
-            </a:extLst>
-          </p:cNvPr>
-          <p:cNvSpPr>
-            <a:spLocks noGrp="1" noRot="1" noChangeAspect="1" noMove="1" noResize="1" noEditPoints="1" noAdjustHandles="1" noChangeArrowheads="1" noChangeShapeType="1" noTextEdit="1"/>
-          </p:cNvSpPr>
-          <p:nvPr>
-            <p:extLst>
-              <p:ext uri="{386F3935-93C4-4BCD-93E2-E3B085C9AB24}">
-                <p16:designElem xmlns:p16="http://schemas.microsoft.com/office/powerpoint/2015/main" val="1"/>
-              </p:ext>
-            </p:extLst>
-          </p:nvPr>
-        </p:nvSpPr>
-        <p:spPr>
-          <a:xfrm>
-            <a:off x="355601" y="0"/>
-            <a:ext cx="11480494" cy="2753936"/>
-          </a:xfrm>
-          <a:prstGeom prst="rect">
-            <a:avLst/>
-          </a:prstGeom>
-          <a:gradFill>
-            <a:gsLst>
-              <a:gs pos="0">
-                <a:schemeClr val="accent1">
-                  <a:lumMod val="90000"/>
-                </a:schemeClr>
-              </a:gs>
-              <a:gs pos="25000">
-                <a:schemeClr val="accent1">
-                  <a:lumMod val="90000"/>
-                </a:schemeClr>
-              </a:gs>
-              <a:gs pos="94000">
-                <a:schemeClr val="bg2">
-                  <a:lumMod val="25000"/>
-                </a:schemeClr>
-              </a:gs>
-              <a:gs pos="100000">
-                <a:schemeClr val="bg2">
-                  <a:lumMod val="25000"/>
-                </a:schemeClr>
-              </a:gs>
-            </a:gsLst>
-            <a:lin ang="4200000" scaled="0"/>
-          </a:gradFill>
-          <a:ln>
-            <a:noFill/>
-          </a:ln>
-        </p:spPr>
-        <p:style>
-          <a:lnRef idx="2">
-            <a:schemeClr val="accent1">
-              <a:shade val="50000"/>
-            </a:schemeClr>
-          </a:lnRef>
-          <a:fillRef idx="1">
-            <a:schemeClr val="accent1"/>
-          </a:fillRef>
-          <a:effectRef idx="0">
-            <a:schemeClr val="accent1"/>
-          </a:effectRef>
-          <a:fontRef idx="minor">
-            <a:schemeClr val="lt1"/>
-          </a:fontRef>
-        </p:style>
-        <p:txBody>
-          <a:bodyPr rtlCol="0" anchor="ctr"/>
-          <a:lstStyle/>
-          <a:p>
-            <a:pPr algn="ctr"/>
-            <a:endParaRPr lang="en-US"/>
-          </a:p>
-        </p:txBody>
-      </p:sp>
-      <p:pic>
-        <p:nvPicPr>
-          <p:cNvPr id="10" name="Picture 9">
-            <a:extLst>
-              <a:ext uri="{FF2B5EF4-FFF2-40B4-BE49-F238E27FC236}">
-                <a16:creationId xmlns:a16="http://schemas.microsoft.com/office/drawing/2014/main" id="{3AA16612-ACD2-4A16-8F2B-4514FD6BF28F}"/>
-              </a:ext>
-              <a:ext uri="{C183D7F6-B498-43B3-948B-1728B52AA6E4}">
-                <adec:decorative xmlns:adec="http://schemas.microsoft.com/office/drawing/2017/decorative" val="1"/>
-              </a:ext>
-            </a:extLst>
-          </p:cNvPr>
-          <p:cNvPicPr>
-            <a:picLocks noGrp="1" noRot="1" noChangeAspect="1" noMove="1" noResize="1" noEditPoints="1" noAdjustHandles="1" noChangeArrowheads="1" noChangeShapeType="1" noCrop="1"/>
-          </p:cNvPicPr>
-          <p:nvPr>
-            <p:extLst>
-              <p:ext uri="{386F3935-93C4-4BCD-93E2-E3B085C9AB24}">
-                <p16:designElem xmlns:p16="http://schemas.microsoft.com/office/powerpoint/2015/main" val="1"/>
-              </p:ext>
-            </p:extLst>
-          </p:nvPr>
-        </p:nvPicPr>
-        <p:blipFill>
-          <a:blip r:embed="rId2">
-            <a:extLst>
-              <a:ext uri="{28A0092B-C50C-407E-A947-70E740481C1C}">
-                <a14:useLocalDpi xmlns:a14="http://schemas.microsoft.com/office/drawing/2010/main" val="0"/>
-              </a:ext>
-            </a:extLst>
-          </a:blip>
-          <a:stretch>
-            <a:fillRect/>
-          </a:stretch>
-        </p:blipFill>
-        <p:spPr>
-          <a:xfrm>
-            <a:off x="0" y="0"/>
-            <a:ext cx="12192000" cy="6858000"/>
-          </a:xfrm>
-          <a:prstGeom prst="rect">
-            <a:avLst/>
-          </a:prstGeom>
-        </p:spPr>
-      </p:pic>
-      <p:sp>
-        <p:nvSpPr>
-          <p:cNvPr id="2" name="Titel 1">
-            <a:extLst>
-              <a:ext uri="{FF2B5EF4-FFF2-40B4-BE49-F238E27FC236}">
-                <a16:creationId xmlns:a16="http://schemas.microsoft.com/office/drawing/2014/main" id="{A01959A0-4AC6-4417-AF0B-2E14852A226A}"/>
-              </a:ext>
-            </a:extLst>
-          </p:cNvPr>
-          <p:cNvSpPr>
-            <a:spLocks noGrp="1"/>
-          </p:cNvSpPr>
-          <p:nvPr>
-            <p:ph type="title"/>
-          </p:nvPr>
-        </p:nvSpPr>
-        <p:spPr>
-          <a:xfrm>
-            <a:off x="1179226" y="826680"/>
-            <a:ext cx="9833548" cy="1325563"/>
-          </a:xfrm>
-        </p:spPr>
-        <p:txBody>
-          <a:bodyPr>
-            <a:normAutofit/>
-          </a:bodyPr>
-          <a:lstStyle/>
-          <a:p>
-            <a:pPr algn="ctr"/>
-            <a:r>
-              <a:rPr lang="en-US" sz="4000">
-                <a:solidFill>
-                  <a:srgbClr val="FFFFFF"/>
-                </a:solidFill>
-              </a:rPr>
-              <a:t>Experiments</a:t>
-            </a:r>
-          </a:p>
-        </p:txBody>
-      </p:sp>
-      <p:sp>
-        <p:nvSpPr>
-          <p:cNvPr id="4" name="Tijdelijke aanduiding voor inhoud 3">
-            <a:extLst>
-              <a:ext uri="{FF2B5EF4-FFF2-40B4-BE49-F238E27FC236}">
-                <a16:creationId xmlns:a16="http://schemas.microsoft.com/office/drawing/2014/main" id="{9A70C3DC-7683-4899-8F79-3F1DCE719FF8}"/>
-              </a:ext>
-            </a:extLst>
-          </p:cNvPr>
-          <p:cNvSpPr>
-            <a:spLocks noGrp="1"/>
-          </p:cNvSpPr>
-          <p:nvPr>
-            <p:ph idx="1"/>
-          </p:nvPr>
-        </p:nvSpPr>
-        <p:spPr/>
-        <p:txBody>
-          <a:bodyPr/>
-          <a:lstStyle/>
-          <a:p>
-            <a:endParaRPr lang="nl-NL"/>
-          </a:p>
-        </p:txBody>
-      </p:sp>
-    </p:spTree>
-    <p:extLst>
-      <p:ext uri="{BB962C8B-B14F-4D97-AF65-F5344CB8AC3E}">
-        <p14:creationId xmlns:p14="http://schemas.microsoft.com/office/powerpoint/2010/main" val="1740015535"/>
-      </p:ext>
-    </p:extLst>
-  </p:cSld>
-  <p:clrMapOvr>
-    <a:masterClrMapping/>
-  </p:clrMapOvr>
-</p:sld>
-</file>
-
-<file path=ppt/slides/slide8.xml><?xml version="1.0" encoding="utf-8"?>
-<p:sld xmlns:a="http://schemas.openxmlformats.org/drawingml/2006/main" xmlns:r="http://schemas.openxmlformats.org/officeDocument/2006/relationships" xmlns:p="http://schemas.openxmlformats.org/presentationml/2006/main">
-  <p:cSld>
-    <p:bg>
-      <p:bgPr>
-        <a:solidFill>
-          <a:schemeClr val="bg1"/>
-        </a:solidFill>
-        <a:effectLst/>
-      </p:bgPr>
-    </p:bg>
-    <p:spTree>
-      <p:nvGrpSpPr>
-        <p:cNvPr id="1" name=""/>
-        <p:cNvGrpSpPr/>
-        <p:nvPr/>
-      </p:nvGrpSpPr>
-      <p:grpSpPr>
-        <a:xfrm>
-          <a:off x="0" y="0"/>
-          <a:ext cx="0" cy="0"/>
-          <a:chOff x="0" y="0"/>
-          <a:chExt cx="0" cy="0"/>
-        </a:xfrm>
-      </p:grpSpPr>
-      <p:sp>
-        <p:nvSpPr>
-          <p:cNvPr id="8" name="Rectangle 7">
-            <a:extLst>
-              <a:ext uri="{FF2B5EF4-FFF2-40B4-BE49-F238E27FC236}">
-                <a16:creationId xmlns:a16="http://schemas.microsoft.com/office/drawing/2014/main" id="{4351DFE5-F63D-4BE0-BDA9-E3EB88F01AA5}"/>
-              </a:ext>
-              <a:ext uri="{C183D7F6-B498-43B3-948B-1728B52AA6E4}">
-                <adec:decorative xmlns:adec="http://schemas.microsoft.com/office/drawing/2017/decorative" val="1"/>
-              </a:ext>
-            </a:extLst>
-          </p:cNvPr>
-          <p:cNvSpPr>
-            <a:spLocks noGrp="1" noRot="1" noChangeAspect="1" noMove="1" noResize="1" noEditPoints="1" noAdjustHandles="1" noChangeArrowheads="1" noChangeShapeType="1" noTextEdit="1"/>
-          </p:cNvSpPr>
-          <p:nvPr>
-            <p:extLst>
-              <p:ext uri="{386F3935-93C4-4BCD-93E2-E3B085C9AB24}">
-                <p16:designElem xmlns:p16="http://schemas.microsoft.com/office/powerpoint/2015/main" val="1"/>
-              </p:ext>
-            </p:extLst>
-          </p:nvPr>
-        </p:nvSpPr>
-        <p:spPr>
-          <a:xfrm>
-            <a:off x="355601" y="0"/>
-            <a:ext cx="11480494" cy="2753936"/>
-          </a:xfrm>
-          <a:prstGeom prst="rect">
-            <a:avLst/>
-          </a:prstGeom>
-          <a:gradFill>
-            <a:gsLst>
-              <a:gs pos="0">
-                <a:schemeClr val="accent1">
-                  <a:lumMod val="90000"/>
-                </a:schemeClr>
-              </a:gs>
-              <a:gs pos="25000">
-                <a:schemeClr val="accent1">
-                  <a:lumMod val="90000"/>
-                </a:schemeClr>
-              </a:gs>
-              <a:gs pos="94000">
-                <a:schemeClr val="bg2">
-                  <a:lumMod val="25000"/>
-                </a:schemeClr>
-              </a:gs>
-              <a:gs pos="100000">
-                <a:schemeClr val="bg2">
-                  <a:lumMod val="25000"/>
-                </a:schemeClr>
-              </a:gs>
-            </a:gsLst>
-            <a:lin ang="4200000" scaled="0"/>
-          </a:gradFill>
-          <a:ln>
-            <a:noFill/>
-          </a:ln>
-        </p:spPr>
-        <p:style>
-          <a:lnRef idx="2">
-            <a:schemeClr val="accent1">
-              <a:shade val="50000"/>
-            </a:schemeClr>
-          </a:lnRef>
-          <a:fillRef idx="1">
-            <a:schemeClr val="accent1"/>
-          </a:fillRef>
-          <a:effectRef idx="0">
-            <a:schemeClr val="accent1"/>
-          </a:effectRef>
-          <a:fontRef idx="minor">
-            <a:schemeClr val="lt1"/>
-          </a:fontRef>
-        </p:style>
-        <p:txBody>
-          <a:bodyPr rtlCol="0" anchor="ctr"/>
-          <a:lstStyle/>
-          <a:p>
-            <a:pPr algn="ctr"/>
-            <a:endParaRPr lang="en-US"/>
-          </a:p>
-        </p:txBody>
-      </p:sp>
-      <p:pic>
-        <p:nvPicPr>
-          <p:cNvPr id="10" name="Picture 9">
-            <a:extLst>
-              <a:ext uri="{FF2B5EF4-FFF2-40B4-BE49-F238E27FC236}">
-                <a16:creationId xmlns:a16="http://schemas.microsoft.com/office/drawing/2014/main" id="{3AA16612-ACD2-4A16-8F2B-4514FD6BF28F}"/>
-              </a:ext>
-              <a:ext uri="{C183D7F6-B498-43B3-948B-1728B52AA6E4}">
-                <adec:decorative xmlns:adec="http://schemas.microsoft.com/office/drawing/2017/decorative" val="1"/>
-              </a:ext>
-            </a:extLst>
-          </p:cNvPr>
-          <p:cNvPicPr>
-            <a:picLocks noGrp="1" noRot="1" noChangeAspect="1" noMove="1" noResize="1" noEditPoints="1" noAdjustHandles="1" noChangeArrowheads="1" noChangeShapeType="1" noCrop="1"/>
-          </p:cNvPicPr>
-          <p:nvPr>
-            <p:extLst>
-              <p:ext uri="{386F3935-93C4-4BCD-93E2-E3B085C9AB24}">
-                <p16:designElem xmlns:p16="http://schemas.microsoft.com/office/powerpoint/2015/main" val="1"/>
-              </p:ext>
-            </p:extLst>
-          </p:nvPr>
-        </p:nvPicPr>
-        <p:blipFill>
-          <a:blip r:embed="rId2">
-            <a:extLst>
-              <a:ext uri="{28A0092B-C50C-407E-A947-70E740481C1C}">
-                <a14:useLocalDpi xmlns:a14="http://schemas.microsoft.com/office/drawing/2010/main" val="0"/>
-              </a:ext>
-            </a:extLst>
-          </a:blip>
-          <a:stretch>
-            <a:fillRect/>
-          </a:stretch>
-        </p:blipFill>
-        <p:spPr>
-          <a:xfrm>
-            <a:off x="0" y="0"/>
-            <a:ext cx="12192000" cy="6858000"/>
-          </a:xfrm>
-          <a:prstGeom prst="rect">
-            <a:avLst/>
-          </a:prstGeom>
-        </p:spPr>
-      </p:pic>
-      <p:sp>
-        <p:nvSpPr>
-          <p:cNvPr id="2" name="Titel 1">
-            <a:extLst>
-              <a:ext uri="{FF2B5EF4-FFF2-40B4-BE49-F238E27FC236}">
-                <a16:creationId xmlns:a16="http://schemas.microsoft.com/office/drawing/2014/main" id="{F3E73840-C660-4851-B969-CD69C72300AD}"/>
-              </a:ext>
-            </a:extLst>
-          </p:cNvPr>
-          <p:cNvSpPr>
-            <a:spLocks noGrp="1"/>
-          </p:cNvSpPr>
-          <p:nvPr>
-            <p:ph type="title"/>
-          </p:nvPr>
-        </p:nvSpPr>
-        <p:spPr>
-          <a:xfrm>
-            <a:off x="1179226" y="826680"/>
-            <a:ext cx="9833548" cy="1325563"/>
-          </a:xfrm>
-        </p:spPr>
-        <p:txBody>
-          <a:bodyPr>
-            <a:normAutofit/>
-          </a:bodyPr>
-          <a:lstStyle/>
-          <a:p>
-            <a:pPr algn="ctr"/>
-            <a:r>
-              <a:rPr lang="en-US" sz="4000">
-                <a:solidFill>
-                  <a:srgbClr val="FFFFFF"/>
-                </a:solidFill>
-              </a:rPr>
-              <a:t>Phase 3 Schedule</a:t>
-            </a:r>
-          </a:p>
-        </p:txBody>
-      </p:sp>
-      <p:sp>
-        <p:nvSpPr>
-          <p:cNvPr id="3" name="Tijdelijke aanduiding voor inhoud 2">
-            <a:extLst>
-              <a:ext uri="{FF2B5EF4-FFF2-40B4-BE49-F238E27FC236}">
-                <a16:creationId xmlns:a16="http://schemas.microsoft.com/office/drawing/2014/main" id="{A06AC127-44C4-42EC-A945-26DD32D08600}"/>
-              </a:ext>
-            </a:extLst>
-          </p:cNvPr>
-          <p:cNvSpPr>
-            <a:spLocks noGrp="1"/>
-          </p:cNvSpPr>
-          <p:nvPr>
-            <p:ph idx="1"/>
-          </p:nvPr>
-        </p:nvSpPr>
-        <p:spPr>
-          <a:xfrm>
-            <a:off x="1179226" y="3092970"/>
-            <a:ext cx="9833548" cy="2693976"/>
-          </a:xfrm>
-        </p:spPr>
-        <p:txBody>
-          <a:bodyPr>
-            <a:normAutofit/>
-          </a:bodyPr>
-          <a:lstStyle/>
-          <a:p>
-            <a:endParaRPr lang="en-US" sz="2000" dirty="0">
-              <a:solidFill>
-                <a:srgbClr val="000000"/>
-              </a:solidFill>
-            </a:endParaRPr>
-          </a:p>
-          <a:p>
-            <a:endParaRPr lang="en-US" sz="2000" dirty="0">
-              <a:solidFill>
-                <a:srgbClr val="000000"/>
-              </a:solidFill>
-            </a:endParaRPr>
-          </a:p>
-        </p:txBody>
-      </p:sp>
-    </p:spTree>
-    <p:extLst>
-      <p:ext uri="{BB962C8B-B14F-4D97-AF65-F5344CB8AC3E}">
-        <p14:creationId xmlns:p14="http://schemas.microsoft.com/office/powerpoint/2010/main" val="3425439172"/>
-      </p:ext>
-    </p:extLst>
-  </p:cSld>
-  <p:clrMapOvr>
-    <a:masterClrMapping/>
-  </p:clrMapOvr>
-</p:sld>
-</file>
-
-<file path=ppt/slides/slide9.xml><?xml version="1.0" encoding="utf-8"?>
-<p:sld xmlns:a="http://schemas.openxmlformats.org/drawingml/2006/main" xmlns:r="http://schemas.openxmlformats.org/officeDocument/2006/relationships" xmlns:p="http://schemas.openxmlformats.org/presentationml/2006/main">
-  <p:cSld>
-    <p:bg>
-      <p:bgPr>
-        <a:solidFill>
-          <a:schemeClr val="bg1"/>
-        </a:solidFill>
-        <a:effectLst/>
-      </p:bgPr>
-    </p:bg>
-    <p:spTree>
-      <p:nvGrpSpPr>
-        <p:cNvPr id="1" name=""/>
-        <p:cNvGrpSpPr/>
-        <p:nvPr/>
-      </p:nvGrpSpPr>
-      <p:grpSpPr>
-        <a:xfrm>
-          <a:off x="0" y="0"/>
-          <a:ext cx="0" cy="0"/>
-          <a:chOff x="0" y="0"/>
-          <a:chExt cx="0" cy="0"/>
-        </a:xfrm>
-      </p:grpSpPr>
-      <p:sp>
-        <p:nvSpPr>
-          <p:cNvPr id="9" name="Rectangle 8">
-            <a:extLst>
-              <a:ext uri="{FF2B5EF4-FFF2-40B4-BE49-F238E27FC236}">
-                <a16:creationId xmlns:a16="http://schemas.microsoft.com/office/drawing/2014/main" id="{4351DFE5-F63D-4BE0-BDA9-E3EB88F01AA5}"/>
-              </a:ext>
-              <a:ext uri="{C183D7F6-B498-43B3-948B-1728B52AA6E4}">
-                <adec:decorative xmlns:adec="http://schemas.microsoft.com/office/drawing/2017/decorative" val="1"/>
-              </a:ext>
-            </a:extLst>
-          </p:cNvPr>
-          <p:cNvSpPr>
-            <a:spLocks noGrp="1" noRot="1" noChangeAspect="1" noMove="1" noResize="1" noEditPoints="1" noAdjustHandles="1" noChangeArrowheads="1" noChangeShapeType="1" noTextEdit="1"/>
-          </p:cNvSpPr>
-          <p:nvPr>
-            <p:extLst>
-              <p:ext uri="{386F3935-93C4-4BCD-93E2-E3B085C9AB24}">
-                <p16:designElem xmlns:p16="http://schemas.microsoft.com/office/powerpoint/2015/main" val="1"/>
-              </p:ext>
-            </p:extLst>
-          </p:nvPr>
-        </p:nvSpPr>
-        <p:spPr>
-          <a:xfrm>
-            <a:off x="355601" y="0"/>
-            <a:ext cx="11480494" cy="2753936"/>
-          </a:xfrm>
-          <a:prstGeom prst="rect">
-            <a:avLst/>
-          </a:prstGeom>
-          <a:gradFill>
-            <a:gsLst>
-              <a:gs pos="0">
-                <a:schemeClr val="accent1">
-                  <a:lumMod val="90000"/>
-                </a:schemeClr>
-              </a:gs>
-              <a:gs pos="25000">
-                <a:schemeClr val="accent1">
-                  <a:lumMod val="90000"/>
-                </a:schemeClr>
-              </a:gs>
-              <a:gs pos="94000">
-                <a:schemeClr val="bg2">
-                  <a:lumMod val="25000"/>
-                </a:schemeClr>
-              </a:gs>
-              <a:gs pos="100000">
-                <a:schemeClr val="bg2">
-                  <a:lumMod val="25000"/>
-                </a:schemeClr>
-              </a:gs>
-            </a:gsLst>
-            <a:lin ang="4200000" scaled="0"/>
-          </a:gradFill>
-          <a:ln>
-            <a:noFill/>
-          </a:ln>
-        </p:spPr>
-        <p:style>
-          <a:lnRef idx="2">
-            <a:schemeClr val="accent1">
-              <a:shade val="50000"/>
-            </a:schemeClr>
-          </a:lnRef>
-          <a:fillRef idx="1">
-            <a:schemeClr val="accent1"/>
-          </a:fillRef>
-          <a:effectRef idx="0">
-            <a:schemeClr val="accent1"/>
-          </a:effectRef>
-          <a:fontRef idx="minor">
-            <a:schemeClr val="lt1"/>
-          </a:fontRef>
-        </p:style>
-        <p:txBody>
-          <a:bodyPr rtlCol="0" anchor="ctr"/>
-          <a:lstStyle/>
-          <a:p>
-            <a:pPr algn="ctr"/>
-            <a:endParaRPr lang="en-US"/>
-          </a:p>
-        </p:txBody>
-      </p:sp>
-      <p:pic>
-        <p:nvPicPr>
-          <p:cNvPr id="11" name="Picture 10">
-            <a:extLst>
-              <a:ext uri="{FF2B5EF4-FFF2-40B4-BE49-F238E27FC236}">
-                <a16:creationId xmlns:a16="http://schemas.microsoft.com/office/drawing/2014/main" id="{3AA16612-ACD2-4A16-8F2B-4514FD6BF28F}"/>
-              </a:ext>
-              <a:ext uri="{C183D7F6-B498-43B3-948B-1728B52AA6E4}">
-                <adec:decorative xmlns:adec="http://schemas.microsoft.com/office/drawing/2017/decorative" val="1"/>
-              </a:ext>
-            </a:extLst>
-          </p:cNvPr>
-          <p:cNvPicPr>
-            <a:picLocks noGrp="1" noRot="1" noChangeAspect="1" noMove="1" noResize="1" noEditPoints="1" noAdjustHandles="1" noChangeArrowheads="1" noChangeShapeType="1" noCrop="1"/>
-          </p:cNvPicPr>
-          <p:nvPr>
-            <p:extLst>
-              <p:ext uri="{386F3935-93C4-4BCD-93E2-E3B085C9AB24}">
-                <p16:designElem xmlns:p16="http://schemas.microsoft.com/office/powerpoint/2015/main" val="1"/>
-              </p:ext>
-            </p:extLst>
-          </p:nvPr>
-        </p:nvPicPr>
-        <p:blipFill>
-          <a:blip r:embed="rId2">
-            <a:extLst>
-              <a:ext uri="{28A0092B-C50C-407E-A947-70E740481C1C}">
-                <a14:useLocalDpi xmlns:a14="http://schemas.microsoft.com/office/drawing/2010/main" val="0"/>
-              </a:ext>
-            </a:extLst>
-          </a:blip>
-          <a:stretch>
-            <a:fillRect/>
-          </a:stretch>
-        </p:blipFill>
-        <p:spPr>
-          <a:xfrm>
-            <a:off x="0" y="0"/>
-            <a:ext cx="12192000" cy="6858000"/>
-          </a:xfrm>
-          <a:prstGeom prst="rect">
-            <a:avLst/>
-          </a:prstGeom>
-        </p:spPr>
-      </p:pic>
-      <p:sp>
-        <p:nvSpPr>
-          <p:cNvPr id="2" name="Titel 1">
-            <a:extLst>
-              <a:ext uri="{FF2B5EF4-FFF2-40B4-BE49-F238E27FC236}">
-                <a16:creationId xmlns:a16="http://schemas.microsoft.com/office/drawing/2014/main" id="{F09CB10F-A9B0-47E3-8D37-EE5738010EB8}"/>
-              </a:ext>
-            </a:extLst>
-          </p:cNvPr>
-          <p:cNvSpPr>
-            <a:spLocks noGrp="1"/>
-          </p:cNvSpPr>
-          <p:nvPr>
-            <p:ph type="title"/>
-          </p:nvPr>
-        </p:nvSpPr>
-        <p:spPr>
-          <a:xfrm>
-            <a:off x="1179226" y="826680"/>
-            <a:ext cx="9833548" cy="1325563"/>
-          </a:xfrm>
-        </p:spPr>
-        <p:txBody>
-          <a:bodyPr>
-            <a:normAutofit/>
-          </a:bodyPr>
-          <a:lstStyle/>
-          <a:p>
-            <a:pPr algn="ctr"/>
-            <a:r>
-              <a:rPr lang="en-US" sz="4000" dirty="0">
-                <a:solidFill>
-                  <a:srgbClr val="FFFFFF"/>
-                </a:solidFill>
-              </a:rPr>
-              <a:t>Phase 3 Schedule</a:t>
-            </a:r>
-          </a:p>
-        </p:txBody>
-      </p:sp>
-      <p:pic>
-        <p:nvPicPr>
-          <p:cNvPr id="7" name="Tijdelijke aanduiding voor inhoud 6">
-            <a:extLst>
-              <a:ext uri="{FF2B5EF4-FFF2-40B4-BE49-F238E27FC236}">
-                <a16:creationId xmlns:a16="http://schemas.microsoft.com/office/drawing/2014/main" id="{AD8E2633-1423-4190-A486-4C931558ECFB}"/>
-              </a:ext>
-            </a:extLst>
-          </p:cNvPr>
-          <p:cNvPicPr>
-            <a:picLocks noGrp="1" noChangeAspect="1"/>
-          </p:cNvPicPr>
-          <p:nvPr>
-            <p:ph idx="1"/>
-          </p:nvPr>
-        </p:nvPicPr>
-        <p:blipFill>
-          <a:blip r:embed="rId3"/>
-          <a:stretch>
-            <a:fillRect/>
-          </a:stretch>
-        </p:blipFill>
-        <p:spPr>
-          <a:xfrm>
-            <a:off x="1630755" y="2753936"/>
-            <a:ext cx="8930186" cy="3969769"/>
-          </a:xfrm>
-          <a:prstGeom prst="rect">
-            <a:avLst/>
-          </a:prstGeom>
-        </p:spPr>
-      </p:pic>
-    </p:spTree>
-    <p:extLst>
-      <p:ext uri="{BB962C8B-B14F-4D97-AF65-F5344CB8AC3E}">
-        <p14:creationId xmlns:p14="http://schemas.microsoft.com/office/powerpoint/2010/main" val="869961210"/>
       </p:ext>
     </p:extLst>
   </p:cSld>
@@ -6866,4 +8415,299 @@
     </a:ext>
   </a:extLst>
 </a:theme>
+</file>
+
+<file path=ppt/theme/theme2.xml><?xml version="1.0" encoding="utf-8"?>
+<a:theme xmlns:a="http://schemas.openxmlformats.org/drawingml/2006/main" name="Office Theme">
+  <a:themeElements>
+    <a:clrScheme name="Office">
+      <a:dk1>
+        <a:sysClr val="windowText" lastClr="000000"/>
+      </a:dk1>
+      <a:lt1>
+        <a:sysClr val="window" lastClr="FFFFFF"/>
+      </a:lt1>
+      <a:dk2>
+        <a:srgbClr val="44546A"/>
+      </a:dk2>
+      <a:lt2>
+        <a:srgbClr val="E7E6E6"/>
+      </a:lt2>
+      <a:accent1>
+        <a:srgbClr val="4472C4"/>
+      </a:accent1>
+      <a:accent2>
+        <a:srgbClr val="ED7D31"/>
+      </a:accent2>
+      <a:accent3>
+        <a:srgbClr val="A5A5A5"/>
+      </a:accent3>
+      <a:accent4>
+        <a:srgbClr val="FFC000"/>
+      </a:accent4>
+      <a:accent5>
+        <a:srgbClr val="5B9BD5"/>
+      </a:accent5>
+      <a:accent6>
+        <a:srgbClr val="70AD47"/>
+      </a:accent6>
+      <a:hlink>
+        <a:srgbClr val="0563C1"/>
+      </a:hlink>
+      <a:folHlink>
+        <a:srgbClr val="954F72"/>
+      </a:folHlink>
+    </a:clrScheme>
+    <a:fontScheme name="Office">
+      <a:majorFont>
+        <a:latin typeface="Calibri Light" panose="020F0302020204030204"/>
+        <a:ea typeface=""/>
+        <a:cs typeface=""/>
+        <a:font script="Jpan" typeface="游ゴシック Light"/>
+        <a:font script="Hang" typeface="맑은 고딕"/>
+        <a:font script="Hans" typeface="等线 Light"/>
+        <a:font script="Hant" typeface="新細明體"/>
+        <a:font script="Arab" typeface="Times New Roman"/>
+        <a:font script="Hebr" typeface="Times New Roman"/>
+        <a:font script="Thai" typeface="Angsana New"/>
+        <a:font script="Ethi" typeface="Nyala"/>
+        <a:font script="Beng" typeface="Vrinda"/>
+        <a:font script="Gujr" typeface="Shruti"/>
+        <a:font script="Khmr" typeface="MoolBoran"/>
+        <a:font script="Knda" typeface="Tunga"/>
+        <a:font script="Guru" typeface="Raavi"/>
+        <a:font script="Cans" typeface="Euphemia"/>
+        <a:font script="Cher" typeface="Plantagenet Cherokee"/>
+        <a:font script="Yiii" typeface="Microsoft Yi Baiti"/>
+        <a:font script="Tibt" typeface="Microsoft Himalaya"/>
+        <a:font script="Thaa" typeface="MV Boli"/>
+        <a:font script="Deva" typeface="Mangal"/>
+        <a:font script="Telu" typeface="Gautami"/>
+        <a:font script="Taml" typeface="Latha"/>
+        <a:font script="Syrc" typeface="Estrangelo Edessa"/>
+        <a:font script="Orya" typeface="Kalinga"/>
+        <a:font script="Mlym" typeface="Kartika"/>
+        <a:font script="Laoo" typeface="DokChampa"/>
+        <a:font script="Sinh" typeface="Iskoola Pota"/>
+        <a:font script="Mong" typeface="Mongolian Baiti"/>
+        <a:font script="Viet" typeface="Times New Roman"/>
+        <a:font script="Uigh" typeface="Microsoft Uighur"/>
+        <a:font script="Geor" typeface="Sylfaen"/>
+        <a:font script="Armn" typeface="Arial"/>
+        <a:font script="Bugi" typeface="Leelawadee UI"/>
+        <a:font script="Bopo" typeface="Microsoft JhengHei"/>
+        <a:font script="Java" typeface="Javanese Text"/>
+        <a:font script="Lisu" typeface="Segoe UI"/>
+        <a:font script="Mymr" typeface="Myanmar Text"/>
+        <a:font script="Nkoo" typeface="Ebrima"/>
+        <a:font script="Olck" typeface="Nirmala UI"/>
+        <a:font script="Osma" typeface="Ebrima"/>
+        <a:font script="Phag" typeface="Phagspa"/>
+        <a:font script="Syrn" typeface="Estrangelo Edessa"/>
+        <a:font script="Syrj" typeface="Estrangelo Edessa"/>
+        <a:font script="Syre" typeface="Estrangelo Edessa"/>
+        <a:font script="Sora" typeface="Nirmala UI"/>
+        <a:font script="Tale" typeface="Microsoft Tai Le"/>
+        <a:font script="Talu" typeface="Microsoft New Tai Lue"/>
+        <a:font script="Tfng" typeface="Ebrima"/>
+      </a:majorFont>
+      <a:minorFont>
+        <a:latin typeface="Calibri" panose="020F0502020204030204"/>
+        <a:ea typeface=""/>
+        <a:cs typeface=""/>
+        <a:font script="Jpan" typeface="游ゴシック"/>
+        <a:font script="Hang" typeface="맑은 고딕"/>
+        <a:font script="Hans" typeface="等线"/>
+        <a:font script="Hant" typeface="新細明體"/>
+        <a:font script="Arab" typeface="Arial"/>
+        <a:font script="Hebr" typeface="Arial"/>
+        <a:font script="Thai" typeface="Cordia New"/>
+        <a:font script="Ethi" typeface="Nyala"/>
+        <a:font script="Beng" typeface="Vrinda"/>
+        <a:font script="Gujr" typeface="Shruti"/>
+        <a:font script="Khmr" typeface="DaunPenh"/>
+        <a:font script="Knda" typeface="Tunga"/>
+        <a:font script="Guru" typeface="Raavi"/>
+        <a:font script="Cans" typeface="Euphemia"/>
+        <a:font script="Cher" typeface="Plantagenet Cherokee"/>
+        <a:font script="Yiii" typeface="Microsoft Yi Baiti"/>
+        <a:font script="Tibt" typeface="Microsoft Himalaya"/>
+        <a:font script="Thaa" typeface="MV Boli"/>
+        <a:font script="Deva" typeface="Mangal"/>
+        <a:font script="Telu" typeface="Gautami"/>
+        <a:font script="Taml" typeface="Latha"/>
+        <a:font script="Syrc" typeface="Estrangelo Edessa"/>
+        <a:font script="Orya" typeface="Kalinga"/>
+        <a:font script="Mlym" typeface="Kartika"/>
+        <a:font script="Laoo" typeface="DokChampa"/>
+        <a:font script="Sinh" typeface="Iskoola Pota"/>
+        <a:font script="Mong" typeface="Mongolian Baiti"/>
+        <a:font script="Viet" typeface="Arial"/>
+        <a:font script="Uigh" typeface="Microsoft Uighur"/>
+        <a:font script="Geor" typeface="Sylfaen"/>
+        <a:font script="Armn" typeface="Arial"/>
+        <a:font script="Bugi" typeface="Leelawadee UI"/>
+        <a:font script="Bopo" typeface="Microsoft JhengHei"/>
+        <a:font script="Java" typeface="Javanese Text"/>
+        <a:font script="Lisu" typeface="Segoe UI"/>
+        <a:font script="Mymr" typeface="Myanmar Text"/>
+        <a:font script="Nkoo" typeface="Ebrima"/>
+        <a:font script="Olck" typeface="Nirmala UI"/>
+        <a:font script="Osma" typeface="Ebrima"/>
+        <a:font script="Phag" typeface="Phagspa"/>
+        <a:font script="Syrn" typeface="Estrangelo Edessa"/>
+        <a:font script="Syrj" typeface="Estrangelo Edessa"/>
+        <a:font script="Syre" typeface="Estrangelo Edessa"/>
+        <a:font script="Sora" typeface="Nirmala UI"/>
+        <a:font script="Tale" typeface="Microsoft Tai Le"/>
+        <a:font script="Talu" typeface="Microsoft New Tai Lue"/>
+        <a:font script="Tfng" typeface="Ebrima"/>
+      </a:minorFont>
+    </a:fontScheme>
+    <a:fmtScheme name="Office">
+      <a:fillStyleLst>
+        <a:solidFill>
+          <a:schemeClr val="phClr"/>
+        </a:solidFill>
+        <a:gradFill rotWithShape="1">
+          <a:gsLst>
+            <a:gs pos="0">
+              <a:schemeClr val="phClr">
+                <a:lumMod val="110000"/>
+                <a:satMod val="105000"/>
+                <a:tint val="67000"/>
+              </a:schemeClr>
+            </a:gs>
+            <a:gs pos="50000">
+              <a:schemeClr val="phClr">
+                <a:lumMod val="105000"/>
+                <a:satMod val="103000"/>
+                <a:tint val="73000"/>
+              </a:schemeClr>
+            </a:gs>
+            <a:gs pos="100000">
+              <a:schemeClr val="phClr">
+                <a:lumMod val="105000"/>
+                <a:satMod val="109000"/>
+                <a:tint val="81000"/>
+              </a:schemeClr>
+            </a:gs>
+          </a:gsLst>
+          <a:lin ang="5400000" scaled="0"/>
+        </a:gradFill>
+        <a:gradFill rotWithShape="1">
+          <a:gsLst>
+            <a:gs pos="0">
+              <a:schemeClr val="phClr">
+                <a:satMod val="103000"/>
+                <a:lumMod val="102000"/>
+                <a:tint val="94000"/>
+              </a:schemeClr>
+            </a:gs>
+            <a:gs pos="50000">
+              <a:schemeClr val="phClr">
+                <a:satMod val="110000"/>
+                <a:lumMod val="100000"/>
+                <a:shade val="100000"/>
+              </a:schemeClr>
+            </a:gs>
+            <a:gs pos="100000">
+              <a:schemeClr val="phClr">
+                <a:lumMod val="99000"/>
+                <a:satMod val="120000"/>
+                <a:shade val="78000"/>
+              </a:schemeClr>
+            </a:gs>
+          </a:gsLst>
+          <a:lin ang="5400000" scaled="0"/>
+        </a:gradFill>
+      </a:fillStyleLst>
+      <a:lnStyleLst>
+        <a:ln w="6350" cap="flat" cmpd="sng" algn="ctr">
+          <a:solidFill>
+            <a:schemeClr val="phClr"/>
+          </a:solidFill>
+          <a:prstDash val="solid"/>
+          <a:miter lim="800000"/>
+        </a:ln>
+        <a:ln w="12700" cap="flat" cmpd="sng" algn="ctr">
+          <a:solidFill>
+            <a:schemeClr val="phClr"/>
+          </a:solidFill>
+          <a:prstDash val="solid"/>
+          <a:miter lim="800000"/>
+        </a:ln>
+        <a:ln w="19050" cap="flat" cmpd="sng" algn="ctr">
+          <a:solidFill>
+            <a:schemeClr val="phClr"/>
+          </a:solidFill>
+          <a:prstDash val="solid"/>
+          <a:miter lim="800000"/>
+        </a:ln>
+      </a:lnStyleLst>
+      <a:effectStyleLst>
+        <a:effectStyle>
+          <a:effectLst/>
+        </a:effectStyle>
+        <a:effectStyle>
+          <a:effectLst/>
+        </a:effectStyle>
+        <a:effectStyle>
+          <a:effectLst>
+            <a:outerShdw blurRad="57150" dist="19050" dir="5400000" algn="ctr" rotWithShape="0">
+              <a:srgbClr val="000000">
+                <a:alpha val="63000"/>
+              </a:srgbClr>
+            </a:outerShdw>
+          </a:effectLst>
+        </a:effectStyle>
+      </a:effectStyleLst>
+      <a:bgFillStyleLst>
+        <a:solidFill>
+          <a:schemeClr val="phClr"/>
+        </a:solidFill>
+        <a:solidFill>
+          <a:schemeClr val="phClr">
+            <a:tint val="95000"/>
+            <a:satMod val="170000"/>
+          </a:schemeClr>
+        </a:solidFill>
+        <a:gradFill rotWithShape="1">
+          <a:gsLst>
+            <a:gs pos="0">
+              <a:schemeClr val="phClr">
+                <a:tint val="93000"/>
+                <a:satMod val="150000"/>
+                <a:shade val="98000"/>
+                <a:lumMod val="102000"/>
+              </a:schemeClr>
+            </a:gs>
+            <a:gs pos="50000">
+              <a:schemeClr val="phClr">
+                <a:tint val="98000"/>
+                <a:satMod val="130000"/>
+                <a:shade val="90000"/>
+                <a:lumMod val="103000"/>
+              </a:schemeClr>
+            </a:gs>
+            <a:gs pos="100000">
+              <a:schemeClr val="phClr">
+                <a:shade val="63000"/>
+                <a:satMod val="120000"/>
+              </a:schemeClr>
+            </a:gs>
+          </a:gsLst>
+          <a:lin ang="5400000" scaled="0"/>
+        </a:gradFill>
+      </a:bgFillStyleLst>
+    </a:fmtScheme>
+  </a:themeElements>
+  <a:objectDefaults/>
+  <a:extraClrSchemeLst/>
+  <a:extLst>
+    <a:ext uri="{05A4C25C-085E-4340-85A3-A5531E510DB2}">
+      <thm15:themeFamily xmlns:thm15="http://schemas.microsoft.com/office/thememl/2012/main" name="Office Theme" id="{62F939B6-93AF-4DB8-9C6B-D6C7DFDC589F}" vid="{4A3C46E8-61CC-4603-A589-7422A47A8E4A}"/>
+    </a:ext>
+  </a:extLst>
+</a:theme>
 </file>
--- a/documentation/Phase 2 experiments/Presentation second phase.pptx
+++ b/documentation/Phase 2 experiments/Presentation second phase.pptx
@@ -5,18 +5,19 @@
     <p:sldMasterId id="2147483648" r:id="rId1"/>
   </p:sldMasterIdLst>
   <p:notesMasterIdLst>
-    <p:notesMasterId r:id="rId11"/>
+    <p:notesMasterId r:id="rId12"/>
   </p:notesMasterIdLst>
   <p:sldIdLst>
     <p:sldId id="256" r:id="rId2"/>
     <p:sldId id="257" r:id="rId3"/>
-    <p:sldId id="267" r:id="rId4"/>
-    <p:sldId id="268" r:id="rId5"/>
-    <p:sldId id="270" r:id="rId6"/>
-    <p:sldId id="262" r:id="rId7"/>
-    <p:sldId id="260" r:id="rId8"/>
-    <p:sldId id="269" r:id="rId9"/>
-    <p:sldId id="263" r:id="rId10"/>
+    <p:sldId id="271" r:id="rId4"/>
+    <p:sldId id="267" r:id="rId5"/>
+    <p:sldId id="268" r:id="rId6"/>
+    <p:sldId id="270" r:id="rId7"/>
+    <p:sldId id="262" r:id="rId8"/>
+    <p:sldId id="260" r:id="rId9"/>
+    <p:sldId id="269" r:id="rId10"/>
+    <p:sldId id="263" r:id="rId11"/>
   </p:sldIdLst>
   <p:sldSz cx="12192000" cy="6858000"/>
   <p:notesSz cx="6858000" cy="9144000"/>
@@ -205,7 +206,7 @@
           <a:p>
             <a:fld id="{5A725F96-9635-4678-A485-FDC57A98AC9C}" type="datetimeFigureOut">
               <a:rPr lang="en-GB" smtClean="0"/>
-              <a:t>26/05/2019</a:t>
+              <a:t>27/05/2019</a:t>
             </a:fld>
             <a:endParaRPr lang="en-GB"/>
           </a:p>
@@ -519,7 +520,31 @@
           <a:p>
             <a:r>
               <a:rPr lang="en-GB" dirty="0"/>
-              <a:t>Valentin or Victor ?</a:t>
+              <a:t>The different objectives for the Second Phase were</a:t>
+            </a:r>
+          </a:p>
+          <a:p>
+            <a:r>
+              <a:rPr lang="en-GB" b="1" u="sng" dirty="0"/>
+              <a:t>	to improve the solar system simulation by using a higher-order differential equations solver</a:t>
+            </a:r>
+          </a:p>
+          <a:p>
+            <a:r>
+              <a:rPr lang="en-GB" b="1" u="sng" dirty="0"/>
+              <a:t>	create a program to simulate the landing on Titan</a:t>
+            </a:r>
+          </a:p>
+          <a:p>
+            <a:r>
+              <a:rPr lang="en-GB" b="1" u="sng" dirty="0"/>
+              <a:t>		Devise an open-loop controller, as well as a feedback controller</a:t>
+            </a:r>
+          </a:p>
+          <a:p>
+            <a:r>
+              <a:rPr lang="en-GB" b="1" u="sng" dirty="0"/>
+              <a:t>	Then, in a next step, add stochastic wind and check which controller is still able to successfully land</a:t>
             </a:r>
           </a:p>
         </p:txBody>
@@ -605,149 +630,42 @@
           <a:lstStyle/>
           <a:p>
             <a:r>
-              <a:rPr lang="en-US" sz="2400" dirty="0">
-                <a:solidFill>
-                  <a:srgbClr val="000000"/>
-                </a:solidFill>
-              </a:rPr>
-              <a:t>Open-Loop Controller</a:t>
-            </a:r>
-          </a:p>
-          <a:p>
-            <a:pPr lvl="1"/>
-            <a:r>
-              <a:rPr lang="en-US" sz="1800" b="1" u="sng" dirty="0">
-                <a:solidFill>
-                  <a:srgbClr val="000000"/>
-                </a:solidFill>
-              </a:rPr>
-              <a:t>In an open-Loop Controller, </a:t>
-            </a:r>
-            <a:r>
-              <a:rPr lang="en-US" sz="1800" dirty="0">
-                <a:solidFill>
-                  <a:srgbClr val="000000"/>
-                </a:solidFill>
-              </a:rPr>
-              <a:t>the control action performed </a:t>
-            </a:r>
-            <a:r>
-              <a:rPr lang="en-US" sz="1800" b="1" u="sng" dirty="0">
-                <a:solidFill>
-                  <a:srgbClr val="000000"/>
-                </a:solidFill>
-              </a:rPr>
-              <a:t>is </a:t>
-            </a:r>
-            <a:r>
-              <a:rPr lang="en-US" sz="1800" dirty="0">
-                <a:solidFill>
-                  <a:srgbClr val="000000"/>
-                </a:solidFill>
-              </a:rPr>
-              <a:t>independent of the “process output</a:t>
-            </a:r>
-            <a:r>
-              <a:rPr lang="en-US" sz="1800" b="1" u="sng" dirty="0">
-                <a:solidFill>
-                  <a:srgbClr val="000000"/>
-                </a:solidFill>
-              </a:rPr>
-              <a:t>”, which is the variable being controlled</a:t>
-            </a:r>
-          </a:p>
-          <a:p>
-            <a:pPr lvl="1"/>
-            <a:r>
-              <a:rPr lang="en-US" sz="1800" dirty="0">
-                <a:solidFill>
-                  <a:srgbClr val="000000"/>
-                </a:solidFill>
-              </a:rPr>
-              <a:t>Example: heater which heats for a given time</a:t>
-            </a:r>
-            <a:r>
-              <a:rPr lang="en-US" sz="1800" b="1" u="sng" dirty="0">
-                <a:solidFill>
-                  <a:srgbClr val="000000"/>
-                </a:solidFill>
-              </a:rPr>
-              <a:t>, without measuring the temperature of the room</a:t>
-            </a:r>
-          </a:p>
-          <a:p>
-            <a:pPr lvl="1"/>
-            <a:endParaRPr lang="en-US" sz="1800" dirty="0">
-              <a:solidFill>
-                <a:srgbClr val="000000"/>
-              </a:solidFill>
-            </a:endParaRPr>
-          </a:p>
-          <a:p>
-            <a:r>
-              <a:rPr lang="en-US" sz="2200" b="1" u="sng" dirty="0">
-                <a:solidFill>
-                  <a:srgbClr val="000000"/>
-                </a:solidFill>
-              </a:rPr>
-              <a:t>How it works </a:t>
-            </a:r>
-            <a:r>
-              <a:rPr lang="en-US" sz="2200" dirty="0">
-                <a:solidFill>
-                  <a:srgbClr val="000000"/>
-                </a:solidFill>
-              </a:rPr>
-              <a:t>for the landing:</a:t>
-            </a:r>
-          </a:p>
-          <a:p>
-            <a:pPr lvl="1"/>
-            <a:r>
-              <a:rPr lang="en-US" sz="1800" b="1" u="sng" dirty="0">
-                <a:solidFill>
-                  <a:srgbClr val="000000"/>
-                </a:solidFill>
-              </a:rPr>
-              <a:t>The landing module uses a </a:t>
-            </a:r>
-            <a:r>
-              <a:rPr lang="en-US" sz="1800" dirty="0">
-                <a:solidFill>
-                  <a:srgbClr val="000000"/>
-                </a:solidFill>
-              </a:rPr>
-              <a:t>constant thrust </a:t>
-            </a:r>
-            <a:r>
-              <a:rPr lang="en-US" sz="1800" b="1" u="sng" dirty="0">
-                <a:solidFill>
-                  <a:srgbClr val="000000"/>
-                </a:solidFill>
-                <a:effectLst/>
-              </a:rPr>
-              <a:t>at every moment, which would have to be nearly equal in norm to the gravity</a:t>
-            </a:r>
-          </a:p>
-          <a:p>
-            <a:pPr lvl="1"/>
-            <a:endParaRPr lang="en-US" sz="1800" b="1" u="sng" dirty="0">
-              <a:solidFill>
-                <a:srgbClr val="000000"/>
-              </a:solidFill>
-              <a:effectLst/>
-            </a:endParaRPr>
-          </a:p>
-          <a:p>
-            <a:pPr lvl="0"/>
-            <a:r>
-              <a:rPr lang="en-US" sz="1800" b="1" u="sng" dirty="0">
-                <a:solidFill>
-                  <a:srgbClr val="000000"/>
-                </a:solidFill>
-                <a:effectLst/>
-              </a:rPr>
-              <a:t>Does not take into account anything, so can not counter the wind</a:t>
+              <a:rPr lang="en-GB" dirty="0"/>
+              <a:t>Valentin or Victor ?</a:t>
+            </a:r>
+          </a:p>
+          <a:p>
+            <a:endParaRPr lang="en-GB" dirty="0"/>
+          </a:p>
+          <a:p>
+            <a:r>
+              <a:rPr lang="en-GB" b="1" u="sng" dirty="0"/>
+              <a:t>In Phase 1, we used Euler’s method to simulate the planets’ motion in the solar system, as well as the motion of the spacecraft. Also, we were not able to reach Titan by shooting the space probe.</a:t>
+            </a:r>
+          </a:p>
+          <a:p>
+            <a:endParaRPr lang="en-GB" b="1" u="sng" dirty="0"/>
+          </a:p>
+          <a:p>
+            <a:r>
+              <a:rPr lang="en-GB" b="1" u="sng" dirty="0"/>
+              <a:t>The improvements since the second phase are that we implemented a </a:t>
+            </a:r>
+            <a:r>
+              <a:rPr lang="en-GB" b="1" u="sng" dirty="0" err="1"/>
+              <a:t>Fourt</a:t>
+            </a:r>
+            <a:r>
+              <a:rPr lang="en-GB" b="1" u="sng" dirty="0"/>
+              <a:t>-order Runge </a:t>
+            </a:r>
+            <a:r>
+              <a:rPr lang="en-GB" b="1" u="sng" dirty="0" err="1"/>
+              <a:t>Kutta</a:t>
+            </a:r>
+            <a:r>
+              <a:rPr lang="en-GB" b="1" u="sng" dirty="0"/>
+              <a:t> method for computing the positions of the different bodies in the Solar System, which is more precise than Euler’s method. Additionally, we now have a method for computing an angle to launch the Space probe in order to reach Titan</a:t>
             </a:r>
           </a:p>
         </p:txBody>
@@ -778,7 +696,7 @@
     </p:spTree>
     <p:extLst>
       <p:ext uri="{BB962C8B-B14F-4D97-AF65-F5344CB8AC3E}">
-        <p14:creationId xmlns:p14="http://schemas.microsoft.com/office/powerpoint/2010/main" val="1371945585"/>
+        <p14:creationId xmlns:p14="http://schemas.microsoft.com/office/powerpoint/2010/main" val="1167146455"/>
       </p:ext>
     </p:extLst>
   </p:cSld>
@@ -838,35 +756,74 @@
                   <a:srgbClr val="000000"/>
                 </a:solidFill>
               </a:rPr>
-              <a:t>Feedback Controller</a:t>
+              <a:t>Open-Loop Controller</a:t>
             </a:r>
           </a:p>
           <a:p>
             <a:pPr lvl="1"/>
             <a:r>
-              <a:rPr lang="en-US" sz="2000" dirty="0">
+              <a:rPr lang="en-US" sz="1800" b="1" u="sng" dirty="0">
                 <a:solidFill>
                   <a:srgbClr val="000000"/>
                 </a:solidFill>
               </a:rPr>
-              <a:t>Opposite of the open-loop controller</a:t>
-            </a:r>
-            <a:r>
-              <a:rPr lang="en-US" sz="2000" b="1" u="sng" dirty="0">
+              <a:t>In an open-Loop Controller, </a:t>
+            </a:r>
+            <a:r>
+              <a:rPr lang="en-US" sz="1800" dirty="0">
                 <a:solidFill>
                   <a:srgbClr val="000000"/>
                 </a:solidFill>
               </a:rPr>
-              <a:t>, so can take into account all given variables, which are the x- and y-position, the x- and y-velocity, as well as the angle</a:t>
-            </a:r>
-            <a:br>
-              <a:rPr lang="en-US" sz="2000" b="1" u="sng" dirty="0">
+              <a:t>the control action performed </a:t>
+            </a:r>
+            <a:r>
+              <a:rPr lang="en-US" sz="1800" b="1" u="sng" dirty="0">
                 <a:solidFill>
                   <a:srgbClr val="000000"/>
                 </a:solidFill>
               </a:rPr>
-            </a:br>
-            <a:endParaRPr lang="en-US" sz="2400" b="1" u="sng" dirty="0">
+              <a:t>is </a:t>
+            </a:r>
+            <a:r>
+              <a:rPr lang="en-US" sz="1800" dirty="0">
+                <a:solidFill>
+                  <a:srgbClr val="000000"/>
+                </a:solidFill>
+              </a:rPr>
+              <a:t>independent of the “process output</a:t>
+            </a:r>
+            <a:r>
+              <a:rPr lang="en-US" sz="1800" b="1" u="sng" dirty="0">
+                <a:solidFill>
+                  <a:srgbClr val="000000"/>
+                </a:solidFill>
+              </a:rPr>
+              <a:t>”, which is the variable being controlled</a:t>
+            </a:r>
+          </a:p>
+          <a:p>
+            <a:pPr lvl="1"/>
+            <a:r>
+              <a:rPr lang="en-US" sz="1800" dirty="0">
+                <a:solidFill>
+                  <a:srgbClr val="000000"/>
+                </a:solidFill>
+              </a:rPr>
+              <a:t>Example: heater which heats for a given time</a:t>
+            </a:r>
+            <a:r>
+              <a:rPr lang="en-US" sz="1800" b="1" u="sng" dirty="0">
+                <a:solidFill>
+                  <a:srgbClr val="000000"/>
+                </a:solidFill>
+              </a:rPr>
+              <a:t>, without measuring the temperature of the room</a:t>
+            </a:r>
+          </a:p>
+          <a:p>
+            <a:pPr lvl="1"/>
+            <a:endParaRPr lang="en-US" sz="1800" dirty="0">
               <a:solidFill>
                 <a:srgbClr val="000000"/>
               </a:solidFill>
@@ -874,72 +831,70 @@
           </a:p>
           <a:p>
             <a:r>
-              <a:rPr lang="en-US" sz="2400" b="1" u="sng" dirty="0">
+              <a:rPr lang="en-US" sz="2200" b="1" u="sng" dirty="0">
                 <a:solidFill>
                   <a:srgbClr val="000000"/>
                 </a:solidFill>
               </a:rPr>
-              <a:t>In this case, that means:</a:t>
-            </a:r>
-            <a:r>
-              <a:rPr lang="en-US" sz="2400" dirty="0">
+              <a:t>How it works </a:t>
+            </a:r>
+            <a:r>
+              <a:rPr lang="en-US" sz="2200" dirty="0">
                 <a:solidFill>
                   <a:srgbClr val="000000"/>
                 </a:solidFill>
               </a:rPr>
-              <a:t> </a:t>
+              <a:t>for the landing:</a:t>
             </a:r>
           </a:p>
           <a:p>
             <a:pPr lvl="1"/>
             <a:r>
-              <a:rPr lang="en-US" sz="2000" dirty="0">
+              <a:rPr lang="en-US" sz="1800" b="1" u="sng" dirty="0">
                 <a:solidFill>
                   <a:srgbClr val="000000"/>
                 </a:solidFill>
               </a:rPr>
-              <a:t>Correct the x-position </a:t>
-            </a:r>
-            <a:r>
-              <a:rPr lang="en-US" sz="2000" b="1" u="sng" dirty="0">
+              <a:t>The landing module uses a </a:t>
+            </a:r>
+            <a:r>
+              <a:rPr lang="en-US" sz="1800" dirty="0">
                 <a:solidFill>
                   <a:srgbClr val="000000"/>
                 </a:solidFill>
               </a:rPr>
-              <a:t>by modifying the angle of the landing module</a:t>
-            </a:r>
-            <a:r>
-              <a:rPr lang="en-GB" sz="2000" b="1" u="sng" dirty="0">
+              <a:t>constant thrust </a:t>
+            </a:r>
+            <a:r>
+              <a:rPr lang="en-US" sz="1800" b="1" u="sng" dirty="0">
                 <a:solidFill>
                   <a:srgbClr val="000000"/>
                 </a:solidFill>
+                <a:effectLst/>
               </a:rPr>
-              <a:t> in order to make the main thruster exert a partially horizontal force</a:t>
+              <a:t>at every moment, which would have to be nearly equal in norm to the gravity</a:t>
             </a:r>
           </a:p>
           <a:p>
             <a:pPr lvl="1"/>
-            <a:r>
-              <a:rPr lang="en-GB" sz="2000" b="0" i="0" u="none" dirty="0">
-                <a:solidFill>
-                  <a:srgbClr val="000000"/>
-                </a:solidFill>
-              </a:rPr>
-              <a:t>Determine whether we need to use the thruster </a:t>
-            </a:r>
-            <a:r>
-              <a:rPr lang="en-GB" sz="2000" b="1" i="0" u="sng" dirty="0">
-                <a:solidFill>
-                  <a:srgbClr val="000000"/>
-                </a:solidFill>
-              </a:rPr>
-              <a:t>or not in order to land safely</a:t>
-            </a:r>
-            <a:endParaRPr lang="en-US" sz="2000" b="1" i="0" u="sng" dirty="0">
+            <a:endParaRPr lang="en-US" sz="1800" b="1" u="sng" dirty="0">
               <a:solidFill>
                 <a:srgbClr val="000000"/>
               </a:solidFill>
+              <a:effectLst/>
             </a:endParaRPr>
+          </a:p>
+          <a:p>
+            <a:pPr lvl="0"/>
+            <a:r>
+              <a:rPr lang="en-US" sz="1800" b="1" u="sng" dirty="0">
+                <a:solidFill>
+                  <a:srgbClr val="000000"/>
+                </a:solidFill>
+                <a:effectLst/>
+              </a:rPr>
+              <a:t>Does not take into account anything, so can not counter the wind</a:t>
+            </a:r>
           </a:p>
         </p:txBody>
       </p:sp>
@@ -969,7 +924,7 @@
     </p:spTree>
     <p:extLst>
       <p:ext uri="{BB962C8B-B14F-4D97-AF65-F5344CB8AC3E}">
-        <p14:creationId xmlns:p14="http://schemas.microsoft.com/office/powerpoint/2010/main" val="2605890027"/>
+        <p14:creationId xmlns:p14="http://schemas.microsoft.com/office/powerpoint/2010/main" val="1371945585"/>
       </p:ext>
     </p:extLst>
   </p:cSld>
@@ -1024,94 +979,114 @@
           <a:lstStyle/>
           <a:p>
             <a:r>
-              <a:rPr lang="en-US" sz="2000" b="1" i="0" u="sng" dirty="0">
+              <a:rPr lang="en-US" sz="2400" dirty="0">
                 <a:solidFill>
                   <a:srgbClr val="000000"/>
                 </a:solidFill>
               </a:rPr>
-              <a:t>In our model, we have a constant setting the maximum acceleration caused by the wind</a:t>
-            </a:r>
-          </a:p>
-          <a:p>
+              <a:t>Feedback Controller</a:t>
+            </a:r>
+          </a:p>
+          <a:p>
+            <a:pPr lvl="1"/>
+            <a:r>
+              <a:rPr lang="en-US" sz="2000" dirty="0">
+                <a:solidFill>
+                  <a:srgbClr val="000000"/>
+                </a:solidFill>
+              </a:rPr>
+              <a:t>Opposite of the open-loop controller</a:t>
+            </a:r>
+            <a:r>
+              <a:rPr lang="en-US" sz="2000" b="1" u="sng" dirty="0">
+                <a:solidFill>
+                  <a:srgbClr val="000000"/>
+                </a:solidFill>
+              </a:rPr>
+              <a:t>, so can take into account all given variables, which are the x- and y-position, the x- and y-velocity, as well as the angle</a:t>
+            </a:r>
+            <a:br>
+              <a:rPr lang="en-US" sz="2000" b="1" u="sng" dirty="0">
+                <a:solidFill>
+                  <a:srgbClr val="000000"/>
+                </a:solidFill>
+              </a:rPr>
+            </a:br>
+            <a:endParaRPr lang="en-US" sz="2400" b="1" u="sng" dirty="0">
+              <a:solidFill>
+                <a:srgbClr val="000000"/>
+              </a:solidFill>
+            </a:endParaRPr>
+          </a:p>
+          <a:p>
+            <a:r>
+              <a:rPr lang="en-US" sz="2400" b="1" u="sng" dirty="0">
+                <a:solidFill>
+                  <a:srgbClr val="000000"/>
+                </a:solidFill>
+              </a:rPr>
+              <a:t>In this case, that means:</a:t>
+            </a:r>
+            <a:r>
+              <a:rPr lang="en-US" sz="2400" dirty="0">
+                <a:solidFill>
+                  <a:srgbClr val="000000"/>
+                </a:solidFill>
+              </a:rPr>
+              <a:t> </a:t>
+            </a:r>
+          </a:p>
+          <a:p>
+            <a:pPr lvl="1"/>
+            <a:r>
+              <a:rPr lang="en-US" sz="2000" dirty="0">
+                <a:solidFill>
+                  <a:srgbClr val="000000"/>
+                </a:solidFill>
+              </a:rPr>
+              <a:t>Correct the x-position </a:t>
+            </a:r>
+            <a:r>
+              <a:rPr lang="en-US" sz="2000" b="1" u="sng" dirty="0">
+                <a:solidFill>
+                  <a:srgbClr val="000000"/>
+                </a:solidFill>
+              </a:rPr>
+              <a:t>by modifying the angle of the landing module</a:t>
+            </a:r>
+            <a:r>
+              <a:rPr lang="en-GB" sz="2000" b="1" u="sng" dirty="0">
+                <a:solidFill>
+                  <a:srgbClr val="000000"/>
+                </a:solidFill>
+              </a:rPr>
+              <a:t> in order to make the main thruster exert a partially horizontal force</a:t>
+            </a:r>
+          </a:p>
+          <a:p>
+            <a:pPr lvl="1"/>
+            <a:r>
+              <a:rPr lang="en-GB" sz="2000" b="0" i="0" u="none" dirty="0">
+                <a:solidFill>
+                  <a:srgbClr val="000000"/>
+                </a:solidFill>
+              </a:rPr>
+              <a:t>Determine whether we need to use the thruster </a:t>
+            </a:r>
+            <a:r>
+              <a:rPr lang="en-GB" sz="2000" b="1" i="0" u="sng" dirty="0">
+                <a:solidFill>
+                  <a:srgbClr val="000000"/>
+                </a:solidFill>
+              </a:rPr>
+              <a:t>or not in order to land safely</a:t>
+            </a:r>
             <a:endParaRPr lang="en-US" sz="2000" b="1" i="0" u="sng" dirty="0">
               <a:solidFill>
                 <a:srgbClr val="000000"/>
               </a:solidFill>
             </a:endParaRPr>
           </a:p>
-          <a:p>
-            <a:r>
-              <a:rPr lang="en-US" sz="2000" b="1" i="0" u="sng" dirty="0">
-                <a:solidFill>
-                  <a:srgbClr val="000000"/>
-                </a:solidFill>
-              </a:rPr>
-              <a:t>The generated wind is generated in a random direction and of a randomized intensity between 0 and 1.</a:t>
-            </a:r>
-          </a:p>
-          <a:p>
-            <a:endParaRPr lang="en-US" sz="2000" b="1" i="0" u="sng" dirty="0">
-              <a:solidFill>
-                <a:srgbClr val="000000"/>
-              </a:solidFill>
-            </a:endParaRPr>
-          </a:p>
-          <a:p>
-            <a:r>
-              <a:rPr lang="en-US" sz="2000" b="1" i="0" u="sng" dirty="0">
-                <a:solidFill>
-                  <a:srgbClr val="000000"/>
-                </a:solidFill>
-              </a:rPr>
-              <a:t>We read that the strongest wind measured during the landing of the probe from NASA was 120 m/s, but given that our thruster is set to have a maximum strength of 2500 N, we couldn’t make the maximum wind 120 m/s </a:t>
-            </a:r>
-            <a:r>
-              <a:rPr lang="en-US" sz="2000" b="1" i="1" u="none" dirty="0">
-                <a:solidFill>
-                  <a:srgbClr val="000000"/>
-                </a:solidFill>
-              </a:rPr>
-              <a:t>*</a:t>
-            </a:r>
-            <a:r>
-              <a:rPr lang="en-US" sz="2000" b="0" i="1" u="none" dirty="0">
-                <a:solidFill>
-                  <a:srgbClr val="000000"/>
-                </a:solidFill>
-              </a:rPr>
-              <a:t>(</a:t>
-            </a:r>
-            <a:r>
-              <a:rPr lang="en-US" sz="2000" b="1" i="1" u="none" dirty="0">
-                <a:solidFill>
-                  <a:srgbClr val="000000"/>
-                </a:solidFill>
-              </a:rPr>
-              <a:t>SAY THIS ONLY IF THEY ASK !!! </a:t>
-            </a:r>
-            <a:r>
-              <a:rPr lang="en-US" sz="2000" b="0" i="1" u="none" dirty="0">
-                <a:solidFill>
-                  <a:srgbClr val="000000"/>
-                </a:solidFill>
-              </a:rPr>
-              <a:t>thruster force in Newtons still needs to be divided by the weight of the landing module, which we set to 800 kgs)*</a:t>
-            </a:r>
-          </a:p>
-          <a:p>
-            <a:endParaRPr lang="en-US" sz="2000" b="0" i="1" u="none" dirty="0">
-              <a:solidFill>
-                <a:srgbClr val="000000"/>
-              </a:solidFill>
-            </a:endParaRPr>
-          </a:p>
-          <a:p>
-            <a:endParaRPr lang="en-US" sz="2000" b="0" i="1" u="none" dirty="0">
-              <a:solidFill>
-                <a:srgbClr val="000000"/>
-              </a:solidFill>
-            </a:endParaRPr>
-          </a:p>
         </p:txBody>
       </p:sp>
       <p:sp>
@@ -1140,7 +1115,7 @@
     </p:spTree>
     <p:extLst>
       <p:ext uri="{BB962C8B-B14F-4D97-AF65-F5344CB8AC3E}">
-        <p14:creationId xmlns:p14="http://schemas.microsoft.com/office/powerpoint/2010/main" val="3745284967"/>
+        <p14:creationId xmlns:p14="http://schemas.microsoft.com/office/powerpoint/2010/main" val="2605890027"/>
       </p:ext>
     </p:extLst>
   </p:cSld>
@@ -1195,35 +1170,93 @@
           <a:lstStyle/>
           <a:p>
             <a:r>
-              <a:rPr lang="nl-NL" dirty="0"/>
-              <a:t>Made experiments by modifying parameters </a:t>
-            </a:r>
-            <a:r>
-              <a:rPr lang="nl-NL" b="1" u="sng" dirty="0"/>
-              <a:t>one at a time</a:t>
-            </a:r>
-            <a:r>
-              <a:rPr lang="nl-NL" dirty="0"/>
-              <a:t>, then measured the </a:t>
-            </a:r>
-            <a:r>
-              <a:rPr lang="nl-NL" b="1" u="sng" dirty="0"/>
-              <a:t>x- and y- positions and velocities, as well as the angle and the time the landing module took to land</a:t>
-            </a:r>
-            <a:br>
-              <a:rPr lang="nl-NL" dirty="0"/>
-            </a:br>
-            <a:endParaRPr lang="nl-NL" dirty="0"/>
-          </a:p>
-          <a:p>
-            <a:r>
-              <a:rPr lang="nl-NL" dirty="0"/>
-              <a:t>See Excel sheet </a:t>
-            </a:r>
-            <a:r>
-              <a:rPr lang="nl-NL" i="1" dirty="0"/>
-              <a:t>*show the Excel sheet to them*</a:t>
-            </a:r>
+              <a:rPr lang="en-US" sz="2000" b="1" i="0" u="sng" dirty="0">
+                <a:solidFill>
+                  <a:srgbClr val="000000"/>
+                </a:solidFill>
+              </a:rPr>
+              <a:t>In our model, we have a constant setting the maximum acceleration caused by the wind</a:t>
+            </a:r>
+          </a:p>
+          <a:p>
+            <a:endParaRPr lang="en-US" sz="2000" b="1" i="0" u="sng" dirty="0">
+              <a:solidFill>
+                <a:srgbClr val="000000"/>
+              </a:solidFill>
+            </a:endParaRPr>
+          </a:p>
+          <a:p>
+            <a:r>
+              <a:rPr lang="en-US" sz="2000" b="1" i="0" u="sng" dirty="0">
+                <a:solidFill>
+                  <a:srgbClr val="000000"/>
+                </a:solidFill>
+              </a:rPr>
+              <a:t>The generated wind is generated in a random direction and of a randomized intensity between 0 and 1.</a:t>
+            </a:r>
+          </a:p>
+          <a:p>
+            <a:endParaRPr lang="en-US" sz="2000" b="1" i="0" u="sng" dirty="0">
+              <a:solidFill>
+                <a:srgbClr val="000000"/>
+              </a:solidFill>
+            </a:endParaRPr>
+          </a:p>
+          <a:p>
+            <a:r>
+              <a:rPr lang="en-US" sz="2000" b="1" i="0" u="sng" dirty="0">
+                <a:solidFill>
+                  <a:srgbClr val="000000"/>
+                </a:solidFill>
+              </a:rPr>
+              <a:t>We read that the strongest wind measured during the landing of the probe from NASA was 120 m/s, but given that our thruster is set to have a maximum strength of 2500 N, we couldn’t make the maximum wind 120 m/s </a:t>
+            </a:r>
+            <a:r>
+              <a:rPr lang="en-US" sz="2000" b="1" i="1" u="none" dirty="0">
+                <a:solidFill>
+                  <a:srgbClr val="000000"/>
+                </a:solidFill>
+              </a:rPr>
+              <a:t>*</a:t>
+            </a:r>
+            <a:r>
+              <a:rPr lang="en-US" sz="2000" b="0" i="1" u="none" dirty="0">
+                <a:solidFill>
+                  <a:srgbClr val="000000"/>
+                </a:solidFill>
+              </a:rPr>
+              <a:t>(</a:t>
+            </a:r>
+            <a:r>
+              <a:rPr lang="en-US" sz="2000" b="1" i="1" u="none" dirty="0">
+                <a:solidFill>
+                  <a:srgbClr val="000000"/>
+                </a:solidFill>
+              </a:rPr>
+              <a:t>SAY THIS ONLY IF THEY ASK !!! </a:t>
+            </a:r>
+            <a:r>
+              <a:rPr lang="en-US" sz="2000" b="0" i="1" u="none" dirty="0">
+                <a:solidFill>
+                  <a:srgbClr val="000000"/>
+                </a:solidFill>
+              </a:rPr>
+              <a:t>thruster force in Newtons still needs to be divided by the weight of the landing module, which we set to 800 kgs)*</a:t>
+            </a:r>
+          </a:p>
+          <a:p>
+            <a:endParaRPr lang="en-US" sz="2000" b="0" i="1" u="none" dirty="0">
+              <a:solidFill>
+                <a:srgbClr val="000000"/>
+              </a:solidFill>
+            </a:endParaRPr>
+          </a:p>
+          <a:p>
+            <a:endParaRPr lang="en-US" sz="2000" b="0" i="1" u="none" dirty="0">
+              <a:solidFill>
+                <a:srgbClr val="000000"/>
+              </a:solidFill>
+            </a:endParaRPr>
           </a:p>
         </p:txBody>
       </p:sp>
@@ -1253,7 +1286,7 @@
     </p:spTree>
     <p:extLst>
       <p:ext uri="{BB962C8B-B14F-4D97-AF65-F5344CB8AC3E}">
-        <p14:creationId xmlns:p14="http://schemas.microsoft.com/office/powerpoint/2010/main" val="2291648635"/>
+        <p14:creationId xmlns:p14="http://schemas.microsoft.com/office/powerpoint/2010/main" val="3745284967"/>
       </p:ext>
     </p:extLst>
   </p:cSld>
@@ -1308,69 +1341,34 @@
           <a:lstStyle/>
           <a:p>
             <a:r>
-              <a:rPr lang="en-GB" b="1" u="sng" dirty="0"/>
-              <a:t>Main tasks:</a:t>
-            </a:r>
-          </a:p>
-          <a:p>
-            <a:r>
-              <a:rPr lang="en-GB" b="1" u="sng" dirty="0"/>
-              <a:t>	Realizing a return mission from the orbit of the Titan </a:t>
-            </a:r>
-            <a:r>
-              <a:rPr lang="en-GB" i="1" dirty="0"/>
-              <a:t>*(ask if it is from the orbit or from the ground of Titan)*</a:t>
-            </a:r>
-          </a:p>
-          <a:p>
-            <a:r>
-              <a:rPr lang="en-GB" dirty="0"/>
-              <a:t>	</a:t>
-            </a:r>
-            <a:r>
-              <a:rPr lang="en-GB" b="1" i="0" u="sng" dirty="0"/>
-              <a:t>Reduce mission costs by reducing fuel consumption of the travel</a:t>
-            </a:r>
-          </a:p>
-          <a:p>
-            <a:r>
-              <a:rPr lang="en-GB" b="1" i="0" u="sng" dirty="0"/>
-              <a:t>		Idea: gravitation assist, problem: how to do that, we need to find formulas for it</a:t>
-            </a:r>
-          </a:p>
-          <a:p>
-            <a:r>
-              <a:rPr lang="en-GB" b="1" i="0" u="sng" dirty="0"/>
-              <a:t>	Search ways to improve the time taken for the travel </a:t>
-            </a:r>
-            <a:r>
-              <a:rPr lang="en-GB" i="1" dirty="0"/>
-              <a:t>*(ask if it concerns only the time of travel or also the time of landing)*</a:t>
-            </a:r>
-          </a:p>
-          <a:p>
-            <a:r>
-              <a:rPr lang="en-GB" i="0" dirty="0"/>
-              <a:t>	</a:t>
-            </a:r>
-            <a:r>
-              <a:rPr lang="en-GB" b="1" i="0" u="sng" dirty="0"/>
-              <a:t>Write report</a:t>
-            </a:r>
-          </a:p>
-          <a:p>
-            <a:endParaRPr lang="en-GB" b="1" i="0" u="sng" dirty="0"/>
-          </a:p>
-          <a:p>
-            <a:r>
-              <a:rPr lang="en-GB" b="1" i="0" u="sng" dirty="0"/>
-              <a:t>Other tasks:</a:t>
-            </a:r>
-          </a:p>
-          <a:p>
-            <a:r>
-              <a:rPr lang="en-GB" b="1" i="0" u="sng" dirty="0"/>
-              <a:t>	do experiments with the mission and find which parameters we could do experiments with</a:t>
+              <a:rPr lang="nl-NL" dirty="0"/>
+              <a:t>Made experiments by modifying parameters </a:t>
+            </a:r>
+            <a:r>
+              <a:rPr lang="nl-NL" b="1" u="sng" dirty="0"/>
+              <a:t>one at a time</a:t>
+            </a:r>
+            <a:r>
+              <a:rPr lang="nl-NL" dirty="0"/>
+              <a:t>, then measured the </a:t>
+            </a:r>
+            <a:r>
+              <a:rPr lang="nl-NL" b="1" u="sng" dirty="0"/>
+              <a:t>x- and y- positions and velocities, as well as the angle and the time the landing module took to land</a:t>
+            </a:r>
+            <a:br>
+              <a:rPr lang="nl-NL" dirty="0"/>
+            </a:br>
+            <a:endParaRPr lang="nl-NL" dirty="0"/>
+          </a:p>
+          <a:p>
+            <a:r>
+              <a:rPr lang="nl-NL" dirty="0"/>
+              <a:t>See Excel sheet </a:t>
+            </a:r>
+            <a:r>
+              <a:rPr lang="nl-NL" i="1" dirty="0"/>
+              <a:t>*show the Excel sheet to them*</a:t>
             </a:r>
           </a:p>
         </p:txBody>
@@ -1401,7 +1399,7 @@
     </p:spTree>
     <p:extLst>
       <p:ext uri="{BB962C8B-B14F-4D97-AF65-F5344CB8AC3E}">
-        <p14:creationId xmlns:p14="http://schemas.microsoft.com/office/powerpoint/2010/main" val="344017163"/>
+        <p14:creationId xmlns:p14="http://schemas.microsoft.com/office/powerpoint/2010/main" val="2291648635"/>
       </p:ext>
     </p:extLst>
   </p:cSld>
@@ -1457,7 +1455,68 @@
           <a:p>
             <a:r>
               <a:rPr lang="en-GB" b="1" u="sng" dirty="0"/>
-              <a:t>*Show demo by running program on someone’s computer*</a:t>
+              <a:t>Main tasks:</a:t>
+            </a:r>
+          </a:p>
+          <a:p>
+            <a:r>
+              <a:rPr lang="en-GB" b="1" u="sng" dirty="0"/>
+              <a:t>	Realizing a return mission from the orbit of the Titan </a:t>
+            </a:r>
+            <a:r>
+              <a:rPr lang="en-GB" i="1" dirty="0"/>
+              <a:t>*(ask if it is from the orbit or from the ground of Titan)*</a:t>
+            </a:r>
+          </a:p>
+          <a:p>
+            <a:r>
+              <a:rPr lang="en-GB" dirty="0"/>
+              <a:t>	</a:t>
+            </a:r>
+            <a:r>
+              <a:rPr lang="en-GB" b="1" i="0" u="sng" dirty="0"/>
+              <a:t>Reduce mission costs by reducing fuel consumption of the travel</a:t>
+            </a:r>
+          </a:p>
+          <a:p>
+            <a:r>
+              <a:rPr lang="en-GB" b="1" i="0" u="sng" dirty="0"/>
+              <a:t>		Idea: gravitation assist, problem: how to do that, we need to find formulas for it</a:t>
+            </a:r>
+          </a:p>
+          <a:p>
+            <a:r>
+              <a:rPr lang="en-GB" b="1" i="0" u="sng" dirty="0"/>
+              <a:t>	Search ways to improve the time taken for the travel </a:t>
+            </a:r>
+            <a:r>
+              <a:rPr lang="en-GB" i="1" dirty="0"/>
+              <a:t>*(ask if it concerns only the time of travel or also the time of landing)*</a:t>
+            </a:r>
+          </a:p>
+          <a:p>
+            <a:r>
+              <a:rPr lang="en-GB" i="0" dirty="0"/>
+              <a:t>	</a:t>
+            </a:r>
+            <a:r>
+              <a:rPr lang="en-GB" b="1" i="0" u="sng" dirty="0"/>
+              <a:t>Write report</a:t>
+            </a:r>
+          </a:p>
+          <a:p>
+            <a:endParaRPr lang="en-GB" b="1" i="0" u="sng" dirty="0"/>
+          </a:p>
+          <a:p>
+            <a:r>
+              <a:rPr lang="en-GB" b="1" i="0" u="sng" dirty="0"/>
+              <a:t>Other tasks:</a:t>
+            </a:r>
+          </a:p>
+          <a:p>
+            <a:r>
+              <a:rPr lang="en-GB" b="1" i="0" u="sng" dirty="0"/>
+              <a:t>	do experiments with the mission and find which parameters we could do experiments with</a:t>
             </a:r>
           </a:p>
         </p:txBody>
@@ -1488,7 +1547,7 @@
     </p:spTree>
     <p:extLst>
       <p:ext uri="{BB962C8B-B14F-4D97-AF65-F5344CB8AC3E}">
-        <p14:creationId xmlns:p14="http://schemas.microsoft.com/office/powerpoint/2010/main" val="1008206631"/>
+        <p14:creationId xmlns:p14="http://schemas.microsoft.com/office/powerpoint/2010/main" val="344017163"/>
       </p:ext>
     </p:extLst>
   </p:cSld>
@@ -1542,7 +1601,10 @@
           <a:bodyPr/>
           <a:lstStyle/>
           <a:p>
-            <a:endParaRPr lang="en-GB" dirty="0"/>
+            <a:r>
+              <a:rPr lang="en-GB" b="1" u="sng" dirty="0"/>
+              <a:t>*Show demo by running program on someone’s computer*</a:t>
+            </a:r>
           </a:p>
         </p:txBody>
       </p:sp>
@@ -1564,6 +1626,90 @@
             <a:fld id="{508C1811-C778-4C97-A863-AD4A19CD14B1}" type="slidenum">
               <a:rPr lang="en-GB" smtClean="0"/>
               <a:t>9</a:t>
+            </a:fld>
+            <a:endParaRPr lang="en-GB"/>
+          </a:p>
+        </p:txBody>
+      </p:sp>
+    </p:spTree>
+    <p:extLst>
+      <p:ext uri="{BB962C8B-B14F-4D97-AF65-F5344CB8AC3E}">
+        <p14:creationId xmlns:p14="http://schemas.microsoft.com/office/powerpoint/2010/main" val="1008206631"/>
+      </p:ext>
+    </p:extLst>
+  </p:cSld>
+  <p:clrMapOvr>
+    <a:masterClrMapping/>
+  </p:clrMapOvr>
+</p:notes>
+</file>
+
+<file path=ppt/notesSlides/notesSlide9.xml><?xml version="1.0" encoding="utf-8"?>
+<p:notes xmlns:a="http://schemas.openxmlformats.org/drawingml/2006/main" xmlns:r="http://schemas.openxmlformats.org/officeDocument/2006/relationships" xmlns:p="http://schemas.openxmlformats.org/presentationml/2006/main">
+  <p:cSld>
+    <p:spTree>
+      <p:nvGrpSpPr>
+        <p:cNvPr id="1" name=""/>
+        <p:cNvGrpSpPr/>
+        <p:nvPr/>
+      </p:nvGrpSpPr>
+      <p:grpSpPr>
+        <a:xfrm>
+          <a:off x="0" y="0"/>
+          <a:ext cx="0" cy="0"/>
+          <a:chOff x="0" y="0"/>
+          <a:chExt cx="0" cy="0"/>
+        </a:xfrm>
+      </p:grpSpPr>
+      <p:sp>
+        <p:nvSpPr>
+          <p:cNvPr id="2" name="Slide Image Placeholder 1"/>
+          <p:cNvSpPr>
+            <a:spLocks noGrp="1" noRot="1" noChangeAspect="1"/>
+          </p:cNvSpPr>
+          <p:nvPr>
+            <p:ph type="sldImg"/>
+          </p:nvPr>
+        </p:nvSpPr>
+        <p:spPr/>
+      </p:sp>
+      <p:sp>
+        <p:nvSpPr>
+          <p:cNvPr id="3" name="Notes Placeholder 2"/>
+          <p:cNvSpPr>
+            <a:spLocks noGrp="1"/>
+          </p:cNvSpPr>
+          <p:nvPr>
+            <p:ph type="body" idx="1"/>
+          </p:nvPr>
+        </p:nvSpPr>
+        <p:spPr/>
+        <p:txBody>
+          <a:bodyPr/>
+          <a:lstStyle/>
+          <a:p>
+            <a:endParaRPr lang="en-GB" dirty="0"/>
+          </a:p>
+        </p:txBody>
+      </p:sp>
+      <p:sp>
+        <p:nvSpPr>
+          <p:cNvPr id="4" name="Slide Number Placeholder 3"/>
+          <p:cNvSpPr>
+            <a:spLocks noGrp="1"/>
+          </p:cNvSpPr>
+          <p:nvPr>
+            <p:ph type="sldNum" sz="quarter" idx="5"/>
+          </p:nvPr>
+        </p:nvSpPr>
+        <p:spPr/>
+        <p:txBody>
+          <a:bodyPr/>
+          <a:lstStyle/>
+          <a:p>
+            <a:fld id="{508C1811-C778-4C97-A863-AD4A19CD14B1}" type="slidenum">
+              <a:rPr lang="en-GB" smtClean="0"/>
+              <a:t>10</a:t>
             </a:fld>
             <a:endParaRPr lang="en-GB"/>
           </a:p>
@@ -1729,7 +1875,7 @@
           <a:p>
             <a:fld id="{AE3D364E-E8DA-4561-A064-E2CFF8B39183}" type="datetimeFigureOut">
               <a:rPr lang="nl-NL" smtClean="0"/>
-              <a:t>26-5-2019</a:t>
+              <a:t>27-5-2019</a:t>
             </a:fld>
             <a:endParaRPr lang="nl-NL"/>
           </a:p>
@@ -1927,7 +2073,7 @@
           <a:p>
             <a:fld id="{AE3D364E-E8DA-4561-A064-E2CFF8B39183}" type="datetimeFigureOut">
               <a:rPr lang="nl-NL" smtClean="0"/>
-              <a:t>26-5-2019</a:t>
+              <a:t>27-5-2019</a:t>
             </a:fld>
             <a:endParaRPr lang="nl-NL"/>
           </a:p>
@@ -2135,7 +2281,7 @@
           <a:p>
             <a:fld id="{AE3D364E-E8DA-4561-A064-E2CFF8B39183}" type="datetimeFigureOut">
               <a:rPr lang="nl-NL" smtClean="0"/>
-              <a:t>26-5-2019</a:t>
+              <a:t>27-5-2019</a:t>
             </a:fld>
             <a:endParaRPr lang="nl-NL"/>
           </a:p>
@@ -2333,7 +2479,7 @@
           <a:p>
             <a:fld id="{AE3D364E-E8DA-4561-A064-E2CFF8B39183}" type="datetimeFigureOut">
               <a:rPr lang="nl-NL" smtClean="0"/>
-              <a:t>26-5-2019</a:t>
+              <a:t>27-5-2019</a:t>
             </a:fld>
             <a:endParaRPr lang="nl-NL"/>
           </a:p>
@@ -2608,7 +2754,7 @@
           <a:p>
             <a:fld id="{AE3D364E-E8DA-4561-A064-E2CFF8B39183}" type="datetimeFigureOut">
               <a:rPr lang="nl-NL" smtClean="0"/>
-              <a:t>26-5-2019</a:t>
+              <a:t>27-5-2019</a:t>
             </a:fld>
             <a:endParaRPr lang="nl-NL"/>
           </a:p>
@@ -2873,7 +3019,7 @@
           <a:p>
             <a:fld id="{AE3D364E-E8DA-4561-A064-E2CFF8B39183}" type="datetimeFigureOut">
               <a:rPr lang="nl-NL" smtClean="0"/>
-              <a:t>26-5-2019</a:t>
+              <a:t>27-5-2019</a:t>
             </a:fld>
             <a:endParaRPr lang="nl-NL"/>
           </a:p>
@@ -3285,7 +3431,7 @@
           <a:p>
             <a:fld id="{AE3D364E-E8DA-4561-A064-E2CFF8B39183}" type="datetimeFigureOut">
               <a:rPr lang="nl-NL" smtClean="0"/>
-              <a:t>26-5-2019</a:t>
+              <a:t>27-5-2019</a:t>
             </a:fld>
             <a:endParaRPr lang="nl-NL"/>
           </a:p>
@@ -3426,7 +3572,7 @@
           <a:p>
             <a:fld id="{AE3D364E-E8DA-4561-A064-E2CFF8B39183}" type="datetimeFigureOut">
               <a:rPr lang="nl-NL" smtClean="0"/>
-              <a:t>26-5-2019</a:t>
+              <a:t>27-5-2019</a:t>
             </a:fld>
             <a:endParaRPr lang="nl-NL"/>
           </a:p>
@@ -3539,7 +3685,7 @@
           <a:p>
             <a:fld id="{AE3D364E-E8DA-4561-A064-E2CFF8B39183}" type="datetimeFigureOut">
               <a:rPr lang="nl-NL" smtClean="0"/>
-              <a:t>26-5-2019</a:t>
+              <a:t>27-5-2019</a:t>
             </a:fld>
             <a:endParaRPr lang="nl-NL"/>
           </a:p>
@@ -3850,7 +3996,7 @@
           <a:p>
             <a:fld id="{AE3D364E-E8DA-4561-A064-E2CFF8B39183}" type="datetimeFigureOut">
               <a:rPr lang="nl-NL" smtClean="0"/>
-              <a:t>26-5-2019</a:t>
+              <a:t>27-5-2019</a:t>
             </a:fld>
             <a:endParaRPr lang="nl-NL"/>
           </a:p>
@@ -4138,7 +4284,7 @@
           <a:p>
             <a:fld id="{AE3D364E-E8DA-4561-A064-E2CFF8B39183}" type="datetimeFigureOut">
               <a:rPr lang="nl-NL" smtClean="0"/>
-              <a:t>26-5-2019</a:t>
+              <a:t>27-5-2019</a:t>
             </a:fld>
             <a:endParaRPr lang="nl-NL"/>
           </a:p>
@@ -4379,7 +4525,7 @@
           <a:p>
             <a:fld id="{AE3D364E-E8DA-4561-A064-E2CFF8B39183}" type="datetimeFigureOut">
               <a:rPr lang="nl-NL" smtClean="0"/>
-              <a:t>26-5-2019</a:t>
+              <a:t>27-5-2019</a:t>
             </a:fld>
             <a:endParaRPr lang="nl-NL"/>
           </a:p>
@@ -5420,2087 +5566,7 @@
 </p:sld>
 </file>
 
-<file path=ppt/slides/slide2.xml><?xml version="1.0" encoding="utf-8"?>
-<p:sld xmlns:a="http://schemas.openxmlformats.org/drawingml/2006/main" xmlns:r="http://schemas.openxmlformats.org/officeDocument/2006/relationships" xmlns:p="http://schemas.openxmlformats.org/presentationml/2006/main">
-  <p:cSld>
-    <p:bg>
-      <p:bgPr>
-        <a:solidFill>
-          <a:schemeClr val="bg1"/>
-        </a:solidFill>
-        <a:effectLst/>
-      </p:bgPr>
-    </p:bg>
-    <p:spTree>
-      <p:nvGrpSpPr>
-        <p:cNvPr id="1" name=""/>
-        <p:cNvGrpSpPr/>
-        <p:nvPr/>
-      </p:nvGrpSpPr>
-      <p:grpSpPr>
-        <a:xfrm>
-          <a:off x="0" y="0"/>
-          <a:ext cx="0" cy="0"/>
-          <a:chOff x="0" y="0"/>
-          <a:chExt cx="0" cy="0"/>
-        </a:xfrm>
-      </p:grpSpPr>
-      <p:sp>
-        <p:nvSpPr>
-          <p:cNvPr id="8" name="Rectangle 7">
-            <a:extLst>
-              <a:ext uri="{FF2B5EF4-FFF2-40B4-BE49-F238E27FC236}">
-                <a16:creationId xmlns:a16="http://schemas.microsoft.com/office/drawing/2014/main" id="{4351DFE5-F63D-4BE0-BDA9-E3EB88F01AA5}"/>
-              </a:ext>
-              <a:ext uri="{C183D7F6-B498-43B3-948B-1728B52AA6E4}">
-                <adec:decorative xmlns:adec="http://schemas.microsoft.com/office/drawing/2017/decorative" val="1"/>
-              </a:ext>
-            </a:extLst>
-          </p:cNvPr>
-          <p:cNvSpPr>
-            <a:spLocks noGrp="1" noRot="1" noChangeAspect="1" noMove="1" noResize="1" noEditPoints="1" noAdjustHandles="1" noChangeArrowheads="1" noChangeShapeType="1" noTextEdit="1"/>
-          </p:cNvSpPr>
-          <p:nvPr>
-            <p:extLst>
-              <p:ext uri="{386F3935-93C4-4BCD-93E2-E3B085C9AB24}">
-                <p16:designElem xmlns:p16="http://schemas.microsoft.com/office/powerpoint/2015/main" val="1"/>
-              </p:ext>
-            </p:extLst>
-          </p:nvPr>
-        </p:nvSpPr>
-        <p:spPr>
-          <a:xfrm>
-            <a:off x="355601" y="0"/>
-            <a:ext cx="11480494" cy="2753936"/>
-          </a:xfrm>
-          <a:prstGeom prst="rect">
-            <a:avLst/>
-          </a:prstGeom>
-          <a:gradFill>
-            <a:gsLst>
-              <a:gs pos="0">
-                <a:schemeClr val="accent1">
-                  <a:lumMod val="90000"/>
-                </a:schemeClr>
-              </a:gs>
-              <a:gs pos="25000">
-                <a:schemeClr val="accent1">
-                  <a:lumMod val="90000"/>
-                </a:schemeClr>
-              </a:gs>
-              <a:gs pos="94000">
-                <a:schemeClr val="bg2">
-                  <a:lumMod val="25000"/>
-                </a:schemeClr>
-              </a:gs>
-              <a:gs pos="100000">
-                <a:schemeClr val="bg2">
-                  <a:lumMod val="25000"/>
-                </a:schemeClr>
-              </a:gs>
-            </a:gsLst>
-            <a:lin ang="4200000" scaled="0"/>
-          </a:gradFill>
-          <a:ln>
-            <a:noFill/>
-          </a:ln>
-        </p:spPr>
-        <p:style>
-          <a:lnRef idx="2">
-            <a:schemeClr val="accent1">
-              <a:shade val="50000"/>
-            </a:schemeClr>
-          </a:lnRef>
-          <a:fillRef idx="1">
-            <a:schemeClr val="accent1"/>
-          </a:fillRef>
-          <a:effectRef idx="0">
-            <a:schemeClr val="accent1"/>
-          </a:effectRef>
-          <a:fontRef idx="minor">
-            <a:schemeClr val="lt1"/>
-          </a:fontRef>
-        </p:style>
-        <p:txBody>
-          <a:bodyPr rtlCol="0" anchor="ctr"/>
-          <a:lstStyle/>
-          <a:p>
-            <a:pPr algn="ctr"/>
-            <a:endParaRPr lang="en-US"/>
-          </a:p>
-        </p:txBody>
-      </p:sp>
-      <p:pic>
-        <p:nvPicPr>
-          <p:cNvPr id="10" name="Picture 9">
-            <a:extLst>
-              <a:ext uri="{FF2B5EF4-FFF2-40B4-BE49-F238E27FC236}">
-                <a16:creationId xmlns:a16="http://schemas.microsoft.com/office/drawing/2014/main" id="{3AA16612-ACD2-4A16-8F2B-4514FD6BF28F}"/>
-              </a:ext>
-              <a:ext uri="{C183D7F6-B498-43B3-948B-1728B52AA6E4}">
-                <adec:decorative xmlns:adec="http://schemas.microsoft.com/office/drawing/2017/decorative" val="1"/>
-              </a:ext>
-            </a:extLst>
-          </p:cNvPr>
-          <p:cNvPicPr>
-            <a:picLocks noGrp="1" noRot="1" noChangeAspect="1" noMove="1" noResize="1" noEditPoints="1" noAdjustHandles="1" noChangeArrowheads="1" noChangeShapeType="1" noCrop="1"/>
-          </p:cNvPicPr>
-          <p:nvPr>
-            <p:extLst>
-              <p:ext uri="{386F3935-93C4-4BCD-93E2-E3B085C9AB24}">
-                <p16:designElem xmlns:p16="http://schemas.microsoft.com/office/powerpoint/2015/main" val="1"/>
-              </p:ext>
-            </p:extLst>
-          </p:nvPr>
-        </p:nvPicPr>
-        <p:blipFill>
-          <a:blip r:embed="rId3">
-            <a:extLst>
-              <a:ext uri="{28A0092B-C50C-407E-A947-70E740481C1C}">
-                <a14:useLocalDpi xmlns:a14="http://schemas.microsoft.com/office/drawing/2010/main" val="0"/>
-              </a:ext>
-            </a:extLst>
-          </a:blip>
-          <a:stretch>
-            <a:fillRect/>
-          </a:stretch>
-        </p:blipFill>
-        <p:spPr>
-          <a:xfrm>
-            <a:off x="0" y="0"/>
-            <a:ext cx="12192000" cy="6858000"/>
-          </a:xfrm>
-          <a:prstGeom prst="rect">
-            <a:avLst/>
-          </a:prstGeom>
-        </p:spPr>
-      </p:pic>
-      <p:sp>
-        <p:nvSpPr>
-          <p:cNvPr id="2" name="Titel 1">
-            <a:extLst>
-              <a:ext uri="{FF2B5EF4-FFF2-40B4-BE49-F238E27FC236}">
-                <a16:creationId xmlns:a16="http://schemas.microsoft.com/office/drawing/2014/main" id="{29EBAEBE-1727-490A-93C2-7510187F1251}"/>
-              </a:ext>
-            </a:extLst>
-          </p:cNvPr>
-          <p:cNvSpPr>
-            <a:spLocks noGrp="1"/>
-          </p:cNvSpPr>
-          <p:nvPr>
-            <p:ph type="title"/>
-          </p:nvPr>
-        </p:nvSpPr>
-        <p:spPr>
-          <a:xfrm>
-            <a:off x="1179226" y="826680"/>
-            <a:ext cx="9833548" cy="1325563"/>
-          </a:xfrm>
-        </p:spPr>
-        <p:txBody>
-          <a:bodyPr>
-            <a:normAutofit/>
-          </a:bodyPr>
-          <a:lstStyle/>
-          <a:p>
-            <a:pPr algn="ctr"/>
-            <a:r>
-              <a:rPr lang="en-US" sz="4000" dirty="0">
-                <a:solidFill>
-                  <a:srgbClr val="FFFFFF"/>
-                </a:solidFill>
-              </a:rPr>
-              <a:t>Solar System Improvement</a:t>
-            </a:r>
-          </a:p>
-        </p:txBody>
-      </p:sp>
-      <p:sp>
-        <p:nvSpPr>
-          <p:cNvPr id="3" name="Tijdelijke aanduiding voor inhoud 2">
-            <a:extLst>
-              <a:ext uri="{FF2B5EF4-FFF2-40B4-BE49-F238E27FC236}">
-                <a16:creationId xmlns:a16="http://schemas.microsoft.com/office/drawing/2014/main" id="{7F7FFD6F-F72E-449C-ADAD-7530257FD70A}"/>
-              </a:ext>
-            </a:extLst>
-          </p:cNvPr>
-          <p:cNvSpPr>
-            <a:spLocks noGrp="1"/>
-          </p:cNvSpPr>
-          <p:nvPr>
-            <p:ph idx="1"/>
-          </p:nvPr>
-        </p:nvSpPr>
-        <p:spPr>
-          <a:xfrm>
-            <a:off x="1179226" y="2621318"/>
-            <a:ext cx="9713675" cy="3840490"/>
-          </a:xfrm>
-        </p:spPr>
-        <p:txBody>
-          <a:bodyPr>
-            <a:normAutofit/>
-          </a:bodyPr>
-          <a:lstStyle/>
-          <a:p>
-            <a:r>
-              <a:rPr lang="en-US" sz="2400" dirty="0">
-                <a:solidFill>
-                  <a:srgbClr val="000000"/>
-                </a:solidFill>
-              </a:rPr>
-              <a:t>Phase 1:</a:t>
-            </a:r>
-          </a:p>
-          <a:p>
-            <a:pPr lvl="1"/>
-            <a:r>
-              <a:rPr lang="en-US" sz="2000" dirty="0">
-                <a:solidFill>
-                  <a:srgbClr val="000000"/>
-                </a:solidFill>
-              </a:rPr>
-              <a:t>Euler’s method</a:t>
-            </a:r>
-          </a:p>
-          <a:p>
-            <a:pPr lvl="1"/>
-            <a:r>
-              <a:rPr lang="en-US" sz="2000" dirty="0">
-                <a:solidFill>
-                  <a:srgbClr val="000000"/>
-                </a:solidFill>
-              </a:rPr>
-              <a:t>Not reaching Titan</a:t>
-            </a:r>
-            <a:br>
-              <a:rPr lang="en-US" sz="2000" dirty="0">
-                <a:solidFill>
-                  <a:srgbClr val="000000"/>
-                </a:solidFill>
-              </a:rPr>
-            </a:br>
-            <a:br>
-              <a:rPr lang="en-US" sz="2000" dirty="0">
-                <a:solidFill>
-                  <a:srgbClr val="000000"/>
-                </a:solidFill>
-              </a:rPr>
-            </a:br>
-            <a:endParaRPr lang="en-US" sz="2400" dirty="0">
-              <a:solidFill>
-                <a:srgbClr val="000000"/>
-              </a:solidFill>
-            </a:endParaRPr>
-          </a:p>
-          <a:p>
-            <a:r>
-              <a:rPr lang="en-US" sz="2400" dirty="0">
-                <a:solidFill>
-                  <a:srgbClr val="000000"/>
-                </a:solidFill>
-              </a:rPr>
-              <a:t>Improvements:</a:t>
-            </a:r>
-          </a:p>
-          <a:p>
-            <a:pPr lvl="1"/>
-            <a:r>
-              <a:rPr lang="en-US" sz="2000" dirty="0">
-                <a:solidFill>
-                  <a:srgbClr val="000000"/>
-                </a:solidFill>
-              </a:rPr>
-              <a:t>Implemented Runge-</a:t>
-            </a:r>
-            <a:r>
-              <a:rPr lang="en-US" sz="2000" dirty="0" err="1">
-                <a:solidFill>
-                  <a:srgbClr val="000000"/>
-                </a:solidFill>
-              </a:rPr>
-              <a:t>Kutta</a:t>
-            </a:r>
-            <a:r>
-              <a:rPr lang="en-US" sz="2000" dirty="0">
-                <a:solidFill>
-                  <a:srgbClr val="000000"/>
-                </a:solidFill>
-              </a:rPr>
-              <a:t> </a:t>
-            </a:r>
-            <a:br>
-              <a:rPr lang="en-US" sz="2000" dirty="0">
-                <a:solidFill>
-                  <a:srgbClr val="000000"/>
-                </a:solidFill>
-              </a:rPr>
-            </a:br>
-            <a:r>
-              <a:rPr lang="en-US" sz="2000" dirty="0">
-                <a:solidFill>
-                  <a:srgbClr val="000000"/>
-                </a:solidFill>
-              </a:rPr>
-              <a:t>Fourth Order</a:t>
-            </a:r>
-          </a:p>
-          <a:p>
-            <a:pPr lvl="1"/>
-            <a:r>
-              <a:rPr lang="en-US" sz="2000" dirty="0">
-                <a:solidFill>
-                  <a:srgbClr val="000000"/>
-                </a:solidFill>
-              </a:rPr>
-              <a:t>Method for reaching Titan</a:t>
-            </a:r>
-          </a:p>
-        </p:txBody>
-      </p:sp>
-      <p:pic>
-        <p:nvPicPr>
-          <p:cNvPr id="5" name="Picture 4">
-            <a:extLst>
-              <a:ext uri="{FF2B5EF4-FFF2-40B4-BE49-F238E27FC236}">
-                <a16:creationId xmlns:a16="http://schemas.microsoft.com/office/drawing/2014/main" id="{2C89EE0F-FBDE-4EB2-BEEE-FA1E7F59D1A4}"/>
-              </a:ext>
-            </a:extLst>
-          </p:cNvPr>
-          <p:cNvPicPr>
-            <a:picLocks noChangeAspect="1"/>
-          </p:cNvPicPr>
-          <p:nvPr/>
-        </p:nvPicPr>
-        <p:blipFill>
-          <a:blip r:embed="rId4"/>
-          <a:stretch>
-            <a:fillRect/>
-          </a:stretch>
-        </p:blipFill>
-        <p:spPr>
-          <a:xfrm>
-            <a:off x="5552709" y="2809091"/>
-            <a:ext cx="4219575" cy="771525"/>
-          </a:xfrm>
-          <a:prstGeom prst="rect">
-            <a:avLst/>
-          </a:prstGeom>
-        </p:spPr>
-      </p:pic>
-      <p:pic>
-        <p:nvPicPr>
-          <p:cNvPr id="6" name="Picture 5">
-            <a:extLst>
-              <a:ext uri="{FF2B5EF4-FFF2-40B4-BE49-F238E27FC236}">
-                <a16:creationId xmlns:a16="http://schemas.microsoft.com/office/drawing/2014/main" id="{A36EFCCC-C0A6-4F6E-82B2-047743094A3B}"/>
-              </a:ext>
-            </a:extLst>
-          </p:cNvPr>
-          <p:cNvPicPr>
-            <a:picLocks noChangeAspect="1"/>
-          </p:cNvPicPr>
-          <p:nvPr/>
-        </p:nvPicPr>
-        <p:blipFill>
-          <a:blip r:embed="rId5"/>
-          <a:stretch>
-            <a:fillRect/>
-          </a:stretch>
-        </p:blipFill>
-        <p:spPr>
-          <a:xfrm>
-            <a:off x="5333034" y="3936610"/>
-            <a:ext cx="6124575" cy="2409825"/>
-          </a:xfrm>
-          <a:prstGeom prst="rect">
-            <a:avLst/>
-          </a:prstGeom>
-        </p:spPr>
-      </p:pic>
-    </p:spTree>
-    <p:extLst>
-      <p:ext uri="{BB962C8B-B14F-4D97-AF65-F5344CB8AC3E}">
-        <p14:creationId xmlns:p14="http://schemas.microsoft.com/office/powerpoint/2010/main" val="3299625196"/>
-      </p:ext>
-    </p:extLst>
-  </p:cSld>
-  <p:clrMapOvr>
-    <a:masterClrMapping/>
-  </p:clrMapOvr>
-</p:sld>
-</file>
-
-<file path=ppt/slides/slide3.xml><?xml version="1.0" encoding="utf-8"?>
-<p:sld xmlns:a="http://schemas.openxmlformats.org/drawingml/2006/main" xmlns:r="http://schemas.openxmlformats.org/officeDocument/2006/relationships" xmlns:p="http://schemas.openxmlformats.org/presentationml/2006/main">
-  <p:cSld>
-    <p:bg>
-      <p:bgPr>
-        <a:solidFill>
-          <a:schemeClr val="bg1"/>
-        </a:solidFill>
-        <a:effectLst/>
-      </p:bgPr>
-    </p:bg>
-    <p:spTree>
-      <p:nvGrpSpPr>
-        <p:cNvPr id="1" name=""/>
-        <p:cNvGrpSpPr/>
-        <p:nvPr/>
-      </p:nvGrpSpPr>
-      <p:grpSpPr>
-        <a:xfrm>
-          <a:off x="0" y="0"/>
-          <a:ext cx="0" cy="0"/>
-          <a:chOff x="0" y="0"/>
-          <a:chExt cx="0" cy="0"/>
-        </a:xfrm>
-      </p:grpSpPr>
-      <p:sp>
-        <p:nvSpPr>
-          <p:cNvPr id="8" name="Rectangle 7">
-            <a:extLst>
-              <a:ext uri="{FF2B5EF4-FFF2-40B4-BE49-F238E27FC236}">
-                <a16:creationId xmlns:a16="http://schemas.microsoft.com/office/drawing/2014/main" id="{4351DFE5-F63D-4BE0-BDA9-E3EB88F01AA5}"/>
-              </a:ext>
-              <a:ext uri="{C183D7F6-B498-43B3-948B-1728B52AA6E4}">
-                <adec:decorative xmlns:adec="http://schemas.microsoft.com/office/drawing/2017/decorative" val="1"/>
-              </a:ext>
-            </a:extLst>
-          </p:cNvPr>
-          <p:cNvSpPr>
-            <a:spLocks noGrp="1" noRot="1" noChangeAspect="1" noMove="1" noResize="1" noEditPoints="1" noAdjustHandles="1" noChangeArrowheads="1" noChangeShapeType="1" noTextEdit="1"/>
-          </p:cNvSpPr>
-          <p:nvPr>
-            <p:extLst>
-              <p:ext uri="{386F3935-93C4-4BCD-93E2-E3B085C9AB24}">
-                <p16:designElem xmlns:p16="http://schemas.microsoft.com/office/powerpoint/2015/main" val="1"/>
-              </p:ext>
-            </p:extLst>
-          </p:nvPr>
-        </p:nvSpPr>
-        <p:spPr>
-          <a:xfrm>
-            <a:off x="355601" y="0"/>
-            <a:ext cx="11480494" cy="2753936"/>
-          </a:xfrm>
-          <a:prstGeom prst="rect">
-            <a:avLst/>
-          </a:prstGeom>
-          <a:gradFill>
-            <a:gsLst>
-              <a:gs pos="0">
-                <a:schemeClr val="accent1">
-                  <a:lumMod val="90000"/>
-                </a:schemeClr>
-              </a:gs>
-              <a:gs pos="25000">
-                <a:schemeClr val="accent1">
-                  <a:lumMod val="90000"/>
-                </a:schemeClr>
-              </a:gs>
-              <a:gs pos="94000">
-                <a:schemeClr val="bg2">
-                  <a:lumMod val="25000"/>
-                </a:schemeClr>
-              </a:gs>
-              <a:gs pos="100000">
-                <a:schemeClr val="bg2">
-                  <a:lumMod val="25000"/>
-                </a:schemeClr>
-              </a:gs>
-            </a:gsLst>
-            <a:lin ang="4200000" scaled="0"/>
-          </a:gradFill>
-          <a:ln>
-            <a:noFill/>
-          </a:ln>
-        </p:spPr>
-        <p:style>
-          <a:lnRef idx="2">
-            <a:schemeClr val="accent1">
-              <a:shade val="50000"/>
-            </a:schemeClr>
-          </a:lnRef>
-          <a:fillRef idx="1">
-            <a:schemeClr val="accent1"/>
-          </a:fillRef>
-          <a:effectRef idx="0">
-            <a:schemeClr val="accent1"/>
-          </a:effectRef>
-          <a:fontRef idx="minor">
-            <a:schemeClr val="lt1"/>
-          </a:fontRef>
-        </p:style>
-        <p:txBody>
-          <a:bodyPr rtlCol="0" anchor="ctr"/>
-          <a:lstStyle/>
-          <a:p>
-            <a:pPr algn="ctr"/>
-            <a:endParaRPr lang="en-US"/>
-          </a:p>
-        </p:txBody>
-      </p:sp>
-      <p:pic>
-        <p:nvPicPr>
-          <p:cNvPr id="10" name="Picture 9">
-            <a:extLst>
-              <a:ext uri="{FF2B5EF4-FFF2-40B4-BE49-F238E27FC236}">
-                <a16:creationId xmlns:a16="http://schemas.microsoft.com/office/drawing/2014/main" id="{3AA16612-ACD2-4A16-8F2B-4514FD6BF28F}"/>
-              </a:ext>
-              <a:ext uri="{C183D7F6-B498-43B3-948B-1728B52AA6E4}">
-                <adec:decorative xmlns:adec="http://schemas.microsoft.com/office/drawing/2017/decorative" val="1"/>
-              </a:ext>
-            </a:extLst>
-          </p:cNvPr>
-          <p:cNvPicPr>
-            <a:picLocks noGrp="1" noRot="1" noChangeAspect="1" noMove="1" noResize="1" noEditPoints="1" noAdjustHandles="1" noChangeArrowheads="1" noChangeShapeType="1" noCrop="1"/>
-          </p:cNvPicPr>
-          <p:nvPr>
-            <p:extLst>
-              <p:ext uri="{386F3935-93C4-4BCD-93E2-E3B085C9AB24}">
-                <p16:designElem xmlns:p16="http://schemas.microsoft.com/office/powerpoint/2015/main" val="1"/>
-              </p:ext>
-            </p:extLst>
-          </p:nvPr>
-        </p:nvPicPr>
-        <p:blipFill>
-          <a:blip r:embed="rId3">
-            <a:extLst>
-              <a:ext uri="{28A0092B-C50C-407E-A947-70E740481C1C}">
-                <a14:useLocalDpi xmlns:a14="http://schemas.microsoft.com/office/drawing/2010/main" val="0"/>
-              </a:ext>
-            </a:extLst>
-          </a:blip>
-          <a:stretch>
-            <a:fillRect/>
-          </a:stretch>
-        </p:blipFill>
-        <p:spPr>
-          <a:xfrm>
-            <a:off x="0" y="0"/>
-            <a:ext cx="12192000" cy="6858000"/>
-          </a:xfrm>
-          <a:prstGeom prst="rect">
-            <a:avLst/>
-          </a:prstGeom>
-        </p:spPr>
-      </p:pic>
-      <p:sp>
-        <p:nvSpPr>
-          <p:cNvPr id="2" name="Titel 1">
-            <a:extLst>
-              <a:ext uri="{FF2B5EF4-FFF2-40B4-BE49-F238E27FC236}">
-                <a16:creationId xmlns:a16="http://schemas.microsoft.com/office/drawing/2014/main" id="{29EBAEBE-1727-490A-93C2-7510187F1251}"/>
-              </a:ext>
-            </a:extLst>
-          </p:cNvPr>
-          <p:cNvSpPr>
-            <a:spLocks noGrp="1"/>
-          </p:cNvSpPr>
-          <p:nvPr>
-            <p:ph type="title"/>
-          </p:nvPr>
-        </p:nvSpPr>
-        <p:spPr>
-          <a:xfrm>
-            <a:off x="1179226" y="826680"/>
-            <a:ext cx="9833548" cy="1325563"/>
-          </a:xfrm>
-        </p:spPr>
-        <p:txBody>
-          <a:bodyPr>
-            <a:normAutofit/>
-          </a:bodyPr>
-          <a:lstStyle/>
-          <a:p>
-            <a:pPr algn="ctr"/>
-            <a:r>
-              <a:rPr lang="en-US" sz="4000" dirty="0">
-                <a:solidFill>
-                  <a:schemeClr val="bg1"/>
-                </a:solidFill>
-              </a:rPr>
-              <a:t>Controllers for Landing</a:t>
-            </a:r>
-          </a:p>
-        </p:txBody>
-      </p:sp>
-      <p:sp>
-        <p:nvSpPr>
-          <p:cNvPr id="3" name="Tijdelijke aanduiding voor inhoud 2">
-            <a:extLst>
-              <a:ext uri="{FF2B5EF4-FFF2-40B4-BE49-F238E27FC236}">
-                <a16:creationId xmlns:a16="http://schemas.microsoft.com/office/drawing/2014/main" id="{7F7FFD6F-F72E-449C-ADAD-7530257FD70A}"/>
-              </a:ext>
-            </a:extLst>
-          </p:cNvPr>
-          <p:cNvSpPr>
-            <a:spLocks noGrp="1"/>
-          </p:cNvSpPr>
-          <p:nvPr>
-            <p:ph idx="1"/>
-          </p:nvPr>
-        </p:nvSpPr>
-        <p:spPr>
-          <a:xfrm>
-            <a:off x="1179226" y="2649909"/>
-            <a:ext cx="9833548" cy="3713183"/>
-          </a:xfrm>
-        </p:spPr>
-        <p:txBody>
-          <a:bodyPr>
-            <a:normAutofit/>
-          </a:bodyPr>
-          <a:lstStyle/>
-          <a:p>
-            <a:r>
-              <a:rPr lang="en-US" sz="2400" dirty="0">
-                <a:solidFill>
-                  <a:srgbClr val="000000"/>
-                </a:solidFill>
-              </a:rPr>
-              <a:t>Open-Loop Controller</a:t>
-            </a:r>
-          </a:p>
-          <a:p>
-            <a:pPr lvl="1"/>
-            <a:r>
-              <a:rPr lang="en-US" sz="2000" dirty="0">
-                <a:solidFill>
-                  <a:srgbClr val="000000"/>
-                </a:solidFill>
-              </a:rPr>
-              <a:t>the control action performed = independent of the “process output</a:t>
-            </a:r>
-          </a:p>
-          <a:p>
-            <a:pPr lvl="1"/>
-            <a:r>
-              <a:rPr lang="en-US" sz="2000" dirty="0">
-                <a:solidFill>
-                  <a:srgbClr val="000000"/>
-                </a:solidFill>
-              </a:rPr>
-              <a:t>Example: heater which heats for a given time</a:t>
-            </a:r>
-          </a:p>
-          <a:p>
-            <a:pPr marL="457200" lvl="1" indent="0">
-              <a:buNone/>
-            </a:pPr>
-            <a:endParaRPr lang="en-US" sz="1800" dirty="0">
-              <a:solidFill>
-                <a:srgbClr val="000000"/>
-              </a:solidFill>
-            </a:endParaRPr>
-          </a:p>
-          <a:p>
-            <a:pPr marL="0" indent="0">
-              <a:buNone/>
-            </a:pPr>
-            <a:endParaRPr lang="en-US" sz="2400" dirty="0">
-              <a:solidFill>
-                <a:srgbClr val="000000"/>
-              </a:solidFill>
-            </a:endParaRPr>
-          </a:p>
-          <a:p>
-            <a:r>
-              <a:rPr lang="en-US" sz="2400" dirty="0">
-                <a:solidFill>
-                  <a:srgbClr val="000000"/>
-                </a:solidFill>
-              </a:rPr>
-              <a:t>For the landing:</a:t>
-            </a:r>
-          </a:p>
-          <a:p>
-            <a:pPr lvl="1"/>
-            <a:r>
-              <a:rPr lang="en-US" sz="2000" dirty="0">
-                <a:solidFill>
-                  <a:srgbClr val="000000"/>
-                </a:solidFill>
-              </a:rPr>
-              <a:t>constant thrust</a:t>
-            </a:r>
-          </a:p>
-          <a:p>
-            <a:pPr lvl="1"/>
-            <a:r>
-              <a:rPr lang="en-US" sz="2000" dirty="0">
-                <a:solidFill>
-                  <a:srgbClr val="000000"/>
-                </a:solidFill>
-              </a:rPr>
-              <a:t>To nearly completely counter all other forces</a:t>
-            </a:r>
-          </a:p>
-        </p:txBody>
-      </p:sp>
-    </p:spTree>
-    <p:extLst>
-      <p:ext uri="{BB962C8B-B14F-4D97-AF65-F5344CB8AC3E}">
-        <p14:creationId xmlns:p14="http://schemas.microsoft.com/office/powerpoint/2010/main" val="729009784"/>
-      </p:ext>
-    </p:extLst>
-  </p:cSld>
-  <p:clrMapOvr>
-    <a:masterClrMapping/>
-  </p:clrMapOvr>
-</p:sld>
-</file>
-
-<file path=ppt/slides/slide4.xml><?xml version="1.0" encoding="utf-8"?>
-<p:sld xmlns:a="http://schemas.openxmlformats.org/drawingml/2006/main" xmlns:r="http://schemas.openxmlformats.org/officeDocument/2006/relationships" xmlns:p="http://schemas.openxmlformats.org/presentationml/2006/main">
-  <p:cSld>
-    <p:bg>
-      <p:bgPr>
-        <a:solidFill>
-          <a:schemeClr val="bg1"/>
-        </a:solidFill>
-        <a:effectLst/>
-      </p:bgPr>
-    </p:bg>
-    <p:spTree>
-      <p:nvGrpSpPr>
-        <p:cNvPr id="1" name=""/>
-        <p:cNvGrpSpPr/>
-        <p:nvPr/>
-      </p:nvGrpSpPr>
-      <p:grpSpPr>
-        <a:xfrm>
-          <a:off x="0" y="0"/>
-          <a:ext cx="0" cy="0"/>
-          <a:chOff x="0" y="0"/>
-          <a:chExt cx="0" cy="0"/>
-        </a:xfrm>
-      </p:grpSpPr>
-      <p:sp>
-        <p:nvSpPr>
-          <p:cNvPr id="8" name="Rectangle 7">
-            <a:extLst>
-              <a:ext uri="{FF2B5EF4-FFF2-40B4-BE49-F238E27FC236}">
-                <a16:creationId xmlns:a16="http://schemas.microsoft.com/office/drawing/2014/main" id="{4351DFE5-F63D-4BE0-BDA9-E3EB88F01AA5}"/>
-              </a:ext>
-              <a:ext uri="{C183D7F6-B498-43B3-948B-1728B52AA6E4}">
-                <adec:decorative xmlns:adec="http://schemas.microsoft.com/office/drawing/2017/decorative" val="1"/>
-              </a:ext>
-            </a:extLst>
-          </p:cNvPr>
-          <p:cNvSpPr>
-            <a:spLocks noGrp="1" noRot="1" noChangeAspect="1" noMove="1" noResize="1" noEditPoints="1" noAdjustHandles="1" noChangeArrowheads="1" noChangeShapeType="1" noTextEdit="1"/>
-          </p:cNvSpPr>
-          <p:nvPr>
-            <p:extLst>
-              <p:ext uri="{386F3935-93C4-4BCD-93E2-E3B085C9AB24}">
-                <p16:designElem xmlns:p16="http://schemas.microsoft.com/office/powerpoint/2015/main" val="1"/>
-              </p:ext>
-            </p:extLst>
-          </p:nvPr>
-        </p:nvSpPr>
-        <p:spPr>
-          <a:xfrm>
-            <a:off x="355601" y="0"/>
-            <a:ext cx="11480494" cy="2753936"/>
-          </a:xfrm>
-          <a:prstGeom prst="rect">
-            <a:avLst/>
-          </a:prstGeom>
-          <a:gradFill>
-            <a:gsLst>
-              <a:gs pos="0">
-                <a:schemeClr val="accent1">
-                  <a:lumMod val="90000"/>
-                </a:schemeClr>
-              </a:gs>
-              <a:gs pos="25000">
-                <a:schemeClr val="accent1">
-                  <a:lumMod val="90000"/>
-                </a:schemeClr>
-              </a:gs>
-              <a:gs pos="94000">
-                <a:schemeClr val="bg2">
-                  <a:lumMod val="25000"/>
-                </a:schemeClr>
-              </a:gs>
-              <a:gs pos="100000">
-                <a:schemeClr val="bg2">
-                  <a:lumMod val="25000"/>
-                </a:schemeClr>
-              </a:gs>
-            </a:gsLst>
-            <a:lin ang="4200000" scaled="0"/>
-          </a:gradFill>
-          <a:ln>
-            <a:noFill/>
-          </a:ln>
-        </p:spPr>
-        <p:style>
-          <a:lnRef idx="2">
-            <a:schemeClr val="accent1">
-              <a:shade val="50000"/>
-            </a:schemeClr>
-          </a:lnRef>
-          <a:fillRef idx="1">
-            <a:schemeClr val="accent1"/>
-          </a:fillRef>
-          <a:effectRef idx="0">
-            <a:schemeClr val="accent1"/>
-          </a:effectRef>
-          <a:fontRef idx="minor">
-            <a:schemeClr val="lt1"/>
-          </a:fontRef>
-        </p:style>
-        <p:txBody>
-          <a:bodyPr rtlCol="0" anchor="ctr"/>
-          <a:lstStyle/>
-          <a:p>
-            <a:pPr algn="ctr"/>
-            <a:endParaRPr lang="en-US"/>
-          </a:p>
-        </p:txBody>
-      </p:sp>
-      <p:pic>
-        <p:nvPicPr>
-          <p:cNvPr id="10" name="Picture 9">
-            <a:extLst>
-              <a:ext uri="{FF2B5EF4-FFF2-40B4-BE49-F238E27FC236}">
-                <a16:creationId xmlns:a16="http://schemas.microsoft.com/office/drawing/2014/main" id="{3AA16612-ACD2-4A16-8F2B-4514FD6BF28F}"/>
-              </a:ext>
-              <a:ext uri="{C183D7F6-B498-43B3-948B-1728B52AA6E4}">
-                <adec:decorative xmlns:adec="http://schemas.microsoft.com/office/drawing/2017/decorative" val="1"/>
-              </a:ext>
-            </a:extLst>
-          </p:cNvPr>
-          <p:cNvPicPr>
-            <a:picLocks noGrp="1" noRot="1" noChangeAspect="1" noMove="1" noResize="1" noEditPoints="1" noAdjustHandles="1" noChangeArrowheads="1" noChangeShapeType="1" noCrop="1"/>
-          </p:cNvPicPr>
-          <p:nvPr>
-            <p:extLst>
-              <p:ext uri="{386F3935-93C4-4BCD-93E2-E3B085C9AB24}">
-                <p16:designElem xmlns:p16="http://schemas.microsoft.com/office/powerpoint/2015/main" val="1"/>
-              </p:ext>
-            </p:extLst>
-          </p:nvPr>
-        </p:nvPicPr>
-        <p:blipFill>
-          <a:blip r:embed="rId3">
-            <a:extLst>
-              <a:ext uri="{28A0092B-C50C-407E-A947-70E740481C1C}">
-                <a14:useLocalDpi xmlns:a14="http://schemas.microsoft.com/office/drawing/2010/main" val="0"/>
-              </a:ext>
-            </a:extLst>
-          </a:blip>
-          <a:stretch>
-            <a:fillRect/>
-          </a:stretch>
-        </p:blipFill>
-        <p:spPr>
-          <a:xfrm>
-            <a:off x="0" y="0"/>
-            <a:ext cx="12192000" cy="6858000"/>
-          </a:xfrm>
-          <a:prstGeom prst="rect">
-            <a:avLst/>
-          </a:prstGeom>
-        </p:spPr>
-      </p:pic>
-      <p:sp>
-        <p:nvSpPr>
-          <p:cNvPr id="2" name="Titel 1">
-            <a:extLst>
-              <a:ext uri="{FF2B5EF4-FFF2-40B4-BE49-F238E27FC236}">
-                <a16:creationId xmlns:a16="http://schemas.microsoft.com/office/drawing/2014/main" id="{29EBAEBE-1727-490A-93C2-7510187F1251}"/>
-              </a:ext>
-            </a:extLst>
-          </p:cNvPr>
-          <p:cNvSpPr>
-            <a:spLocks noGrp="1"/>
-          </p:cNvSpPr>
-          <p:nvPr>
-            <p:ph type="title"/>
-          </p:nvPr>
-        </p:nvSpPr>
-        <p:spPr>
-          <a:xfrm>
-            <a:off x="1179226" y="826680"/>
-            <a:ext cx="9833548" cy="1325563"/>
-          </a:xfrm>
-        </p:spPr>
-        <p:txBody>
-          <a:bodyPr>
-            <a:normAutofit/>
-          </a:bodyPr>
-          <a:lstStyle/>
-          <a:p>
-            <a:pPr algn="ctr"/>
-            <a:r>
-              <a:rPr lang="en-US" sz="4000" dirty="0">
-                <a:solidFill>
-                  <a:schemeClr val="bg1"/>
-                </a:solidFill>
-              </a:rPr>
-              <a:t>Controllers for Landing</a:t>
-            </a:r>
-          </a:p>
-        </p:txBody>
-      </p:sp>
-      <p:sp>
-        <p:nvSpPr>
-          <p:cNvPr id="3" name="Tijdelijke aanduiding voor inhoud 2">
-            <a:extLst>
-              <a:ext uri="{FF2B5EF4-FFF2-40B4-BE49-F238E27FC236}">
-                <a16:creationId xmlns:a16="http://schemas.microsoft.com/office/drawing/2014/main" id="{7F7FFD6F-F72E-449C-ADAD-7530257FD70A}"/>
-              </a:ext>
-            </a:extLst>
-          </p:cNvPr>
-          <p:cNvSpPr>
-            <a:spLocks noGrp="1"/>
-          </p:cNvSpPr>
-          <p:nvPr>
-            <p:ph idx="1"/>
-          </p:nvPr>
-        </p:nvSpPr>
-        <p:spPr>
-          <a:xfrm>
-            <a:off x="1179074" y="2657113"/>
-            <a:ext cx="9833548" cy="3377923"/>
-          </a:xfrm>
-        </p:spPr>
-        <p:txBody>
-          <a:bodyPr>
-            <a:normAutofit/>
-          </a:bodyPr>
-          <a:lstStyle/>
-          <a:p>
-            <a:r>
-              <a:rPr lang="en-US" sz="2400" dirty="0">
-                <a:solidFill>
-                  <a:srgbClr val="000000"/>
-                </a:solidFill>
-              </a:rPr>
-              <a:t>Feedback Controller</a:t>
-            </a:r>
-          </a:p>
-          <a:p>
-            <a:pPr lvl="1"/>
-            <a:r>
-              <a:rPr lang="en-US" sz="2000" dirty="0">
-                <a:solidFill>
-                  <a:srgbClr val="000000"/>
-                </a:solidFill>
-              </a:rPr>
-              <a:t>Opposite of the open-loop controller</a:t>
-            </a:r>
-            <a:br>
-              <a:rPr lang="en-US" sz="2000" dirty="0">
-                <a:solidFill>
-                  <a:srgbClr val="000000"/>
-                </a:solidFill>
-              </a:rPr>
-            </a:br>
-            <a:endParaRPr lang="en-US" sz="2400" dirty="0">
-              <a:solidFill>
-                <a:srgbClr val="000000"/>
-              </a:solidFill>
-            </a:endParaRPr>
-          </a:p>
-          <a:p>
-            <a:r>
-              <a:rPr lang="en-US" sz="2400" dirty="0">
-                <a:solidFill>
-                  <a:srgbClr val="000000"/>
-                </a:solidFill>
-              </a:rPr>
-              <a:t>For the landing: </a:t>
-            </a:r>
-          </a:p>
-          <a:p>
-            <a:pPr lvl="1"/>
-            <a:r>
-              <a:rPr lang="en-US" sz="2000" dirty="0">
-                <a:solidFill>
-                  <a:srgbClr val="000000"/>
-                </a:solidFill>
-              </a:rPr>
-              <a:t>Correct the x-position</a:t>
-            </a:r>
-          </a:p>
-          <a:p>
-            <a:pPr lvl="2"/>
-            <a:r>
-              <a:rPr lang="en-US" sz="1600" dirty="0">
-                <a:solidFill>
-                  <a:srgbClr val="000000"/>
-                </a:solidFill>
-              </a:rPr>
-              <a:t>Done by tilting the landing module</a:t>
-            </a:r>
-          </a:p>
-          <a:p>
-            <a:pPr lvl="1"/>
-            <a:r>
-              <a:rPr lang="en-US" sz="2000" dirty="0">
-                <a:solidFill>
-                  <a:srgbClr val="000000"/>
-                </a:solidFill>
-              </a:rPr>
-              <a:t>Correct the y-position</a:t>
-            </a:r>
-          </a:p>
-          <a:p>
-            <a:pPr lvl="2"/>
-            <a:r>
-              <a:rPr lang="en-US" sz="1600" dirty="0">
-                <a:solidFill>
-                  <a:srgbClr val="000000"/>
-                </a:solidFill>
-              </a:rPr>
-              <a:t>Take into account gravity (and optionally also wind)</a:t>
-            </a:r>
-          </a:p>
-          <a:p>
-            <a:pPr lvl="2"/>
-            <a:r>
-              <a:rPr lang="en-US" sz="1600" dirty="0">
-                <a:solidFill>
-                  <a:srgbClr val="000000"/>
-                </a:solidFill>
-              </a:rPr>
-              <a:t>Determine if we use the thruster</a:t>
-            </a:r>
-          </a:p>
-        </p:txBody>
-      </p:sp>
-    </p:spTree>
-    <p:extLst>
-      <p:ext uri="{BB962C8B-B14F-4D97-AF65-F5344CB8AC3E}">
-        <p14:creationId xmlns:p14="http://schemas.microsoft.com/office/powerpoint/2010/main" val="1191438092"/>
-      </p:ext>
-    </p:extLst>
-  </p:cSld>
-  <p:clrMapOvr>
-    <a:masterClrMapping/>
-  </p:clrMapOvr>
-</p:sld>
-</file>
-
-<file path=ppt/slides/slide5.xml><?xml version="1.0" encoding="utf-8"?>
-<p:sld xmlns:a="http://schemas.openxmlformats.org/drawingml/2006/main" xmlns:r="http://schemas.openxmlformats.org/officeDocument/2006/relationships" xmlns:p="http://schemas.openxmlformats.org/presentationml/2006/main">
-  <p:cSld>
-    <p:bg>
-      <p:bgPr>
-        <a:solidFill>
-          <a:schemeClr val="bg1"/>
-        </a:solidFill>
-        <a:effectLst/>
-      </p:bgPr>
-    </p:bg>
-    <p:spTree>
-      <p:nvGrpSpPr>
-        <p:cNvPr id="1" name=""/>
-        <p:cNvGrpSpPr/>
-        <p:nvPr/>
-      </p:nvGrpSpPr>
-      <p:grpSpPr>
-        <a:xfrm>
-          <a:off x="0" y="0"/>
-          <a:ext cx="0" cy="0"/>
-          <a:chOff x="0" y="0"/>
-          <a:chExt cx="0" cy="0"/>
-        </a:xfrm>
-      </p:grpSpPr>
-      <p:sp>
-        <p:nvSpPr>
-          <p:cNvPr id="8" name="Rectangle 7">
-            <a:extLst>
-              <a:ext uri="{FF2B5EF4-FFF2-40B4-BE49-F238E27FC236}">
-                <a16:creationId xmlns:a16="http://schemas.microsoft.com/office/drawing/2014/main" id="{4351DFE5-F63D-4BE0-BDA9-E3EB88F01AA5}"/>
-              </a:ext>
-              <a:ext uri="{C183D7F6-B498-43B3-948B-1728B52AA6E4}">
-                <adec:decorative xmlns:adec="http://schemas.microsoft.com/office/drawing/2017/decorative" val="1"/>
-              </a:ext>
-            </a:extLst>
-          </p:cNvPr>
-          <p:cNvSpPr>
-            <a:spLocks noGrp="1" noRot="1" noChangeAspect="1" noMove="1" noResize="1" noEditPoints="1" noAdjustHandles="1" noChangeArrowheads="1" noChangeShapeType="1" noTextEdit="1"/>
-          </p:cNvSpPr>
-          <p:nvPr>
-            <p:extLst>
-              <p:ext uri="{386F3935-93C4-4BCD-93E2-E3B085C9AB24}">
-                <p16:designElem xmlns:p16="http://schemas.microsoft.com/office/powerpoint/2015/main" val="1"/>
-              </p:ext>
-            </p:extLst>
-          </p:nvPr>
-        </p:nvSpPr>
-        <p:spPr>
-          <a:xfrm>
-            <a:off x="355601" y="0"/>
-            <a:ext cx="11480494" cy="2753936"/>
-          </a:xfrm>
-          <a:prstGeom prst="rect">
-            <a:avLst/>
-          </a:prstGeom>
-          <a:gradFill>
-            <a:gsLst>
-              <a:gs pos="0">
-                <a:schemeClr val="accent1">
-                  <a:lumMod val="90000"/>
-                </a:schemeClr>
-              </a:gs>
-              <a:gs pos="25000">
-                <a:schemeClr val="accent1">
-                  <a:lumMod val="90000"/>
-                </a:schemeClr>
-              </a:gs>
-              <a:gs pos="94000">
-                <a:schemeClr val="bg2">
-                  <a:lumMod val="25000"/>
-                </a:schemeClr>
-              </a:gs>
-              <a:gs pos="100000">
-                <a:schemeClr val="bg2">
-                  <a:lumMod val="25000"/>
-                </a:schemeClr>
-              </a:gs>
-            </a:gsLst>
-            <a:lin ang="4200000" scaled="0"/>
-          </a:gradFill>
-          <a:ln>
-            <a:noFill/>
-          </a:ln>
-        </p:spPr>
-        <p:style>
-          <a:lnRef idx="2">
-            <a:schemeClr val="accent1">
-              <a:shade val="50000"/>
-            </a:schemeClr>
-          </a:lnRef>
-          <a:fillRef idx="1">
-            <a:schemeClr val="accent1"/>
-          </a:fillRef>
-          <a:effectRef idx="0">
-            <a:schemeClr val="accent1"/>
-          </a:effectRef>
-          <a:fontRef idx="minor">
-            <a:schemeClr val="lt1"/>
-          </a:fontRef>
-        </p:style>
-        <p:txBody>
-          <a:bodyPr rtlCol="0" anchor="ctr"/>
-          <a:lstStyle/>
-          <a:p>
-            <a:pPr algn="ctr"/>
-            <a:endParaRPr lang="en-US"/>
-          </a:p>
-        </p:txBody>
-      </p:sp>
-      <p:pic>
-        <p:nvPicPr>
-          <p:cNvPr id="10" name="Picture 9">
-            <a:extLst>
-              <a:ext uri="{FF2B5EF4-FFF2-40B4-BE49-F238E27FC236}">
-                <a16:creationId xmlns:a16="http://schemas.microsoft.com/office/drawing/2014/main" id="{3AA16612-ACD2-4A16-8F2B-4514FD6BF28F}"/>
-              </a:ext>
-              <a:ext uri="{C183D7F6-B498-43B3-948B-1728B52AA6E4}">
-                <adec:decorative xmlns:adec="http://schemas.microsoft.com/office/drawing/2017/decorative" val="1"/>
-              </a:ext>
-            </a:extLst>
-          </p:cNvPr>
-          <p:cNvPicPr>
-            <a:picLocks noGrp="1" noRot="1" noChangeAspect="1" noMove="1" noResize="1" noEditPoints="1" noAdjustHandles="1" noChangeArrowheads="1" noChangeShapeType="1" noCrop="1"/>
-          </p:cNvPicPr>
-          <p:nvPr>
-            <p:extLst>
-              <p:ext uri="{386F3935-93C4-4BCD-93E2-E3B085C9AB24}">
-                <p16:designElem xmlns:p16="http://schemas.microsoft.com/office/powerpoint/2015/main" val="1"/>
-              </p:ext>
-            </p:extLst>
-          </p:nvPr>
-        </p:nvPicPr>
-        <p:blipFill>
-          <a:blip r:embed="rId3">
-            <a:extLst>
-              <a:ext uri="{28A0092B-C50C-407E-A947-70E740481C1C}">
-                <a14:useLocalDpi xmlns:a14="http://schemas.microsoft.com/office/drawing/2010/main" val="0"/>
-              </a:ext>
-            </a:extLst>
-          </a:blip>
-          <a:stretch>
-            <a:fillRect/>
-          </a:stretch>
-        </p:blipFill>
-        <p:spPr>
-          <a:xfrm>
-            <a:off x="0" y="0"/>
-            <a:ext cx="12192000" cy="6858000"/>
-          </a:xfrm>
-          <a:prstGeom prst="rect">
-            <a:avLst/>
-          </a:prstGeom>
-        </p:spPr>
-      </p:pic>
-      <p:sp>
-        <p:nvSpPr>
-          <p:cNvPr id="2" name="Titel 1">
-            <a:extLst>
-              <a:ext uri="{FF2B5EF4-FFF2-40B4-BE49-F238E27FC236}">
-                <a16:creationId xmlns:a16="http://schemas.microsoft.com/office/drawing/2014/main" id="{29EBAEBE-1727-490A-93C2-7510187F1251}"/>
-              </a:ext>
-            </a:extLst>
-          </p:cNvPr>
-          <p:cNvSpPr>
-            <a:spLocks noGrp="1"/>
-          </p:cNvSpPr>
-          <p:nvPr>
-            <p:ph type="title"/>
-          </p:nvPr>
-        </p:nvSpPr>
-        <p:spPr>
-          <a:xfrm>
-            <a:off x="1179226" y="826680"/>
-            <a:ext cx="9833548" cy="1325563"/>
-          </a:xfrm>
-        </p:spPr>
-        <p:txBody>
-          <a:bodyPr>
-            <a:normAutofit/>
-          </a:bodyPr>
-          <a:lstStyle/>
-          <a:p>
-            <a:pPr algn="ctr"/>
-            <a:r>
-              <a:rPr lang="en-US" sz="4000" dirty="0">
-                <a:solidFill>
-                  <a:schemeClr val="bg1"/>
-                </a:solidFill>
-              </a:rPr>
-              <a:t>Wind model</a:t>
-            </a:r>
-          </a:p>
-        </p:txBody>
-      </p:sp>
-      <p:sp>
-        <p:nvSpPr>
-          <p:cNvPr id="3" name="Tijdelijke aanduiding voor inhoud 2">
-            <a:extLst>
-              <a:ext uri="{FF2B5EF4-FFF2-40B4-BE49-F238E27FC236}">
-                <a16:creationId xmlns:a16="http://schemas.microsoft.com/office/drawing/2014/main" id="{7F7FFD6F-F72E-449C-ADAD-7530257FD70A}"/>
-              </a:ext>
-            </a:extLst>
-          </p:cNvPr>
-          <p:cNvSpPr>
-            <a:spLocks noGrp="1"/>
-          </p:cNvSpPr>
-          <p:nvPr>
-            <p:ph idx="1"/>
-          </p:nvPr>
-        </p:nvSpPr>
-        <p:spPr>
-          <a:xfrm>
-            <a:off x="1179074" y="2978923"/>
-            <a:ext cx="9833548" cy="3377923"/>
-          </a:xfrm>
-        </p:spPr>
-        <p:txBody>
-          <a:bodyPr>
-            <a:normAutofit/>
-          </a:bodyPr>
-          <a:lstStyle/>
-          <a:p>
-            <a:r>
-              <a:rPr lang="en-US" sz="2400" dirty="0">
-                <a:solidFill>
-                  <a:srgbClr val="000000"/>
-                </a:solidFill>
-              </a:rPr>
-              <a:t>Constant max wind acceleration</a:t>
-            </a:r>
-          </a:p>
-          <a:p>
-            <a:r>
-              <a:rPr lang="en-US" sz="2400" dirty="0">
-                <a:solidFill>
-                  <a:srgbClr val="000000"/>
-                </a:solidFill>
-              </a:rPr>
-              <a:t>Wind </a:t>
-            </a:r>
-          </a:p>
-          <a:p>
-            <a:pPr lvl="1"/>
-            <a:r>
-              <a:rPr lang="en-US" sz="2000" dirty="0">
-                <a:solidFill>
-                  <a:srgbClr val="000000"/>
-                </a:solidFill>
-              </a:rPr>
-              <a:t>In random direction</a:t>
-            </a:r>
-          </a:p>
-          <a:p>
-            <a:pPr lvl="1"/>
-            <a:r>
-              <a:rPr lang="en-US" sz="2000" dirty="0">
-                <a:solidFill>
-                  <a:srgbClr val="000000"/>
-                </a:solidFill>
-              </a:rPr>
-              <a:t>Of random force, up to max</a:t>
-            </a:r>
-          </a:p>
-        </p:txBody>
-      </p:sp>
-    </p:spTree>
-    <p:extLst>
-      <p:ext uri="{BB962C8B-B14F-4D97-AF65-F5344CB8AC3E}">
-        <p14:creationId xmlns:p14="http://schemas.microsoft.com/office/powerpoint/2010/main" val="1658071239"/>
-      </p:ext>
-    </p:extLst>
-  </p:cSld>
-  <p:clrMapOvr>
-    <a:masterClrMapping/>
-  </p:clrMapOvr>
-</p:sld>
-</file>
-
-<file path=ppt/slides/slide6.xml><?xml version="1.0" encoding="utf-8"?>
-<p:sld xmlns:a="http://schemas.openxmlformats.org/drawingml/2006/main" xmlns:r="http://schemas.openxmlformats.org/officeDocument/2006/relationships" xmlns:p="http://schemas.openxmlformats.org/presentationml/2006/main">
-  <p:cSld>
-    <p:bg>
-      <p:bgPr>
-        <a:solidFill>
-          <a:schemeClr val="bg1"/>
-        </a:solidFill>
-        <a:effectLst/>
-      </p:bgPr>
-    </p:bg>
-    <p:spTree>
-      <p:nvGrpSpPr>
-        <p:cNvPr id="1" name=""/>
-        <p:cNvGrpSpPr/>
-        <p:nvPr/>
-      </p:nvGrpSpPr>
-      <p:grpSpPr>
-        <a:xfrm>
-          <a:off x="0" y="0"/>
-          <a:ext cx="0" cy="0"/>
-          <a:chOff x="0" y="0"/>
-          <a:chExt cx="0" cy="0"/>
-        </a:xfrm>
-      </p:grpSpPr>
-      <p:sp>
-        <p:nvSpPr>
-          <p:cNvPr id="8" name="Rectangle 7">
-            <a:extLst>
-              <a:ext uri="{FF2B5EF4-FFF2-40B4-BE49-F238E27FC236}">
-                <a16:creationId xmlns:a16="http://schemas.microsoft.com/office/drawing/2014/main" id="{4351DFE5-F63D-4BE0-BDA9-E3EB88F01AA5}"/>
-              </a:ext>
-              <a:ext uri="{C183D7F6-B498-43B3-948B-1728B52AA6E4}">
-                <adec:decorative xmlns:adec="http://schemas.microsoft.com/office/drawing/2017/decorative" val="1"/>
-              </a:ext>
-            </a:extLst>
-          </p:cNvPr>
-          <p:cNvSpPr>
-            <a:spLocks noGrp="1" noRot="1" noChangeAspect="1" noMove="1" noResize="1" noEditPoints="1" noAdjustHandles="1" noChangeArrowheads="1" noChangeShapeType="1" noTextEdit="1"/>
-          </p:cNvSpPr>
-          <p:nvPr>
-            <p:extLst>
-              <p:ext uri="{386F3935-93C4-4BCD-93E2-E3B085C9AB24}">
-                <p16:designElem xmlns:p16="http://schemas.microsoft.com/office/powerpoint/2015/main" val="1"/>
-              </p:ext>
-            </p:extLst>
-          </p:nvPr>
-        </p:nvSpPr>
-        <p:spPr>
-          <a:xfrm>
-            <a:off x="355601" y="0"/>
-            <a:ext cx="11480494" cy="2753936"/>
-          </a:xfrm>
-          <a:prstGeom prst="rect">
-            <a:avLst/>
-          </a:prstGeom>
-          <a:gradFill>
-            <a:gsLst>
-              <a:gs pos="0">
-                <a:schemeClr val="accent1">
-                  <a:lumMod val="90000"/>
-                </a:schemeClr>
-              </a:gs>
-              <a:gs pos="25000">
-                <a:schemeClr val="accent1">
-                  <a:lumMod val="90000"/>
-                </a:schemeClr>
-              </a:gs>
-              <a:gs pos="94000">
-                <a:schemeClr val="bg2">
-                  <a:lumMod val="25000"/>
-                </a:schemeClr>
-              </a:gs>
-              <a:gs pos="100000">
-                <a:schemeClr val="bg2">
-                  <a:lumMod val="25000"/>
-                </a:schemeClr>
-              </a:gs>
-            </a:gsLst>
-            <a:lin ang="4200000" scaled="0"/>
-          </a:gradFill>
-          <a:ln>
-            <a:noFill/>
-          </a:ln>
-        </p:spPr>
-        <p:style>
-          <a:lnRef idx="2">
-            <a:schemeClr val="accent1">
-              <a:shade val="50000"/>
-            </a:schemeClr>
-          </a:lnRef>
-          <a:fillRef idx="1">
-            <a:schemeClr val="accent1"/>
-          </a:fillRef>
-          <a:effectRef idx="0">
-            <a:schemeClr val="accent1"/>
-          </a:effectRef>
-          <a:fontRef idx="minor">
-            <a:schemeClr val="lt1"/>
-          </a:fontRef>
-        </p:style>
-        <p:txBody>
-          <a:bodyPr rtlCol="0" anchor="ctr"/>
-          <a:lstStyle/>
-          <a:p>
-            <a:pPr algn="ctr"/>
-            <a:endParaRPr lang="en-US"/>
-          </a:p>
-        </p:txBody>
-      </p:sp>
-      <p:pic>
-        <p:nvPicPr>
-          <p:cNvPr id="10" name="Picture 9">
-            <a:extLst>
-              <a:ext uri="{FF2B5EF4-FFF2-40B4-BE49-F238E27FC236}">
-                <a16:creationId xmlns:a16="http://schemas.microsoft.com/office/drawing/2014/main" id="{3AA16612-ACD2-4A16-8F2B-4514FD6BF28F}"/>
-              </a:ext>
-              <a:ext uri="{C183D7F6-B498-43B3-948B-1728B52AA6E4}">
-                <adec:decorative xmlns:adec="http://schemas.microsoft.com/office/drawing/2017/decorative" val="1"/>
-              </a:ext>
-            </a:extLst>
-          </p:cNvPr>
-          <p:cNvPicPr>
-            <a:picLocks noGrp="1" noRot="1" noChangeAspect="1" noMove="1" noResize="1" noEditPoints="1" noAdjustHandles="1" noChangeArrowheads="1" noChangeShapeType="1" noCrop="1"/>
-          </p:cNvPicPr>
-          <p:nvPr>
-            <p:extLst>
-              <p:ext uri="{386F3935-93C4-4BCD-93E2-E3B085C9AB24}">
-                <p16:designElem xmlns:p16="http://schemas.microsoft.com/office/powerpoint/2015/main" val="1"/>
-              </p:ext>
-            </p:extLst>
-          </p:nvPr>
-        </p:nvPicPr>
-        <p:blipFill>
-          <a:blip r:embed="rId3">
-            <a:extLst>
-              <a:ext uri="{28A0092B-C50C-407E-A947-70E740481C1C}">
-                <a14:useLocalDpi xmlns:a14="http://schemas.microsoft.com/office/drawing/2010/main" val="0"/>
-              </a:ext>
-            </a:extLst>
-          </a:blip>
-          <a:stretch>
-            <a:fillRect/>
-          </a:stretch>
-        </p:blipFill>
-        <p:spPr>
-          <a:xfrm>
-            <a:off x="0" y="0"/>
-            <a:ext cx="12192000" cy="6858000"/>
-          </a:xfrm>
-          <a:prstGeom prst="rect">
-            <a:avLst/>
-          </a:prstGeom>
-        </p:spPr>
-      </p:pic>
-      <p:sp>
-        <p:nvSpPr>
-          <p:cNvPr id="2" name="Titel 1">
-            <a:extLst>
-              <a:ext uri="{FF2B5EF4-FFF2-40B4-BE49-F238E27FC236}">
-                <a16:creationId xmlns:a16="http://schemas.microsoft.com/office/drawing/2014/main" id="{A01959A0-4AC6-4417-AF0B-2E14852A226A}"/>
-              </a:ext>
-            </a:extLst>
-          </p:cNvPr>
-          <p:cNvSpPr>
-            <a:spLocks noGrp="1"/>
-          </p:cNvSpPr>
-          <p:nvPr>
-            <p:ph type="title"/>
-          </p:nvPr>
-        </p:nvSpPr>
-        <p:spPr>
-          <a:xfrm>
-            <a:off x="1179226" y="826680"/>
-            <a:ext cx="9833548" cy="1325563"/>
-          </a:xfrm>
-        </p:spPr>
-        <p:txBody>
-          <a:bodyPr>
-            <a:normAutofit/>
-          </a:bodyPr>
-          <a:lstStyle/>
-          <a:p>
-            <a:pPr algn="ctr"/>
-            <a:r>
-              <a:rPr lang="en-US" sz="4000">
-                <a:solidFill>
-                  <a:srgbClr val="FFFFFF"/>
-                </a:solidFill>
-              </a:rPr>
-              <a:t>Experiments</a:t>
-            </a:r>
-          </a:p>
-        </p:txBody>
-      </p:sp>
-      <p:sp>
-        <p:nvSpPr>
-          <p:cNvPr id="4" name="Tijdelijke aanduiding voor inhoud 3">
-            <a:extLst>
-              <a:ext uri="{FF2B5EF4-FFF2-40B4-BE49-F238E27FC236}">
-                <a16:creationId xmlns:a16="http://schemas.microsoft.com/office/drawing/2014/main" id="{9A70C3DC-7683-4899-8F79-3F1DCE719FF8}"/>
-              </a:ext>
-            </a:extLst>
-          </p:cNvPr>
-          <p:cNvSpPr>
-            <a:spLocks noGrp="1"/>
-          </p:cNvSpPr>
-          <p:nvPr>
-            <p:ph idx="1"/>
-          </p:nvPr>
-        </p:nvSpPr>
-        <p:spPr>
-          <a:xfrm>
-            <a:off x="838048" y="3114747"/>
-            <a:ext cx="10515600" cy="4044099"/>
-          </a:xfrm>
-        </p:spPr>
-        <p:txBody>
-          <a:bodyPr>
-            <a:normAutofit/>
-          </a:bodyPr>
-          <a:lstStyle/>
-          <a:p>
-            <a:r>
-              <a:rPr lang="nl-NL" sz="2400" dirty="0"/>
-              <a:t>Made experiments by modifying parameters, then measured the result</a:t>
-            </a:r>
-            <a:br>
-              <a:rPr lang="nl-NL" sz="2400" dirty="0"/>
-            </a:br>
-            <a:endParaRPr lang="nl-NL" sz="2400" dirty="0"/>
-          </a:p>
-          <a:p>
-            <a:r>
-              <a:rPr lang="nl-NL" sz="2400" dirty="0"/>
-              <a:t>See Excel sheet</a:t>
-            </a:r>
-          </a:p>
-        </p:txBody>
-      </p:sp>
-    </p:spTree>
-    <p:extLst>
-      <p:ext uri="{BB962C8B-B14F-4D97-AF65-F5344CB8AC3E}">
-        <p14:creationId xmlns:p14="http://schemas.microsoft.com/office/powerpoint/2010/main" val="1740015535"/>
-      </p:ext>
-    </p:extLst>
-  </p:cSld>
-  <p:clrMapOvr>
-    <a:masterClrMapping/>
-  </p:clrMapOvr>
-</p:sld>
-</file>
-
-<file path=ppt/slides/slide7.xml><?xml version="1.0" encoding="utf-8"?>
-<p:sld xmlns:a="http://schemas.openxmlformats.org/drawingml/2006/main" xmlns:r="http://schemas.openxmlformats.org/officeDocument/2006/relationships" xmlns:p="http://schemas.openxmlformats.org/presentationml/2006/main">
-  <p:cSld>
-    <p:bg>
-      <p:bgPr>
-        <a:solidFill>
-          <a:schemeClr val="bg1"/>
-        </a:solidFill>
-        <a:effectLst/>
-      </p:bgPr>
-    </p:bg>
-    <p:spTree>
-      <p:nvGrpSpPr>
-        <p:cNvPr id="1" name=""/>
-        <p:cNvGrpSpPr/>
-        <p:nvPr/>
-      </p:nvGrpSpPr>
-      <p:grpSpPr>
-        <a:xfrm>
-          <a:off x="0" y="0"/>
-          <a:ext cx="0" cy="0"/>
-          <a:chOff x="0" y="0"/>
-          <a:chExt cx="0" cy="0"/>
-        </a:xfrm>
-      </p:grpSpPr>
-      <p:sp>
-        <p:nvSpPr>
-          <p:cNvPr id="9" name="Rectangle 8">
-            <a:extLst>
-              <a:ext uri="{FF2B5EF4-FFF2-40B4-BE49-F238E27FC236}">
-                <a16:creationId xmlns:a16="http://schemas.microsoft.com/office/drawing/2014/main" id="{4351DFE5-F63D-4BE0-BDA9-E3EB88F01AA5}"/>
-              </a:ext>
-              <a:ext uri="{C183D7F6-B498-43B3-948B-1728B52AA6E4}">
-                <adec:decorative xmlns:adec="http://schemas.microsoft.com/office/drawing/2017/decorative" val="1"/>
-              </a:ext>
-            </a:extLst>
-          </p:cNvPr>
-          <p:cNvSpPr>
-            <a:spLocks noGrp="1" noRot="1" noChangeAspect="1" noMove="1" noResize="1" noEditPoints="1" noAdjustHandles="1" noChangeArrowheads="1" noChangeShapeType="1" noTextEdit="1"/>
-          </p:cNvSpPr>
-          <p:nvPr>
-            <p:extLst>
-              <p:ext uri="{386F3935-93C4-4BCD-93E2-E3B085C9AB24}">
-                <p16:designElem xmlns:p16="http://schemas.microsoft.com/office/powerpoint/2015/main" val="1"/>
-              </p:ext>
-            </p:extLst>
-          </p:nvPr>
-        </p:nvSpPr>
-        <p:spPr>
-          <a:xfrm>
-            <a:off x="355601" y="0"/>
-            <a:ext cx="11480494" cy="2753936"/>
-          </a:xfrm>
-          <a:prstGeom prst="rect">
-            <a:avLst/>
-          </a:prstGeom>
-          <a:gradFill>
-            <a:gsLst>
-              <a:gs pos="0">
-                <a:schemeClr val="accent1">
-                  <a:lumMod val="90000"/>
-                </a:schemeClr>
-              </a:gs>
-              <a:gs pos="25000">
-                <a:schemeClr val="accent1">
-                  <a:lumMod val="90000"/>
-                </a:schemeClr>
-              </a:gs>
-              <a:gs pos="94000">
-                <a:schemeClr val="bg2">
-                  <a:lumMod val="25000"/>
-                </a:schemeClr>
-              </a:gs>
-              <a:gs pos="100000">
-                <a:schemeClr val="bg2">
-                  <a:lumMod val="25000"/>
-                </a:schemeClr>
-              </a:gs>
-            </a:gsLst>
-            <a:lin ang="4200000" scaled="0"/>
-          </a:gradFill>
-          <a:ln>
-            <a:noFill/>
-          </a:ln>
-        </p:spPr>
-        <p:style>
-          <a:lnRef idx="2">
-            <a:schemeClr val="accent1">
-              <a:shade val="50000"/>
-            </a:schemeClr>
-          </a:lnRef>
-          <a:fillRef idx="1">
-            <a:schemeClr val="accent1"/>
-          </a:fillRef>
-          <a:effectRef idx="0">
-            <a:schemeClr val="accent1"/>
-          </a:effectRef>
-          <a:fontRef idx="minor">
-            <a:schemeClr val="lt1"/>
-          </a:fontRef>
-        </p:style>
-        <p:txBody>
-          <a:bodyPr rtlCol="0" anchor="ctr"/>
-          <a:lstStyle/>
-          <a:p>
-            <a:pPr algn="ctr"/>
-            <a:endParaRPr lang="en-US"/>
-          </a:p>
-        </p:txBody>
-      </p:sp>
-      <p:pic>
-        <p:nvPicPr>
-          <p:cNvPr id="11" name="Picture 10">
-            <a:extLst>
-              <a:ext uri="{FF2B5EF4-FFF2-40B4-BE49-F238E27FC236}">
-                <a16:creationId xmlns:a16="http://schemas.microsoft.com/office/drawing/2014/main" id="{3AA16612-ACD2-4A16-8F2B-4514FD6BF28F}"/>
-              </a:ext>
-              <a:ext uri="{C183D7F6-B498-43B3-948B-1728B52AA6E4}">
-                <adec:decorative xmlns:adec="http://schemas.microsoft.com/office/drawing/2017/decorative" val="1"/>
-              </a:ext>
-            </a:extLst>
-          </p:cNvPr>
-          <p:cNvPicPr>
-            <a:picLocks noGrp="1" noRot="1" noChangeAspect="1" noMove="1" noResize="1" noEditPoints="1" noAdjustHandles="1" noChangeArrowheads="1" noChangeShapeType="1" noCrop="1"/>
-          </p:cNvPicPr>
-          <p:nvPr>
-            <p:extLst>
-              <p:ext uri="{386F3935-93C4-4BCD-93E2-E3B085C9AB24}">
-                <p16:designElem xmlns:p16="http://schemas.microsoft.com/office/powerpoint/2015/main" val="1"/>
-              </p:ext>
-            </p:extLst>
-          </p:nvPr>
-        </p:nvPicPr>
-        <p:blipFill>
-          <a:blip r:embed="rId3">
-            <a:extLst>
-              <a:ext uri="{28A0092B-C50C-407E-A947-70E740481C1C}">
-                <a14:useLocalDpi xmlns:a14="http://schemas.microsoft.com/office/drawing/2010/main" val="0"/>
-              </a:ext>
-            </a:extLst>
-          </a:blip>
-          <a:stretch>
-            <a:fillRect/>
-          </a:stretch>
-        </p:blipFill>
-        <p:spPr>
-          <a:xfrm>
-            <a:off x="0" y="0"/>
-            <a:ext cx="12192000" cy="6858000"/>
-          </a:xfrm>
-          <a:prstGeom prst="rect">
-            <a:avLst/>
-          </a:prstGeom>
-        </p:spPr>
-      </p:pic>
-      <p:sp>
-        <p:nvSpPr>
-          <p:cNvPr id="2" name="Titel 1">
-            <a:extLst>
-              <a:ext uri="{FF2B5EF4-FFF2-40B4-BE49-F238E27FC236}">
-                <a16:creationId xmlns:a16="http://schemas.microsoft.com/office/drawing/2014/main" id="{F09CB10F-A9B0-47E3-8D37-EE5738010EB8}"/>
-              </a:ext>
-            </a:extLst>
-          </p:cNvPr>
-          <p:cNvSpPr>
-            <a:spLocks noGrp="1"/>
-          </p:cNvSpPr>
-          <p:nvPr>
-            <p:ph type="title"/>
-          </p:nvPr>
-        </p:nvSpPr>
-        <p:spPr>
-          <a:xfrm>
-            <a:off x="1179226" y="826680"/>
-            <a:ext cx="9833548" cy="1325563"/>
-          </a:xfrm>
-        </p:spPr>
-        <p:txBody>
-          <a:bodyPr>
-            <a:normAutofit/>
-          </a:bodyPr>
-          <a:lstStyle/>
-          <a:p>
-            <a:pPr algn="ctr"/>
-            <a:r>
-              <a:rPr lang="en-US" sz="4000" dirty="0">
-                <a:solidFill>
-                  <a:srgbClr val="FFFFFF"/>
-                </a:solidFill>
-              </a:rPr>
-              <a:t>Phase 3 Schedule</a:t>
-            </a:r>
-          </a:p>
-        </p:txBody>
-      </p:sp>
-      <p:pic>
-        <p:nvPicPr>
-          <p:cNvPr id="7" name="Tijdelijke aanduiding voor inhoud 6">
-            <a:extLst>
-              <a:ext uri="{FF2B5EF4-FFF2-40B4-BE49-F238E27FC236}">
-                <a16:creationId xmlns:a16="http://schemas.microsoft.com/office/drawing/2014/main" id="{AD8E2633-1423-4190-A486-4C931558ECFB}"/>
-              </a:ext>
-            </a:extLst>
-          </p:cNvPr>
-          <p:cNvPicPr>
-            <a:picLocks noGrp="1" noChangeAspect="1"/>
-          </p:cNvPicPr>
-          <p:nvPr>
-            <p:ph idx="1"/>
-          </p:nvPr>
-        </p:nvPicPr>
-        <p:blipFill>
-          <a:blip r:embed="rId4"/>
-          <a:stretch>
-            <a:fillRect/>
-          </a:stretch>
-        </p:blipFill>
-        <p:spPr>
-          <a:xfrm>
-            <a:off x="1630755" y="2753936"/>
-            <a:ext cx="8930186" cy="3969769"/>
-          </a:xfrm>
-          <a:prstGeom prst="rect">
-            <a:avLst/>
-          </a:prstGeom>
-        </p:spPr>
-      </p:pic>
-    </p:spTree>
-    <p:extLst>
-      <p:ext uri="{BB962C8B-B14F-4D97-AF65-F5344CB8AC3E}">
-        <p14:creationId xmlns:p14="http://schemas.microsoft.com/office/powerpoint/2010/main" val="869961210"/>
-      </p:ext>
-    </p:extLst>
-  </p:cSld>
-  <p:clrMapOvr>
-    <a:masterClrMapping/>
-  </p:clrMapOvr>
-</p:sld>
-</file>
-
-<file path=ppt/slides/slide8.xml><?xml version="1.0" encoding="utf-8"?>
-<p:sld xmlns:a="http://schemas.openxmlformats.org/drawingml/2006/main" xmlns:r="http://schemas.openxmlformats.org/officeDocument/2006/relationships" xmlns:p="http://schemas.openxmlformats.org/presentationml/2006/main">
-  <p:cSld>
-    <p:bg>
-      <p:bgPr>
-        <a:solidFill>
-          <a:schemeClr val="bg1"/>
-        </a:solidFill>
-        <a:effectLst/>
-      </p:bgPr>
-    </p:bg>
-    <p:spTree>
-      <p:nvGrpSpPr>
-        <p:cNvPr id="1" name=""/>
-        <p:cNvGrpSpPr/>
-        <p:nvPr/>
-      </p:nvGrpSpPr>
-      <p:grpSpPr>
-        <a:xfrm>
-          <a:off x="0" y="0"/>
-          <a:ext cx="0" cy="0"/>
-          <a:chOff x="0" y="0"/>
-          <a:chExt cx="0" cy="0"/>
-        </a:xfrm>
-      </p:grpSpPr>
-      <p:sp>
-        <p:nvSpPr>
-          <p:cNvPr id="8" name="Rectangle 7">
-            <a:extLst>
-              <a:ext uri="{FF2B5EF4-FFF2-40B4-BE49-F238E27FC236}">
-                <a16:creationId xmlns:a16="http://schemas.microsoft.com/office/drawing/2014/main" id="{4351DFE5-F63D-4BE0-BDA9-E3EB88F01AA5}"/>
-              </a:ext>
-              <a:ext uri="{C183D7F6-B498-43B3-948B-1728B52AA6E4}">
-                <adec:decorative xmlns:adec="http://schemas.microsoft.com/office/drawing/2017/decorative" val="1"/>
-              </a:ext>
-            </a:extLst>
-          </p:cNvPr>
-          <p:cNvSpPr>
-            <a:spLocks noGrp="1" noRot="1" noChangeAspect="1" noMove="1" noResize="1" noEditPoints="1" noAdjustHandles="1" noChangeArrowheads="1" noChangeShapeType="1" noTextEdit="1"/>
-          </p:cNvSpPr>
-          <p:nvPr>
-            <p:extLst>
-              <p:ext uri="{386F3935-93C4-4BCD-93E2-E3B085C9AB24}">
-                <p16:designElem xmlns:p16="http://schemas.microsoft.com/office/powerpoint/2015/main" val="1"/>
-              </p:ext>
-            </p:extLst>
-          </p:nvPr>
-        </p:nvSpPr>
-        <p:spPr>
-          <a:xfrm>
-            <a:off x="355601" y="0"/>
-            <a:ext cx="11480494" cy="2753936"/>
-          </a:xfrm>
-          <a:prstGeom prst="rect">
-            <a:avLst/>
-          </a:prstGeom>
-          <a:gradFill>
-            <a:gsLst>
-              <a:gs pos="0">
-                <a:schemeClr val="accent1">
-                  <a:lumMod val="90000"/>
-                </a:schemeClr>
-              </a:gs>
-              <a:gs pos="25000">
-                <a:schemeClr val="accent1">
-                  <a:lumMod val="90000"/>
-                </a:schemeClr>
-              </a:gs>
-              <a:gs pos="94000">
-                <a:schemeClr val="bg2">
-                  <a:lumMod val="25000"/>
-                </a:schemeClr>
-              </a:gs>
-              <a:gs pos="100000">
-                <a:schemeClr val="bg2">
-                  <a:lumMod val="25000"/>
-                </a:schemeClr>
-              </a:gs>
-            </a:gsLst>
-            <a:lin ang="4200000" scaled="0"/>
-          </a:gradFill>
-          <a:ln>
-            <a:noFill/>
-          </a:ln>
-        </p:spPr>
-        <p:style>
-          <a:lnRef idx="2">
-            <a:schemeClr val="accent1">
-              <a:shade val="50000"/>
-            </a:schemeClr>
-          </a:lnRef>
-          <a:fillRef idx="1">
-            <a:schemeClr val="accent1"/>
-          </a:fillRef>
-          <a:effectRef idx="0">
-            <a:schemeClr val="accent1"/>
-          </a:effectRef>
-          <a:fontRef idx="minor">
-            <a:schemeClr val="lt1"/>
-          </a:fontRef>
-        </p:style>
-        <p:txBody>
-          <a:bodyPr rtlCol="0" anchor="ctr"/>
-          <a:lstStyle/>
-          <a:p>
-            <a:pPr algn="ctr"/>
-            <a:endParaRPr lang="en-US"/>
-          </a:p>
-        </p:txBody>
-      </p:sp>
-      <p:pic>
-        <p:nvPicPr>
-          <p:cNvPr id="10" name="Picture 9">
-            <a:extLst>
-              <a:ext uri="{FF2B5EF4-FFF2-40B4-BE49-F238E27FC236}">
-                <a16:creationId xmlns:a16="http://schemas.microsoft.com/office/drawing/2014/main" id="{3AA16612-ACD2-4A16-8F2B-4514FD6BF28F}"/>
-              </a:ext>
-              <a:ext uri="{C183D7F6-B498-43B3-948B-1728B52AA6E4}">
-                <adec:decorative xmlns:adec="http://schemas.microsoft.com/office/drawing/2017/decorative" val="1"/>
-              </a:ext>
-            </a:extLst>
-          </p:cNvPr>
-          <p:cNvPicPr>
-            <a:picLocks noGrp="1" noRot="1" noChangeAspect="1" noMove="1" noResize="1" noEditPoints="1" noAdjustHandles="1" noChangeArrowheads="1" noChangeShapeType="1" noCrop="1"/>
-          </p:cNvPicPr>
-          <p:nvPr>
-            <p:extLst>
-              <p:ext uri="{386F3935-93C4-4BCD-93E2-E3B085C9AB24}">
-                <p16:designElem xmlns:p16="http://schemas.microsoft.com/office/powerpoint/2015/main" val="1"/>
-              </p:ext>
-            </p:extLst>
-          </p:nvPr>
-        </p:nvPicPr>
-        <p:blipFill>
-          <a:blip r:embed="rId3">
-            <a:extLst>
-              <a:ext uri="{28A0092B-C50C-407E-A947-70E740481C1C}">
-                <a14:useLocalDpi xmlns:a14="http://schemas.microsoft.com/office/drawing/2010/main" val="0"/>
-              </a:ext>
-            </a:extLst>
-          </a:blip>
-          <a:stretch>
-            <a:fillRect/>
-          </a:stretch>
-        </p:blipFill>
-        <p:spPr>
-          <a:xfrm>
-            <a:off x="0" y="0"/>
-            <a:ext cx="12192000" cy="6858000"/>
-          </a:xfrm>
-          <a:prstGeom prst="rect">
-            <a:avLst/>
-          </a:prstGeom>
-        </p:spPr>
-      </p:pic>
-      <p:sp>
-        <p:nvSpPr>
-          <p:cNvPr id="2" name="Titel 1">
-            <a:extLst>
-              <a:ext uri="{FF2B5EF4-FFF2-40B4-BE49-F238E27FC236}">
-                <a16:creationId xmlns:a16="http://schemas.microsoft.com/office/drawing/2014/main" id="{A01959A0-4AC6-4417-AF0B-2E14852A226A}"/>
-              </a:ext>
-            </a:extLst>
-          </p:cNvPr>
-          <p:cNvSpPr>
-            <a:spLocks noGrp="1"/>
-          </p:cNvSpPr>
-          <p:nvPr>
-            <p:ph type="title"/>
-          </p:nvPr>
-        </p:nvSpPr>
-        <p:spPr>
-          <a:xfrm>
-            <a:off x="1179226" y="826680"/>
-            <a:ext cx="9833548" cy="1325563"/>
-          </a:xfrm>
-        </p:spPr>
-        <p:txBody>
-          <a:bodyPr>
-            <a:normAutofit/>
-          </a:bodyPr>
-          <a:lstStyle/>
-          <a:p>
-            <a:pPr algn="ctr"/>
-            <a:r>
-              <a:rPr lang="en-US" sz="4000" dirty="0">
-                <a:solidFill>
-                  <a:srgbClr val="FFFFFF"/>
-                </a:solidFill>
-              </a:rPr>
-              <a:t>Demo</a:t>
-            </a:r>
-          </a:p>
-        </p:txBody>
-      </p:sp>
-      <p:sp>
-        <p:nvSpPr>
-          <p:cNvPr id="4" name="Tijdelijke aanduiding voor inhoud 3">
-            <a:extLst>
-              <a:ext uri="{FF2B5EF4-FFF2-40B4-BE49-F238E27FC236}">
-                <a16:creationId xmlns:a16="http://schemas.microsoft.com/office/drawing/2014/main" id="{9A70C3DC-7683-4899-8F79-3F1DCE719FF8}"/>
-              </a:ext>
-            </a:extLst>
-          </p:cNvPr>
-          <p:cNvSpPr>
-            <a:spLocks noGrp="1"/>
-          </p:cNvSpPr>
-          <p:nvPr>
-            <p:ph idx="1"/>
-          </p:nvPr>
-        </p:nvSpPr>
-        <p:spPr>
-          <a:xfrm>
-            <a:off x="963778" y="3114747"/>
-            <a:ext cx="10515600" cy="4044099"/>
-          </a:xfrm>
-        </p:spPr>
-        <p:txBody>
-          <a:bodyPr/>
-          <a:lstStyle/>
-          <a:p>
-            <a:r>
-              <a:rPr lang="nl-NL" dirty="0"/>
-              <a:t>Show demo</a:t>
-            </a:r>
-          </a:p>
-        </p:txBody>
-      </p:sp>
-    </p:spTree>
-    <p:extLst>
-      <p:ext uri="{BB962C8B-B14F-4D97-AF65-F5344CB8AC3E}">
-        <p14:creationId xmlns:p14="http://schemas.microsoft.com/office/powerpoint/2010/main" val="2320719096"/>
-      </p:ext>
-    </p:extLst>
-  </p:cSld>
-  <p:clrMapOvr>
-    <a:masterClrMapping/>
-  </p:clrMapOvr>
-</p:sld>
-</file>
-
-<file path=ppt/slides/slide9.xml><?xml version="1.0" encoding="utf-8"?>
+<file path=ppt/slides/slide10.xml><?xml version="1.0" encoding="utf-8"?>
 <p:sld xmlns:a="http://schemas.openxmlformats.org/drawingml/2006/main" xmlns:r="http://schemas.openxmlformats.org/officeDocument/2006/relationships" xmlns:p="http://schemas.openxmlformats.org/presentationml/2006/main">
   <p:cSld>
     <p:bg>
@@ -8113,6 +6179,2393 @@
     <p:extLst>
       <p:ext uri="{BB962C8B-B14F-4D97-AF65-F5344CB8AC3E}">
         <p14:creationId xmlns:p14="http://schemas.microsoft.com/office/powerpoint/2010/main" val="504662487"/>
+      </p:ext>
+    </p:extLst>
+  </p:cSld>
+  <p:clrMapOvr>
+    <a:masterClrMapping/>
+  </p:clrMapOvr>
+</p:sld>
+</file>
+
+<file path=ppt/slides/slide2.xml><?xml version="1.0" encoding="utf-8"?>
+<p:sld xmlns:a="http://schemas.openxmlformats.org/drawingml/2006/main" xmlns:r="http://schemas.openxmlformats.org/officeDocument/2006/relationships" xmlns:p="http://schemas.openxmlformats.org/presentationml/2006/main">
+  <p:cSld>
+    <p:bg>
+      <p:bgPr>
+        <a:solidFill>
+          <a:schemeClr val="bg1"/>
+        </a:solidFill>
+        <a:effectLst/>
+      </p:bgPr>
+    </p:bg>
+    <p:spTree>
+      <p:nvGrpSpPr>
+        <p:cNvPr id="1" name=""/>
+        <p:cNvGrpSpPr/>
+        <p:nvPr/>
+      </p:nvGrpSpPr>
+      <p:grpSpPr>
+        <a:xfrm>
+          <a:off x="0" y="0"/>
+          <a:ext cx="0" cy="0"/>
+          <a:chOff x="0" y="0"/>
+          <a:chExt cx="0" cy="0"/>
+        </a:xfrm>
+      </p:grpSpPr>
+      <p:sp>
+        <p:nvSpPr>
+          <p:cNvPr id="8" name="Rectangle 7">
+            <a:extLst>
+              <a:ext uri="{FF2B5EF4-FFF2-40B4-BE49-F238E27FC236}">
+                <a16:creationId xmlns:a16="http://schemas.microsoft.com/office/drawing/2014/main" id="{4351DFE5-F63D-4BE0-BDA9-E3EB88F01AA5}"/>
+              </a:ext>
+              <a:ext uri="{C183D7F6-B498-43B3-948B-1728B52AA6E4}">
+                <adec:decorative xmlns:adec="http://schemas.microsoft.com/office/drawing/2017/decorative" val="1"/>
+              </a:ext>
+            </a:extLst>
+          </p:cNvPr>
+          <p:cNvSpPr>
+            <a:spLocks noGrp="1" noRot="1" noChangeAspect="1" noMove="1" noResize="1" noEditPoints="1" noAdjustHandles="1" noChangeArrowheads="1" noChangeShapeType="1" noTextEdit="1"/>
+          </p:cNvSpPr>
+          <p:nvPr>
+            <p:extLst>
+              <p:ext uri="{386F3935-93C4-4BCD-93E2-E3B085C9AB24}">
+                <p16:designElem xmlns:p16="http://schemas.microsoft.com/office/powerpoint/2015/main" val="1"/>
+              </p:ext>
+            </p:extLst>
+          </p:nvPr>
+        </p:nvSpPr>
+        <p:spPr>
+          <a:xfrm>
+            <a:off x="355601" y="0"/>
+            <a:ext cx="11480494" cy="2753936"/>
+          </a:xfrm>
+          <a:prstGeom prst="rect">
+            <a:avLst/>
+          </a:prstGeom>
+          <a:gradFill>
+            <a:gsLst>
+              <a:gs pos="0">
+                <a:schemeClr val="accent1">
+                  <a:lumMod val="90000"/>
+                </a:schemeClr>
+              </a:gs>
+              <a:gs pos="25000">
+                <a:schemeClr val="accent1">
+                  <a:lumMod val="90000"/>
+                </a:schemeClr>
+              </a:gs>
+              <a:gs pos="94000">
+                <a:schemeClr val="bg2">
+                  <a:lumMod val="25000"/>
+                </a:schemeClr>
+              </a:gs>
+              <a:gs pos="100000">
+                <a:schemeClr val="bg2">
+                  <a:lumMod val="25000"/>
+                </a:schemeClr>
+              </a:gs>
+            </a:gsLst>
+            <a:lin ang="4200000" scaled="0"/>
+          </a:gradFill>
+          <a:ln>
+            <a:noFill/>
+          </a:ln>
+        </p:spPr>
+        <p:style>
+          <a:lnRef idx="2">
+            <a:schemeClr val="accent1">
+              <a:shade val="50000"/>
+            </a:schemeClr>
+          </a:lnRef>
+          <a:fillRef idx="1">
+            <a:schemeClr val="accent1"/>
+          </a:fillRef>
+          <a:effectRef idx="0">
+            <a:schemeClr val="accent1"/>
+          </a:effectRef>
+          <a:fontRef idx="minor">
+            <a:schemeClr val="lt1"/>
+          </a:fontRef>
+        </p:style>
+        <p:txBody>
+          <a:bodyPr rtlCol="0" anchor="ctr"/>
+          <a:lstStyle/>
+          <a:p>
+            <a:pPr algn="ctr"/>
+            <a:endParaRPr lang="en-US"/>
+          </a:p>
+        </p:txBody>
+      </p:sp>
+      <p:pic>
+        <p:nvPicPr>
+          <p:cNvPr id="10" name="Picture 9">
+            <a:extLst>
+              <a:ext uri="{FF2B5EF4-FFF2-40B4-BE49-F238E27FC236}">
+                <a16:creationId xmlns:a16="http://schemas.microsoft.com/office/drawing/2014/main" id="{3AA16612-ACD2-4A16-8F2B-4514FD6BF28F}"/>
+              </a:ext>
+              <a:ext uri="{C183D7F6-B498-43B3-948B-1728B52AA6E4}">
+                <adec:decorative xmlns:adec="http://schemas.microsoft.com/office/drawing/2017/decorative" val="1"/>
+              </a:ext>
+            </a:extLst>
+          </p:cNvPr>
+          <p:cNvPicPr>
+            <a:picLocks noGrp="1" noRot="1" noChangeAspect="1" noMove="1" noResize="1" noEditPoints="1" noAdjustHandles="1" noChangeArrowheads="1" noChangeShapeType="1" noCrop="1"/>
+          </p:cNvPicPr>
+          <p:nvPr>
+            <p:extLst>
+              <p:ext uri="{386F3935-93C4-4BCD-93E2-E3B085C9AB24}">
+                <p16:designElem xmlns:p16="http://schemas.microsoft.com/office/powerpoint/2015/main" val="1"/>
+              </p:ext>
+            </p:extLst>
+          </p:nvPr>
+        </p:nvPicPr>
+        <p:blipFill>
+          <a:blip r:embed="rId3">
+            <a:extLst>
+              <a:ext uri="{28A0092B-C50C-407E-A947-70E740481C1C}">
+                <a14:useLocalDpi xmlns:a14="http://schemas.microsoft.com/office/drawing/2010/main" val="0"/>
+              </a:ext>
+            </a:extLst>
+          </a:blip>
+          <a:stretch>
+            <a:fillRect/>
+          </a:stretch>
+        </p:blipFill>
+        <p:spPr>
+          <a:xfrm>
+            <a:off x="0" y="0"/>
+            <a:ext cx="12192000" cy="6858000"/>
+          </a:xfrm>
+          <a:prstGeom prst="rect">
+            <a:avLst/>
+          </a:prstGeom>
+        </p:spPr>
+      </p:pic>
+      <p:sp>
+        <p:nvSpPr>
+          <p:cNvPr id="2" name="Titel 1">
+            <a:extLst>
+              <a:ext uri="{FF2B5EF4-FFF2-40B4-BE49-F238E27FC236}">
+                <a16:creationId xmlns:a16="http://schemas.microsoft.com/office/drawing/2014/main" id="{29EBAEBE-1727-490A-93C2-7510187F1251}"/>
+              </a:ext>
+            </a:extLst>
+          </p:cNvPr>
+          <p:cNvSpPr>
+            <a:spLocks noGrp="1"/>
+          </p:cNvSpPr>
+          <p:nvPr>
+            <p:ph type="title"/>
+          </p:nvPr>
+        </p:nvSpPr>
+        <p:spPr>
+          <a:xfrm>
+            <a:off x="1179226" y="826680"/>
+            <a:ext cx="9833548" cy="1325563"/>
+          </a:xfrm>
+        </p:spPr>
+        <p:txBody>
+          <a:bodyPr>
+            <a:normAutofit/>
+          </a:bodyPr>
+          <a:lstStyle/>
+          <a:p>
+            <a:pPr algn="ctr"/>
+            <a:r>
+              <a:rPr lang="en-US" sz="4000" dirty="0">
+                <a:solidFill>
+                  <a:srgbClr val="FFFFFF"/>
+                </a:solidFill>
+              </a:rPr>
+              <a:t>Second Phase objectives</a:t>
+            </a:r>
+          </a:p>
+        </p:txBody>
+      </p:sp>
+      <p:sp>
+        <p:nvSpPr>
+          <p:cNvPr id="3" name="Tijdelijke aanduiding voor inhoud 2">
+            <a:extLst>
+              <a:ext uri="{FF2B5EF4-FFF2-40B4-BE49-F238E27FC236}">
+                <a16:creationId xmlns:a16="http://schemas.microsoft.com/office/drawing/2014/main" id="{7F7FFD6F-F72E-449C-ADAD-7530257FD70A}"/>
+              </a:ext>
+            </a:extLst>
+          </p:cNvPr>
+          <p:cNvSpPr>
+            <a:spLocks noGrp="1"/>
+          </p:cNvSpPr>
+          <p:nvPr>
+            <p:ph idx="1"/>
+          </p:nvPr>
+        </p:nvSpPr>
+        <p:spPr>
+          <a:xfrm>
+            <a:off x="1179226" y="2885723"/>
+            <a:ext cx="9713675" cy="3840490"/>
+          </a:xfrm>
+        </p:spPr>
+        <p:txBody>
+          <a:bodyPr>
+            <a:normAutofit/>
+          </a:bodyPr>
+          <a:lstStyle/>
+          <a:p>
+            <a:r>
+              <a:rPr lang="en-US" sz="2400" dirty="0">
+                <a:solidFill>
+                  <a:srgbClr val="000000"/>
+                </a:solidFill>
+              </a:rPr>
+              <a:t>We had to:</a:t>
+            </a:r>
+            <a:endParaRPr lang="en-US" sz="1600" dirty="0">
+              <a:solidFill>
+                <a:srgbClr val="000000"/>
+              </a:solidFill>
+            </a:endParaRPr>
+          </a:p>
+          <a:p>
+            <a:pPr lvl="1"/>
+            <a:r>
+              <a:rPr lang="en-US" sz="2000" dirty="0">
+                <a:solidFill>
+                  <a:srgbClr val="000000"/>
+                </a:solidFill>
+              </a:rPr>
+              <a:t>Improve the solar system simulation</a:t>
+            </a:r>
+          </a:p>
+          <a:p>
+            <a:pPr lvl="1"/>
+            <a:r>
+              <a:rPr lang="en-US" sz="2000" dirty="0">
+                <a:solidFill>
+                  <a:srgbClr val="000000"/>
+                </a:solidFill>
+              </a:rPr>
+              <a:t>Create a landing module to land on Titan</a:t>
+            </a:r>
+          </a:p>
+          <a:p>
+            <a:pPr lvl="2"/>
+            <a:r>
+              <a:rPr lang="en-US" sz="1600" dirty="0">
+                <a:solidFill>
+                  <a:srgbClr val="000000"/>
+                </a:solidFill>
+              </a:rPr>
+              <a:t>An open-loop controller</a:t>
+            </a:r>
+          </a:p>
+          <a:p>
+            <a:pPr lvl="2"/>
+            <a:r>
+              <a:rPr lang="en-US" sz="1600" dirty="0">
+                <a:solidFill>
+                  <a:srgbClr val="000000"/>
+                </a:solidFill>
+              </a:rPr>
+              <a:t>A feedback controller</a:t>
+            </a:r>
+          </a:p>
+          <a:p>
+            <a:pPr lvl="1"/>
+            <a:r>
+              <a:rPr lang="en-US" sz="2000" dirty="0">
+                <a:solidFill>
+                  <a:srgbClr val="000000"/>
+                </a:solidFill>
+              </a:rPr>
+              <a:t>Add a stochastic wind</a:t>
+            </a:r>
+          </a:p>
+        </p:txBody>
+      </p:sp>
+    </p:spTree>
+    <p:extLst>
+      <p:ext uri="{BB962C8B-B14F-4D97-AF65-F5344CB8AC3E}">
+        <p14:creationId xmlns:p14="http://schemas.microsoft.com/office/powerpoint/2010/main" val="3299625196"/>
+      </p:ext>
+    </p:extLst>
+  </p:cSld>
+  <p:clrMapOvr>
+    <a:masterClrMapping/>
+  </p:clrMapOvr>
+</p:sld>
+</file>
+
+<file path=ppt/slides/slide3.xml><?xml version="1.0" encoding="utf-8"?>
+<p:sld xmlns:a="http://schemas.openxmlformats.org/drawingml/2006/main" xmlns:r="http://schemas.openxmlformats.org/officeDocument/2006/relationships" xmlns:p="http://schemas.openxmlformats.org/presentationml/2006/main">
+  <p:cSld>
+    <p:bg>
+      <p:bgPr>
+        <a:solidFill>
+          <a:schemeClr val="bg1"/>
+        </a:solidFill>
+        <a:effectLst/>
+      </p:bgPr>
+    </p:bg>
+    <p:spTree>
+      <p:nvGrpSpPr>
+        <p:cNvPr id="1" name=""/>
+        <p:cNvGrpSpPr/>
+        <p:nvPr/>
+      </p:nvGrpSpPr>
+      <p:grpSpPr>
+        <a:xfrm>
+          <a:off x="0" y="0"/>
+          <a:ext cx="0" cy="0"/>
+          <a:chOff x="0" y="0"/>
+          <a:chExt cx="0" cy="0"/>
+        </a:xfrm>
+      </p:grpSpPr>
+      <p:sp>
+        <p:nvSpPr>
+          <p:cNvPr id="8" name="Rectangle 7">
+            <a:extLst>
+              <a:ext uri="{FF2B5EF4-FFF2-40B4-BE49-F238E27FC236}">
+                <a16:creationId xmlns:a16="http://schemas.microsoft.com/office/drawing/2014/main" id="{4351DFE5-F63D-4BE0-BDA9-E3EB88F01AA5}"/>
+              </a:ext>
+              <a:ext uri="{C183D7F6-B498-43B3-948B-1728B52AA6E4}">
+                <adec:decorative xmlns:adec="http://schemas.microsoft.com/office/drawing/2017/decorative" val="1"/>
+              </a:ext>
+            </a:extLst>
+          </p:cNvPr>
+          <p:cNvSpPr>
+            <a:spLocks noGrp="1" noRot="1" noChangeAspect="1" noMove="1" noResize="1" noEditPoints="1" noAdjustHandles="1" noChangeArrowheads="1" noChangeShapeType="1" noTextEdit="1"/>
+          </p:cNvSpPr>
+          <p:nvPr>
+            <p:extLst>
+              <p:ext uri="{386F3935-93C4-4BCD-93E2-E3B085C9AB24}">
+                <p16:designElem xmlns:p16="http://schemas.microsoft.com/office/powerpoint/2015/main" val="1"/>
+              </p:ext>
+            </p:extLst>
+          </p:nvPr>
+        </p:nvSpPr>
+        <p:spPr>
+          <a:xfrm>
+            <a:off x="355601" y="0"/>
+            <a:ext cx="11480494" cy="2753936"/>
+          </a:xfrm>
+          <a:prstGeom prst="rect">
+            <a:avLst/>
+          </a:prstGeom>
+          <a:gradFill>
+            <a:gsLst>
+              <a:gs pos="0">
+                <a:schemeClr val="accent1">
+                  <a:lumMod val="90000"/>
+                </a:schemeClr>
+              </a:gs>
+              <a:gs pos="25000">
+                <a:schemeClr val="accent1">
+                  <a:lumMod val="90000"/>
+                </a:schemeClr>
+              </a:gs>
+              <a:gs pos="94000">
+                <a:schemeClr val="bg2">
+                  <a:lumMod val="25000"/>
+                </a:schemeClr>
+              </a:gs>
+              <a:gs pos="100000">
+                <a:schemeClr val="bg2">
+                  <a:lumMod val="25000"/>
+                </a:schemeClr>
+              </a:gs>
+            </a:gsLst>
+            <a:lin ang="4200000" scaled="0"/>
+          </a:gradFill>
+          <a:ln>
+            <a:noFill/>
+          </a:ln>
+        </p:spPr>
+        <p:style>
+          <a:lnRef idx="2">
+            <a:schemeClr val="accent1">
+              <a:shade val="50000"/>
+            </a:schemeClr>
+          </a:lnRef>
+          <a:fillRef idx="1">
+            <a:schemeClr val="accent1"/>
+          </a:fillRef>
+          <a:effectRef idx="0">
+            <a:schemeClr val="accent1"/>
+          </a:effectRef>
+          <a:fontRef idx="minor">
+            <a:schemeClr val="lt1"/>
+          </a:fontRef>
+        </p:style>
+        <p:txBody>
+          <a:bodyPr rtlCol="0" anchor="ctr"/>
+          <a:lstStyle/>
+          <a:p>
+            <a:pPr algn="ctr"/>
+            <a:endParaRPr lang="en-US"/>
+          </a:p>
+        </p:txBody>
+      </p:sp>
+      <p:pic>
+        <p:nvPicPr>
+          <p:cNvPr id="10" name="Picture 9">
+            <a:extLst>
+              <a:ext uri="{FF2B5EF4-FFF2-40B4-BE49-F238E27FC236}">
+                <a16:creationId xmlns:a16="http://schemas.microsoft.com/office/drawing/2014/main" id="{3AA16612-ACD2-4A16-8F2B-4514FD6BF28F}"/>
+              </a:ext>
+              <a:ext uri="{C183D7F6-B498-43B3-948B-1728B52AA6E4}">
+                <adec:decorative xmlns:adec="http://schemas.microsoft.com/office/drawing/2017/decorative" val="1"/>
+              </a:ext>
+            </a:extLst>
+          </p:cNvPr>
+          <p:cNvPicPr>
+            <a:picLocks noGrp="1" noRot="1" noChangeAspect="1" noMove="1" noResize="1" noEditPoints="1" noAdjustHandles="1" noChangeArrowheads="1" noChangeShapeType="1" noCrop="1"/>
+          </p:cNvPicPr>
+          <p:nvPr>
+            <p:extLst>
+              <p:ext uri="{386F3935-93C4-4BCD-93E2-E3B085C9AB24}">
+                <p16:designElem xmlns:p16="http://schemas.microsoft.com/office/powerpoint/2015/main" val="1"/>
+              </p:ext>
+            </p:extLst>
+          </p:nvPr>
+        </p:nvPicPr>
+        <p:blipFill>
+          <a:blip r:embed="rId3">
+            <a:extLst>
+              <a:ext uri="{28A0092B-C50C-407E-A947-70E740481C1C}">
+                <a14:useLocalDpi xmlns:a14="http://schemas.microsoft.com/office/drawing/2010/main" val="0"/>
+              </a:ext>
+            </a:extLst>
+          </a:blip>
+          <a:stretch>
+            <a:fillRect/>
+          </a:stretch>
+        </p:blipFill>
+        <p:spPr>
+          <a:xfrm>
+            <a:off x="0" y="0"/>
+            <a:ext cx="12192000" cy="6858000"/>
+          </a:xfrm>
+          <a:prstGeom prst="rect">
+            <a:avLst/>
+          </a:prstGeom>
+        </p:spPr>
+      </p:pic>
+      <p:sp>
+        <p:nvSpPr>
+          <p:cNvPr id="2" name="Titel 1">
+            <a:extLst>
+              <a:ext uri="{FF2B5EF4-FFF2-40B4-BE49-F238E27FC236}">
+                <a16:creationId xmlns:a16="http://schemas.microsoft.com/office/drawing/2014/main" id="{29EBAEBE-1727-490A-93C2-7510187F1251}"/>
+              </a:ext>
+            </a:extLst>
+          </p:cNvPr>
+          <p:cNvSpPr>
+            <a:spLocks noGrp="1"/>
+          </p:cNvSpPr>
+          <p:nvPr>
+            <p:ph type="title"/>
+          </p:nvPr>
+        </p:nvSpPr>
+        <p:spPr>
+          <a:xfrm>
+            <a:off x="1179226" y="826680"/>
+            <a:ext cx="9833548" cy="1325563"/>
+          </a:xfrm>
+        </p:spPr>
+        <p:txBody>
+          <a:bodyPr>
+            <a:normAutofit/>
+          </a:bodyPr>
+          <a:lstStyle/>
+          <a:p>
+            <a:pPr algn="ctr"/>
+            <a:r>
+              <a:rPr lang="en-US" sz="4000" dirty="0">
+                <a:solidFill>
+                  <a:srgbClr val="FFFFFF"/>
+                </a:solidFill>
+              </a:rPr>
+              <a:t>Solar System Improvement</a:t>
+            </a:r>
+          </a:p>
+        </p:txBody>
+      </p:sp>
+      <p:sp>
+        <p:nvSpPr>
+          <p:cNvPr id="3" name="Tijdelijke aanduiding voor inhoud 2">
+            <a:extLst>
+              <a:ext uri="{FF2B5EF4-FFF2-40B4-BE49-F238E27FC236}">
+                <a16:creationId xmlns:a16="http://schemas.microsoft.com/office/drawing/2014/main" id="{7F7FFD6F-F72E-449C-ADAD-7530257FD70A}"/>
+              </a:ext>
+            </a:extLst>
+          </p:cNvPr>
+          <p:cNvSpPr>
+            <a:spLocks noGrp="1"/>
+          </p:cNvSpPr>
+          <p:nvPr>
+            <p:ph idx="1"/>
+          </p:nvPr>
+        </p:nvSpPr>
+        <p:spPr>
+          <a:xfrm>
+            <a:off x="1179226" y="2621318"/>
+            <a:ext cx="9713675" cy="3840490"/>
+          </a:xfrm>
+        </p:spPr>
+        <p:txBody>
+          <a:bodyPr>
+            <a:normAutofit/>
+          </a:bodyPr>
+          <a:lstStyle/>
+          <a:p>
+            <a:r>
+              <a:rPr lang="en-US" sz="2400" dirty="0">
+                <a:solidFill>
+                  <a:srgbClr val="000000"/>
+                </a:solidFill>
+              </a:rPr>
+              <a:t>Phase 1:</a:t>
+            </a:r>
+          </a:p>
+          <a:p>
+            <a:pPr lvl="1"/>
+            <a:r>
+              <a:rPr lang="en-US" sz="2000" dirty="0">
+                <a:solidFill>
+                  <a:srgbClr val="000000"/>
+                </a:solidFill>
+              </a:rPr>
+              <a:t>Euler’s method</a:t>
+            </a:r>
+          </a:p>
+          <a:p>
+            <a:pPr lvl="1"/>
+            <a:r>
+              <a:rPr lang="en-US" sz="2000" dirty="0">
+                <a:solidFill>
+                  <a:srgbClr val="000000"/>
+                </a:solidFill>
+              </a:rPr>
+              <a:t>Not reaching Titan</a:t>
+            </a:r>
+            <a:br>
+              <a:rPr lang="en-US" sz="2000" dirty="0">
+                <a:solidFill>
+                  <a:srgbClr val="000000"/>
+                </a:solidFill>
+              </a:rPr>
+            </a:br>
+            <a:br>
+              <a:rPr lang="en-US" sz="2000" dirty="0">
+                <a:solidFill>
+                  <a:srgbClr val="000000"/>
+                </a:solidFill>
+              </a:rPr>
+            </a:br>
+            <a:endParaRPr lang="en-US" sz="2400" dirty="0">
+              <a:solidFill>
+                <a:srgbClr val="000000"/>
+              </a:solidFill>
+            </a:endParaRPr>
+          </a:p>
+          <a:p>
+            <a:r>
+              <a:rPr lang="en-US" sz="2400" dirty="0">
+                <a:solidFill>
+                  <a:srgbClr val="000000"/>
+                </a:solidFill>
+              </a:rPr>
+              <a:t>Improvements:</a:t>
+            </a:r>
+          </a:p>
+          <a:p>
+            <a:pPr lvl="1"/>
+            <a:r>
+              <a:rPr lang="en-US" sz="2000" dirty="0">
+                <a:solidFill>
+                  <a:srgbClr val="000000"/>
+                </a:solidFill>
+              </a:rPr>
+              <a:t>Implemented Runge-</a:t>
+            </a:r>
+            <a:r>
+              <a:rPr lang="en-US" sz="2000" dirty="0" err="1">
+                <a:solidFill>
+                  <a:srgbClr val="000000"/>
+                </a:solidFill>
+              </a:rPr>
+              <a:t>Kutta</a:t>
+            </a:r>
+            <a:r>
+              <a:rPr lang="en-US" sz="2000" dirty="0">
+                <a:solidFill>
+                  <a:srgbClr val="000000"/>
+                </a:solidFill>
+              </a:rPr>
+              <a:t> </a:t>
+            </a:r>
+            <a:br>
+              <a:rPr lang="en-US" sz="2000" dirty="0">
+                <a:solidFill>
+                  <a:srgbClr val="000000"/>
+                </a:solidFill>
+              </a:rPr>
+            </a:br>
+            <a:r>
+              <a:rPr lang="en-US" sz="2000" dirty="0">
+                <a:solidFill>
+                  <a:srgbClr val="000000"/>
+                </a:solidFill>
+              </a:rPr>
+              <a:t>Fourth Order</a:t>
+            </a:r>
+          </a:p>
+          <a:p>
+            <a:pPr lvl="1"/>
+            <a:r>
+              <a:rPr lang="en-US" sz="2000" dirty="0">
+                <a:solidFill>
+                  <a:srgbClr val="000000"/>
+                </a:solidFill>
+              </a:rPr>
+              <a:t>Method for reaching Titan</a:t>
+            </a:r>
+          </a:p>
+        </p:txBody>
+      </p:sp>
+      <p:pic>
+        <p:nvPicPr>
+          <p:cNvPr id="5" name="Picture 4">
+            <a:extLst>
+              <a:ext uri="{FF2B5EF4-FFF2-40B4-BE49-F238E27FC236}">
+                <a16:creationId xmlns:a16="http://schemas.microsoft.com/office/drawing/2014/main" id="{2C89EE0F-FBDE-4EB2-BEEE-FA1E7F59D1A4}"/>
+              </a:ext>
+            </a:extLst>
+          </p:cNvPr>
+          <p:cNvPicPr>
+            <a:picLocks noChangeAspect="1"/>
+          </p:cNvPicPr>
+          <p:nvPr/>
+        </p:nvPicPr>
+        <p:blipFill>
+          <a:blip r:embed="rId4"/>
+          <a:stretch>
+            <a:fillRect/>
+          </a:stretch>
+        </p:blipFill>
+        <p:spPr>
+          <a:xfrm>
+            <a:off x="5552709" y="2809091"/>
+            <a:ext cx="4219575" cy="771525"/>
+          </a:xfrm>
+          <a:prstGeom prst="rect">
+            <a:avLst/>
+          </a:prstGeom>
+        </p:spPr>
+      </p:pic>
+      <p:pic>
+        <p:nvPicPr>
+          <p:cNvPr id="6" name="Picture 5">
+            <a:extLst>
+              <a:ext uri="{FF2B5EF4-FFF2-40B4-BE49-F238E27FC236}">
+                <a16:creationId xmlns:a16="http://schemas.microsoft.com/office/drawing/2014/main" id="{A36EFCCC-C0A6-4F6E-82B2-047743094A3B}"/>
+              </a:ext>
+            </a:extLst>
+          </p:cNvPr>
+          <p:cNvPicPr>
+            <a:picLocks noChangeAspect="1"/>
+          </p:cNvPicPr>
+          <p:nvPr/>
+        </p:nvPicPr>
+        <p:blipFill>
+          <a:blip r:embed="rId5"/>
+          <a:stretch>
+            <a:fillRect/>
+          </a:stretch>
+        </p:blipFill>
+        <p:spPr>
+          <a:xfrm>
+            <a:off x="5333034" y="3936610"/>
+            <a:ext cx="6124575" cy="2409825"/>
+          </a:xfrm>
+          <a:prstGeom prst="rect">
+            <a:avLst/>
+          </a:prstGeom>
+        </p:spPr>
+      </p:pic>
+    </p:spTree>
+    <p:extLst>
+      <p:ext uri="{BB962C8B-B14F-4D97-AF65-F5344CB8AC3E}">
+        <p14:creationId xmlns:p14="http://schemas.microsoft.com/office/powerpoint/2010/main" val="2860698803"/>
+      </p:ext>
+    </p:extLst>
+  </p:cSld>
+  <p:clrMapOvr>
+    <a:masterClrMapping/>
+  </p:clrMapOvr>
+</p:sld>
+</file>
+
+<file path=ppt/slides/slide4.xml><?xml version="1.0" encoding="utf-8"?>
+<p:sld xmlns:a="http://schemas.openxmlformats.org/drawingml/2006/main" xmlns:r="http://schemas.openxmlformats.org/officeDocument/2006/relationships" xmlns:p="http://schemas.openxmlformats.org/presentationml/2006/main">
+  <p:cSld>
+    <p:bg>
+      <p:bgPr>
+        <a:solidFill>
+          <a:schemeClr val="bg1"/>
+        </a:solidFill>
+        <a:effectLst/>
+      </p:bgPr>
+    </p:bg>
+    <p:spTree>
+      <p:nvGrpSpPr>
+        <p:cNvPr id="1" name=""/>
+        <p:cNvGrpSpPr/>
+        <p:nvPr/>
+      </p:nvGrpSpPr>
+      <p:grpSpPr>
+        <a:xfrm>
+          <a:off x="0" y="0"/>
+          <a:ext cx="0" cy="0"/>
+          <a:chOff x="0" y="0"/>
+          <a:chExt cx="0" cy="0"/>
+        </a:xfrm>
+      </p:grpSpPr>
+      <p:sp>
+        <p:nvSpPr>
+          <p:cNvPr id="8" name="Rectangle 7">
+            <a:extLst>
+              <a:ext uri="{FF2B5EF4-FFF2-40B4-BE49-F238E27FC236}">
+                <a16:creationId xmlns:a16="http://schemas.microsoft.com/office/drawing/2014/main" id="{4351DFE5-F63D-4BE0-BDA9-E3EB88F01AA5}"/>
+              </a:ext>
+              <a:ext uri="{C183D7F6-B498-43B3-948B-1728B52AA6E4}">
+                <adec:decorative xmlns:adec="http://schemas.microsoft.com/office/drawing/2017/decorative" val="1"/>
+              </a:ext>
+            </a:extLst>
+          </p:cNvPr>
+          <p:cNvSpPr>
+            <a:spLocks noGrp="1" noRot="1" noChangeAspect="1" noMove="1" noResize="1" noEditPoints="1" noAdjustHandles="1" noChangeArrowheads="1" noChangeShapeType="1" noTextEdit="1"/>
+          </p:cNvSpPr>
+          <p:nvPr>
+            <p:extLst>
+              <p:ext uri="{386F3935-93C4-4BCD-93E2-E3B085C9AB24}">
+                <p16:designElem xmlns:p16="http://schemas.microsoft.com/office/powerpoint/2015/main" val="1"/>
+              </p:ext>
+            </p:extLst>
+          </p:nvPr>
+        </p:nvSpPr>
+        <p:spPr>
+          <a:xfrm>
+            <a:off x="355601" y="0"/>
+            <a:ext cx="11480494" cy="2753936"/>
+          </a:xfrm>
+          <a:prstGeom prst="rect">
+            <a:avLst/>
+          </a:prstGeom>
+          <a:gradFill>
+            <a:gsLst>
+              <a:gs pos="0">
+                <a:schemeClr val="accent1">
+                  <a:lumMod val="90000"/>
+                </a:schemeClr>
+              </a:gs>
+              <a:gs pos="25000">
+                <a:schemeClr val="accent1">
+                  <a:lumMod val="90000"/>
+                </a:schemeClr>
+              </a:gs>
+              <a:gs pos="94000">
+                <a:schemeClr val="bg2">
+                  <a:lumMod val="25000"/>
+                </a:schemeClr>
+              </a:gs>
+              <a:gs pos="100000">
+                <a:schemeClr val="bg2">
+                  <a:lumMod val="25000"/>
+                </a:schemeClr>
+              </a:gs>
+            </a:gsLst>
+            <a:lin ang="4200000" scaled="0"/>
+          </a:gradFill>
+          <a:ln>
+            <a:noFill/>
+          </a:ln>
+        </p:spPr>
+        <p:style>
+          <a:lnRef idx="2">
+            <a:schemeClr val="accent1">
+              <a:shade val="50000"/>
+            </a:schemeClr>
+          </a:lnRef>
+          <a:fillRef idx="1">
+            <a:schemeClr val="accent1"/>
+          </a:fillRef>
+          <a:effectRef idx="0">
+            <a:schemeClr val="accent1"/>
+          </a:effectRef>
+          <a:fontRef idx="minor">
+            <a:schemeClr val="lt1"/>
+          </a:fontRef>
+        </p:style>
+        <p:txBody>
+          <a:bodyPr rtlCol="0" anchor="ctr"/>
+          <a:lstStyle/>
+          <a:p>
+            <a:pPr algn="ctr"/>
+            <a:endParaRPr lang="en-US"/>
+          </a:p>
+        </p:txBody>
+      </p:sp>
+      <p:pic>
+        <p:nvPicPr>
+          <p:cNvPr id="10" name="Picture 9">
+            <a:extLst>
+              <a:ext uri="{FF2B5EF4-FFF2-40B4-BE49-F238E27FC236}">
+                <a16:creationId xmlns:a16="http://schemas.microsoft.com/office/drawing/2014/main" id="{3AA16612-ACD2-4A16-8F2B-4514FD6BF28F}"/>
+              </a:ext>
+              <a:ext uri="{C183D7F6-B498-43B3-948B-1728B52AA6E4}">
+                <adec:decorative xmlns:adec="http://schemas.microsoft.com/office/drawing/2017/decorative" val="1"/>
+              </a:ext>
+            </a:extLst>
+          </p:cNvPr>
+          <p:cNvPicPr>
+            <a:picLocks noGrp="1" noRot="1" noChangeAspect="1" noMove="1" noResize="1" noEditPoints="1" noAdjustHandles="1" noChangeArrowheads="1" noChangeShapeType="1" noCrop="1"/>
+          </p:cNvPicPr>
+          <p:nvPr>
+            <p:extLst>
+              <p:ext uri="{386F3935-93C4-4BCD-93E2-E3B085C9AB24}">
+                <p16:designElem xmlns:p16="http://schemas.microsoft.com/office/powerpoint/2015/main" val="1"/>
+              </p:ext>
+            </p:extLst>
+          </p:nvPr>
+        </p:nvPicPr>
+        <p:blipFill>
+          <a:blip r:embed="rId3">
+            <a:extLst>
+              <a:ext uri="{28A0092B-C50C-407E-A947-70E740481C1C}">
+                <a14:useLocalDpi xmlns:a14="http://schemas.microsoft.com/office/drawing/2010/main" val="0"/>
+              </a:ext>
+            </a:extLst>
+          </a:blip>
+          <a:stretch>
+            <a:fillRect/>
+          </a:stretch>
+        </p:blipFill>
+        <p:spPr>
+          <a:xfrm>
+            <a:off x="0" y="0"/>
+            <a:ext cx="12192000" cy="6858000"/>
+          </a:xfrm>
+          <a:prstGeom prst="rect">
+            <a:avLst/>
+          </a:prstGeom>
+        </p:spPr>
+      </p:pic>
+      <p:sp>
+        <p:nvSpPr>
+          <p:cNvPr id="2" name="Titel 1">
+            <a:extLst>
+              <a:ext uri="{FF2B5EF4-FFF2-40B4-BE49-F238E27FC236}">
+                <a16:creationId xmlns:a16="http://schemas.microsoft.com/office/drawing/2014/main" id="{29EBAEBE-1727-490A-93C2-7510187F1251}"/>
+              </a:ext>
+            </a:extLst>
+          </p:cNvPr>
+          <p:cNvSpPr>
+            <a:spLocks noGrp="1"/>
+          </p:cNvSpPr>
+          <p:nvPr>
+            <p:ph type="title"/>
+          </p:nvPr>
+        </p:nvSpPr>
+        <p:spPr>
+          <a:xfrm>
+            <a:off x="1179226" y="826680"/>
+            <a:ext cx="9833548" cy="1325563"/>
+          </a:xfrm>
+        </p:spPr>
+        <p:txBody>
+          <a:bodyPr>
+            <a:normAutofit/>
+          </a:bodyPr>
+          <a:lstStyle/>
+          <a:p>
+            <a:pPr algn="ctr"/>
+            <a:r>
+              <a:rPr lang="en-US" sz="4000" dirty="0">
+                <a:solidFill>
+                  <a:schemeClr val="bg1"/>
+                </a:solidFill>
+              </a:rPr>
+              <a:t>Controllers for Landing</a:t>
+            </a:r>
+          </a:p>
+        </p:txBody>
+      </p:sp>
+      <p:sp>
+        <p:nvSpPr>
+          <p:cNvPr id="3" name="Tijdelijke aanduiding voor inhoud 2">
+            <a:extLst>
+              <a:ext uri="{FF2B5EF4-FFF2-40B4-BE49-F238E27FC236}">
+                <a16:creationId xmlns:a16="http://schemas.microsoft.com/office/drawing/2014/main" id="{7F7FFD6F-F72E-449C-ADAD-7530257FD70A}"/>
+              </a:ext>
+            </a:extLst>
+          </p:cNvPr>
+          <p:cNvSpPr>
+            <a:spLocks noGrp="1"/>
+          </p:cNvSpPr>
+          <p:nvPr>
+            <p:ph idx="1"/>
+          </p:nvPr>
+        </p:nvSpPr>
+        <p:spPr>
+          <a:xfrm>
+            <a:off x="1179226" y="2649909"/>
+            <a:ext cx="9833548" cy="3713183"/>
+          </a:xfrm>
+        </p:spPr>
+        <p:txBody>
+          <a:bodyPr>
+            <a:normAutofit/>
+          </a:bodyPr>
+          <a:lstStyle/>
+          <a:p>
+            <a:r>
+              <a:rPr lang="en-US" sz="2400" dirty="0">
+                <a:solidFill>
+                  <a:srgbClr val="000000"/>
+                </a:solidFill>
+              </a:rPr>
+              <a:t>Open-Loop Controller</a:t>
+            </a:r>
+          </a:p>
+          <a:p>
+            <a:pPr lvl="1"/>
+            <a:r>
+              <a:rPr lang="en-US" sz="2000" dirty="0">
+                <a:solidFill>
+                  <a:srgbClr val="000000"/>
+                </a:solidFill>
+              </a:rPr>
+              <a:t>the control action performed = independent of the “process output</a:t>
+            </a:r>
+          </a:p>
+          <a:p>
+            <a:pPr lvl="1"/>
+            <a:r>
+              <a:rPr lang="en-US" sz="2000" dirty="0">
+                <a:solidFill>
+                  <a:srgbClr val="000000"/>
+                </a:solidFill>
+              </a:rPr>
+              <a:t>Example: heater which heats for a given time</a:t>
+            </a:r>
+          </a:p>
+          <a:p>
+            <a:pPr marL="457200" lvl="1" indent="0">
+              <a:buNone/>
+            </a:pPr>
+            <a:endParaRPr lang="en-US" sz="1800" dirty="0">
+              <a:solidFill>
+                <a:srgbClr val="000000"/>
+              </a:solidFill>
+            </a:endParaRPr>
+          </a:p>
+          <a:p>
+            <a:pPr marL="0" indent="0">
+              <a:buNone/>
+            </a:pPr>
+            <a:endParaRPr lang="en-US" sz="2400" dirty="0">
+              <a:solidFill>
+                <a:srgbClr val="000000"/>
+              </a:solidFill>
+            </a:endParaRPr>
+          </a:p>
+          <a:p>
+            <a:r>
+              <a:rPr lang="en-US" sz="2400" dirty="0">
+                <a:solidFill>
+                  <a:srgbClr val="000000"/>
+                </a:solidFill>
+              </a:rPr>
+              <a:t>For the landing:</a:t>
+            </a:r>
+          </a:p>
+          <a:p>
+            <a:pPr lvl="1"/>
+            <a:r>
+              <a:rPr lang="en-US" sz="2000" dirty="0">
+                <a:solidFill>
+                  <a:srgbClr val="000000"/>
+                </a:solidFill>
+              </a:rPr>
+              <a:t>constant thrust</a:t>
+            </a:r>
+          </a:p>
+          <a:p>
+            <a:pPr lvl="1"/>
+            <a:r>
+              <a:rPr lang="en-US" sz="2000" dirty="0">
+                <a:solidFill>
+                  <a:srgbClr val="000000"/>
+                </a:solidFill>
+              </a:rPr>
+              <a:t>To nearly completely counter all other forces</a:t>
+            </a:r>
+          </a:p>
+        </p:txBody>
+      </p:sp>
+    </p:spTree>
+    <p:extLst>
+      <p:ext uri="{BB962C8B-B14F-4D97-AF65-F5344CB8AC3E}">
+        <p14:creationId xmlns:p14="http://schemas.microsoft.com/office/powerpoint/2010/main" val="729009784"/>
+      </p:ext>
+    </p:extLst>
+  </p:cSld>
+  <p:clrMapOvr>
+    <a:masterClrMapping/>
+  </p:clrMapOvr>
+</p:sld>
+</file>
+
+<file path=ppt/slides/slide5.xml><?xml version="1.0" encoding="utf-8"?>
+<p:sld xmlns:a="http://schemas.openxmlformats.org/drawingml/2006/main" xmlns:r="http://schemas.openxmlformats.org/officeDocument/2006/relationships" xmlns:p="http://schemas.openxmlformats.org/presentationml/2006/main">
+  <p:cSld>
+    <p:bg>
+      <p:bgPr>
+        <a:solidFill>
+          <a:schemeClr val="bg1"/>
+        </a:solidFill>
+        <a:effectLst/>
+      </p:bgPr>
+    </p:bg>
+    <p:spTree>
+      <p:nvGrpSpPr>
+        <p:cNvPr id="1" name=""/>
+        <p:cNvGrpSpPr/>
+        <p:nvPr/>
+      </p:nvGrpSpPr>
+      <p:grpSpPr>
+        <a:xfrm>
+          <a:off x="0" y="0"/>
+          <a:ext cx="0" cy="0"/>
+          <a:chOff x="0" y="0"/>
+          <a:chExt cx="0" cy="0"/>
+        </a:xfrm>
+      </p:grpSpPr>
+      <p:sp>
+        <p:nvSpPr>
+          <p:cNvPr id="8" name="Rectangle 7">
+            <a:extLst>
+              <a:ext uri="{FF2B5EF4-FFF2-40B4-BE49-F238E27FC236}">
+                <a16:creationId xmlns:a16="http://schemas.microsoft.com/office/drawing/2014/main" id="{4351DFE5-F63D-4BE0-BDA9-E3EB88F01AA5}"/>
+              </a:ext>
+              <a:ext uri="{C183D7F6-B498-43B3-948B-1728B52AA6E4}">
+                <adec:decorative xmlns:adec="http://schemas.microsoft.com/office/drawing/2017/decorative" val="1"/>
+              </a:ext>
+            </a:extLst>
+          </p:cNvPr>
+          <p:cNvSpPr>
+            <a:spLocks noGrp="1" noRot="1" noChangeAspect="1" noMove="1" noResize="1" noEditPoints="1" noAdjustHandles="1" noChangeArrowheads="1" noChangeShapeType="1" noTextEdit="1"/>
+          </p:cNvSpPr>
+          <p:nvPr>
+            <p:extLst>
+              <p:ext uri="{386F3935-93C4-4BCD-93E2-E3B085C9AB24}">
+                <p16:designElem xmlns:p16="http://schemas.microsoft.com/office/powerpoint/2015/main" val="1"/>
+              </p:ext>
+            </p:extLst>
+          </p:nvPr>
+        </p:nvSpPr>
+        <p:spPr>
+          <a:xfrm>
+            <a:off x="355601" y="0"/>
+            <a:ext cx="11480494" cy="2753936"/>
+          </a:xfrm>
+          <a:prstGeom prst="rect">
+            <a:avLst/>
+          </a:prstGeom>
+          <a:gradFill>
+            <a:gsLst>
+              <a:gs pos="0">
+                <a:schemeClr val="accent1">
+                  <a:lumMod val="90000"/>
+                </a:schemeClr>
+              </a:gs>
+              <a:gs pos="25000">
+                <a:schemeClr val="accent1">
+                  <a:lumMod val="90000"/>
+                </a:schemeClr>
+              </a:gs>
+              <a:gs pos="94000">
+                <a:schemeClr val="bg2">
+                  <a:lumMod val="25000"/>
+                </a:schemeClr>
+              </a:gs>
+              <a:gs pos="100000">
+                <a:schemeClr val="bg2">
+                  <a:lumMod val="25000"/>
+                </a:schemeClr>
+              </a:gs>
+            </a:gsLst>
+            <a:lin ang="4200000" scaled="0"/>
+          </a:gradFill>
+          <a:ln>
+            <a:noFill/>
+          </a:ln>
+        </p:spPr>
+        <p:style>
+          <a:lnRef idx="2">
+            <a:schemeClr val="accent1">
+              <a:shade val="50000"/>
+            </a:schemeClr>
+          </a:lnRef>
+          <a:fillRef idx="1">
+            <a:schemeClr val="accent1"/>
+          </a:fillRef>
+          <a:effectRef idx="0">
+            <a:schemeClr val="accent1"/>
+          </a:effectRef>
+          <a:fontRef idx="minor">
+            <a:schemeClr val="lt1"/>
+          </a:fontRef>
+        </p:style>
+        <p:txBody>
+          <a:bodyPr rtlCol="0" anchor="ctr"/>
+          <a:lstStyle/>
+          <a:p>
+            <a:pPr algn="ctr"/>
+            <a:endParaRPr lang="en-US"/>
+          </a:p>
+        </p:txBody>
+      </p:sp>
+      <p:pic>
+        <p:nvPicPr>
+          <p:cNvPr id="10" name="Picture 9">
+            <a:extLst>
+              <a:ext uri="{FF2B5EF4-FFF2-40B4-BE49-F238E27FC236}">
+                <a16:creationId xmlns:a16="http://schemas.microsoft.com/office/drawing/2014/main" id="{3AA16612-ACD2-4A16-8F2B-4514FD6BF28F}"/>
+              </a:ext>
+              <a:ext uri="{C183D7F6-B498-43B3-948B-1728B52AA6E4}">
+                <adec:decorative xmlns:adec="http://schemas.microsoft.com/office/drawing/2017/decorative" val="1"/>
+              </a:ext>
+            </a:extLst>
+          </p:cNvPr>
+          <p:cNvPicPr>
+            <a:picLocks noGrp="1" noRot="1" noChangeAspect="1" noMove="1" noResize="1" noEditPoints="1" noAdjustHandles="1" noChangeArrowheads="1" noChangeShapeType="1" noCrop="1"/>
+          </p:cNvPicPr>
+          <p:nvPr>
+            <p:extLst>
+              <p:ext uri="{386F3935-93C4-4BCD-93E2-E3B085C9AB24}">
+                <p16:designElem xmlns:p16="http://schemas.microsoft.com/office/powerpoint/2015/main" val="1"/>
+              </p:ext>
+            </p:extLst>
+          </p:nvPr>
+        </p:nvPicPr>
+        <p:blipFill>
+          <a:blip r:embed="rId3">
+            <a:extLst>
+              <a:ext uri="{28A0092B-C50C-407E-A947-70E740481C1C}">
+                <a14:useLocalDpi xmlns:a14="http://schemas.microsoft.com/office/drawing/2010/main" val="0"/>
+              </a:ext>
+            </a:extLst>
+          </a:blip>
+          <a:stretch>
+            <a:fillRect/>
+          </a:stretch>
+        </p:blipFill>
+        <p:spPr>
+          <a:xfrm>
+            <a:off x="0" y="0"/>
+            <a:ext cx="12192000" cy="6858000"/>
+          </a:xfrm>
+          <a:prstGeom prst="rect">
+            <a:avLst/>
+          </a:prstGeom>
+        </p:spPr>
+      </p:pic>
+      <p:sp>
+        <p:nvSpPr>
+          <p:cNvPr id="2" name="Titel 1">
+            <a:extLst>
+              <a:ext uri="{FF2B5EF4-FFF2-40B4-BE49-F238E27FC236}">
+                <a16:creationId xmlns:a16="http://schemas.microsoft.com/office/drawing/2014/main" id="{29EBAEBE-1727-490A-93C2-7510187F1251}"/>
+              </a:ext>
+            </a:extLst>
+          </p:cNvPr>
+          <p:cNvSpPr>
+            <a:spLocks noGrp="1"/>
+          </p:cNvSpPr>
+          <p:nvPr>
+            <p:ph type="title"/>
+          </p:nvPr>
+        </p:nvSpPr>
+        <p:spPr>
+          <a:xfrm>
+            <a:off x="1179226" y="826680"/>
+            <a:ext cx="9833548" cy="1325563"/>
+          </a:xfrm>
+        </p:spPr>
+        <p:txBody>
+          <a:bodyPr>
+            <a:normAutofit/>
+          </a:bodyPr>
+          <a:lstStyle/>
+          <a:p>
+            <a:pPr algn="ctr"/>
+            <a:r>
+              <a:rPr lang="en-US" sz="4000" dirty="0">
+                <a:solidFill>
+                  <a:schemeClr val="bg1"/>
+                </a:solidFill>
+              </a:rPr>
+              <a:t>Controllers for Landing</a:t>
+            </a:r>
+          </a:p>
+        </p:txBody>
+      </p:sp>
+      <p:sp>
+        <p:nvSpPr>
+          <p:cNvPr id="3" name="Tijdelijke aanduiding voor inhoud 2">
+            <a:extLst>
+              <a:ext uri="{FF2B5EF4-FFF2-40B4-BE49-F238E27FC236}">
+                <a16:creationId xmlns:a16="http://schemas.microsoft.com/office/drawing/2014/main" id="{7F7FFD6F-F72E-449C-ADAD-7530257FD70A}"/>
+              </a:ext>
+            </a:extLst>
+          </p:cNvPr>
+          <p:cNvSpPr>
+            <a:spLocks noGrp="1"/>
+          </p:cNvSpPr>
+          <p:nvPr>
+            <p:ph idx="1"/>
+          </p:nvPr>
+        </p:nvSpPr>
+        <p:spPr>
+          <a:xfrm>
+            <a:off x="1179074" y="2657113"/>
+            <a:ext cx="9833548" cy="3377923"/>
+          </a:xfrm>
+        </p:spPr>
+        <p:txBody>
+          <a:bodyPr>
+            <a:normAutofit/>
+          </a:bodyPr>
+          <a:lstStyle/>
+          <a:p>
+            <a:r>
+              <a:rPr lang="en-US" sz="2400" dirty="0">
+                <a:solidFill>
+                  <a:srgbClr val="000000"/>
+                </a:solidFill>
+              </a:rPr>
+              <a:t>Feedback Controller</a:t>
+            </a:r>
+          </a:p>
+          <a:p>
+            <a:pPr lvl="1"/>
+            <a:r>
+              <a:rPr lang="en-US" sz="2000" dirty="0">
+                <a:solidFill>
+                  <a:srgbClr val="000000"/>
+                </a:solidFill>
+              </a:rPr>
+              <a:t>Opposite of the open-loop controller</a:t>
+            </a:r>
+            <a:br>
+              <a:rPr lang="en-US" sz="2000" dirty="0">
+                <a:solidFill>
+                  <a:srgbClr val="000000"/>
+                </a:solidFill>
+              </a:rPr>
+            </a:br>
+            <a:endParaRPr lang="en-US" sz="2400" dirty="0">
+              <a:solidFill>
+                <a:srgbClr val="000000"/>
+              </a:solidFill>
+            </a:endParaRPr>
+          </a:p>
+          <a:p>
+            <a:r>
+              <a:rPr lang="en-US" sz="2400" dirty="0">
+                <a:solidFill>
+                  <a:srgbClr val="000000"/>
+                </a:solidFill>
+              </a:rPr>
+              <a:t>For the landing: </a:t>
+            </a:r>
+          </a:p>
+          <a:p>
+            <a:pPr lvl="1"/>
+            <a:r>
+              <a:rPr lang="en-US" sz="2000" dirty="0">
+                <a:solidFill>
+                  <a:srgbClr val="000000"/>
+                </a:solidFill>
+              </a:rPr>
+              <a:t>Correct the x-position</a:t>
+            </a:r>
+          </a:p>
+          <a:p>
+            <a:pPr lvl="2"/>
+            <a:r>
+              <a:rPr lang="en-US" sz="1600" dirty="0">
+                <a:solidFill>
+                  <a:srgbClr val="000000"/>
+                </a:solidFill>
+              </a:rPr>
+              <a:t>Done by tilting the landing module</a:t>
+            </a:r>
+          </a:p>
+          <a:p>
+            <a:pPr lvl="1"/>
+            <a:r>
+              <a:rPr lang="en-US" sz="2000" dirty="0">
+                <a:solidFill>
+                  <a:srgbClr val="000000"/>
+                </a:solidFill>
+              </a:rPr>
+              <a:t>Correct the y-position</a:t>
+            </a:r>
+          </a:p>
+          <a:p>
+            <a:pPr lvl="2"/>
+            <a:r>
+              <a:rPr lang="en-US" sz="1600" dirty="0">
+                <a:solidFill>
+                  <a:srgbClr val="000000"/>
+                </a:solidFill>
+              </a:rPr>
+              <a:t>Take into account gravity (and optionally also wind)</a:t>
+            </a:r>
+          </a:p>
+          <a:p>
+            <a:pPr lvl="2"/>
+            <a:r>
+              <a:rPr lang="en-US" sz="1600" dirty="0">
+                <a:solidFill>
+                  <a:srgbClr val="000000"/>
+                </a:solidFill>
+              </a:rPr>
+              <a:t>Determine if we use the thruster</a:t>
+            </a:r>
+          </a:p>
+        </p:txBody>
+      </p:sp>
+    </p:spTree>
+    <p:extLst>
+      <p:ext uri="{BB962C8B-B14F-4D97-AF65-F5344CB8AC3E}">
+        <p14:creationId xmlns:p14="http://schemas.microsoft.com/office/powerpoint/2010/main" val="1191438092"/>
+      </p:ext>
+    </p:extLst>
+  </p:cSld>
+  <p:clrMapOvr>
+    <a:masterClrMapping/>
+  </p:clrMapOvr>
+</p:sld>
+</file>
+
+<file path=ppt/slides/slide6.xml><?xml version="1.0" encoding="utf-8"?>
+<p:sld xmlns:a="http://schemas.openxmlformats.org/drawingml/2006/main" xmlns:r="http://schemas.openxmlformats.org/officeDocument/2006/relationships" xmlns:p="http://schemas.openxmlformats.org/presentationml/2006/main">
+  <p:cSld>
+    <p:bg>
+      <p:bgPr>
+        <a:solidFill>
+          <a:schemeClr val="bg1"/>
+        </a:solidFill>
+        <a:effectLst/>
+      </p:bgPr>
+    </p:bg>
+    <p:spTree>
+      <p:nvGrpSpPr>
+        <p:cNvPr id="1" name=""/>
+        <p:cNvGrpSpPr/>
+        <p:nvPr/>
+      </p:nvGrpSpPr>
+      <p:grpSpPr>
+        <a:xfrm>
+          <a:off x="0" y="0"/>
+          <a:ext cx="0" cy="0"/>
+          <a:chOff x="0" y="0"/>
+          <a:chExt cx="0" cy="0"/>
+        </a:xfrm>
+      </p:grpSpPr>
+      <p:sp>
+        <p:nvSpPr>
+          <p:cNvPr id="8" name="Rectangle 7">
+            <a:extLst>
+              <a:ext uri="{FF2B5EF4-FFF2-40B4-BE49-F238E27FC236}">
+                <a16:creationId xmlns:a16="http://schemas.microsoft.com/office/drawing/2014/main" id="{4351DFE5-F63D-4BE0-BDA9-E3EB88F01AA5}"/>
+              </a:ext>
+              <a:ext uri="{C183D7F6-B498-43B3-948B-1728B52AA6E4}">
+                <adec:decorative xmlns:adec="http://schemas.microsoft.com/office/drawing/2017/decorative" val="1"/>
+              </a:ext>
+            </a:extLst>
+          </p:cNvPr>
+          <p:cNvSpPr>
+            <a:spLocks noGrp="1" noRot="1" noChangeAspect="1" noMove="1" noResize="1" noEditPoints="1" noAdjustHandles="1" noChangeArrowheads="1" noChangeShapeType="1" noTextEdit="1"/>
+          </p:cNvSpPr>
+          <p:nvPr>
+            <p:extLst>
+              <p:ext uri="{386F3935-93C4-4BCD-93E2-E3B085C9AB24}">
+                <p16:designElem xmlns:p16="http://schemas.microsoft.com/office/powerpoint/2015/main" val="1"/>
+              </p:ext>
+            </p:extLst>
+          </p:nvPr>
+        </p:nvSpPr>
+        <p:spPr>
+          <a:xfrm>
+            <a:off x="355601" y="0"/>
+            <a:ext cx="11480494" cy="2753936"/>
+          </a:xfrm>
+          <a:prstGeom prst="rect">
+            <a:avLst/>
+          </a:prstGeom>
+          <a:gradFill>
+            <a:gsLst>
+              <a:gs pos="0">
+                <a:schemeClr val="accent1">
+                  <a:lumMod val="90000"/>
+                </a:schemeClr>
+              </a:gs>
+              <a:gs pos="25000">
+                <a:schemeClr val="accent1">
+                  <a:lumMod val="90000"/>
+                </a:schemeClr>
+              </a:gs>
+              <a:gs pos="94000">
+                <a:schemeClr val="bg2">
+                  <a:lumMod val="25000"/>
+                </a:schemeClr>
+              </a:gs>
+              <a:gs pos="100000">
+                <a:schemeClr val="bg2">
+                  <a:lumMod val="25000"/>
+                </a:schemeClr>
+              </a:gs>
+            </a:gsLst>
+            <a:lin ang="4200000" scaled="0"/>
+          </a:gradFill>
+          <a:ln>
+            <a:noFill/>
+          </a:ln>
+        </p:spPr>
+        <p:style>
+          <a:lnRef idx="2">
+            <a:schemeClr val="accent1">
+              <a:shade val="50000"/>
+            </a:schemeClr>
+          </a:lnRef>
+          <a:fillRef idx="1">
+            <a:schemeClr val="accent1"/>
+          </a:fillRef>
+          <a:effectRef idx="0">
+            <a:schemeClr val="accent1"/>
+          </a:effectRef>
+          <a:fontRef idx="minor">
+            <a:schemeClr val="lt1"/>
+          </a:fontRef>
+        </p:style>
+        <p:txBody>
+          <a:bodyPr rtlCol="0" anchor="ctr"/>
+          <a:lstStyle/>
+          <a:p>
+            <a:pPr algn="ctr"/>
+            <a:endParaRPr lang="en-US"/>
+          </a:p>
+        </p:txBody>
+      </p:sp>
+      <p:pic>
+        <p:nvPicPr>
+          <p:cNvPr id="10" name="Picture 9">
+            <a:extLst>
+              <a:ext uri="{FF2B5EF4-FFF2-40B4-BE49-F238E27FC236}">
+                <a16:creationId xmlns:a16="http://schemas.microsoft.com/office/drawing/2014/main" id="{3AA16612-ACD2-4A16-8F2B-4514FD6BF28F}"/>
+              </a:ext>
+              <a:ext uri="{C183D7F6-B498-43B3-948B-1728B52AA6E4}">
+                <adec:decorative xmlns:adec="http://schemas.microsoft.com/office/drawing/2017/decorative" val="1"/>
+              </a:ext>
+            </a:extLst>
+          </p:cNvPr>
+          <p:cNvPicPr>
+            <a:picLocks noGrp="1" noRot="1" noChangeAspect="1" noMove="1" noResize="1" noEditPoints="1" noAdjustHandles="1" noChangeArrowheads="1" noChangeShapeType="1" noCrop="1"/>
+          </p:cNvPicPr>
+          <p:nvPr>
+            <p:extLst>
+              <p:ext uri="{386F3935-93C4-4BCD-93E2-E3B085C9AB24}">
+                <p16:designElem xmlns:p16="http://schemas.microsoft.com/office/powerpoint/2015/main" val="1"/>
+              </p:ext>
+            </p:extLst>
+          </p:nvPr>
+        </p:nvPicPr>
+        <p:blipFill>
+          <a:blip r:embed="rId3">
+            <a:extLst>
+              <a:ext uri="{28A0092B-C50C-407E-A947-70E740481C1C}">
+                <a14:useLocalDpi xmlns:a14="http://schemas.microsoft.com/office/drawing/2010/main" val="0"/>
+              </a:ext>
+            </a:extLst>
+          </a:blip>
+          <a:stretch>
+            <a:fillRect/>
+          </a:stretch>
+        </p:blipFill>
+        <p:spPr>
+          <a:xfrm>
+            <a:off x="0" y="0"/>
+            <a:ext cx="12192000" cy="6858000"/>
+          </a:xfrm>
+          <a:prstGeom prst="rect">
+            <a:avLst/>
+          </a:prstGeom>
+        </p:spPr>
+      </p:pic>
+      <p:sp>
+        <p:nvSpPr>
+          <p:cNvPr id="2" name="Titel 1">
+            <a:extLst>
+              <a:ext uri="{FF2B5EF4-FFF2-40B4-BE49-F238E27FC236}">
+                <a16:creationId xmlns:a16="http://schemas.microsoft.com/office/drawing/2014/main" id="{29EBAEBE-1727-490A-93C2-7510187F1251}"/>
+              </a:ext>
+            </a:extLst>
+          </p:cNvPr>
+          <p:cNvSpPr>
+            <a:spLocks noGrp="1"/>
+          </p:cNvSpPr>
+          <p:nvPr>
+            <p:ph type="title"/>
+          </p:nvPr>
+        </p:nvSpPr>
+        <p:spPr>
+          <a:xfrm>
+            <a:off x="1179226" y="826680"/>
+            <a:ext cx="9833548" cy="1325563"/>
+          </a:xfrm>
+        </p:spPr>
+        <p:txBody>
+          <a:bodyPr>
+            <a:normAutofit/>
+          </a:bodyPr>
+          <a:lstStyle/>
+          <a:p>
+            <a:pPr algn="ctr"/>
+            <a:r>
+              <a:rPr lang="en-US" sz="4000" dirty="0">
+                <a:solidFill>
+                  <a:schemeClr val="bg1"/>
+                </a:solidFill>
+              </a:rPr>
+              <a:t>Wind model</a:t>
+            </a:r>
+          </a:p>
+        </p:txBody>
+      </p:sp>
+      <p:sp>
+        <p:nvSpPr>
+          <p:cNvPr id="3" name="Tijdelijke aanduiding voor inhoud 2">
+            <a:extLst>
+              <a:ext uri="{FF2B5EF4-FFF2-40B4-BE49-F238E27FC236}">
+                <a16:creationId xmlns:a16="http://schemas.microsoft.com/office/drawing/2014/main" id="{7F7FFD6F-F72E-449C-ADAD-7530257FD70A}"/>
+              </a:ext>
+            </a:extLst>
+          </p:cNvPr>
+          <p:cNvSpPr>
+            <a:spLocks noGrp="1"/>
+          </p:cNvSpPr>
+          <p:nvPr>
+            <p:ph idx="1"/>
+          </p:nvPr>
+        </p:nvSpPr>
+        <p:spPr>
+          <a:xfrm>
+            <a:off x="1179074" y="2978923"/>
+            <a:ext cx="9833548" cy="3377923"/>
+          </a:xfrm>
+        </p:spPr>
+        <p:txBody>
+          <a:bodyPr>
+            <a:normAutofit/>
+          </a:bodyPr>
+          <a:lstStyle/>
+          <a:p>
+            <a:r>
+              <a:rPr lang="en-US" sz="2400" dirty="0">
+                <a:solidFill>
+                  <a:srgbClr val="000000"/>
+                </a:solidFill>
+              </a:rPr>
+              <a:t>Constant max wind acceleration</a:t>
+            </a:r>
+          </a:p>
+          <a:p>
+            <a:r>
+              <a:rPr lang="en-US" sz="2400" dirty="0">
+                <a:solidFill>
+                  <a:srgbClr val="000000"/>
+                </a:solidFill>
+              </a:rPr>
+              <a:t>Wind </a:t>
+            </a:r>
+          </a:p>
+          <a:p>
+            <a:pPr lvl="1"/>
+            <a:r>
+              <a:rPr lang="en-US" sz="2000" dirty="0">
+                <a:solidFill>
+                  <a:srgbClr val="000000"/>
+                </a:solidFill>
+              </a:rPr>
+              <a:t>In random direction</a:t>
+            </a:r>
+          </a:p>
+          <a:p>
+            <a:pPr lvl="1"/>
+            <a:r>
+              <a:rPr lang="en-US" sz="2000" dirty="0">
+                <a:solidFill>
+                  <a:srgbClr val="000000"/>
+                </a:solidFill>
+              </a:rPr>
+              <a:t>Of random force, up to max</a:t>
+            </a:r>
+          </a:p>
+        </p:txBody>
+      </p:sp>
+    </p:spTree>
+    <p:extLst>
+      <p:ext uri="{BB962C8B-B14F-4D97-AF65-F5344CB8AC3E}">
+        <p14:creationId xmlns:p14="http://schemas.microsoft.com/office/powerpoint/2010/main" val="1658071239"/>
+      </p:ext>
+    </p:extLst>
+  </p:cSld>
+  <p:clrMapOvr>
+    <a:masterClrMapping/>
+  </p:clrMapOvr>
+</p:sld>
+</file>
+
+<file path=ppt/slides/slide7.xml><?xml version="1.0" encoding="utf-8"?>
+<p:sld xmlns:a="http://schemas.openxmlformats.org/drawingml/2006/main" xmlns:r="http://schemas.openxmlformats.org/officeDocument/2006/relationships" xmlns:p="http://schemas.openxmlformats.org/presentationml/2006/main">
+  <p:cSld>
+    <p:bg>
+      <p:bgPr>
+        <a:solidFill>
+          <a:schemeClr val="bg1"/>
+        </a:solidFill>
+        <a:effectLst/>
+      </p:bgPr>
+    </p:bg>
+    <p:spTree>
+      <p:nvGrpSpPr>
+        <p:cNvPr id="1" name=""/>
+        <p:cNvGrpSpPr/>
+        <p:nvPr/>
+      </p:nvGrpSpPr>
+      <p:grpSpPr>
+        <a:xfrm>
+          <a:off x="0" y="0"/>
+          <a:ext cx="0" cy="0"/>
+          <a:chOff x="0" y="0"/>
+          <a:chExt cx="0" cy="0"/>
+        </a:xfrm>
+      </p:grpSpPr>
+      <p:sp>
+        <p:nvSpPr>
+          <p:cNvPr id="8" name="Rectangle 7">
+            <a:extLst>
+              <a:ext uri="{FF2B5EF4-FFF2-40B4-BE49-F238E27FC236}">
+                <a16:creationId xmlns:a16="http://schemas.microsoft.com/office/drawing/2014/main" id="{4351DFE5-F63D-4BE0-BDA9-E3EB88F01AA5}"/>
+              </a:ext>
+              <a:ext uri="{C183D7F6-B498-43B3-948B-1728B52AA6E4}">
+                <adec:decorative xmlns:adec="http://schemas.microsoft.com/office/drawing/2017/decorative" val="1"/>
+              </a:ext>
+            </a:extLst>
+          </p:cNvPr>
+          <p:cNvSpPr>
+            <a:spLocks noGrp="1" noRot="1" noChangeAspect="1" noMove="1" noResize="1" noEditPoints="1" noAdjustHandles="1" noChangeArrowheads="1" noChangeShapeType="1" noTextEdit="1"/>
+          </p:cNvSpPr>
+          <p:nvPr>
+            <p:extLst>
+              <p:ext uri="{386F3935-93C4-4BCD-93E2-E3B085C9AB24}">
+                <p16:designElem xmlns:p16="http://schemas.microsoft.com/office/powerpoint/2015/main" val="1"/>
+              </p:ext>
+            </p:extLst>
+          </p:nvPr>
+        </p:nvSpPr>
+        <p:spPr>
+          <a:xfrm>
+            <a:off x="355601" y="0"/>
+            <a:ext cx="11480494" cy="2753936"/>
+          </a:xfrm>
+          <a:prstGeom prst="rect">
+            <a:avLst/>
+          </a:prstGeom>
+          <a:gradFill>
+            <a:gsLst>
+              <a:gs pos="0">
+                <a:schemeClr val="accent1">
+                  <a:lumMod val="90000"/>
+                </a:schemeClr>
+              </a:gs>
+              <a:gs pos="25000">
+                <a:schemeClr val="accent1">
+                  <a:lumMod val="90000"/>
+                </a:schemeClr>
+              </a:gs>
+              <a:gs pos="94000">
+                <a:schemeClr val="bg2">
+                  <a:lumMod val="25000"/>
+                </a:schemeClr>
+              </a:gs>
+              <a:gs pos="100000">
+                <a:schemeClr val="bg2">
+                  <a:lumMod val="25000"/>
+                </a:schemeClr>
+              </a:gs>
+            </a:gsLst>
+            <a:lin ang="4200000" scaled="0"/>
+          </a:gradFill>
+          <a:ln>
+            <a:noFill/>
+          </a:ln>
+        </p:spPr>
+        <p:style>
+          <a:lnRef idx="2">
+            <a:schemeClr val="accent1">
+              <a:shade val="50000"/>
+            </a:schemeClr>
+          </a:lnRef>
+          <a:fillRef idx="1">
+            <a:schemeClr val="accent1"/>
+          </a:fillRef>
+          <a:effectRef idx="0">
+            <a:schemeClr val="accent1"/>
+          </a:effectRef>
+          <a:fontRef idx="minor">
+            <a:schemeClr val="lt1"/>
+          </a:fontRef>
+        </p:style>
+        <p:txBody>
+          <a:bodyPr rtlCol="0" anchor="ctr"/>
+          <a:lstStyle/>
+          <a:p>
+            <a:pPr algn="ctr"/>
+            <a:endParaRPr lang="en-US"/>
+          </a:p>
+        </p:txBody>
+      </p:sp>
+      <p:pic>
+        <p:nvPicPr>
+          <p:cNvPr id="10" name="Picture 9">
+            <a:extLst>
+              <a:ext uri="{FF2B5EF4-FFF2-40B4-BE49-F238E27FC236}">
+                <a16:creationId xmlns:a16="http://schemas.microsoft.com/office/drawing/2014/main" id="{3AA16612-ACD2-4A16-8F2B-4514FD6BF28F}"/>
+              </a:ext>
+              <a:ext uri="{C183D7F6-B498-43B3-948B-1728B52AA6E4}">
+                <adec:decorative xmlns:adec="http://schemas.microsoft.com/office/drawing/2017/decorative" val="1"/>
+              </a:ext>
+            </a:extLst>
+          </p:cNvPr>
+          <p:cNvPicPr>
+            <a:picLocks noGrp="1" noRot="1" noChangeAspect="1" noMove="1" noResize="1" noEditPoints="1" noAdjustHandles="1" noChangeArrowheads="1" noChangeShapeType="1" noCrop="1"/>
+          </p:cNvPicPr>
+          <p:nvPr>
+            <p:extLst>
+              <p:ext uri="{386F3935-93C4-4BCD-93E2-E3B085C9AB24}">
+                <p16:designElem xmlns:p16="http://schemas.microsoft.com/office/powerpoint/2015/main" val="1"/>
+              </p:ext>
+            </p:extLst>
+          </p:nvPr>
+        </p:nvPicPr>
+        <p:blipFill>
+          <a:blip r:embed="rId3">
+            <a:extLst>
+              <a:ext uri="{28A0092B-C50C-407E-A947-70E740481C1C}">
+                <a14:useLocalDpi xmlns:a14="http://schemas.microsoft.com/office/drawing/2010/main" val="0"/>
+              </a:ext>
+            </a:extLst>
+          </a:blip>
+          <a:stretch>
+            <a:fillRect/>
+          </a:stretch>
+        </p:blipFill>
+        <p:spPr>
+          <a:xfrm>
+            <a:off x="0" y="0"/>
+            <a:ext cx="12192000" cy="6858000"/>
+          </a:xfrm>
+          <a:prstGeom prst="rect">
+            <a:avLst/>
+          </a:prstGeom>
+        </p:spPr>
+      </p:pic>
+      <p:sp>
+        <p:nvSpPr>
+          <p:cNvPr id="2" name="Titel 1">
+            <a:extLst>
+              <a:ext uri="{FF2B5EF4-FFF2-40B4-BE49-F238E27FC236}">
+                <a16:creationId xmlns:a16="http://schemas.microsoft.com/office/drawing/2014/main" id="{A01959A0-4AC6-4417-AF0B-2E14852A226A}"/>
+              </a:ext>
+            </a:extLst>
+          </p:cNvPr>
+          <p:cNvSpPr>
+            <a:spLocks noGrp="1"/>
+          </p:cNvSpPr>
+          <p:nvPr>
+            <p:ph type="title"/>
+          </p:nvPr>
+        </p:nvSpPr>
+        <p:spPr>
+          <a:xfrm>
+            <a:off x="1179226" y="826680"/>
+            <a:ext cx="9833548" cy="1325563"/>
+          </a:xfrm>
+        </p:spPr>
+        <p:txBody>
+          <a:bodyPr>
+            <a:normAutofit/>
+          </a:bodyPr>
+          <a:lstStyle/>
+          <a:p>
+            <a:pPr algn="ctr"/>
+            <a:r>
+              <a:rPr lang="en-US" sz="4000">
+                <a:solidFill>
+                  <a:srgbClr val="FFFFFF"/>
+                </a:solidFill>
+              </a:rPr>
+              <a:t>Experiments</a:t>
+            </a:r>
+          </a:p>
+        </p:txBody>
+      </p:sp>
+      <p:sp>
+        <p:nvSpPr>
+          <p:cNvPr id="4" name="Tijdelijke aanduiding voor inhoud 3">
+            <a:extLst>
+              <a:ext uri="{FF2B5EF4-FFF2-40B4-BE49-F238E27FC236}">
+                <a16:creationId xmlns:a16="http://schemas.microsoft.com/office/drawing/2014/main" id="{9A70C3DC-7683-4899-8F79-3F1DCE719FF8}"/>
+              </a:ext>
+            </a:extLst>
+          </p:cNvPr>
+          <p:cNvSpPr>
+            <a:spLocks noGrp="1"/>
+          </p:cNvSpPr>
+          <p:nvPr>
+            <p:ph idx="1"/>
+          </p:nvPr>
+        </p:nvSpPr>
+        <p:spPr>
+          <a:xfrm>
+            <a:off x="838048" y="3114747"/>
+            <a:ext cx="10515600" cy="4044099"/>
+          </a:xfrm>
+        </p:spPr>
+        <p:txBody>
+          <a:bodyPr>
+            <a:normAutofit/>
+          </a:bodyPr>
+          <a:lstStyle/>
+          <a:p>
+            <a:r>
+              <a:rPr lang="nl-NL" sz="2400" dirty="0"/>
+              <a:t>Made experiments by modifying parameters, then measured the result</a:t>
+            </a:r>
+            <a:br>
+              <a:rPr lang="nl-NL" sz="2400" dirty="0"/>
+            </a:br>
+            <a:endParaRPr lang="nl-NL" sz="2400" dirty="0"/>
+          </a:p>
+          <a:p>
+            <a:r>
+              <a:rPr lang="nl-NL" sz="2400" dirty="0"/>
+              <a:t>See Excel sheet</a:t>
+            </a:r>
+          </a:p>
+        </p:txBody>
+      </p:sp>
+    </p:spTree>
+    <p:extLst>
+      <p:ext uri="{BB962C8B-B14F-4D97-AF65-F5344CB8AC3E}">
+        <p14:creationId xmlns:p14="http://schemas.microsoft.com/office/powerpoint/2010/main" val="1740015535"/>
+      </p:ext>
+    </p:extLst>
+  </p:cSld>
+  <p:clrMapOvr>
+    <a:masterClrMapping/>
+  </p:clrMapOvr>
+</p:sld>
+</file>
+
+<file path=ppt/slides/slide8.xml><?xml version="1.0" encoding="utf-8"?>
+<p:sld xmlns:a="http://schemas.openxmlformats.org/drawingml/2006/main" xmlns:r="http://schemas.openxmlformats.org/officeDocument/2006/relationships" xmlns:p="http://schemas.openxmlformats.org/presentationml/2006/main">
+  <p:cSld>
+    <p:bg>
+      <p:bgPr>
+        <a:solidFill>
+          <a:schemeClr val="bg1"/>
+        </a:solidFill>
+        <a:effectLst/>
+      </p:bgPr>
+    </p:bg>
+    <p:spTree>
+      <p:nvGrpSpPr>
+        <p:cNvPr id="1" name=""/>
+        <p:cNvGrpSpPr/>
+        <p:nvPr/>
+      </p:nvGrpSpPr>
+      <p:grpSpPr>
+        <a:xfrm>
+          <a:off x="0" y="0"/>
+          <a:ext cx="0" cy="0"/>
+          <a:chOff x="0" y="0"/>
+          <a:chExt cx="0" cy="0"/>
+        </a:xfrm>
+      </p:grpSpPr>
+      <p:sp>
+        <p:nvSpPr>
+          <p:cNvPr id="9" name="Rectangle 8">
+            <a:extLst>
+              <a:ext uri="{FF2B5EF4-FFF2-40B4-BE49-F238E27FC236}">
+                <a16:creationId xmlns:a16="http://schemas.microsoft.com/office/drawing/2014/main" id="{4351DFE5-F63D-4BE0-BDA9-E3EB88F01AA5}"/>
+              </a:ext>
+              <a:ext uri="{C183D7F6-B498-43B3-948B-1728B52AA6E4}">
+                <adec:decorative xmlns:adec="http://schemas.microsoft.com/office/drawing/2017/decorative" val="1"/>
+              </a:ext>
+            </a:extLst>
+          </p:cNvPr>
+          <p:cNvSpPr>
+            <a:spLocks noGrp="1" noRot="1" noChangeAspect="1" noMove="1" noResize="1" noEditPoints="1" noAdjustHandles="1" noChangeArrowheads="1" noChangeShapeType="1" noTextEdit="1"/>
+          </p:cNvSpPr>
+          <p:nvPr>
+            <p:extLst>
+              <p:ext uri="{386F3935-93C4-4BCD-93E2-E3B085C9AB24}">
+                <p16:designElem xmlns:p16="http://schemas.microsoft.com/office/powerpoint/2015/main" val="1"/>
+              </p:ext>
+            </p:extLst>
+          </p:nvPr>
+        </p:nvSpPr>
+        <p:spPr>
+          <a:xfrm>
+            <a:off x="355601" y="0"/>
+            <a:ext cx="11480494" cy="2753936"/>
+          </a:xfrm>
+          <a:prstGeom prst="rect">
+            <a:avLst/>
+          </a:prstGeom>
+          <a:gradFill>
+            <a:gsLst>
+              <a:gs pos="0">
+                <a:schemeClr val="accent1">
+                  <a:lumMod val="90000"/>
+                </a:schemeClr>
+              </a:gs>
+              <a:gs pos="25000">
+                <a:schemeClr val="accent1">
+                  <a:lumMod val="90000"/>
+                </a:schemeClr>
+              </a:gs>
+              <a:gs pos="94000">
+                <a:schemeClr val="bg2">
+                  <a:lumMod val="25000"/>
+                </a:schemeClr>
+              </a:gs>
+              <a:gs pos="100000">
+                <a:schemeClr val="bg2">
+                  <a:lumMod val="25000"/>
+                </a:schemeClr>
+              </a:gs>
+            </a:gsLst>
+            <a:lin ang="4200000" scaled="0"/>
+          </a:gradFill>
+          <a:ln>
+            <a:noFill/>
+          </a:ln>
+        </p:spPr>
+        <p:style>
+          <a:lnRef idx="2">
+            <a:schemeClr val="accent1">
+              <a:shade val="50000"/>
+            </a:schemeClr>
+          </a:lnRef>
+          <a:fillRef idx="1">
+            <a:schemeClr val="accent1"/>
+          </a:fillRef>
+          <a:effectRef idx="0">
+            <a:schemeClr val="accent1"/>
+          </a:effectRef>
+          <a:fontRef idx="minor">
+            <a:schemeClr val="lt1"/>
+          </a:fontRef>
+        </p:style>
+        <p:txBody>
+          <a:bodyPr rtlCol="0" anchor="ctr"/>
+          <a:lstStyle/>
+          <a:p>
+            <a:pPr algn="ctr"/>
+            <a:endParaRPr lang="en-US"/>
+          </a:p>
+        </p:txBody>
+      </p:sp>
+      <p:pic>
+        <p:nvPicPr>
+          <p:cNvPr id="11" name="Picture 10">
+            <a:extLst>
+              <a:ext uri="{FF2B5EF4-FFF2-40B4-BE49-F238E27FC236}">
+                <a16:creationId xmlns:a16="http://schemas.microsoft.com/office/drawing/2014/main" id="{3AA16612-ACD2-4A16-8F2B-4514FD6BF28F}"/>
+              </a:ext>
+              <a:ext uri="{C183D7F6-B498-43B3-948B-1728B52AA6E4}">
+                <adec:decorative xmlns:adec="http://schemas.microsoft.com/office/drawing/2017/decorative" val="1"/>
+              </a:ext>
+            </a:extLst>
+          </p:cNvPr>
+          <p:cNvPicPr>
+            <a:picLocks noGrp="1" noRot="1" noChangeAspect="1" noMove="1" noResize="1" noEditPoints="1" noAdjustHandles="1" noChangeArrowheads="1" noChangeShapeType="1" noCrop="1"/>
+          </p:cNvPicPr>
+          <p:nvPr>
+            <p:extLst>
+              <p:ext uri="{386F3935-93C4-4BCD-93E2-E3B085C9AB24}">
+                <p16:designElem xmlns:p16="http://schemas.microsoft.com/office/powerpoint/2015/main" val="1"/>
+              </p:ext>
+            </p:extLst>
+          </p:nvPr>
+        </p:nvPicPr>
+        <p:blipFill>
+          <a:blip r:embed="rId3">
+            <a:extLst>
+              <a:ext uri="{28A0092B-C50C-407E-A947-70E740481C1C}">
+                <a14:useLocalDpi xmlns:a14="http://schemas.microsoft.com/office/drawing/2010/main" val="0"/>
+              </a:ext>
+            </a:extLst>
+          </a:blip>
+          <a:stretch>
+            <a:fillRect/>
+          </a:stretch>
+        </p:blipFill>
+        <p:spPr>
+          <a:xfrm>
+            <a:off x="0" y="0"/>
+            <a:ext cx="12192000" cy="6858000"/>
+          </a:xfrm>
+          <a:prstGeom prst="rect">
+            <a:avLst/>
+          </a:prstGeom>
+        </p:spPr>
+      </p:pic>
+      <p:sp>
+        <p:nvSpPr>
+          <p:cNvPr id="2" name="Titel 1">
+            <a:extLst>
+              <a:ext uri="{FF2B5EF4-FFF2-40B4-BE49-F238E27FC236}">
+                <a16:creationId xmlns:a16="http://schemas.microsoft.com/office/drawing/2014/main" id="{F09CB10F-A9B0-47E3-8D37-EE5738010EB8}"/>
+              </a:ext>
+            </a:extLst>
+          </p:cNvPr>
+          <p:cNvSpPr>
+            <a:spLocks noGrp="1"/>
+          </p:cNvSpPr>
+          <p:nvPr>
+            <p:ph type="title"/>
+          </p:nvPr>
+        </p:nvSpPr>
+        <p:spPr>
+          <a:xfrm>
+            <a:off x="1179226" y="826680"/>
+            <a:ext cx="9833548" cy="1325563"/>
+          </a:xfrm>
+        </p:spPr>
+        <p:txBody>
+          <a:bodyPr>
+            <a:normAutofit/>
+          </a:bodyPr>
+          <a:lstStyle/>
+          <a:p>
+            <a:pPr algn="ctr"/>
+            <a:r>
+              <a:rPr lang="en-US" sz="4000" dirty="0">
+                <a:solidFill>
+                  <a:srgbClr val="FFFFFF"/>
+                </a:solidFill>
+              </a:rPr>
+              <a:t>Phase 3 Schedule</a:t>
+            </a:r>
+          </a:p>
+        </p:txBody>
+      </p:sp>
+      <p:pic>
+        <p:nvPicPr>
+          <p:cNvPr id="7" name="Tijdelijke aanduiding voor inhoud 6">
+            <a:extLst>
+              <a:ext uri="{FF2B5EF4-FFF2-40B4-BE49-F238E27FC236}">
+                <a16:creationId xmlns:a16="http://schemas.microsoft.com/office/drawing/2014/main" id="{AD8E2633-1423-4190-A486-4C931558ECFB}"/>
+              </a:ext>
+            </a:extLst>
+          </p:cNvPr>
+          <p:cNvPicPr>
+            <a:picLocks noGrp="1" noChangeAspect="1"/>
+          </p:cNvPicPr>
+          <p:nvPr>
+            <p:ph idx="1"/>
+          </p:nvPr>
+        </p:nvPicPr>
+        <p:blipFill>
+          <a:blip r:embed="rId4"/>
+          <a:stretch>
+            <a:fillRect/>
+          </a:stretch>
+        </p:blipFill>
+        <p:spPr>
+          <a:xfrm>
+            <a:off x="1630755" y="2753936"/>
+            <a:ext cx="8930186" cy="3969769"/>
+          </a:xfrm>
+          <a:prstGeom prst="rect">
+            <a:avLst/>
+          </a:prstGeom>
+        </p:spPr>
+      </p:pic>
+    </p:spTree>
+    <p:extLst>
+      <p:ext uri="{BB962C8B-B14F-4D97-AF65-F5344CB8AC3E}">
+        <p14:creationId xmlns:p14="http://schemas.microsoft.com/office/powerpoint/2010/main" val="869961210"/>
+      </p:ext>
+    </p:extLst>
+  </p:cSld>
+  <p:clrMapOvr>
+    <a:masterClrMapping/>
+  </p:clrMapOvr>
+</p:sld>
+</file>
+
+<file path=ppt/slides/slide9.xml><?xml version="1.0" encoding="utf-8"?>
+<p:sld xmlns:a="http://schemas.openxmlformats.org/drawingml/2006/main" xmlns:r="http://schemas.openxmlformats.org/officeDocument/2006/relationships" xmlns:p="http://schemas.openxmlformats.org/presentationml/2006/main">
+  <p:cSld>
+    <p:bg>
+      <p:bgPr>
+        <a:solidFill>
+          <a:schemeClr val="bg1"/>
+        </a:solidFill>
+        <a:effectLst/>
+      </p:bgPr>
+    </p:bg>
+    <p:spTree>
+      <p:nvGrpSpPr>
+        <p:cNvPr id="1" name=""/>
+        <p:cNvGrpSpPr/>
+        <p:nvPr/>
+      </p:nvGrpSpPr>
+      <p:grpSpPr>
+        <a:xfrm>
+          <a:off x="0" y="0"/>
+          <a:ext cx="0" cy="0"/>
+          <a:chOff x="0" y="0"/>
+          <a:chExt cx="0" cy="0"/>
+        </a:xfrm>
+      </p:grpSpPr>
+      <p:sp>
+        <p:nvSpPr>
+          <p:cNvPr id="8" name="Rectangle 7">
+            <a:extLst>
+              <a:ext uri="{FF2B5EF4-FFF2-40B4-BE49-F238E27FC236}">
+                <a16:creationId xmlns:a16="http://schemas.microsoft.com/office/drawing/2014/main" id="{4351DFE5-F63D-4BE0-BDA9-E3EB88F01AA5}"/>
+              </a:ext>
+              <a:ext uri="{C183D7F6-B498-43B3-948B-1728B52AA6E4}">
+                <adec:decorative xmlns:adec="http://schemas.microsoft.com/office/drawing/2017/decorative" val="1"/>
+              </a:ext>
+            </a:extLst>
+          </p:cNvPr>
+          <p:cNvSpPr>
+            <a:spLocks noGrp="1" noRot="1" noChangeAspect="1" noMove="1" noResize="1" noEditPoints="1" noAdjustHandles="1" noChangeArrowheads="1" noChangeShapeType="1" noTextEdit="1"/>
+          </p:cNvSpPr>
+          <p:nvPr>
+            <p:extLst>
+              <p:ext uri="{386F3935-93C4-4BCD-93E2-E3B085C9AB24}">
+                <p16:designElem xmlns:p16="http://schemas.microsoft.com/office/powerpoint/2015/main" val="1"/>
+              </p:ext>
+            </p:extLst>
+          </p:nvPr>
+        </p:nvSpPr>
+        <p:spPr>
+          <a:xfrm>
+            <a:off x="355601" y="0"/>
+            <a:ext cx="11480494" cy="2753936"/>
+          </a:xfrm>
+          <a:prstGeom prst="rect">
+            <a:avLst/>
+          </a:prstGeom>
+          <a:gradFill>
+            <a:gsLst>
+              <a:gs pos="0">
+                <a:schemeClr val="accent1">
+                  <a:lumMod val="90000"/>
+                </a:schemeClr>
+              </a:gs>
+              <a:gs pos="25000">
+                <a:schemeClr val="accent1">
+                  <a:lumMod val="90000"/>
+                </a:schemeClr>
+              </a:gs>
+              <a:gs pos="94000">
+                <a:schemeClr val="bg2">
+                  <a:lumMod val="25000"/>
+                </a:schemeClr>
+              </a:gs>
+              <a:gs pos="100000">
+                <a:schemeClr val="bg2">
+                  <a:lumMod val="25000"/>
+                </a:schemeClr>
+              </a:gs>
+            </a:gsLst>
+            <a:lin ang="4200000" scaled="0"/>
+          </a:gradFill>
+          <a:ln>
+            <a:noFill/>
+          </a:ln>
+        </p:spPr>
+        <p:style>
+          <a:lnRef idx="2">
+            <a:schemeClr val="accent1">
+              <a:shade val="50000"/>
+            </a:schemeClr>
+          </a:lnRef>
+          <a:fillRef idx="1">
+            <a:schemeClr val="accent1"/>
+          </a:fillRef>
+          <a:effectRef idx="0">
+            <a:schemeClr val="accent1"/>
+          </a:effectRef>
+          <a:fontRef idx="minor">
+            <a:schemeClr val="lt1"/>
+          </a:fontRef>
+        </p:style>
+        <p:txBody>
+          <a:bodyPr rtlCol="0" anchor="ctr"/>
+          <a:lstStyle/>
+          <a:p>
+            <a:pPr algn="ctr"/>
+            <a:endParaRPr lang="en-US"/>
+          </a:p>
+        </p:txBody>
+      </p:sp>
+      <p:pic>
+        <p:nvPicPr>
+          <p:cNvPr id="10" name="Picture 9">
+            <a:extLst>
+              <a:ext uri="{FF2B5EF4-FFF2-40B4-BE49-F238E27FC236}">
+                <a16:creationId xmlns:a16="http://schemas.microsoft.com/office/drawing/2014/main" id="{3AA16612-ACD2-4A16-8F2B-4514FD6BF28F}"/>
+              </a:ext>
+              <a:ext uri="{C183D7F6-B498-43B3-948B-1728B52AA6E4}">
+                <adec:decorative xmlns:adec="http://schemas.microsoft.com/office/drawing/2017/decorative" val="1"/>
+              </a:ext>
+            </a:extLst>
+          </p:cNvPr>
+          <p:cNvPicPr>
+            <a:picLocks noGrp="1" noRot="1" noChangeAspect="1" noMove="1" noResize="1" noEditPoints="1" noAdjustHandles="1" noChangeArrowheads="1" noChangeShapeType="1" noCrop="1"/>
+          </p:cNvPicPr>
+          <p:nvPr>
+            <p:extLst>
+              <p:ext uri="{386F3935-93C4-4BCD-93E2-E3B085C9AB24}">
+                <p16:designElem xmlns:p16="http://schemas.microsoft.com/office/powerpoint/2015/main" val="1"/>
+              </p:ext>
+            </p:extLst>
+          </p:nvPr>
+        </p:nvPicPr>
+        <p:blipFill>
+          <a:blip r:embed="rId3">
+            <a:extLst>
+              <a:ext uri="{28A0092B-C50C-407E-A947-70E740481C1C}">
+                <a14:useLocalDpi xmlns:a14="http://schemas.microsoft.com/office/drawing/2010/main" val="0"/>
+              </a:ext>
+            </a:extLst>
+          </a:blip>
+          <a:stretch>
+            <a:fillRect/>
+          </a:stretch>
+        </p:blipFill>
+        <p:spPr>
+          <a:xfrm>
+            <a:off x="0" y="0"/>
+            <a:ext cx="12192000" cy="6858000"/>
+          </a:xfrm>
+          <a:prstGeom prst="rect">
+            <a:avLst/>
+          </a:prstGeom>
+        </p:spPr>
+      </p:pic>
+      <p:sp>
+        <p:nvSpPr>
+          <p:cNvPr id="2" name="Titel 1">
+            <a:extLst>
+              <a:ext uri="{FF2B5EF4-FFF2-40B4-BE49-F238E27FC236}">
+                <a16:creationId xmlns:a16="http://schemas.microsoft.com/office/drawing/2014/main" id="{A01959A0-4AC6-4417-AF0B-2E14852A226A}"/>
+              </a:ext>
+            </a:extLst>
+          </p:cNvPr>
+          <p:cNvSpPr>
+            <a:spLocks noGrp="1"/>
+          </p:cNvSpPr>
+          <p:nvPr>
+            <p:ph type="title"/>
+          </p:nvPr>
+        </p:nvSpPr>
+        <p:spPr>
+          <a:xfrm>
+            <a:off x="1179226" y="826680"/>
+            <a:ext cx="9833548" cy="1325563"/>
+          </a:xfrm>
+        </p:spPr>
+        <p:txBody>
+          <a:bodyPr>
+            <a:normAutofit/>
+          </a:bodyPr>
+          <a:lstStyle/>
+          <a:p>
+            <a:pPr algn="ctr"/>
+            <a:r>
+              <a:rPr lang="en-US" sz="4000" dirty="0">
+                <a:solidFill>
+                  <a:srgbClr val="FFFFFF"/>
+                </a:solidFill>
+              </a:rPr>
+              <a:t>Demo</a:t>
+            </a:r>
+          </a:p>
+        </p:txBody>
+      </p:sp>
+      <p:sp>
+        <p:nvSpPr>
+          <p:cNvPr id="4" name="Tijdelijke aanduiding voor inhoud 3">
+            <a:extLst>
+              <a:ext uri="{FF2B5EF4-FFF2-40B4-BE49-F238E27FC236}">
+                <a16:creationId xmlns:a16="http://schemas.microsoft.com/office/drawing/2014/main" id="{9A70C3DC-7683-4899-8F79-3F1DCE719FF8}"/>
+              </a:ext>
+            </a:extLst>
+          </p:cNvPr>
+          <p:cNvSpPr>
+            <a:spLocks noGrp="1"/>
+          </p:cNvSpPr>
+          <p:nvPr>
+            <p:ph idx="1"/>
+          </p:nvPr>
+        </p:nvSpPr>
+        <p:spPr>
+          <a:xfrm>
+            <a:off x="963778" y="3114747"/>
+            <a:ext cx="10515600" cy="4044099"/>
+          </a:xfrm>
+        </p:spPr>
+        <p:txBody>
+          <a:bodyPr/>
+          <a:lstStyle/>
+          <a:p>
+            <a:r>
+              <a:rPr lang="nl-NL" dirty="0"/>
+              <a:t>Show demo</a:t>
+            </a:r>
+          </a:p>
+        </p:txBody>
+      </p:sp>
+    </p:spTree>
+    <p:extLst>
+      <p:ext uri="{BB962C8B-B14F-4D97-AF65-F5344CB8AC3E}">
+        <p14:creationId xmlns:p14="http://schemas.microsoft.com/office/powerpoint/2010/main" val="2320719096"/>
       </p:ext>
     </p:extLst>
   </p:cSld>

--- a/documentation/Phase 2 experiments/Presentation second phase.pptx
+++ b/documentation/Phase 2 experiments/Presentation second phase.pptx
@@ -520,31 +520,7 @@
           <a:p>
             <a:r>
               <a:rPr lang="en-GB" dirty="0"/>
-              <a:t>The different objectives for the Second Phase were</a:t>
-            </a:r>
-          </a:p>
-          <a:p>
-            <a:r>
-              <a:rPr lang="en-GB" b="1" u="sng" dirty="0"/>
-              <a:t>	to improve the solar system simulation by using a higher-order differential equations solver</a:t>
-            </a:r>
-          </a:p>
-          <a:p>
-            <a:r>
-              <a:rPr lang="en-GB" b="1" u="sng" dirty="0"/>
-              <a:t>	create a program to simulate the landing on Titan</a:t>
-            </a:r>
-          </a:p>
-          <a:p>
-            <a:r>
-              <a:rPr lang="en-GB" b="1" u="sng" dirty="0"/>
-              <a:t>		Devise an open-loop controller, as well as a feedback controller</a:t>
-            </a:r>
-          </a:p>
-          <a:p>
-            <a:r>
-              <a:rPr lang="en-GB" b="1" u="sng" dirty="0"/>
-              <a:t>	Then, in a next step, add stochastic wind and check which controller is still able to successfully land</a:t>
+              <a:t>Tobias</a:t>
             </a:r>
           </a:p>
         </p:txBody>
@@ -566,7 +542,7 @@
           <a:p>
             <a:fld id="{508C1811-C778-4C97-A863-AD4A19CD14B1}" type="slidenum">
               <a:rPr lang="en-GB" smtClean="0"/>
-              <a:t>2</a:t>
+              <a:t>1</a:t>
             </a:fld>
             <a:endParaRPr lang="en-GB"/>
           </a:p>
@@ -575,7 +551,91 @@
     </p:spTree>
     <p:extLst>
       <p:ext uri="{BB962C8B-B14F-4D97-AF65-F5344CB8AC3E}">
-        <p14:creationId xmlns:p14="http://schemas.microsoft.com/office/powerpoint/2010/main" val="1685193991"/>
+        <p14:creationId xmlns:p14="http://schemas.microsoft.com/office/powerpoint/2010/main" val="981852675"/>
+      </p:ext>
+    </p:extLst>
+  </p:cSld>
+  <p:clrMapOvr>
+    <a:masterClrMapping/>
+  </p:clrMapOvr>
+</p:notes>
+</file>
+
+<file path=ppt/notesSlides/notesSlide10.xml><?xml version="1.0" encoding="utf-8"?>
+<p:notes xmlns:a="http://schemas.openxmlformats.org/drawingml/2006/main" xmlns:r="http://schemas.openxmlformats.org/officeDocument/2006/relationships" xmlns:p="http://schemas.openxmlformats.org/presentationml/2006/main">
+  <p:cSld>
+    <p:spTree>
+      <p:nvGrpSpPr>
+        <p:cNvPr id="1" name=""/>
+        <p:cNvGrpSpPr/>
+        <p:nvPr/>
+      </p:nvGrpSpPr>
+      <p:grpSpPr>
+        <a:xfrm>
+          <a:off x="0" y="0"/>
+          <a:ext cx="0" cy="0"/>
+          <a:chOff x="0" y="0"/>
+          <a:chExt cx="0" cy="0"/>
+        </a:xfrm>
+      </p:grpSpPr>
+      <p:sp>
+        <p:nvSpPr>
+          <p:cNvPr id="2" name="Slide Image Placeholder 1"/>
+          <p:cNvSpPr>
+            <a:spLocks noGrp="1" noRot="1" noChangeAspect="1"/>
+          </p:cNvSpPr>
+          <p:nvPr>
+            <p:ph type="sldImg"/>
+          </p:nvPr>
+        </p:nvSpPr>
+        <p:spPr/>
+      </p:sp>
+      <p:sp>
+        <p:nvSpPr>
+          <p:cNvPr id="3" name="Notes Placeholder 2"/>
+          <p:cNvSpPr>
+            <a:spLocks noGrp="1"/>
+          </p:cNvSpPr>
+          <p:nvPr>
+            <p:ph type="body" idx="1"/>
+          </p:nvPr>
+        </p:nvSpPr>
+        <p:spPr/>
+        <p:txBody>
+          <a:bodyPr/>
+          <a:lstStyle/>
+          <a:p>
+            <a:endParaRPr lang="en-GB" dirty="0"/>
+          </a:p>
+        </p:txBody>
+      </p:sp>
+      <p:sp>
+        <p:nvSpPr>
+          <p:cNvPr id="4" name="Slide Number Placeholder 3"/>
+          <p:cNvSpPr>
+            <a:spLocks noGrp="1"/>
+          </p:cNvSpPr>
+          <p:nvPr>
+            <p:ph type="sldNum" sz="quarter" idx="5"/>
+          </p:nvPr>
+        </p:nvSpPr>
+        <p:spPr/>
+        <p:txBody>
+          <a:bodyPr/>
+          <a:lstStyle/>
+          <a:p>
+            <a:fld id="{508C1811-C778-4C97-A863-AD4A19CD14B1}" type="slidenum">
+              <a:rPr lang="en-GB" smtClean="0"/>
+              <a:t>10</a:t>
+            </a:fld>
+            <a:endParaRPr lang="en-GB"/>
+          </a:p>
+        </p:txBody>
+      </p:sp>
+    </p:spTree>
+    <p:extLst>
+      <p:ext uri="{BB962C8B-B14F-4D97-AF65-F5344CB8AC3E}">
+        <p14:creationId xmlns:p14="http://schemas.microsoft.com/office/powerpoint/2010/main" val="724590109"/>
       </p:ext>
     </p:extLst>
   </p:cSld>
@@ -631,7 +691,7 @@
           <a:p>
             <a:r>
               <a:rPr lang="en-GB" dirty="0"/>
-              <a:t>Valentin or Victor ?</a:t>
+              <a:t>Tobias</a:t>
             </a:r>
           </a:p>
           <a:p>
@@ -639,33 +699,32 @@
           </a:p>
           <a:p>
             <a:r>
+              <a:rPr lang="en-GB" dirty="0"/>
+              <a:t>The different objectives for the Second Phase were</a:t>
+            </a:r>
+          </a:p>
+          <a:p>
+            <a:r>
               <a:rPr lang="en-GB" b="1" u="sng" dirty="0"/>
-              <a:t>In Phase 1, we used Euler’s method to simulate the planets’ motion in the solar system, as well as the motion of the spacecraft. Also, we were not able to reach Titan by shooting the space probe.</a:t>
-            </a:r>
-          </a:p>
-          <a:p>
-            <a:endParaRPr lang="en-GB" b="1" u="sng" dirty="0"/>
+              <a:t>	to improve the solar system simulation by using a higher-order differential equations solver</a:t>
+            </a:r>
           </a:p>
           <a:p>
             <a:r>
               <a:rPr lang="en-GB" b="1" u="sng" dirty="0"/>
-              <a:t>The improvements since the second phase are that we implemented a </a:t>
-            </a:r>
-            <a:r>
-              <a:rPr lang="en-GB" b="1" u="sng" dirty="0" err="1"/>
-              <a:t>Fourt</a:t>
-            </a:r>
+              <a:t>	create a program to simulate the landing on Titan</a:t>
+            </a:r>
+          </a:p>
+          <a:p>
             <a:r>
               <a:rPr lang="en-GB" b="1" u="sng" dirty="0"/>
-              <a:t>-order Runge </a:t>
-            </a:r>
-            <a:r>
-              <a:rPr lang="en-GB" b="1" u="sng" dirty="0" err="1"/>
-              <a:t>Kutta</a:t>
-            </a:r>
+              <a:t>		Devise an open-loop controller, as well as a feedback controller</a:t>
+            </a:r>
+          </a:p>
+          <a:p>
             <a:r>
               <a:rPr lang="en-GB" b="1" u="sng" dirty="0"/>
-              <a:t> method for computing the positions of the different bodies in the Solar System, which is more precise than Euler’s method. Additionally, we now have a method for computing an angle to launch the Space probe in order to reach Titan</a:t>
+              <a:t>	Then, in a next step, add stochastic wind and check which controller is still able to successfully land</a:t>
             </a:r>
           </a:p>
         </p:txBody>
@@ -687,7 +746,7 @@
           <a:p>
             <a:fld id="{508C1811-C778-4C97-A863-AD4A19CD14B1}" type="slidenum">
               <a:rPr lang="en-GB" smtClean="0"/>
-              <a:t>3</a:t>
+              <a:t>2</a:t>
             </a:fld>
             <a:endParaRPr lang="en-GB"/>
           </a:p>
@@ -696,7 +755,7 @@
     </p:spTree>
     <p:extLst>
       <p:ext uri="{BB962C8B-B14F-4D97-AF65-F5344CB8AC3E}">
-        <p14:creationId xmlns:p14="http://schemas.microsoft.com/office/powerpoint/2010/main" val="1167146455"/>
+        <p14:creationId xmlns:p14="http://schemas.microsoft.com/office/powerpoint/2010/main" val="1685193991"/>
       </p:ext>
     </p:extLst>
   </p:cSld>
@@ -751,149 +810,42 @@
           <a:lstStyle/>
           <a:p>
             <a:r>
-              <a:rPr lang="en-US" sz="2400" dirty="0">
-                <a:solidFill>
-                  <a:srgbClr val="000000"/>
-                </a:solidFill>
-              </a:rPr>
-              <a:t>Open-Loop Controller</a:t>
-            </a:r>
-          </a:p>
-          <a:p>
-            <a:pPr lvl="1"/>
-            <a:r>
-              <a:rPr lang="en-US" sz="1800" b="1" u="sng" dirty="0">
-                <a:solidFill>
-                  <a:srgbClr val="000000"/>
-                </a:solidFill>
-              </a:rPr>
-              <a:t>In an open-Loop Controller, </a:t>
-            </a:r>
-            <a:r>
-              <a:rPr lang="en-US" sz="1800" dirty="0">
-                <a:solidFill>
-                  <a:srgbClr val="000000"/>
-                </a:solidFill>
-              </a:rPr>
-              <a:t>the control action performed </a:t>
-            </a:r>
-            <a:r>
-              <a:rPr lang="en-US" sz="1800" b="1" u="sng" dirty="0">
-                <a:solidFill>
-                  <a:srgbClr val="000000"/>
-                </a:solidFill>
-              </a:rPr>
-              <a:t>is </a:t>
-            </a:r>
-            <a:r>
-              <a:rPr lang="en-US" sz="1800" dirty="0">
-                <a:solidFill>
-                  <a:srgbClr val="000000"/>
-                </a:solidFill>
-              </a:rPr>
-              <a:t>independent of the “process output</a:t>
-            </a:r>
-            <a:r>
-              <a:rPr lang="en-US" sz="1800" b="1" u="sng" dirty="0">
-                <a:solidFill>
-                  <a:srgbClr val="000000"/>
-                </a:solidFill>
-              </a:rPr>
-              <a:t>”, which is the variable being controlled</a:t>
-            </a:r>
-          </a:p>
-          <a:p>
-            <a:pPr lvl="1"/>
-            <a:r>
-              <a:rPr lang="en-US" sz="1800" dirty="0">
-                <a:solidFill>
-                  <a:srgbClr val="000000"/>
-                </a:solidFill>
-              </a:rPr>
-              <a:t>Example: heater which heats for a given time</a:t>
-            </a:r>
-            <a:r>
-              <a:rPr lang="en-US" sz="1800" b="1" u="sng" dirty="0">
-                <a:solidFill>
-                  <a:srgbClr val="000000"/>
-                </a:solidFill>
-              </a:rPr>
-              <a:t>, without measuring the temperature of the room</a:t>
-            </a:r>
-          </a:p>
-          <a:p>
-            <a:pPr lvl="1"/>
-            <a:endParaRPr lang="en-US" sz="1800" dirty="0">
-              <a:solidFill>
-                <a:srgbClr val="000000"/>
-              </a:solidFill>
-            </a:endParaRPr>
-          </a:p>
-          <a:p>
-            <a:r>
-              <a:rPr lang="en-US" sz="2200" b="1" u="sng" dirty="0">
-                <a:solidFill>
-                  <a:srgbClr val="000000"/>
-                </a:solidFill>
-              </a:rPr>
-              <a:t>How it works </a:t>
-            </a:r>
-            <a:r>
-              <a:rPr lang="en-US" sz="2200" dirty="0">
-                <a:solidFill>
-                  <a:srgbClr val="000000"/>
-                </a:solidFill>
-              </a:rPr>
-              <a:t>for the landing:</a:t>
-            </a:r>
-          </a:p>
-          <a:p>
-            <a:pPr lvl="1"/>
-            <a:r>
-              <a:rPr lang="en-US" sz="1800" b="1" u="sng" dirty="0">
-                <a:solidFill>
-                  <a:srgbClr val="000000"/>
-                </a:solidFill>
-              </a:rPr>
-              <a:t>The landing module uses a </a:t>
-            </a:r>
-            <a:r>
-              <a:rPr lang="en-US" sz="1800" dirty="0">
-                <a:solidFill>
-                  <a:srgbClr val="000000"/>
-                </a:solidFill>
-              </a:rPr>
-              <a:t>constant thrust </a:t>
-            </a:r>
-            <a:r>
-              <a:rPr lang="en-US" sz="1800" b="1" u="sng" dirty="0">
-                <a:solidFill>
-                  <a:srgbClr val="000000"/>
-                </a:solidFill>
-                <a:effectLst/>
-              </a:rPr>
-              <a:t>at every moment, which would have to be nearly equal in norm to the gravity</a:t>
-            </a:r>
-          </a:p>
-          <a:p>
-            <a:pPr lvl="1"/>
-            <a:endParaRPr lang="en-US" sz="1800" b="1" u="sng" dirty="0">
-              <a:solidFill>
-                <a:srgbClr val="000000"/>
-              </a:solidFill>
-              <a:effectLst/>
-            </a:endParaRPr>
-          </a:p>
-          <a:p>
-            <a:pPr lvl="0"/>
-            <a:r>
-              <a:rPr lang="en-US" sz="1800" b="1" u="sng" dirty="0">
-                <a:solidFill>
-                  <a:srgbClr val="000000"/>
-                </a:solidFill>
-                <a:effectLst/>
-              </a:rPr>
-              <a:t>Does not take into account anything, so can not counter the wind</a:t>
+              <a:rPr lang="en-GB" dirty="0"/>
+              <a:t>Valentin</a:t>
+            </a:r>
+          </a:p>
+          <a:p>
+            <a:endParaRPr lang="en-GB" dirty="0"/>
+          </a:p>
+          <a:p>
+            <a:r>
+              <a:rPr lang="en-GB" b="1" u="sng" dirty="0"/>
+              <a:t>In Phase 1, we used Euler’s method to simulate the planets’ motion in the solar system, as well as the motion of the spacecraft. Also, we were not able to reach Titan by shooting the space probe.</a:t>
+            </a:r>
+          </a:p>
+          <a:p>
+            <a:endParaRPr lang="en-GB" b="1" u="sng" dirty="0"/>
+          </a:p>
+          <a:p>
+            <a:r>
+              <a:rPr lang="en-GB" b="1" u="sng" dirty="0"/>
+              <a:t>The improvements since the second phase are that we implemented a </a:t>
+            </a:r>
+            <a:r>
+              <a:rPr lang="en-GB" b="1" u="sng" dirty="0" err="1"/>
+              <a:t>Fourt</a:t>
+            </a:r>
+            <a:r>
+              <a:rPr lang="en-GB" b="1" u="sng" dirty="0"/>
+              <a:t>-order Runge </a:t>
+            </a:r>
+            <a:r>
+              <a:rPr lang="en-GB" b="1" u="sng" dirty="0" err="1"/>
+              <a:t>Kutta</a:t>
+            </a:r>
+            <a:r>
+              <a:rPr lang="en-GB" b="1" u="sng" dirty="0"/>
+              <a:t> method for computing the positions of the different bodies in the Solar System, which is more precise than Euler’s method. Additionally, we now have a method for computing an angle to launch the Space probe in order to reach Titan</a:t>
             </a:r>
           </a:p>
         </p:txBody>
@@ -915,7 +867,7 @@
           <a:p>
             <a:fld id="{508C1811-C778-4C97-A863-AD4A19CD14B1}" type="slidenum">
               <a:rPr lang="en-GB" smtClean="0"/>
-              <a:t>4</a:t>
+              <a:t>3</a:t>
             </a:fld>
             <a:endParaRPr lang="en-GB"/>
           </a:p>
@@ -924,7 +876,7 @@
     </p:spTree>
     <p:extLst>
       <p:ext uri="{BB962C8B-B14F-4D97-AF65-F5344CB8AC3E}">
-        <p14:creationId xmlns:p14="http://schemas.microsoft.com/office/powerpoint/2010/main" val="1371945585"/>
+        <p14:creationId xmlns:p14="http://schemas.microsoft.com/office/powerpoint/2010/main" val="1167146455"/>
       </p:ext>
     </p:extLst>
   </p:cSld>
@@ -984,35 +936,11 @@
                   <a:srgbClr val="000000"/>
                 </a:solidFill>
               </a:rPr>
-              <a:t>Feedback Controller</a:t>
-            </a:r>
-          </a:p>
-          <a:p>
-            <a:pPr lvl="1"/>
-            <a:r>
-              <a:rPr lang="en-US" sz="2000" dirty="0">
-                <a:solidFill>
-                  <a:srgbClr val="000000"/>
-                </a:solidFill>
-              </a:rPr>
-              <a:t>Opposite of the open-loop controller</a:t>
-            </a:r>
-            <a:r>
-              <a:rPr lang="en-US" sz="2000" b="1" u="sng" dirty="0">
-                <a:solidFill>
-                  <a:srgbClr val="000000"/>
-                </a:solidFill>
-              </a:rPr>
-              <a:t>, so can take into account all given variables, which are the x- and y-position, the x- and y-velocity, as well as the angle</a:t>
-            </a:r>
-            <a:br>
-              <a:rPr lang="en-US" sz="2000" b="1" u="sng" dirty="0">
-                <a:solidFill>
-                  <a:srgbClr val="000000"/>
-                </a:solidFill>
-              </a:rPr>
-            </a:br>
-            <a:endParaRPr lang="en-US" sz="2400" b="1" u="sng" dirty="0">
+              <a:t>Roy</a:t>
+            </a:r>
+          </a:p>
+          <a:p>
+            <a:endParaRPr lang="en-US" sz="2400" dirty="0">
               <a:solidFill>
                 <a:srgbClr val="000000"/>
               </a:solidFill>
@@ -1020,73 +948,151 @@
           </a:p>
           <a:p>
             <a:r>
-              <a:rPr lang="en-US" sz="2400" b="1" u="sng" dirty="0">
+              <a:rPr lang="en-US" sz="2400" dirty="0">
                 <a:solidFill>
                   <a:srgbClr val="000000"/>
                 </a:solidFill>
               </a:rPr>
-              <a:t>In this case, that means:</a:t>
-            </a:r>
-            <a:r>
-              <a:rPr lang="en-US" sz="2400" dirty="0">
+              <a:t>Open-Loop Controller</a:t>
+            </a:r>
+          </a:p>
+          <a:p>
+            <a:pPr lvl="1"/>
+            <a:r>
+              <a:rPr lang="en-US" sz="1800" b="1" u="sng" dirty="0">
                 <a:solidFill>
                   <a:srgbClr val="000000"/>
                 </a:solidFill>
               </a:rPr>
-              <a:t> </a:t>
+              <a:t>In an open-Loop Controller, </a:t>
+            </a:r>
+            <a:r>
+              <a:rPr lang="en-US" sz="1800" dirty="0">
+                <a:solidFill>
+                  <a:srgbClr val="000000"/>
+                </a:solidFill>
+              </a:rPr>
+              <a:t>the control action performed </a:t>
+            </a:r>
+            <a:r>
+              <a:rPr lang="en-US" sz="1800" b="1" u="sng" dirty="0">
+                <a:solidFill>
+                  <a:srgbClr val="000000"/>
+                </a:solidFill>
+              </a:rPr>
+              <a:t>is </a:t>
+            </a:r>
+            <a:r>
+              <a:rPr lang="en-US" sz="1800" dirty="0">
+                <a:solidFill>
+                  <a:srgbClr val="000000"/>
+                </a:solidFill>
+              </a:rPr>
+              <a:t>independent of the “process output</a:t>
+            </a:r>
+            <a:r>
+              <a:rPr lang="en-US" sz="1800" b="1" u="sng" dirty="0">
+                <a:solidFill>
+                  <a:srgbClr val="000000"/>
+                </a:solidFill>
+              </a:rPr>
+              <a:t>”, which is the variable being controlled</a:t>
             </a:r>
           </a:p>
           <a:p>
             <a:pPr lvl="1"/>
             <a:r>
-              <a:rPr lang="en-US" sz="2000" dirty="0">
+              <a:rPr lang="en-US" sz="1800" dirty="0">
                 <a:solidFill>
                   <a:srgbClr val="000000"/>
                 </a:solidFill>
               </a:rPr>
-              <a:t>Correct the x-position </a:t>
-            </a:r>
-            <a:r>
-              <a:rPr lang="en-US" sz="2000" b="1" u="sng" dirty="0">
+              <a:t>Example: heater which heats for a given time</a:t>
+            </a:r>
+            <a:r>
+              <a:rPr lang="en-US" sz="1800" b="1" u="sng" dirty="0">
                 <a:solidFill>
                   <a:srgbClr val="000000"/>
                 </a:solidFill>
               </a:rPr>
-              <a:t>by modifying the angle of the landing module</a:t>
-            </a:r>
-            <a:r>
-              <a:rPr lang="en-GB" sz="2000" b="1" u="sng" dirty="0">
-                <a:solidFill>
-                  <a:srgbClr val="000000"/>
-                </a:solidFill>
-              </a:rPr>
-              <a:t> in order to make the main thruster exert a partially horizontal force</a:t>
+              <a:t>, without measuring the temperature of the room</a:t>
             </a:r>
           </a:p>
           <a:p>
             <a:pPr lvl="1"/>
-            <a:r>
-              <a:rPr lang="en-GB" sz="2000" b="0" i="0" u="none" dirty="0">
-                <a:solidFill>
-                  <a:srgbClr val="000000"/>
-                </a:solidFill>
-              </a:rPr>
-              <a:t>Determine whether we need to use the thruster </a:t>
-            </a:r>
-            <a:r>
-              <a:rPr lang="en-GB" sz="2000" b="1" i="0" u="sng" dirty="0">
-                <a:solidFill>
-                  <a:srgbClr val="000000"/>
-                </a:solidFill>
-              </a:rPr>
-              <a:t>or not in order to land safely</a:t>
-            </a:r>
-            <a:endParaRPr lang="en-US" sz="2000" b="1" i="0" u="sng" dirty="0">
+            <a:endParaRPr lang="en-US" sz="1800" dirty="0">
               <a:solidFill>
                 <a:srgbClr val="000000"/>
               </a:solidFill>
             </a:endParaRPr>
           </a:p>
+          <a:p>
+            <a:r>
+              <a:rPr lang="en-US" sz="2200" b="1" u="sng" dirty="0">
+                <a:solidFill>
+                  <a:srgbClr val="000000"/>
+                </a:solidFill>
+              </a:rPr>
+              <a:t>How it works </a:t>
+            </a:r>
+            <a:r>
+              <a:rPr lang="en-US" sz="2200" dirty="0">
+                <a:solidFill>
+                  <a:srgbClr val="000000"/>
+                </a:solidFill>
+              </a:rPr>
+              <a:t>for the landing:</a:t>
+            </a:r>
+          </a:p>
+          <a:p>
+            <a:pPr lvl="1"/>
+            <a:r>
+              <a:rPr lang="en-US" sz="1800" b="1" u="sng" dirty="0">
+                <a:solidFill>
+                  <a:srgbClr val="000000"/>
+                </a:solidFill>
+              </a:rPr>
+              <a:t>The landing module uses a </a:t>
+            </a:r>
+            <a:r>
+              <a:rPr lang="en-US" sz="1800" dirty="0">
+                <a:solidFill>
+                  <a:srgbClr val="000000"/>
+                </a:solidFill>
+              </a:rPr>
+              <a:t>constant thrust </a:t>
+            </a:r>
+            <a:r>
+              <a:rPr lang="en-US" sz="1800" b="1" u="sng" dirty="0">
+                <a:solidFill>
+                  <a:srgbClr val="000000"/>
+                </a:solidFill>
+                <a:effectLst/>
+              </a:rPr>
+              <a:t>at every moment, which would have to be nearly equal in norm to the gravity</a:t>
+            </a:r>
+          </a:p>
+          <a:p>
+            <a:pPr lvl="1"/>
+            <a:endParaRPr lang="en-US" sz="1800" b="1" u="sng" dirty="0">
+              <a:solidFill>
+                <a:srgbClr val="000000"/>
+              </a:solidFill>
+              <a:effectLst/>
+            </a:endParaRPr>
+          </a:p>
+          <a:p>
+            <a:pPr lvl="0"/>
+            <a:r>
+              <a:rPr lang="en-US" sz="1800" b="1" u="sng" dirty="0">
+                <a:solidFill>
+                  <a:srgbClr val="000000"/>
+                </a:solidFill>
+                <a:effectLst/>
+              </a:rPr>
+              <a:t>Does not take into account anything, so can not counter the wind</a:t>
+            </a:r>
+          </a:p>
         </p:txBody>
       </p:sp>
       <p:sp>
@@ -1106,7 +1112,7 @@
           <a:p>
             <a:fld id="{508C1811-C778-4C97-A863-AD4A19CD14B1}" type="slidenum">
               <a:rPr lang="en-GB" smtClean="0"/>
-              <a:t>5</a:t>
+              <a:t>4</a:t>
             </a:fld>
             <a:endParaRPr lang="en-GB"/>
           </a:p>
@@ -1115,7 +1121,7 @@
     </p:spTree>
     <p:extLst>
       <p:ext uri="{BB962C8B-B14F-4D97-AF65-F5344CB8AC3E}">
-        <p14:creationId xmlns:p14="http://schemas.microsoft.com/office/powerpoint/2010/main" val="2605890027"/>
+        <p14:creationId xmlns:p14="http://schemas.microsoft.com/office/powerpoint/2010/main" val="1371945585"/>
       </p:ext>
     </p:extLst>
   </p:cSld>
@@ -1170,94 +1176,136 @@
           <a:lstStyle/>
           <a:p>
             <a:r>
-              <a:rPr lang="en-US" sz="2000" b="1" i="0" u="sng" dirty="0">
+              <a:rPr lang="en-US" sz="2400" dirty="0" err="1">
                 <a:solidFill>
                   <a:srgbClr val="000000"/>
                 </a:solidFill>
               </a:rPr>
-              <a:t>In our model, we have a constant setting the maximum acceleration caused by the wind</a:t>
-            </a:r>
-          </a:p>
-          <a:p>
+              <a:t>Joep</a:t>
+            </a:r>
+            <a:endParaRPr lang="en-US" sz="2400" dirty="0">
+              <a:solidFill>
+                <a:srgbClr val="000000"/>
+              </a:solidFill>
+            </a:endParaRPr>
+          </a:p>
+          <a:p>
+            <a:endParaRPr lang="en-US" sz="2400" dirty="0">
+              <a:solidFill>
+                <a:srgbClr val="000000"/>
+              </a:solidFill>
+            </a:endParaRPr>
+          </a:p>
+          <a:p>
+            <a:r>
+              <a:rPr lang="en-US" sz="2400" dirty="0">
+                <a:solidFill>
+                  <a:srgbClr val="000000"/>
+                </a:solidFill>
+              </a:rPr>
+              <a:t>Feedback Controller</a:t>
+            </a:r>
+          </a:p>
+          <a:p>
+            <a:pPr lvl="1"/>
+            <a:r>
+              <a:rPr lang="en-US" sz="2000" dirty="0">
+                <a:solidFill>
+                  <a:srgbClr val="000000"/>
+                </a:solidFill>
+              </a:rPr>
+              <a:t>Opposite of the open-loop controller</a:t>
+            </a:r>
+            <a:r>
+              <a:rPr lang="en-US" sz="2000" b="1" u="sng" dirty="0">
+                <a:solidFill>
+                  <a:srgbClr val="000000"/>
+                </a:solidFill>
+              </a:rPr>
+              <a:t>, so can take into account all given variables, which are the x- and y-position, the x- and y-velocity, as well as the angle</a:t>
+            </a:r>
+            <a:br>
+              <a:rPr lang="en-US" sz="2000" b="1" u="sng" dirty="0">
+                <a:solidFill>
+                  <a:srgbClr val="000000"/>
+                </a:solidFill>
+              </a:rPr>
+            </a:br>
+            <a:endParaRPr lang="en-US" sz="2400" b="1" u="sng" dirty="0">
+              <a:solidFill>
+                <a:srgbClr val="000000"/>
+              </a:solidFill>
+            </a:endParaRPr>
+          </a:p>
+          <a:p>
+            <a:r>
+              <a:rPr lang="en-US" sz="2400" b="1" u="sng" dirty="0">
+                <a:solidFill>
+                  <a:srgbClr val="000000"/>
+                </a:solidFill>
+              </a:rPr>
+              <a:t>In this case, that means:</a:t>
+            </a:r>
+            <a:r>
+              <a:rPr lang="en-US" sz="2400" dirty="0">
+                <a:solidFill>
+                  <a:srgbClr val="000000"/>
+                </a:solidFill>
+              </a:rPr>
+              <a:t> </a:t>
+            </a:r>
+          </a:p>
+          <a:p>
+            <a:pPr lvl="1"/>
+            <a:r>
+              <a:rPr lang="en-US" sz="2000" dirty="0">
+                <a:solidFill>
+                  <a:srgbClr val="000000"/>
+                </a:solidFill>
+              </a:rPr>
+              <a:t>Correct the x-position </a:t>
+            </a:r>
+            <a:r>
+              <a:rPr lang="en-US" sz="2000" b="1" u="sng" dirty="0">
+                <a:solidFill>
+                  <a:srgbClr val="000000"/>
+                </a:solidFill>
+              </a:rPr>
+              <a:t>by modifying the angle of the landing module</a:t>
+            </a:r>
+            <a:r>
+              <a:rPr lang="en-GB" sz="2000" b="1" u="sng" dirty="0">
+                <a:solidFill>
+                  <a:srgbClr val="000000"/>
+                </a:solidFill>
+              </a:rPr>
+              <a:t> in order to make the main thruster exert a partially horizontal force</a:t>
+            </a:r>
+          </a:p>
+          <a:p>
+            <a:pPr lvl="1"/>
+            <a:r>
+              <a:rPr lang="en-GB" sz="2000" b="0" i="0" u="none" dirty="0">
+                <a:solidFill>
+                  <a:srgbClr val="000000"/>
+                </a:solidFill>
+              </a:rPr>
+              <a:t>Determine whether we need to use the thruster </a:t>
+            </a:r>
+            <a:r>
+              <a:rPr lang="en-GB" sz="2000" b="1" i="0" u="sng" dirty="0">
+                <a:solidFill>
+                  <a:srgbClr val="000000"/>
+                </a:solidFill>
+              </a:rPr>
+              <a:t>or not in order to land safely</a:t>
+            </a:r>
             <a:endParaRPr lang="en-US" sz="2000" b="1" i="0" u="sng" dirty="0">
               <a:solidFill>
                 <a:srgbClr val="000000"/>
               </a:solidFill>
             </a:endParaRPr>
           </a:p>
-          <a:p>
-            <a:r>
-              <a:rPr lang="en-US" sz="2000" b="1" i="0" u="sng" dirty="0">
-                <a:solidFill>
-                  <a:srgbClr val="000000"/>
-                </a:solidFill>
-              </a:rPr>
-              <a:t>The generated wind is generated in a random direction and of a randomized intensity between 0 and 1.</a:t>
-            </a:r>
-          </a:p>
-          <a:p>
-            <a:endParaRPr lang="en-US" sz="2000" b="1" i="0" u="sng" dirty="0">
-              <a:solidFill>
-                <a:srgbClr val="000000"/>
-              </a:solidFill>
-            </a:endParaRPr>
-          </a:p>
-          <a:p>
-            <a:r>
-              <a:rPr lang="en-US" sz="2000" b="1" i="0" u="sng" dirty="0">
-                <a:solidFill>
-                  <a:srgbClr val="000000"/>
-                </a:solidFill>
-              </a:rPr>
-              <a:t>We read that the strongest wind measured during the landing of the probe from NASA was 120 m/s, but given that our thruster is set to have a maximum strength of 2500 N, we couldn’t make the maximum wind 120 m/s </a:t>
-            </a:r>
-            <a:r>
-              <a:rPr lang="en-US" sz="2000" b="1" i="1" u="none" dirty="0">
-                <a:solidFill>
-                  <a:srgbClr val="000000"/>
-                </a:solidFill>
-              </a:rPr>
-              <a:t>*</a:t>
-            </a:r>
-            <a:r>
-              <a:rPr lang="en-US" sz="2000" b="0" i="1" u="none" dirty="0">
-                <a:solidFill>
-                  <a:srgbClr val="000000"/>
-                </a:solidFill>
-              </a:rPr>
-              <a:t>(</a:t>
-            </a:r>
-            <a:r>
-              <a:rPr lang="en-US" sz="2000" b="1" i="1" u="none" dirty="0">
-                <a:solidFill>
-                  <a:srgbClr val="000000"/>
-                </a:solidFill>
-              </a:rPr>
-              <a:t>SAY THIS ONLY IF THEY ASK !!! </a:t>
-            </a:r>
-            <a:r>
-              <a:rPr lang="en-US" sz="2000" b="0" i="1" u="none" dirty="0">
-                <a:solidFill>
-                  <a:srgbClr val="000000"/>
-                </a:solidFill>
-              </a:rPr>
-              <a:t>thruster force in Newtons still needs to be divided by the weight of the landing module, which we set to 800 kgs)*</a:t>
-            </a:r>
-          </a:p>
-          <a:p>
-            <a:endParaRPr lang="en-US" sz="2000" b="0" i="1" u="none" dirty="0">
-              <a:solidFill>
-                <a:srgbClr val="000000"/>
-              </a:solidFill>
-            </a:endParaRPr>
-          </a:p>
-          <a:p>
-            <a:endParaRPr lang="en-US" sz="2000" b="0" i="1" u="none" dirty="0">
-              <a:solidFill>
-                <a:srgbClr val="000000"/>
-              </a:solidFill>
-            </a:endParaRPr>
-          </a:p>
         </p:txBody>
       </p:sp>
       <p:sp>
@@ -1277,7 +1325,7 @@
           <a:p>
             <a:fld id="{508C1811-C778-4C97-A863-AD4A19CD14B1}" type="slidenum">
               <a:rPr lang="en-GB" smtClean="0"/>
-              <a:t>6</a:t>
+              <a:t>5</a:t>
             </a:fld>
             <a:endParaRPr lang="en-GB"/>
           </a:p>
@@ -1286,7 +1334,7 @@
     </p:spTree>
     <p:extLst>
       <p:ext uri="{BB962C8B-B14F-4D97-AF65-F5344CB8AC3E}">
-        <p14:creationId xmlns:p14="http://schemas.microsoft.com/office/powerpoint/2010/main" val="3745284967"/>
+        <p14:creationId xmlns:p14="http://schemas.microsoft.com/office/powerpoint/2010/main" val="2605890027"/>
       </p:ext>
     </p:extLst>
   </p:cSld>
@@ -1341,35 +1389,110 @@
           <a:lstStyle/>
           <a:p>
             <a:r>
-              <a:rPr lang="nl-NL" dirty="0"/>
-              <a:t>Made experiments by modifying parameters </a:t>
-            </a:r>
-            <a:r>
-              <a:rPr lang="nl-NL" b="1" u="sng" dirty="0"/>
-              <a:t>one at a time</a:t>
-            </a:r>
-            <a:r>
-              <a:rPr lang="nl-NL" dirty="0"/>
-              <a:t>, then measured the </a:t>
-            </a:r>
-            <a:r>
-              <a:rPr lang="nl-NL" b="1" u="sng" dirty="0"/>
-              <a:t>x- and y- positions and velocities, as well as the angle and the time the landing module took to land</a:t>
-            </a:r>
-            <a:br>
-              <a:rPr lang="nl-NL" dirty="0"/>
-            </a:br>
-            <a:endParaRPr lang="nl-NL" dirty="0"/>
-          </a:p>
-          <a:p>
-            <a:r>
-              <a:rPr lang="nl-NL" dirty="0"/>
-              <a:t>See Excel sheet </a:t>
-            </a:r>
-            <a:r>
-              <a:rPr lang="nl-NL" i="1" dirty="0"/>
-              <a:t>*show the Excel sheet to them*</a:t>
-            </a:r>
+              <a:rPr lang="en-US" sz="2000" b="0" i="0" u="none" dirty="0">
+                <a:solidFill>
+                  <a:srgbClr val="000000"/>
+                </a:solidFill>
+              </a:rPr>
+              <a:t>Victor</a:t>
+            </a:r>
+          </a:p>
+          <a:p>
+            <a:endParaRPr lang="en-US" sz="2000" b="1" i="0" u="sng" dirty="0">
+              <a:solidFill>
+                <a:srgbClr val="000000"/>
+              </a:solidFill>
+            </a:endParaRPr>
+          </a:p>
+          <a:p>
+            <a:r>
+              <a:rPr lang="en-US" sz="2000" b="1" i="0" u="sng" dirty="0">
+                <a:solidFill>
+                  <a:srgbClr val="000000"/>
+                </a:solidFill>
+              </a:rPr>
+              <a:t>In our model, we have a constant setting the maximum acceleration caused by the wind</a:t>
+            </a:r>
+          </a:p>
+          <a:p>
+            <a:endParaRPr lang="en-US" sz="2000" b="1" i="0" u="sng" dirty="0">
+              <a:solidFill>
+                <a:srgbClr val="000000"/>
+              </a:solidFill>
+            </a:endParaRPr>
+          </a:p>
+          <a:p>
+            <a:r>
+              <a:rPr lang="en-US" sz="2000" b="1" i="0" u="sng" dirty="0">
+                <a:solidFill>
+                  <a:srgbClr val="000000"/>
+                </a:solidFill>
+              </a:rPr>
+              <a:t>The generated wind is generated in a random direction and of a randomized intensity between 0 and 1.</a:t>
+            </a:r>
+          </a:p>
+          <a:p>
+            <a:endParaRPr lang="en-US" sz="2000" b="1" i="0" u="sng" dirty="0">
+              <a:solidFill>
+                <a:srgbClr val="000000"/>
+              </a:solidFill>
+            </a:endParaRPr>
+          </a:p>
+          <a:p>
+            <a:r>
+              <a:rPr lang="en-US" sz="2000" b="1" i="0" u="sng" dirty="0">
+                <a:solidFill>
+                  <a:srgbClr val="000000"/>
+                </a:solidFill>
+              </a:rPr>
+              <a:t>We read that the strongest wind measured during the landing of the probe from NASA was 120 m/s, but given that our thruster is set to have a maximum strength of 2500 N, we couldn’t make the maximum wind 120 m/s </a:t>
+            </a:r>
+            <a:r>
+              <a:rPr lang="en-US" sz="2000" b="1" i="1" u="none" dirty="0">
+                <a:solidFill>
+                  <a:srgbClr val="000000"/>
+                </a:solidFill>
+              </a:rPr>
+              <a:t>*</a:t>
+            </a:r>
+            <a:r>
+              <a:rPr lang="en-US" sz="2000" b="0" i="1" u="none" dirty="0">
+                <a:solidFill>
+                  <a:srgbClr val="000000"/>
+                </a:solidFill>
+              </a:rPr>
+              <a:t>(</a:t>
+            </a:r>
+            <a:r>
+              <a:rPr lang="en-US" sz="2000" b="1" i="1" u="none" dirty="0">
+                <a:solidFill>
+                  <a:srgbClr val="000000"/>
+                </a:solidFill>
+              </a:rPr>
+              <a:t>SAY THIS ONLY IF THEY ASK !!! </a:t>
+            </a:r>
+            <a:r>
+              <a:rPr lang="en-US" sz="2000" b="0" i="1" u="none" dirty="0">
+                <a:solidFill>
+                  <a:srgbClr val="000000"/>
+                </a:solidFill>
+              </a:rPr>
+              <a:t>thruster force in Newtons still needs to be divided by the weight of the landing module, which we set to 800 kgs)*</a:t>
+            </a:r>
+          </a:p>
+          <a:p>
+            <a:endParaRPr lang="en-US" sz="2000" b="0" i="1" u="none" dirty="0">
+              <a:solidFill>
+                <a:srgbClr val="000000"/>
+              </a:solidFill>
+            </a:endParaRPr>
+          </a:p>
+          <a:p>
+            <a:endParaRPr lang="en-US" sz="2000" b="0" i="1" u="none" dirty="0">
+              <a:solidFill>
+                <a:srgbClr val="000000"/>
+              </a:solidFill>
+            </a:endParaRPr>
           </a:p>
         </p:txBody>
       </p:sp>
@@ -1390,7 +1513,7 @@
           <a:p>
             <a:fld id="{508C1811-C778-4C97-A863-AD4A19CD14B1}" type="slidenum">
               <a:rPr lang="en-GB" smtClean="0"/>
-              <a:t>7</a:t>
+              <a:t>6</a:t>
             </a:fld>
             <a:endParaRPr lang="en-GB"/>
           </a:p>
@@ -1399,7 +1522,7 @@
     </p:spTree>
     <p:extLst>
       <p:ext uri="{BB962C8B-B14F-4D97-AF65-F5344CB8AC3E}">
-        <p14:creationId xmlns:p14="http://schemas.microsoft.com/office/powerpoint/2010/main" val="2291648635"/>
+        <p14:creationId xmlns:p14="http://schemas.microsoft.com/office/powerpoint/2010/main" val="3745284967"/>
       </p:ext>
     </p:extLst>
   </p:cSld>
@@ -1454,69 +1577,43 @@
           <a:lstStyle/>
           <a:p>
             <a:r>
-              <a:rPr lang="en-GB" b="1" u="sng" dirty="0"/>
-              <a:t>Main tasks:</a:t>
-            </a:r>
-          </a:p>
-          <a:p>
-            <a:r>
-              <a:rPr lang="en-GB" b="1" u="sng" dirty="0"/>
-              <a:t>	Realizing a return mission from the orbit of the Titan </a:t>
-            </a:r>
-            <a:r>
-              <a:rPr lang="en-GB" i="1" dirty="0"/>
-              <a:t>*(ask if it is from the orbit or from the ground of Titan)*</a:t>
-            </a:r>
-          </a:p>
-          <a:p>
-            <a:r>
-              <a:rPr lang="en-GB" dirty="0"/>
-              <a:t>	</a:t>
-            </a:r>
-            <a:r>
-              <a:rPr lang="en-GB" b="1" i="0" u="sng" dirty="0"/>
-              <a:t>Reduce mission costs by reducing fuel consumption of the travel</a:t>
-            </a:r>
-          </a:p>
-          <a:p>
-            <a:r>
-              <a:rPr lang="en-GB" b="1" i="0" u="sng" dirty="0"/>
-              <a:t>		Idea: gravitation assist, problem: how to do that, we need to find formulas for it</a:t>
-            </a:r>
-          </a:p>
-          <a:p>
-            <a:r>
-              <a:rPr lang="en-GB" b="1" i="0" u="sng" dirty="0"/>
-              <a:t>	Search ways to improve the time taken for the travel </a:t>
-            </a:r>
-            <a:r>
-              <a:rPr lang="en-GB" i="1" dirty="0"/>
-              <a:t>*(ask if it concerns only the time of travel or also the time of landing)*</a:t>
-            </a:r>
-          </a:p>
-          <a:p>
-            <a:r>
-              <a:rPr lang="en-GB" i="0" dirty="0"/>
-              <a:t>	</a:t>
-            </a:r>
-            <a:r>
-              <a:rPr lang="en-GB" b="1" i="0" u="sng" dirty="0"/>
-              <a:t>Write report</a:t>
-            </a:r>
-          </a:p>
-          <a:p>
-            <a:endParaRPr lang="en-GB" b="1" i="0" u="sng" dirty="0"/>
-          </a:p>
-          <a:p>
-            <a:r>
-              <a:rPr lang="en-GB" b="1" i="0" u="sng" dirty="0"/>
-              <a:t>Other tasks:</a:t>
-            </a:r>
-          </a:p>
-          <a:p>
-            <a:r>
-              <a:rPr lang="en-GB" b="1" i="0" u="sng" dirty="0"/>
-              <a:t>	do experiments with the mission and find which parameters we could do experiments with</a:t>
+              <a:rPr lang="nl-NL" dirty="0"/>
+              <a:t>Valentin</a:t>
+            </a:r>
+          </a:p>
+          <a:p>
+            <a:endParaRPr lang="nl-NL" dirty="0"/>
+          </a:p>
+          <a:p>
+            <a:r>
+              <a:rPr lang="nl-NL" dirty="0"/>
+              <a:t>Made experiments by modifying parameters </a:t>
+            </a:r>
+            <a:r>
+              <a:rPr lang="nl-NL" b="1" u="sng" dirty="0"/>
+              <a:t>one at a time</a:t>
+            </a:r>
+            <a:r>
+              <a:rPr lang="nl-NL" dirty="0"/>
+              <a:t>, then measured the </a:t>
+            </a:r>
+            <a:r>
+              <a:rPr lang="nl-NL" b="1" u="sng" dirty="0"/>
+              <a:t>x- and y- positions and velocities, as well as the angle and the time the landing module took to land</a:t>
+            </a:r>
+            <a:br>
+              <a:rPr lang="nl-NL" dirty="0"/>
+            </a:br>
+            <a:endParaRPr lang="nl-NL" dirty="0"/>
+          </a:p>
+          <a:p>
+            <a:r>
+              <a:rPr lang="nl-NL" dirty="0"/>
+              <a:t>See Excel sheet </a:t>
+            </a:r>
+            <a:r>
+              <a:rPr lang="nl-NL" i="1" dirty="0"/>
+              <a:t>*show the Excel sheet to them*</a:t>
             </a:r>
           </a:p>
         </p:txBody>
@@ -1538,7 +1635,7 @@
           <a:p>
             <a:fld id="{508C1811-C778-4C97-A863-AD4A19CD14B1}" type="slidenum">
               <a:rPr lang="en-GB" smtClean="0"/>
-              <a:t>8</a:t>
+              <a:t>7</a:t>
             </a:fld>
             <a:endParaRPr lang="en-GB"/>
           </a:p>
@@ -1547,7 +1644,7 @@
     </p:spTree>
     <p:extLst>
       <p:ext uri="{BB962C8B-B14F-4D97-AF65-F5344CB8AC3E}">
-        <p14:creationId xmlns:p14="http://schemas.microsoft.com/office/powerpoint/2010/main" val="344017163"/>
+        <p14:creationId xmlns:p14="http://schemas.microsoft.com/office/powerpoint/2010/main" val="2291648635"/>
       </p:ext>
     </p:extLst>
   </p:cSld>
@@ -1602,8 +1699,78 @@
           <a:lstStyle/>
           <a:p>
             <a:r>
+              <a:rPr lang="en-GB" b="0" u="none" dirty="0"/>
+              <a:t>Paula</a:t>
+            </a:r>
+          </a:p>
+          <a:p>
+            <a:endParaRPr lang="en-GB" b="1" u="sng" dirty="0"/>
+          </a:p>
+          <a:p>
+            <a:r>
               <a:rPr lang="en-GB" b="1" u="sng" dirty="0"/>
-              <a:t>*Show demo by running program on someone’s computer*</a:t>
+              <a:t>Main tasks:</a:t>
+            </a:r>
+          </a:p>
+          <a:p>
+            <a:r>
+              <a:rPr lang="en-GB" b="1" u="sng" dirty="0"/>
+              <a:t>	Realizing a return mission from the orbit of the Titan </a:t>
+            </a:r>
+            <a:r>
+              <a:rPr lang="en-GB" i="1" dirty="0"/>
+              <a:t>*(ask if it is from the orbit or from the ground of Titan)*</a:t>
+            </a:r>
+          </a:p>
+          <a:p>
+            <a:r>
+              <a:rPr lang="en-GB" dirty="0"/>
+              <a:t>	</a:t>
+            </a:r>
+            <a:r>
+              <a:rPr lang="en-GB" b="1" i="0" u="sng" dirty="0"/>
+              <a:t>Reduce mission costs by reducing fuel consumption of the travel</a:t>
+            </a:r>
+          </a:p>
+          <a:p>
+            <a:r>
+              <a:rPr lang="en-GB" b="1" i="0" u="sng" dirty="0"/>
+              <a:t>		Idea: gravitation assist, problem: how to do that, we need to find formulas for it</a:t>
+            </a:r>
+          </a:p>
+          <a:p>
+            <a:r>
+              <a:rPr lang="en-GB" b="1" i="0" u="sng" dirty="0"/>
+              <a:t>	Search ways to improve the time taken for the travel </a:t>
+            </a:r>
+            <a:r>
+              <a:rPr lang="en-GB" i="1" dirty="0"/>
+              <a:t>*(ask if it concerns only the time of travel or also the time of landing)*</a:t>
+            </a:r>
+          </a:p>
+          <a:p>
+            <a:r>
+              <a:rPr lang="en-GB" i="0" dirty="0"/>
+              <a:t>	</a:t>
+            </a:r>
+            <a:r>
+              <a:rPr lang="en-GB" b="1" i="0" u="sng" dirty="0"/>
+              <a:t>Write report</a:t>
+            </a:r>
+          </a:p>
+          <a:p>
+            <a:endParaRPr lang="en-GB" b="1" i="0" u="sng" dirty="0"/>
+          </a:p>
+          <a:p>
+            <a:r>
+              <a:rPr lang="en-GB" b="1" i="0" u="sng" dirty="0"/>
+              <a:t>Other tasks:</a:t>
+            </a:r>
+          </a:p>
+          <a:p>
+            <a:r>
+              <a:rPr lang="en-GB" b="1" i="0" u="sng" dirty="0"/>
+              <a:t>	do experiments with the mission and find which parameters we could do experiments with</a:t>
             </a:r>
           </a:p>
         </p:txBody>
@@ -1625,7 +1792,7 @@
           <a:p>
             <a:fld id="{508C1811-C778-4C97-A863-AD4A19CD14B1}" type="slidenum">
               <a:rPr lang="en-GB" smtClean="0"/>
-              <a:t>9</a:t>
+              <a:t>8</a:t>
             </a:fld>
             <a:endParaRPr lang="en-GB"/>
           </a:p>
@@ -1634,7 +1801,7 @@
     </p:spTree>
     <p:extLst>
       <p:ext uri="{BB962C8B-B14F-4D97-AF65-F5344CB8AC3E}">
-        <p14:creationId xmlns:p14="http://schemas.microsoft.com/office/powerpoint/2010/main" val="1008206631"/>
+        <p14:creationId xmlns:p14="http://schemas.microsoft.com/office/powerpoint/2010/main" val="344017163"/>
       </p:ext>
     </p:extLst>
   </p:cSld>
@@ -1688,7 +1855,10 @@
           <a:bodyPr/>
           <a:lstStyle/>
           <a:p>
-            <a:endParaRPr lang="en-GB" dirty="0"/>
+            <a:r>
+              <a:rPr lang="en-GB" b="1" u="sng" dirty="0"/>
+              <a:t>*Show demo by running program on someone’s computer*</a:t>
+            </a:r>
           </a:p>
         </p:txBody>
       </p:sp>
@@ -1709,7 +1879,7 @@
           <a:p>
             <a:fld id="{508C1811-C778-4C97-A863-AD4A19CD14B1}" type="slidenum">
               <a:rPr lang="en-GB" smtClean="0"/>
-              <a:t>10</a:t>
+              <a:t>9</a:t>
             </a:fld>
             <a:endParaRPr lang="en-GB"/>
           </a:p>
@@ -1718,7 +1888,7 @@
     </p:spTree>
     <p:extLst>
       <p:ext uri="{BB962C8B-B14F-4D97-AF65-F5344CB8AC3E}">
-        <p14:creationId xmlns:p14="http://schemas.microsoft.com/office/powerpoint/2010/main" val="724590109"/>
+        <p14:creationId xmlns:p14="http://schemas.microsoft.com/office/powerpoint/2010/main" val="1008206631"/>
       </p:ext>
     </p:extLst>
   </p:cSld>
@@ -5060,7 +5230,7 @@
           </p:nvPr>
         </p:nvPicPr>
         <p:blipFill>
-          <a:blip r:embed="rId2">
+          <a:blip r:embed="rId3">
             <a:extLst>
               <a:ext uri="{28A0092B-C50C-407E-A947-70E740481C1C}">
                 <a14:useLocalDpi xmlns:a14="http://schemas.microsoft.com/office/drawing/2010/main" val="0"/>
@@ -5520,7 +5690,7 @@
       <p:pic>
         <p:nvPicPr>
           <p:cNvPr id="40" name="Afbeelding 39" descr="Gerelateerde afbeelding">
-            <a:hlinkClick r:id="rId3" tgtFrame="&quot;_blank&quot;"/>
+            <a:hlinkClick r:id="rId4" tgtFrame="&quot;_blank&quot;"/>
             <a:extLst>
               <a:ext uri="{FF2B5EF4-FFF2-40B4-BE49-F238E27FC236}">
                 <a16:creationId xmlns:a16="http://schemas.microsoft.com/office/drawing/2014/main" id="{C5EE0BF6-7FDC-44F5-A290-EA9E370B398D}"/>
@@ -5531,7 +5701,7 @@
           <p:nvPr/>
         </p:nvPicPr>
         <p:blipFill>
-          <a:blip r:embed="rId4">
+          <a:blip r:embed="rId5">
             <a:extLst>
               <a:ext uri="{28A0092B-C50C-407E-A947-70E740481C1C}">
                 <a14:useLocalDpi xmlns:a14="http://schemas.microsoft.com/office/drawing/2010/main" val="0"/>

--- a/documentation/Phase 2 experiments/Presentation second phase.pptx
+++ b/documentation/Phase 2 experiments/Presentation second phase.pptx
@@ -206,7 +206,7 @@
           <a:p>
             <a:fld id="{5A725F96-9635-4678-A485-FDC57A98AC9C}" type="datetimeFigureOut">
               <a:rPr lang="en-GB" smtClean="0"/>
-              <a:t>27/05/2019</a:t>
+              <a:t>28/05/2019</a:t>
             </a:fld>
             <a:endParaRPr lang="en-GB"/>
           </a:p>
@@ -2045,7 +2045,7 @@
           <a:p>
             <a:fld id="{AE3D364E-E8DA-4561-A064-E2CFF8B39183}" type="datetimeFigureOut">
               <a:rPr lang="nl-NL" smtClean="0"/>
-              <a:t>27-5-2019</a:t>
+              <a:t>28-5-2019</a:t>
             </a:fld>
             <a:endParaRPr lang="nl-NL"/>
           </a:p>
@@ -2243,7 +2243,7 @@
           <a:p>
             <a:fld id="{AE3D364E-E8DA-4561-A064-E2CFF8B39183}" type="datetimeFigureOut">
               <a:rPr lang="nl-NL" smtClean="0"/>
-              <a:t>27-5-2019</a:t>
+              <a:t>28-5-2019</a:t>
             </a:fld>
             <a:endParaRPr lang="nl-NL"/>
           </a:p>
@@ -2451,7 +2451,7 @@
           <a:p>
             <a:fld id="{AE3D364E-E8DA-4561-A064-E2CFF8B39183}" type="datetimeFigureOut">
               <a:rPr lang="nl-NL" smtClean="0"/>
-              <a:t>27-5-2019</a:t>
+              <a:t>28-5-2019</a:t>
             </a:fld>
             <a:endParaRPr lang="nl-NL"/>
           </a:p>
@@ -2649,7 +2649,7 @@
           <a:p>
             <a:fld id="{AE3D364E-E8DA-4561-A064-E2CFF8B39183}" type="datetimeFigureOut">
               <a:rPr lang="nl-NL" smtClean="0"/>
-              <a:t>27-5-2019</a:t>
+              <a:t>28-5-2019</a:t>
             </a:fld>
             <a:endParaRPr lang="nl-NL"/>
           </a:p>
@@ -2924,7 +2924,7 @@
           <a:p>
             <a:fld id="{AE3D364E-E8DA-4561-A064-E2CFF8B39183}" type="datetimeFigureOut">
               <a:rPr lang="nl-NL" smtClean="0"/>
-              <a:t>27-5-2019</a:t>
+              <a:t>28-5-2019</a:t>
             </a:fld>
             <a:endParaRPr lang="nl-NL"/>
           </a:p>
@@ -3189,7 +3189,7 @@
           <a:p>
             <a:fld id="{AE3D364E-E8DA-4561-A064-E2CFF8B39183}" type="datetimeFigureOut">
               <a:rPr lang="nl-NL" smtClean="0"/>
-              <a:t>27-5-2019</a:t>
+              <a:t>28-5-2019</a:t>
             </a:fld>
             <a:endParaRPr lang="nl-NL"/>
           </a:p>
@@ -3601,7 +3601,7 @@
           <a:p>
             <a:fld id="{AE3D364E-E8DA-4561-A064-E2CFF8B39183}" type="datetimeFigureOut">
               <a:rPr lang="nl-NL" smtClean="0"/>
-              <a:t>27-5-2019</a:t>
+              <a:t>28-5-2019</a:t>
             </a:fld>
             <a:endParaRPr lang="nl-NL"/>
           </a:p>
@@ -3742,7 +3742,7 @@
           <a:p>
             <a:fld id="{AE3D364E-E8DA-4561-A064-E2CFF8B39183}" type="datetimeFigureOut">
               <a:rPr lang="nl-NL" smtClean="0"/>
-              <a:t>27-5-2019</a:t>
+              <a:t>28-5-2019</a:t>
             </a:fld>
             <a:endParaRPr lang="nl-NL"/>
           </a:p>
@@ -3855,7 +3855,7 @@
           <a:p>
             <a:fld id="{AE3D364E-E8DA-4561-A064-E2CFF8B39183}" type="datetimeFigureOut">
               <a:rPr lang="nl-NL" smtClean="0"/>
-              <a:t>27-5-2019</a:t>
+              <a:t>28-5-2019</a:t>
             </a:fld>
             <a:endParaRPr lang="nl-NL"/>
           </a:p>
@@ -4166,7 +4166,7 @@
           <a:p>
             <a:fld id="{AE3D364E-E8DA-4561-A064-E2CFF8B39183}" type="datetimeFigureOut">
               <a:rPr lang="nl-NL" smtClean="0"/>
-              <a:t>27-5-2019</a:t>
+              <a:t>28-5-2019</a:t>
             </a:fld>
             <a:endParaRPr lang="nl-NL"/>
           </a:p>
@@ -4454,7 +4454,7 @@
           <a:p>
             <a:fld id="{AE3D364E-E8DA-4561-A064-E2CFF8B39183}" type="datetimeFigureOut">
               <a:rPr lang="nl-NL" smtClean="0"/>
-              <a:t>27-5-2019</a:t>
+              <a:t>28-5-2019</a:t>
             </a:fld>
             <a:endParaRPr lang="nl-NL"/>
           </a:p>
@@ -4695,7 +4695,7 @@
           <a:p>
             <a:fld id="{AE3D364E-E8DA-4561-A064-E2CFF8B39183}" type="datetimeFigureOut">
               <a:rPr lang="nl-NL" smtClean="0"/>
-              <a:t>27-5-2019</a:t>
+              <a:t>28-5-2019</a:t>
             </a:fld>
             <a:endParaRPr lang="nl-NL"/>
           </a:p>
@@ -8236,18 +8236,13 @@
           <a:p>
             <a:r>
               <a:rPr lang="nl-NL" sz="2400" dirty="0"/>
-              <a:t>Made experiments by modifying parameters, then measured the result</a:t>
-            </a:r>
-            <a:br>
-              <a:rPr lang="nl-NL" sz="2400" dirty="0"/>
-            </a:br>
+              <a:t>Made experiments by modifying parameters, then measured </a:t>
+            </a:r>
+            <a:r>
+              <a:rPr lang="nl-NL" sz="2400"/>
+              <a:t>the result</a:t>
+            </a:r>
             <a:endParaRPr lang="nl-NL" sz="2400" dirty="0"/>
-          </a:p>
-          <a:p>
-            <a:r>
-              <a:rPr lang="nl-NL" sz="2400" dirty="0"/>
-              <a:t>See Excel sheet</a:t>
-            </a:r>
           </a:p>
         </p:txBody>
       </p:sp>

--- a/documentation/Phase 2 experiments/Presentation second phase.pptx
+++ b/documentation/Phase 2 experiments/Presentation second phase.pptx
@@ -829,15 +829,7 @@
           <a:p>
             <a:r>
               <a:rPr lang="en-GB" b="1" u="sng" dirty="0"/>
-              <a:t>The improvements since the second phase are that we implemented a </a:t>
-            </a:r>
-            <a:r>
-              <a:rPr lang="en-GB" b="1" u="sng" dirty="0" err="1"/>
-              <a:t>Fourt</a:t>
-            </a:r>
-            <a:r>
-              <a:rPr lang="en-GB" b="1" u="sng" dirty="0"/>
-              <a:t>-order Runge </a:t>
+              <a:t>The improvements since the first phase are that we implemented a Fourth-order Runge-</a:t>
             </a:r>
             <a:r>
               <a:rPr lang="en-GB" b="1" u="sng" dirty="0" err="1"/>
@@ -845,7 +837,7 @@
             </a:r>
             <a:r>
               <a:rPr lang="en-GB" b="1" u="sng" dirty="0"/>
-              <a:t> method for computing the positions of the different bodies in the Solar System, which is more precise than Euler’s method. Additionally, we now have a method for computing an angle to launch the Space probe in order to reach Titan</a:t>
+              <a:t> method for computing the positions of the different bodies in the Solar System, which is more precise than Euler’s method. Additionally, we now have a method for computing an angle to launch the Space probe in in order to reach Titan</a:t>
             </a:r>
           </a:p>
         </p:txBody>
@@ -1608,13 +1600,10 @@
           </a:p>
           <a:p>
             <a:r>
-              <a:rPr lang="nl-NL" dirty="0"/>
-              <a:t>See Excel sheet </a:t>
-            </a:r>
-            <a:r>
-              <a:rPr lang="nl-NL" i="1" dirty="0"/>
-              <a:t>*show the Excel sheet to them*</a:t>
-            </a:r>
+              <a:rPr lang="nl-NL"/>
+              <a:t>Explain the results of the experiments</a:t>
+            </a:r>
+            <a:endParaRPr lang="nl-NL" i="1" dirty="0"/>
           </a:p>
         </p:txBody>
       </p:sp>
@@ -7316,7 +7305,7 @@
                   <a:srgbClr val="000000"/>
                 </a:solidFill>
               </a:rPr>
-              <a:t>the control action performed = independent of the “process output</a:t>
+              <a:t>the control action performed = independent of the “process output”</a:t>
             </a:r>
           </a:p>
           <a:p>
@@ -8236,13 +8225,8 @@
           <a:p>
             <a:r>
               <a:rPr lang="nl-NL" sz="2400" dirty="0"/>
-              <a:t>Made experiments by modifying parameters, then measured </a:t>
-            </a:r>
-            <a:r>
-              <a:rPr lang="nl-NL" sz="2400"/>
-              <a:t>the result</a:t>
-            </a:r>
-            <a:endParaRPr lang="nl-NL" sz="2400" dirty="0"/>
+              <a:t>Made experiments by modifying parameters, then measured the result</a:t>
+            </a:r>
           </a:p>
         </p:txBody>
       </p:sp>
